--- a/result.pptx
+++ b/result.pptx
@@ -8,14 +8,14 @@
     <p:notesMasterId r:id="rId5"/>
   </p:notesMasterIdLst>
   <p:sldIdLst>
-    <p:sldId id="256" r:id="rId2"/>
-    <p:sldId id="257" r:id="rId3"/>
-    <p:sldId id="258" r:id="rId4"/>
-    <p:sldId id="259" r:id="rId5"/>
-    <p:sldId id="260" r:id="rId6"/>
-    <p:sldId id="261" r:id="rId7"/>
-    <p:sldId id="262" r:id="rId8"/>
-    <p:sldId id="263" r:id="rId9"/>
+    <p:sldId id="256" r:id="rId6"/>
+    <p:sldId id="257" r:id="rId7"/>
+    <p:sldId id="258" r:id="rId8"/>
+    <p:sldId id="259" r:id="rId9"/>
+    <p:sldId id="260" r:id="rId10"/>
+    <p:sldId id="261" r:id="rId11"/>
+    <p:sldId id="262" r:id="rId12"/>
+    <p:sldId id="263" r:id="rId13"/>
   </p:sldIdLst>
   <p:sldSz cy="5143500" cx="9144000"/>
   <p:notesSz cx="6858000" cy="9144000"/>

--- a/result.pptx
+++ b/result.pptx
@@ -15,7 +15,6 @@
     <p:sldId id="260" r:id="rId10"/>
     <p:sldId id="261" r:id="rId11"/>
     <p:sldId id="262" r:id="rId12"/>
-    <p:sldId id="263" r:id="rId13"/>
   </p:sldIdLst>
   <p:sldSz cy="5143500" cx="9144000"/>
   <p:notesSz cx="6858000" cy="9144000"/>
@@ -6286,7 +6285,7 @@
             </a:pPr>
             <a:r>
               <a:rPr lang="ru"/>
-              <a:t>Цифровая трансформация банка</a:t>
+              <a:t>Будущее искусственного интеллекта в образовании</a:t>
             </a:r>
             <a:r>
               <a:rPr lang="ru"/>
@@ -6346,7 +6345,7 @@
                   <a:schemeClr val="dk1"/>
                 </a:solidFill>
               </a:rPr>
-              <a:t>Стратегия развития на 2025–2027</a:t>
+              <a:t>Иван Иванов • 28 февраля 2026 г.</a:t>
             </a:r>
             <a:endParaRPr sz="1490"/>
           </a:p>
@@ -6411,7 +6410,7 @@
             </a:pPr>
             <a:r>
               <a:rPr lang="ru"/>
-              <a:t>Ключевые цели программы</a:t>
+              <a:t>Ключевые направления развития ИИ в образовании</a:t>
             </a:r>
             <a:endParaRPr/>
           </a:p>
@@ -6465,7 +6464,7 @@
             </a:pPr>
             <a:r>
               <a:rPr lang="ru"/>
-              <a:t>Повысить NPS с 41 до 65 к 2026 году</a:t>
+              <a:t>Адаптивные учебные пути, подстраиваемые под уровень и стиль каждого ученика</a:t>
             </a:r>
             <a:endParaRPr/>
           </a:p>
@@ -6519,7 +6518,7 @@
             </a:pPr>
             <a:r>
               <a:rPr lang="ru"/>
-              <a:t>Запустить новое мобильное приложение в Q3 2025</a:t>
+              <a:t>Автоматизированная оценка и обратная связь в режиме реального времени</a:t>
             </a:r>
             <a:endParaRPr/>
           </a:p>
@@ -6573,7 +6572,7 @@
             </a:pPr>
             <a:r>
               <a:rPr lang="ru"/>
-              <a:t>Сократить время онбординга до 5 минут</a:t>
+              <a:t>Интеллектуальные помощники для поддержки преподавателей в планировании и управлении классом</a:t>
             </a:r>
             <a:endParaRPr/>
           </a:p>
@@ -6627,7 +6626,7 @@
             </a:pPr>
             <a:r>
               <a:rPr lang="ru"/>
-              <a:t>Перевести 80% операций в цифровой канал</a:t>
+              <a:t>Расширенный доступ к персонализированным ресурсам через облачные платформы и виртуальную реальность</a:t>
             </a:r>
             <a:endParaRPr/>
           </a:p>
@@ -6646,7 +6645,7 @@
   <p:cSld>
     <p:spTree>
       <p:nvGrpSpPr>
-        <p:cNvPr id="79" name="Shape 79"/>
+        <p:cNvPr id="114" name="Shape 114"/>
         <p:cNvGrpSpPr/>
         <p:nvPr/>
       </p:nvGrpSpPr>
@@ -6660,7 +6659,7 @@
       </p:grpSpPr>
       <p:sp>
         <p:nvSpPr>
-          <p:cNvPr id="80" name="Google Shape;80;p16"/>
+          <p:cNvPr id="115" name="Google Shape;115;p20"/>
           <p:cNvSpPr txBox="1"/>
           <p:nvPr>
             <p:ph type="title"/>
@@ -6668,7 +6667,7 @@
         </p:nvSpPr>
         <p:spPr>
           <a:xfrm>
-            <a:off x="311700" y="445025"/>
+            <a:off x="246875" y="171275"/>
             <a:ext cx="8520600" cy="572700"/>
           </a:xfrm>
           <a:prstGeom prst="rect">
@@ -6681,7 +6680,7 @@
           </a:bodyPr>
           <a:lstStyle/>
           <a:p>
-            <a:pPr indent="0" lvl="0" marL="0" rtl="0" algn="ctr">
+            <a:pPr indent="0" lvl="0" marL="0" rtl="0" algn="l">
               <a:spcBef>
                 <a:spcPts val="0"/>
               </a:spcBef>
@@ -6692,89 +6691,178 @@
             </a:pPr>
             <a:r>
               <a:rPr lang="ru"/>
-              <a:t>Сильные стороны и зоны роста</a:t>
-            </a:r>
-            <a:endParaRPr/>
-          </a:p>
-          <a:p>
-            <a:pPr indent="0" lvl="0" marL="0" rtl="0" algn="ctr">
-              <a:spcBef>
-                <a:spcPts val="0"/>
-              </a:spcBef>
-              <a:spcAft>
-                <a:spcPts val="0"/>
-              </a:spcAft>
-              <a:buNone/>
-            </a:pPr>
-            <a:r>
-              <a:rPr lang="ru"/>
-              <a:t> </a:t>
+              <a:t>Этапы внедрения ИИ в образование </a:t>
             </a:r>
             <a:endParaRPr/>
           </a:p>
         </p:txBody>
       </p:sp>
+      <p:cxnSp>
+        <p:nvCxnSpPr>
+          <p:cNvPr id="116" name="Google Shape;116;p20"/>
+          <p:cNvCxnSpPr/>
+          <p:nvPr/>
+        </p:nvCxnSpPr>
+        <p:spPr>
+          <a:xfrm>
+            <a:off x="302125" y="2783925"/>
+            <a:ext cx="8497500" cy="0"/>
+          </a:xfrm>
+          <a:prstGeom prst="straightConnector1">
+            <a:avLst/>
+          </a:prstGeom>
+          <a:noFill/>
+          <a:ln cap="flat" cmpd="sng" w="9525">
+            <a:solidFill>
+              <a:schemeClr val="dk2"/>
+            </a:solidFill>
+            <a:prstDash val="solid"/>
+            <a:round/>
+            <a:headEnd len="med" w="med" type="none"/>
+            <a:tailEnd len="med" w="med" type="none"/>
+          </a:ln>
+        </p:spPr>
+      </p:cxnSp>
+      <p:cxnSp>
+        <p:nvCxnSpPr>
+          <p:cNvPr id="117" name="Google Shape;117;p20"/>
+          <p:cNvCxnSpPr/>
+          <p:nvPr/>
+        </p:nvCxnSpPr>
+        <p:spPr>
+          <a:xfrm>
+            <a:off x="1123225" y="2776175"/>
+            <a:ext cx="0" cy="1433100"/>
+          </a:xfrm>
+          <a:prstGeom prst="straightConnector1">
+            <a:avLst/>
+          </a:prstGeom>
+          <a:noFill/>
+          <a:ln cap="flat" cmpd="sng" w="9525">
+            <a:solidFill>
+              <a:schemeClr val="dk2"/>
+            </a:solidFill>
+            <a:prstDash val="solid"/>
+            <a:round/>
+            <a:headEnd len="med" w="med" type="none"/>
+            <a:tailEnd len="med" w="med" type="none"/>
+          </a:ln>
+        </p:spPr>
+      </p:cxnSp>
+      <p:cxnSp>
+        <p:nvCxnSpPr>
+          <p:cNvPr id="118" name="Google Shape;118;p20"/>
+          <p:cNvCxnSpPr/>
+          <p:nvPr/>
+        </p:nvCxnSpPr>
+        <p:spPr>
+          <a:xfrm rot="10800000">
+            <a:off x="2990050" y="1312025"/>
+            <a:ext cx="0" cy="1487400"/>
+          </a:xfrm>
+          <a:prstGeom prst="straightConnector1">
+            <a:avLst/>
+          </a:prstGeom>
+          <a:noFill/>
+          <a:ln cap="flat" cmpd="sng" w="9525">
+            <a:solidFill>
+              <a:schemeClr val="dk2"/>
+            </a:solidFill>
+            <a:prstDash val="solid"/>
+            <a:round/>
+            <a:headEnd len="med" w="med" type="none"/>
+            <a:tailEnd len="med" w="med" type="none"/>
+          </a:ln>
+        </p:spPr>
+      </p:cxnSp>
+      <p:cxnSp>
+        <p:nvCxnSpPr>
+          <p:cNvPr id="119" name="Google Shape;119;p20"/>
+          <p:cNvCxnSpPr/>
+          <p:nvPr/>
+        </p:nvCxnSpPr>
+        <p:spPr>
+          <a:xfrm>
+            <a:off x="4732975" y="2799425"/>
+            <a:ext cx="0" cy="1417500"/>
+          </a:xfrm>
+          <a:prstGeom prst="straightConnector1">
+            <a:avLst/>
+          </a:prstGeom>
+          <a:noFill/>
+          <a:ln cap="flat" cmpd="sng" w="9525">
+            <a:solidFill>
+              <a:schemeClr val="dk2"/>
+            </a:solidFill>
+            <a:prstDash val="solid"/>
+            <a:round/>
+            <a:headEnd len="med" w="med" type="none"/>
+            <a:tailEnd len="med" w="med" type="none"/>
+          </a:ln>
+        </p:spPr>
+      </p:cxnSp>
+      <p:cxnSp>
+        <p:nvCxnSpPr>
+          <p:cNvPr id="120" name="Google Shape;120;p20"/>
+          <p:cNvCxnSpPr/>
+          <p:nvPr/>
+        </p:nvCxnSpPr>
+        <p:spPr>
+          <a:xfrm rot="10800000">
+            <a:off x="6553325" y="1312075"/>
+            <a:ext cx="0" cy="1479600"/>
+          </a:xfrm>
+          <a:prstGeom prst="straightConnector1">
+            <a:avLst/>
+          </a:prstGeom>
+          <a:noFill/>
+          <a:ln cap="flat" cmpd="sng" w="9525">
+            <a:solidFill>
+              <a:schemeClr val="dk2"/>
+            </a:solidFill>
+            <a:prstDash val="solid"/>
+            <a:round/>
+            <a:headEnd len="med" w="med" type="none"/>
+            <a:tailEnd len="med" w="med" type="none"/>
+          </a:ln>
+        </p:spPr>
+      </p:cxnSp>
+      <p:cxnSp>
+        <p:nvCxnSpPr>
+          <p:cNvPr id="121" name="Google Shape;121;p20"/>
+          <p:cNvCxnSpPr/>
+          <p:nvPr/>
+        </p:nvCxnSpPr>
+        <p:spPr>
+          <a:xfrm>
+            <a:off x="7947650" y="2760725"/>
+            <a:ext cx="0" cy="1494900"/>
+          </a:xfrm>
+          <a:prstGeom prst="straightConnector1">
+            <a:avLst/>
+          </a:prstGeom>
+          <a:noFill/>
+          <a:ln cap="flat" cmpd="sng" w="9525">
+            <a:solidFill>
+              <a:schemeClr val="dk2"/>
+            </a:solidFill>
+            <a:prstDash val="solid"/>
+            <a:round/>
+            <a:headEnd len="med" w="med" type="none"/>
+            <a:tailEnd len="med" w="med" type="none"/>
+          </a:ln>
+        </p:spPr>
+      </p:cxnSp>
       <p:sp>
         <p:nvSpPr>
-          <p:cNvPr id="81" name="Google Shape;81;p16"/>
-          <p:cNvSpPr txBox="1"/>
-          <p:nvPr>
-            <p:ph idx="1" type="body"/>
-          </p:nvPr>
-        </p:nvSpPr>
-        <p:spPr>
-          <a:xfrm>
-            <a:off x="226475" y="1859600"/>
-            <a:ext cx="4033800" cy="2753100"/>
-          </a:xfrm>
-          <a:prstGeom prst="rect">
-            <a:avLst/>
-          </a:prstGeom>
-        </p:spPr>
-        <p:txBody>
-          <a:bodyPr anchorCtr="0" anchor="t" bIns="91425" lIns="91425" spcFirstLastPara="1" rIns="91425" wrap="square" tIns="91425">
-            <a:normAutofit/>
-          </a:bodyPr>
-          <a:lstStyle/>
-          <a:p>
-            <a:pPr algn="l" marL="342900" indent="-342900">
-              <a:buChar char="•"/>
-            </a:pPr>
-            <a:r>
-              <a:rPr lang="ru"/>
-              <a:t>Развитая региональная сеть (340 отделений)</a:t>
-            </a:r>
-          </a:p>
-          <a:p>
-            <a:pPr algn="l" marL="342900" indent="-342900">
-              <a:buChar char="•"/>
-            </a:pPr>
-            <a:r>
-              <a:rPr lang="ru"/>
-              <a:t>Высокий уровень доверия клиентов (NPS 62)</a:t>
-            </a:r>
-          </a:p>
-          <a:p>
-            <a:pPr algn="l" marL="342900" indent="-342900">
-              <a:buChar char="•"/>
-            </a:pPr>
-            <a:r>
-              <a:rPr lang="ru"/>
-              <a:t>Лицензии и регуляторный опыт</a:t>
-            </a:r>
-          </a:p>
-        </p:txBody>
-      </p:sp>
-      <p:sp>
-        <p:nvSpPr>
-          <p:cNvPr id="82" name="Google Shape;82;p16"/>
+          <p:cNvPr id="122" name="Google Shape;122;p20"/>
           <p:cNvSpPr txBox="1"/>
           <p:nvPr/>
         </p:nvSpPr>
         <p:spPr>
           <a:xfrm>
-            <a:off x="226475" y="1207813"/>
-            <a:ext cx="1954800" cy="461700"/>
+            <a:off x="556850" y="4341450"/>
+            <a:ext cx="1787100" cy="461700"/>
           </a:xfrm>
           <a:prstGeom prst="rect">
             <a:avLst/>
@@ -6790,7 +6878,7 @@
           </a:bodyPr>
           <a:lstStyle/>
           <a:p>
-            <a:pPr indent="0" lvl="0" marL="0" rtl="0" algn="l">
+            <a:pPr indent="0" lvl="0" marL="0" rtl="0" algn="ctr">
               <a:spcBef>
                 <a:spcPts val="0"/>
               </a:spcBef>
@@ -6805,7 +6893,7 @@
                   <a:schemeClr val="dk2"/>
                 </a:solidFill>
               </a:rPr>
-              <a:t>Сильные стороны</a:t>
+              <a:t>2020 – Пилотные проекты адаптивного обучения в отдельных школах</a:t>
             </a:r>
             <a:endParaRPr sz="1800">
               <a:solidFill>
@@ -6817,126 +6905,14 @@
       </p:sp>
       <p:sp>
         <p:nvSpPr>
-          <p:cNvPr id="83" name="Google Shape;83;p16"/>
-          <p:cNvSpPr/>
-          <p:nvPr/>
-        </p:nvSpPr>
-        <p:spPr>
-          <a:xfrm>
-            <a:off x="4260300" y="1102225"/>
-            <a:ext cx="4883700" cy="4102500"/>
-          </a:xfrm>
-          <a:prstGeom prst="rect">
-            <a:avLst/>
-          </a:prstGeom>
-          <a:solidFill>
-            <a:schemeClr val="dk1"/>
-          </a:solidFill>
-          <a:ln cap="flat" cmpd="sng" w="9525">
-            <a:solidFill>
-              <a:schemeClr val="dk2"/>
-            </a:solidFill>
-            <a:prstDash val="solid"/>
-            <a:round/>
-            <a:headEnd len="sm" w="sm" type="none"/>
-            <a:tailEnd len="sm" w="sm" type="none"/>
-          </a:ln>
-        </p:spPr>
-        <p:txBody>
-          <a:bodyPr anchorCtr="0" anchor="ctr" bIns="91425" lIns="91425" spcFirstLastPara="1" rIns="91425" wrap="square" tIns="91425">
-            <a:noAutofit/>
-          </a:bodyPr>
-          <a:lstStyle/>
-          <a:p>
-            <a:pPr indent="0" lvl="0" marL="0" rtl="0" algn="ctr">
-              <a:spcBef>
-                <a:spcPts val="0"/>
-              </a:spcBef>
-              <a:spcAft>
-                <a:spcPts val="0"/>
-              </a:spcAft>
-              <a:buNone/>
-            </a:pPr>
-            <a:r>
-              <a:t/>
-            </a:r>
-            <a:endParaRPr/>
-          </a:p>
-        </p:txBody>
-      </p:sp>
-      <p:sp>
-        <p:nvSpPr>
-          <p:cNvPr id="84" name="Google Shape;84;p16"/>
-          <p:cNvSpPr txBox="1"/>
-          <p:nvPr>
-            <p:ph idx="1" type="body"/>
-          </p:nvPr>
-        </p:nvSpPr>
-        <p:spPr>
-          <a:xfrm>
-            <a:off x="4462800" y="1859600"/>
-            <a:ext cx="4204500" cy="2753100"/>
-          </a:xfrm>
-          <a:prstGeom prst="rect">
-            <a:avLst/>
-          </a:prstGeom>
-        </p:spPr>
-        <p:txBody>
-          <a:bodyPr anchorCtr="0" anchor="t" bIns="91425" lIns="91425" spcFirstLastPara="1" rIns="91425" wrap="square" tIns="91425">
-            <a:normAutofit/>
-          </a:bodyPr>
-          <a:lstStyle/>
-          <a:p>
-            <a:pPr algn="l" marL="342900" indent="-342900">
-              <a:buAutoNum type="arabicPeriod"/>
-            </a:pPr>
-            <a:r>
-              <a:rPr lang="ru">
-                <a:solidFill>
-                  <a:schemeClr val="lt1"/>
-                </a:solidFill>
-              </a:rPr>
-              <a:t>UX мобильного приложения — устарел на 3 года</a:t>
-            </a:r>
-          </a:p>
-          <a:p>
-            <a:pPr algn="l" marL="342900" indent="-342900">
-              <a:buAutoNum type="arabicPeriod"/>
-            </a:pPr>
-            <a:r>
-              <a:rPr lang="ru">
-                <a:solidFill>
-                  <a:schemeClr val="lt1"/>
-                </a:solidFill>
-              </a:rPr>
-              <a:t>Скорость онбординга: 5 дней vs 15 минут у конкурентов</a:t>
-            </a:r>
-          </a:p>
-          <a:p>
-            <a:pPr algn="l" marL="342900" indent="-342900">
-              <a:buAutoNum type="arabicPeriod"/>
-            </a:pPr>
-            <a:r>
-              <a:rPr lang="ru">
-                <a:solidFill>
-                  <a:schemeClr val="lt1"/>
-                </a:solidFill>
-              </a:rPr>
-              <a:t>Персонализация продуктового предложения</a:t>
-            </a:r>
-          </a:p>
-        </p:txBody>
-      </p:sp>
-      <p:sp>
-        <p:nvSpPr>
-          <p:cNvPr id="85" name="Google Shape;85;p16"/>
+          <p:cNvPr id="123" name="Google Shape;123;p20"/>
           <p:cNvSpPr txBox="1"/>
           <p:nvPr/>
         </p:nvSpPr>
         <p:spPr>
           <a:xfrm>
-            <a:off x="4462800" y="1302000"/>
-            <a:ext cx="1954800" cy="461700"/>
+            <a:off x="2128400" y="797150"/>
+            <a:ext cx="1787100" cy="461700"/>
           </a:xfrm>
           <a:prstGeom prst="rect">
             <a:avLst/>
@@ -6952,7 +6928,7 @@
           </a:bodyPr>
           <a:lstStyle/>
           <a:p>
-            <a:pPr indent="0" lvl="0" marL="0" rtl="0" algn="l">
+            <a:pPr indent="0" lvl="0" marL="0" rtl="0" algn="ctr">
               <a:spcBef>
                 <a:spcPts val="0"/>
               </a:spcBef>
@@ -6964,14 +6940,164 @@
             <a:r>
               <a:rPr lang="ru" sz="1800">
                 <a:solidFill>
-                  <a:schemeClr val="lt1"/>
+                  <a:schemeClr val="dk2"/>
                 </a:solidFill>
               </a:rPr>
-              <a:t>Зоны роста</a:t>
+              <a:t>2025 – Широкое внедрение персонализированных учебных платформ на базе ИИ</a:t>
             </a:r>
             <a:endParaRPr sz="1800">
               <a:solidFill>
-                <a:schemeClr val="lt1"/>
+                <a:schemeClr val="dk2"/>
+              </a:solidFill>
+            </a:endParaRPr>
+          </a:p>
+        </p:txBody>
+      </p:sp>
+      <p:sp>
+        <p:nvSpPr>
+          <p:cNvPr id="124" name="Google Shape;124;p20"/>
+          <p:cNvSpPr txBox="1"/>
+          <p:nvPr/>
+        </p:nvSpPr>
+        <p:spPr>
+          <a:xfrm>
+            <a:off x="3915500" y="4379700"/>
+            <a:ext cx="1787100" cy="461700"/>
+          </a:xfrm>
+          <a:prstGeom prst="rect">
+            <a:avLst/>
+          </a:prstGeom>
+          <a:noFill/>
+          <a:ln>
+            <a:noFill/>
+          </a:ln>
+        </p:spPr>
+        <p:txBody>
+          <a:bodyPr anchorCtr="0" anchor="t" bIns="91425" lIns="91425" spcFirstLastPara="1" rIns="91425" wrap="square" tIns="91425">
+            <a:spAutoFit/>
+          </a:bodyPr>
+          <a:lstStyle/>
+          <a:p>
+            <a:pPr indent="0" lvl="0" marL="0" rtl="0" algn="ctr">
+              <a:spcBef>
+                <a:spcPts val="0"/>
+              </a:spcBef>
+              <a:spcAft>
+                <a:spcPts val="0"/>
+              </a:spcAft>
+              <a:buNone/>
+            </a:pPr>
+            <a:r>
+              <a:rPr lang="ru" sz="1800">
+                <a:solidFill>
+                  <a:schemeClr val="dk2"/>
+                </a:solidFill>
+              </a:rPr>
+              <a:t>2028 – Автоматизированные системы оценки и обратной связи становятся стандартом</a:t>
+            </a:r>
+            <a:endParaRPr sz="1800">
+              <a:solidFill>
+                <a:schemeClr val="dk2"/>
+              </a:solidFill>
+            </a:endParaRPr>
+          </a:p>
+        </p:txBody>
+      </p:sp>
+      <p:sp>
+        <p:nvSpPr>
+          <p:cNvPr id="125" name="Google Shape;125;p20"/>
+          <p:cNvSpPr txBox="1"/>
+          <p:nvPr/>
+        </p:nvSpPr>
+        <p:spPr>
+          <a:xfrm>
+            <a:off x="5609500" y="797175"/>
+            <a:ext cx="1787100" cy="461700"/>
+          </a:xfrm>
+          <a:prstGeom prst="rect">
+            <a:avLst/>
+          </a:prstGeom>
+          <a:noFill/>
+          <a:ln>
+            <a:noFill/>
+          </a:ln>
+        </p:spPr>
+        <p:txBody>
+          <a:bodyPr anchorCtr="0" anchor="t" bIns="91425" lIns="91425" spcFirstLastPara="1" rIns="91425" wrap="square" tIns="91425">
+            <a:spAutoFit/>
+          </a:bodyPr>
+          <a:lstStyle/>
+          <a:p>
+            <a:pPr indent="0" lvl="0" marL="0" rtl="0" algn="ctr">
+              <a:spcBef>
+                <a:spcPts val="0"/>
+              </a:spcBef>
+              <a:spcAft>
+                <a:spcPts val="0"/>
+              </a:spcAft>
+              <a:buNone/>
+            </a:pPr>
+            <a:r>
+              <a:rPr lang="ru" sz="1800">
+                <a:solidFill>
+                  <a:schemeClr val="dk2"/>
+                </a:solidFill>
+              </a:rPr>
+              <a:t>2031 – Интеграция ИИ‑ассистентов в преподавание и управление учебным процессом</a:t>
+            </a:r>
+            <a:endParaRPr sz="1800">
+              <a:solidFill>
+                <a:schemeClr val="dk2"/>
+              </a:solidFill>
+            </a:endParaRPr>
+          </a:p>
+        </p:txBody>
+      </p:sp>
+      <p:sp>
+        <p:nvSpPr>
+          <p:cNvPr id="126" name="Google Shape;126;p20"/>
+          <p:cNvSpPr txBox="1"/>
+          <p:nvPr/>
+        </p:nvSpPr>
+        <p:spPr>
+          <a:xfrm>
+            <a:off x="7054100" y="4379700"/>
+            <a:ext cx="1787100" cy="461700"/>
+          </a:xfrm>
+          <a:prstGeom prst="rect">
+            <a:avLst/>
+          </a:prstGeom>
+          <a:noFill/>
+          <a:ln>
+            <a:noFill/>
+          </a:ln>
+        </p:spPr>
+        <p:txBody>
+          <a:bodyPr anchorCtr="0" anchor="t" bIns="91425" lIns="91425" spcFirstLastPara="1" rIns="91425" wrap="square" tIns="91425">
+            <a:spAutoFit/>
+          </a:bodyPr>
+          <a:lstStyle/>
+          <a:p>
+            <a:pPr indent="0" lvl="0" marL="0" rtl="0" algn="ctr">
+              <a:spcBef>
+                <a:spcPts val="0"/>
+              </a:spcBef>
+              <a:spcAft>
+                <a:spcPts val="0"/>
+              </a:spcAft>
+              <a:buNone/>
+            </a:pPr>
+            <a:r>
+              <a:rPr lang="ru" sz="1800">
+                <a:solidFill>
+                  <a:schemeClr val="dk2"/>
+                </a:solidFill>
+              </a:rPr>
+              <a:t>2035 – Полная экосистема AI‑образования: персонализированный путь от дошкольника до профессионала</a:t>
+            </a:r>
+            <a:endParaRPr sz="1800">
+              <a:solidFill>
+                <a:schemeClr val="dk2"/>
               </a:solidFill>
             </a:endParaRPr>
           </a:p>
@@ -7036,7 +7162,7 @@
             </a:pPr>
             <a:r>
               <a:rPr lang="ru"/>
-              <a:t>До и после трансформации</a:t>
+              <a:t>Традиционное vs ИИ‑поддерживаемое обучение</a:t>
             </a:r>
             <a:endParaRPr/>
           </a:p>
@@ -7081,12 +7207,12 @@
           </a:bodyPr>
           <a:lstStyle/>
           <a:p>
-            <a:pPr algn="l">
-              <a:buNone/>
+            <a:pPr algn="l" marL="342900" indent="-342900">
+              <a:buChar char="•"/>
             </a:pPr>
             <a:r>
               <a:rPr lang="ru"/>
-              <a:t>Текущие показатели процессов:</a:t>
+              <a:t>Учитель управляет всем процессом, от подачи материала до оценки.</a:t>
             </a:r>
           </a:p>
           <a:p>
@@ -7095,7 +7221,7 @@
             </a:pPr>
             <a:r>
               <a:rPr lang="ru"/>
-              <a:t>Среднее время заявки: 5 рабочих дней</a:t>
+              <a:t>Оценивание основано на субъективных критериях и ограниченной обратной связи.</a:t>
             </a:r>
           </a:p>
           <a:p>
@@ -7104,7 +7230,7 @@
             </a:pPr>
             <a:r>
               <a:rPr lang="ru"/>
-              <a:t>12 шагов в процессе онбординга</a:t>
+              <a:t>Учебные материалы одинаковы для всех студентов, без учёта индивидуальных потребностей.</a:t>
             </a:r>
           </a:p>
           <a:p>
@@ -7113,7 +7239,7 @@
             </a:pPr>
             <a:r>
               <a:rPr lang="ru"/>
-              <a:t>Только офисное обслуживание</a:t>
+              <a:t>Ресурсы ограничены расписанием и физическим присутствием.</a:t>
             </a:r>
           </a:p>
         </p:txBody>
@@ -7158,7 +7284,7 @@
                   <a:schemeClr val="dk2"/>
                 </a:solidFill>
               </a:rPr>
-              <a:t>Сейчас</a:t>
+              <a:t>Традиционное обучение</a:t>
             </a:r>
             <a:endParaRPr sz="1800">
               <a:solidFill>
@@ -7240,8 +7366,8 @@
           </a:bodyPr>
           <a:lstStyle/>
           <a:p>
-            <a:pPr algn="l">
-              <a:buNone/>
+            <a:pPr algn="l" marL="342900" indent="-342900">
+              <a:buChar char="•"/>
             </a:pPr>
             <a:r>
               <a:rPr lang="ru">
@@ -7249,7 +7375,7 @@
                   <a:schemeClr val="lt1"/>
                 </a:solidFill>
               </a:rPr>
-              <a:t>Целевые показатели:</a:t>
+              <a:t>ИИ адаптирует контент под уровень и стиль каждого ученика.</a:t>
             </a:r>
           </a:p>
           <a:p>
@@ -7262,7 +7388,7 @@
                   <a:schemeClr val="lt1"/>
                 </a:solidFill>
               </a:rPr>
-              <a:t>Среднее время заявки: 15 минут</a:t>
+              <a:t>Автоматизированная оценка обеспечивает мгновенную и объективную обратную связь.</a:t>
             </a:r>
           </a:p>
           <a:p>
@@ -7275,7 +7401,7 @@
                   <a:schemeClr val="lt1"/>
                 </a:solidFill>
               </a:rPr>
-              <a:t>3 шага до открытия счёта</a:t>
+              <a:t>Персонализированные рекомендации расширяют глубину и темп обучения.</a:t>
             </a:r>
           </a:p>
           <a:p>
@@ -7288,7 +7414,7 @@
                   <a:schemeClr val="lt1"/>
                 </a:solidFill>
               </a:rPr>
-              <a:t>100% дистанционно</a:t>
+              <a:t>Доступ к материалам 24/7 через облачные платформы.</a:t>
             </a:r>
           </a:p>
         </p:txBody>
@@ -7333,7 +7459,7 @@
                   <a:schemeClr val="lt1"/>
                 </a:solidFill>
               </a:rPr>
-              <a:t>После</a:t>
+              <a:t>Обучение с ИИ</a:t>
             </a:r>
             <a:endParaRPr sz="1800">
               <a:solidFill>
@@ -7356,7 +7482,7 @@
   <p:cSld>
     <p:spTree>
       <p:nvGrpSpPr>
-        <p:cNvPr id="59" name="Shape 59"/>
+        <p:cNvPr id="103" name="Shape 103"/>
         <p:cNvGrpSpPr/>
         <p:nvPr/>
       </p:nvGrpSpPr>
@@ -7370,7 +7496,7 @@
       </p:grpSpPr>
       <p:sp>
         <p:nvSpPr>
-          <p:cNvPr id="60" name="Google Shape;60;p14"/>
+          <p:cNvPr id="104" name="Google Shape;104;p19"/>
           <p:cNvSpPr txBox="1"/>
           <p:nvPr>
             <p:ph type="title"/>
@@ -7378,7 +7504,7 @@
         </p:nvSpPr>
         <p:spPr>
           <a:xfrm>
-            <a:off x="311700" y="473500"/>
+            <a:off x="311700" y="445025"/>
             <a:ext cx="8520600" cy="572700"/>
           </a:xfrm>
           <a:prstGeom prst="rect">
@@ -7402,7 +7528,11 @@
             </a:pPr>
             <a:r>
               <a:rPr lang="ru"/>
-              <a:t>Почему сейчас?</a:t>
+              <a:t>Влияние ИИ на образование </a:t>
+            </a:r>
+            <a:r>
+              <a:rPr lang="ru"/>
+              <a:t/>
             </a:r>
             <a:endParaRPr/>
           </a:p>
@@ -7410,7 +7540,7 @@
       </p:sp>
       <p:sp>
         <p:nvSpPr>
-          <p:cNvPr id="61" name="Google Shape;61;p14"/>
+          <p:cNvPr id="105" name="Google Shape;105;p19"/>
           <p:cNvSpPr txBox="1"/>
           <p:nvPr>
             <p:ph idx="1" type="body"/>
@@ -7419,7 +7549,7 @@
         <p:spPr>
           <a:xfrm>
             <a:off x="311700" y="1446825"/>
-            <a:ext cx="4088100" cy="508200"/>
+            <a:ext cx="2525100" cy="3320100"/>
           </a:xfrm>
           <a:prstGeom prst="rect">
             <a:avLst/>
@@ -7445,13 +7575,33 @@
                 <a:spcPts val="0"/>
               </a:spcBef>
               <a:spcAft>
-                <a:spcPts val="1200"/>
-              </a:spcAft>
+                <a:spcPts val="0"/>
+              </a:spcAft>
+              <a:buClr>
+                <a:schemeClr val="dk1"/>
+              </a:buClr>
+              <a:buSzPts val="1100"/>
+              <a:buFont typeface="Arial"/>
               <a:buNone/>
             </a:pPr>
             <a:r>
-              <a:rPr lang="ru"/>
-              <a:t>Рынок цифрового банкинга: +41% за 2 года</a:t>
+              <a:rPr lang="ru" sz="1500"/>
+              <a:t>Персонализация обучения </a:t>
+            </a:r>
+            <a:endParaRPr sz="1500"/>
+          </a:p>
+          <a:p>
+            <a:pPr indent="0" lvl="0" marL="0" rtl="0" algn="l">
+              <a:spcBef>
+                <a:spcPts val="1200"/>
+              </a:spcBef>
+              <a:spcAft>
+                <a:spcPts val="1200"/>
+              </a:spcAft>
+              <a:buNone/>
+            </a:pPr>
+            <a:r>
+              <a:t/>
             </a:r>
             <a:endParaRPr/>
           </a:p>
@@ -7459,7 +7609,7 @@
       </p:sp>
       <p:sp>
         <p:nvSpPr>
-          <p:cNvPr id="62" name="Google Shape;62;p14"/>
+          <p:cNvPr id="106" name="Google Shape;106;p19"/>
           <p:cNvSpPr txBox="1"/>
           <p:nvPr>
             <p:ph idx="1" type="body"/>
@@ -7467,8 +7617,8 @@
         </p:nvSpPr>
         <p:spPr>
           <a:xfrm>
-            <a:off x="311700" y="2625613"/>
-            <a:ext cx="4088100" cy="508200"/>
+            <a:off x="3054100" y="1446825"/>
+            <a:ext cx="2711100" cy="3320100"/>
           </a:xfrm>
           <a:prstGeom prst="rect">
             <a:avLst/>
@@ -7494,13 +7644,53 @@
                 <a:spcPts val="0"/>
               </a:spcBef>
               <a:spcAft>
-                <a:spcPts val="1200"/>
-              </a:spcAft>
+                <a:spcPts val="0"/>
+              </a:spcAft>
+              <a:buClr>
+                <a:schemeClr val="dk1"/>
+              </a:buClr>
+              <a:buSzPts val="1100"/>
+              <a:buFont typeface="Arial"/>
               <a:buNone/>
             </a:pPr>
             <a:r>
-              <a:rPr lang="ru"/>
-              <a:t>Проникновение мобильного банка достигло 67%</a:t>
+              <a:rPr lang="ru" sz="1500"/>
+              <a:t>Автоматизированная оценка </a:t>
+            </a:r>
+            <a:endParaRPr sz="1500"/>
+          </a:p>
+          <a:p>
+            <a:pPr indent="0" lvl="0" marL="0" rtl="0" algn="l">
+              <a:spcBef>
+                <a:spcPts val="1200"/>
+              </a:spcBef>
+              <a:spcAft>
+                <a:spcPts val="0"/>
+              </a:spcAft>
+              <a:buClr>
+                <a:schemeClr val="dk1"/>
+              </a:buClr>
+              <a:buSzPts val="1100"/>
+              <a:buFont typeface="Arial"/>
+              <a:buNone/>
+            </a:pPr>
+            <a:r>
+              <a:t/>
+            </a:r>
+            <a:endParaRPr/>
+          </a:p>
+          <a:p>
+            <a:pPr indent="0" lvl="0" marL="0" rtl="0" algn="l">
+              <a:spcBef>
+                <a:spcPts val="1200"/>
+              </a:spcBef>
+              <a:spcAft>
+                <a:spcPts val="1200"/>
+              </a:spcAft>
+              <a:buNone/>
+            </a:pPr>
+            <a:r>
+              <a:t/>
             </a:r>
             <a:endParaRPr/>
           </a:p>
@@ -7508,7 +7698,7 @@
       </p:sp>
       <p:sp>
         <p:nvSpPr>
-          <p:cNvPr id="63" name="Google Shape;63;p14"/>
+          <p:cNvPr id="107" name="Google Shape;107;p19"/>
           <p:cNvSpPr txBox="1"/>
           <p:nvPr>
             <p:ph idx="1" type="body"/>
@@ -7516,8 +7706,8 @@
         </p:nvSpPr>
         <p:spPr>
           <a:xfrm>
-            <a:off x="311700" y="3804400"/>
-            <a:ext cx="4088100" cy="508200"/>
+            <a:off x="5982400" y="1446825"/>
+            <a:ext cx="2711100" cy="3320100"/>
           </a:xfrm>
           <a:prstGeom prst="rect">
             <a:avLst/>
@@ -7543,13 +7733,54 @@
                 <a:spcPts val="0"/>
               </a:spcBef>
               <a:spcAft>
+                <a:spcPts val="0"/>
+              </a:spcAft>
+              <a:buClr>
+                <a:schemeClr val="dk1"/>
+              </a:buClr>
+              <a:buSzPts val="1100"/>
+              <a:buFont typeface="Arial"/>
+              <a:buNone/>
+            </a:pPr>
+            <a:r>
+              <a:rPr lang="ru" sz="1500"/>
+              <a:t>Расширенный доступ к знаниям </a:t>
+            </a:r>
+            <a:endParaRPr sz="1500"/>
+          </a:p>
+          <a:p>
+            <a:pPr indent="0" lvl="0" marL="0" rtl="0" algn="l">
+              <a:spcBef>
+                <a:spcPts val="1200"/>
+              </a:spcBef>
+              <a:spcAft>
+                <a:spcPts val="0"/>
+              </a:spcAft>
+              <a:buClr>
+                <a:schemeClr val="dk1"/>
+              </a:buClr>
+              <a:buSzPts val="1100"/>
+              <a:buFont typeface="Arial"/>
+              <a:buNone/>
+            </a:pPr>
+            <a:r>
+              <a:t/>
+            </a:r>
+            <a:endParaRPr/>
+          </a:p>
+          <a:p>
+            <a:pPr indent="0" lvl="0" marL="0" rtl="0" algn="l">
+              <a:spcBef>
+                <a:spcPts val="1200"/>
+              </a:spcBef>
+              <a:spcAft>
                 <a:spcPts val="1200"/>
               </a:spcAft>
               <a:buNone/>
             </a:pPr>
             <a:r>
               <a:rPr lang="ru"/>
-              <a:t>Необанки забирают 28% новых клиентов</a:t>
+              <a:t> </a:t>
             </a:r>
             <a:endParaRPr/>
           </a:p>
@@ -7557,37 +7788,33 @@
       </p:sp>
       <p:sp>
         <p:nvSpPr>
-          <p:cNvPr id="64" name="Google Shape;64;p14"/>
+          <p:cNvPr id="108" name="Google Shape;108;p19"/>
           <p:cNvSpPr txBox="1"/>
-          <p:nvPr>
-            <p:ph idx="1" type="body"/>
-          </p:nvPr>
+          <p:nvPr/>
         </p:nvSpPr>
         <p:spPr>
           <a:xfrm>
-            <a:off x="4709050" y="1446838"/>
-            <a:ext cx="4088100" cy="508200"/>
+            <a:off x="418925" y="2156250"/>
+            <a:ext cx="3000000" cy="415500"/>
           </a:xfrm>
           <a:prstGeom prst="rect">
             <a:avLst/>
           </a:prstGeom>
-          <a:ln cap="flat" cmpd="sng" w="19050">
-            <a:solidFill>
-              <a:srgbClr val="000000"/>
-            </a:solidFill>
-            <a:prstDash val="solid"/>
-            <a:round/>
-            <a:headEnd len="sm" w="sm" type="none"/>
-            <a:tailEnd len="sm" w="sm" type="none"/>
+          <a:noFill/>
+          <a:ln>
+            <a:noFill/>
           </a:ln>
         </p:spPr>
         <p:txBody>
           <a:bodyPr anchorCtr="0" anchor="t" bIns="91425" lIns="91425" spcFirstLastPara="1" rIns="91425" wrap="square" tIns="91425">
-            <a:normAutofit/>
+            <a:spAutoFit/>
           </a:bodyPr>
           <a:lstStyle/>
           <a:p>
             <a:pPr indent="0" lvl="0" marL="0" rtl="0" algn="l">
+              <a:lnSpc>
+                <a:spcPct val="115000"/>
+              </a:lnSpc>
               <a:spcBef>
                 <a:spcPts val="0"/>
               </a:spcBef>
@@ -7597,8 +7824,12 @@
               <a:buNone/>
             </a:pPr>
             <a:r>
-              <a:rPr lang="ru"/>
-              <a:t>NPS цифровых банков выше на 18 пунктов</a:t>
+              <a:rPr lang="ru" sz="1500">
+                <a:solidFill>
+                  <a:schemeClr val="dk2"/>
+                </a:solidFill>
+              </a:rPr>
+              <a:t>ИИ адаптирует материалы под уровень и стиль каждого ученика, повышая эффективность обучения. </a:t>
             </a:r>
             <a:endParaRPr/>
           </a:p>
@@ -7606,53 +7837,48 @@
       </p:sp>
       <p:sp>
         <p:nvSpPr>
-          <p:cNvPr id="65" name="Google Shape;65;p14"/>
+          <p:cNvPr id="109" name="Google Shape;109;p19"/>
           <p:cNvSpPr txBox="1"/>
-          <p:nvPr>
-            <p:ph idx="1" type="body"/>
-          </p:nvPr>
+          <p:nvPr/>
         </p:nvSpPr>
         <p:spPr>
           <a:xfrm>
-            <a:off x="4709050" y="2625625"/>
-            <a:ext cx="4088100" cy="508200"/>
+            <a:off x="3215125" y="2114150"/>
+            <a:ext cx="2096700" cy="415500"/>
           </a:xfrm>
           <a:prstGeom prst="rect">
             <a:avLst/>
           </a:prstGeom>
-          <a:ln cap="flat" cmpd="sng" w="19050">
-            <a:solidFill>
-              <a:srgbClr val="000000"/>
-            </a:solidFill>
-            <a:prstDash val="solid"/>
-            <a:round/>
-            <a:headEnd len="sm" w="sm" type="none"/>
-            <a:tailEnd len="sm" w="sm" type="none"/>
+          <a:noFill/>
+          <a:ln>
+            <a:noFill/>
           </a:ln>
         </p:spPr>
         <p:txBody>
           <a:bodyPr anchorCtr="0" anchor="t" bIns="91425" lIns="91425" spcFirstLastPara="1" rIns="91425" wrap="square" tIns="91425">
-            <a:normAutofit/>
+            <a:spAutoFit/>
           </a:bodyPr>
           <a:lstStyle/>
           <a:p>
             <a:pPr indent="0" lvl="0" marL="0" rtl="0" algn="l">
+              <a:lnSpc>
+                <a:spcPct val="115000"/>
+              </a:lnSpc>
               <a:spcBef>
                 <a:spcPts val="0"/>
               </a:spcBef>
               <a:spcAft>
                 <a:spcPts val="1200"/>
               </a:spcAft>
-              <a:buClr>
-                <a:schemeClr val="dk1"/>
-              </a:buClr>
-              <a:buSzPts val="1100"/>
-              <a:buFont typeface="Arial"/>
               <a:buNone/>
             </a:pPr>
             <a:r>
-              <a:rPr lang="ru"/>
-              <a:t>Регулятор стимулирует Open Banking</a:t>
+              <a:rPr lang="ru" sz="1500">
+                <a:solidFill>
+                  <a:schemeClr val="dk2"/>
+                </a:solidFill>
+              </a:rPr>
+              <a:t>Системы ИИ автоматически проверяют задания и дают мгновенную обратную связь, освобождая время преподавателей. </a:t>
             </a:r>
             <a:endParaRPr/>
           </a:p>
@@ -7660,53 +7886,48 @@
       </p:sp>
       <p:sp>
         <p:nvSpPr>
-          <p:cNvPr id="66" name="Google Shape;66;p14"/>
+          <p:cNvPr id="110" name="Google Shape;110;p19"/>
           <p:cNvSpPr txBox="1"/>
-          <p:nvPr>
-            <p:ph idx="1" type="body"/>
-          </p:nvPr>
+          <p:nvPr/>
         </p:nvSpPr>
         <p:spPr>
           <a:xfrm>
-            <a:off x="4709050" y="3804413"/>
-            <a:ext cx="4088100" cy="508200"/>
+            <a:off x="6184200" y="2072050"/>
+            <a:ext cx="2096700" cy="415500"/>
           </a:xfrm>
           <a:prstGeom prst="rect">
             <a:avLst/>
           </a:prstGeom>
-          <a:ln cap="flat" cmpd="sng" w="19050">
-            <a:solidFill>
-              <a:srgbClr val="000000"/>
-            </a:solidFill>
-            <a:prstDash val="solid"/>
-            <a:round/>
-            <a:headEnd len="sm" w="sm" type="none"/>
-            <a:tailEnd len="sm" w="sm" type="none"/>
+          <a:noFill/>
+          <a:ln>
+            <a:noFill/>
           </a:ln>
         </p:spPr>
         <p:txBody>
           <a:bodyPr anchorCtr="0" anchor="t" bIns="91425" lIns="91425" spcFirstLastPara="1" rIns="91425" wrap="square" tIns="91425">
-            <a:normAutofit/>
+            <a:spAutoFit/>
           </a:bodyPr>
           <a:lstStyle/>
           <a:p>
             <a:pPr indent="0" lvl="0" marL="0" rtl="0" algn="l">
+              <a:lnSpc>
+                <a:spcPct val="115000"/>
+              </a:lnSpc>
               <a:spcBef>
                 <a:spcPts val="0"/>
               </a:spcBef>
               <a:spcAft>
                 <a:spcPts val="1200"/>
               </a:spcAft>
-              <a:buClr>
-                <a:schemeClr val="dk1"/>
-              </a:buClr>
-              <a:buSzPts val="1100"/>
-              <a:buFont typeface="Arial"/>
               <a:buNone/>
             </a:pPr>
             <a:r>
-              <a:rPr lang="ru"/>
-              <a:t>Конкуренты уже запустили цифровую трансформацию</a:t>
+              <a:rPr lang="ru" sz="1500">
+                <a:solidFill>
+                  <a:schemeClr val="dk2"/>
+                </a:solidFill>
+              </a:rPr>
+              <a:t>Онлайн‑платформы с ИИ позволяют учиться в любой точке мира, устраняя географические и финансовые барьеры. </a:t>
             </a:r>
             <a:endParaRPr/>
           </a:p>
@@ -7776,7 +7997,7 @@
             </a:pPr>
             <a:r>
               <a:rPr lang="ru"/>
-              <a:t>Наш подход к трансформации</a:t>
+              <a:t>Этические и педагогические вопросы ИИ в образовании</a:t>
             </a:r>
             <a:endParaRPr/>
           </a:p>
@@ -7846,34 +8067,43 @@
             </a:pPr>
             <a:r>
               <a:rPr lang="ru"/>
-              <a:t>Программа реализуется в 3 этапа:</a:t>
+              <a:t>Внедрение ИИ меняет роль учителя и требует новых подходов к ответственности.</a:t>
             </a:r>
           </a:p>
           <a:p>
             <a:pPr algn="l" marL="342900" indent="-342900">
-              <a:buAutoNum type="arabicPeriod"/>
+              <a:buChar char="•"/>
             </a:pPr>
             <a:r>
               <a:rPr lang="ru"/>
-              <a:t>Диагностика и проектирование (Q1–Q2 2025)</a:t>
+              <a:t>Конфиденциальность данных учащихся: обеспечить безопасное хранение и прозрачность алгоритмов.</a:t>
             </a:r>
           </a:p>
           <a:p>
             <a:pPr algn="l" marL="342900" indent="-342900">
-              <a:buAutoNum type="arabicPeriod"/>
+              <a:buChar char="•"/>
             </a:pPr>
             <a:r>
               <a:rPr lang="ru"/>
-              <a:t>Разработка и пилот (Q3 2025 – Q1 2026)</a:t>
+              <a:t>Справедливость алгоритмических решений: избежать дискриминации и обеспечить равный доступ к ресурсам.</a:t>
             </a:r>
           </a:p>
           <a:p>
             <a:pPr algn="l" marL="342900" indent="-342900">
-              <a:buAutoNum type="arabicPeriod"/>
+              <a:buChar char="•"/>
             </a:pPr>
             <a:r>
               <a:rPr lang="ru"/>
-              <a:t>Масштабирование (Q2–Q4 2026)</a:t>
+              <a:t>Педагогическая автономия: балансировать автоматизацию с творческой ролью преподавателя.</a:t>
+            </a:r>
+          </a:p>
+          <a:p>
+            <a:pPr algn="l" marL="342900" indent="-342900">
+              <a:buChar char="•"/>
+            </a:pPr>
+            <a:r>
+              <a:rPr lang="ru"/>
+              <a:t>Этическое обучение ИИ: включать принципы ответственности и критического мышления в учебные программы.</a:t>
             </a:r>
           </a:p>
           <a:p>
@@ -7951,477 +8181,6 @@
 </file>
 
 <file path=ppt/slides/slide7.xml><?xml version="1.0" encoding="utf-8"?>
-<p:sld xmlns:a="http://schemas.openxmlformats.org/drawingml/2006/main" xmlns:r="http://schemas.openxmlformats.org/officeDocument/2006/relationships" xmlns:mc="http://schemas.openxmlformats.org/markup-compatibility/2006" xmlns:mv="urn:schemas-microsoft-com:mac:vml" xmlns:p="http://schemas.openxmlformats.org/presentationml/2006/main" xmlns:c="http://schemas.openxmlformats.org/drawingml/2006/chart" xmlns:dgm="http://schemas.openxmlformats.org/drawingml/2006/diagram" xmlns:o="urn:schemas-microsoft-com:office:office" xmlns:v="urn:schemas-microsoft-com:vml" xmlns:pvml="urn:schemas-microsoft-com:office:powerpoint" xmlns:com="http://schemas.openxmlformats.org/drawingml/2006/compatibility" xmlns:p14="http://schemas.microsoft.com/office/powerpoint/2010/main" xmlns:p15="http://schemas.microsoft.com/office/powerpoint/2012/main" xmlns:ahyp="http://schemas.microsoft.com/office/drawing/2018/hyperlinkcolor">
-  <p:cSld>
-    <p:spTree>
-      <p:nvGrpSpPr>
-        <p:cNvPr id="114" name="Shape 114"/>
-        <p:cNvGrpSpPr/>
-        <p:nvPr/>
-      </p:nvGrpSpPr>
-      <p:grpSpPr>
-        <a:xfrm>
-          <a:off x="0" y="0"/>
-          <a:ext cx="0" cy="0"/>
-          <a:chOff x="0" y="0"/>
-          <a:chExt cx="0" cy="0"/>
-        </a:xfrm>
-      </p:grpSpPr>
-      <p:sp>
-        <p:nvSpPr>
-          <p:cNvPr id="115" name="Google Shape;115;p20"/>
-          <p:cNvSpPr txBox="1"/>
-          <p:nvPr>
-            <p:ph type="title"/>
-          </p:nvPr>
-        </p:nvSpPr>
-        <p:spPr>
-          <a:xfrm>
-            <a:off x="246875" y="171275"/>
-            <a:ext cx="8520600" cy="572700"/>
-          </a:xfrm>
-          <a:prstGeom prst="rect">
-            <a:avLst/>
-          </a:prstGeom>
-        </p:spPr>
-        <p:txBody>
-          <a:bodyPr anchorCtr="0" anchor="t" bIns="91425" lIns="91425" spcFirstLastPara="1" rIns="91425" wrap="square" tIns="91425">
-            <a:normAutofit fontScale="90000"/>
-          </a:bodyPr>
-          <a:lstStyle/>
-          <a:p>
-            <a:pPr indent="0" lvl="0" marL="0" rtl="0" algn="l">
-              <a:spcBef>
-                <a:spcPts val="0"/>
-              </a:spcBef>
-              <a:spcAft>
-                <a:spcPts val="0"/>
-              </a:spcAft>
-              <a:buNone/>
-            </a:pPr>
-            <a:r>
-              <a:rPr lang="ru"/>
-              <a:t>Дорожная карта 2025–2026 </a:t>
-            </a:r>
-            <a:endParaRPr/>
-          </a:p>
-        </p:txBody>
-      </p:sp>
-      <p:cxnSp>
-        <p:nvCxnSpPr>
-          <p:cNvPr id="116" name="Google Shape;116;p20"/>
-          <p:cNvCxnSpPr/>
-          <p:nvPr/>
-        </p:nvCxnSpPr>
-        <p:spPr>
-          <a:xfrm>
-            <a:off x="302125" y="2783925"/>
-            <a:ext cx="8497500" cy="0"/>
-          </a:xfrm>
-          <a:prstGeom prst="straightConnector1">
-            <a:avLst/>
-          </a:prstGeom>
-          <a:noFill/>
-          <a:ln cap="flat" cmpd="sng" w="9525">
-            <a:solidFill>
-              <a:schemeClr val="dk2"/>
-            </a:solidFill>
-            <a:prstDash val="solid"/>
-            <a:round/>
-            <a:headEnd len="med" w="med" type="none"/>
-            <a:tailEnd len="med" w="med" type="none"/>
-          </a:ln>
-        </p:spPr>
-      </p:cxnSp>
-      <p:cxnSp>
-        <p:nvCxnSpPr>
-          <p:cNvPr id="117" name="Google Shape;117;p20"/>
-          <p:cNvCxnSpPr/>
-          <p:nvPr/>
-        </p:nvCxnSpPr>
-        <p:spPr>
-          <a:xfrm>
-            <a:off x="1123225" y="2776175"/>
-            <a:ext cx="0" cy="1433100"/>
-          </a:xfrm>
-          <a:prstGeom prst="straightConnector1">
-            <a:avLst/>
-          </a:prstGeom>
-          <a:noFill/>
-          <a:ln cap="flat" cmpd="sng" w="9525">
-            <a:solidFill>
-              <a:schemeClr val="dk2"/>
-            </a:solidFill>
-            <a:prstDash val="solid"/>
-            <a:round/>
-            <a:headEnd len="med" w="med" type="none"/>
-            <a:tailEnd len="med" w="med" type="none"/>
-          </a:ln>
-        </p:spPr>
-      </p:cxnSp>
-      <p:cxnSp>
-        <p:nvCxnSpPr>
-          <p:cNvPr id="118" name="Google Shape;118;p20"/>
-          <p:cNvCxnSpPr/>
-          <p:nvPr/>
-        </p:nvCxnSpPr>
-        <p:spPr>
-          <a:xfrm rot="10800000">
-            <a:off x="2990050" y="1312025"/>
-            <a:ext cx="0" cy="1487400"/>
-          </a:xfrm>
-          <a:prstGeom prst="straightConnector1">
-            <a:avLst/>
-          </a:prstGeom>
-          <a:noFill/>
-          <a:ln cap="flat" cmpd="sng" w="9525">
-            <a:solidFill>
-              <a:schemeClr val="dk2"/>
-            </a:solidFill>
-            <a:prstDash val="solid"/>
-            <a:round/>
-            <a:headEnd len="med" w="med" type="none"/>
-            <a:tailEnd len="med" w="med" type="none"/>
-          </a:ln>
-        </p:spPr>
-      </p:cxnSp>
-      <p:cxnSp>
-        <p:nvCxnSpPr>
-          <p:cNvPr id="119" name="Google Shape;119;p20"/>
-          <p:cNvCxnSpPr/>
-          <p:nvPr/>
-        </p:nvCxnSpPr>
-        <p:spPr>
-          <a:xfrm>
-            <a:off x="4732975" y="2799425"/>
-            <a:ext cx="0" cy="1417500"/>
-          </a:xfrm>
-          <a:prstGeom prst="straightConnector1">
-            <a:avLst/>
-          </a:prstGeom>
-          <a:noFill/>
-          <a:ln cap="flat" cmpd="sng" w="9525">
-            <a:solidFill>
-              <a:schemeClr val="dk2"/>
-            </a:solidFill>
-            <a:prstDash val="solid"/>
-            <a:round/>
-            <a:headEnd len="med" w="med" type="none"/>
-            <a:tailEnd len="med" w="med" type="none"/>
-          </a:ln>
-        </p:spPr>
-      </p:cxnSp>
-      <p:cxnSp>
-        <p:nvCxnSpPr>
-          <p:cNvPr id="120" name="Google Shape;120;p20"/>
-          <p:cNvCxnSpPr/>
-          <p:nvPr/>
-        </p:nvCxnSpPr>
-        <p:spPr>
-          <a:xfrm rot="10800000">
-            <a:off x="6553325" y="1312075"/>
-            <a:ext cx="0" cy="1479600"/>
-          </a:xfrm>
-          <a:prstGeom prst="straightConnector1">
-            <a:avLst/>
-          </a:prstGeom>
-          <a:noFill/>
-          <a:ln cap="flat" cmpd="sng" w="9525">
-            <a:solidFill>
-              <a:schemeClr val="dk2"/>
-            </a:solidFill>
-            <a:prstDash val="solid"/>
-            <a:round/>
-            <a:headEnd len="med" w="med" type="none"/>
-            <a:tailEnd len="med" w="med" type="none"/>
-          </a:ln>
-        </p:spPr>
-      </p:cxnSp>
-      <p:cxnSp>
-        <p:nvCxnSpPr>
-          <p:cNvPr id="121" name="Google Shape;121;p20"/>
-          <p:cNvCxnSpPr/>
-          <p:nvPr/>
-        </p:nvCxnSpPr>
-        <p:spPr>
-          <a:xfrm>
-            <a:off x="7947650" y="2760725"/>
-            <a:ext cx="0" cy="1494900"/>
-          </a:xfrm>
-          <a:prstGeom prst="straightConnector1">
-            <a:avLst/>
-          </a:prstGeom>
-          <a:noFill/>
-          <a:ln cap="flat" cmpd="sng" w="9525">
-            <a:solidFill>
-              <a:schemeClr val="dk2"/>
-            </a:solidFill>
-            <a:prstDash val="solid"/>
-            <a:round/>
-            <a:headEnd len="med" w="med" type="none"/>
-            <a:tailEnd len="med" w="med" type="none"/>
-          </a:ln>
-        </p:spPr>
-      </p:cxnSp>
-      <p:sp>
-        <p:nvSpPr>
-          <p:cNvPr id="122" name="Google Shape;122;p20"/>
-          <p:cNvSpPr txBox="1"/>
-          <p:nvPr/>
-        </p:nvSpPr>
-        <p:spPr>
-          <a:xfrm>
-            <a:off x="556850" y="4341450"/>
-            <a:ext cx="1787100" cy="461700"/>
-          </a:xfrm>
-          <a:prstGeom prst="rect">
-            <a:avLst/>
-          </a:prstGeom>
-          <a:noFill/>
-          <a:ln>
-            <a:noFill/>
-          </a:ln>
-        </p:spPr>
-        <p:txBody>
-          <a:bodyPr anchorCtr="0" anchor="t" bIns="91425" lIns="91425" spcFirstLastPara="1" rIns="91425" wrap="square" tIns="91425">
-            <a:spAutoFit/>
-          </a:bodyPr>
-          <a:lstStyle/>
-          <a:p>
-            <a:pPr indent="0" lvl="0" marL="0" rtl="0" algn="ctr">
-              <a:spcBef>
-                <a:spcPts val="0"/>
-              </a:spcBef>
-              <a:spcAft>
-                <a:spcPts val="0"/>
-              </a:spcAft>
-              <a:buNone/>
-            </a:pPr>
-            <a:r>
-              <a:rPr lang="ru" sz="1800">
-                <a:solidFill>
-                  <a:schemeClr val="dk2"/>
-                </a:solidFill>
-              </a:rPr>
-              <a:t>Q1 2025: Диагностика</a:t>
-            </a:r>
-            <a:endParaRPr sz="1800">
-              <a:solidFill>
-                <a:schemeClr val="dk2"/>
-              </a:solidFill>
-            </a:endParaRPr>
-          </a:p>
-        </p:txBody>
-      </p:sp>
-      <p:sp>
-        <p:nvSpPr>
-          <p:cNvPr id="123" name="Google Shape;123;p20"/>
-          <p:cNvSpPr txBox="1"/>
-          <p:nvPr/>
-        </p:nvSpPr>
-        <p:spPr>
-          <a:xfrm>
-            <a:off x="2128400" y="797150"/>
-            <a:ext cx="1787100" cy="461700"/>
-          </a:xfrm>
-          <a:prstGeom prst="rect">
-            <a:avLst/>
-          </a:prstGeom>
-          <a:noFill/>
-          <a:ln>
-            <a:noFill/>
-          </a:ln>
-        </p:spPr>
-        <p:txBody>
-          <a:bodyPr anchorCtr="0" anchor="t" bIns="91425" lIns="91425" spcFirstLastPara="1" rIns="91425" wrap="square" tIns="91425">
-            <a:spAutoFit/>
-          </a:bodyPr>
-          <a:lstStyle/>
-          <a:p>
-            <a:pPr indent="0" lvl="0" marL="0" rtl="0" algn="ctr">
-              <a:spcBef>
-                <a:spcPts val="0"/>
-              </a:spcBef>
-              <a:spcAft>
-                <a:spcPts val="0"/>
-              </a:spcAft>
-              <a:buNone/>
-            </a:pPr>
-            <a:r>
-              <a:rPr lang="ru" sz="1800">
-                <a:solidFill>
-                  <a:schemeClr val="dk2"/>
-                </a:solidFill>
-              </a:rPr>
-              <a:t>Q2 2025: Проектирование</a:t>
-            </a:r>
-            <a:endParaRPr sz="1800">
-              <a:solidFill>
-                <a:schemeClr val="dk2"/>
-              </a:solidFill>
-            </a:endParaRPr>
-          </a:p>
-        </p:txBody>
-      </p:sp>
-      <p:sp>
-        <p:nvSpPr>
-          <p:cNvPr id="124" name="Google Shape;124;p20"/>
-          <p:cNvSpPr txBox="1"/>
-          <p:nvPr/>
-        </p:nvSpPr>
-        <p:spPr>
-          <a:xfrm>
-            <a:off x="3915500" y="4379700"/>
-            <a:ext cx="1787100" cy="461700"/>
-          </a:xfrm>
-          <a:prstGeom prst="rect">
-            <a:avLst/>
-          </a:prstGeom>
-          <a:noFill/>
-          <a:ln>
-            <a:noFill/>
-          </a:ln>
-        </p:spPr>
-        <p:txBody>
-          <a:bodyPr anchorCtr="0" anchor="t" bIns="91425" lIns="91425" spcFirstLastPara="1" rIns="91425" wrap="square" tIns="91425">
-            <a:spAutoFit/>
-          </a:bodyPr>
-          <a:lstStyle/>
-          <a:p>
-            <a:pPr indent="0" lvl="0" marL="0" rtl="0" algn="ctr">
-              <a:spcBef>
-                <a:spcPts val="0"/>
-              </a:spcBef>
-              <a:spcAft>
-                <a:spcPts val="0"/>
-              </a:spcAft>
-              <a:buNone/>
-            </a:pPr>
-            <a:r>
-              <a:rPr lang="ru" sz="1800">
-                <a:solidFill>
-                  <a:schemeClr val="dk2"/>
-                </a:solidFill>
-              </a:rPr>
-              <a:t>Q3 2025: MVP приложения</a:t>
-            </a:r>
-            <a:endParaRPr sz="1800">
-              <a:solidFill>
-                <a:schemeClr val="dk2"/>
-              </a:solidFill>
-            </a:endParaRPr>
-          </a:p>
-        </p:txBody>
-      </p:sp>
-      <p:sp>
-        <p:nvSpPr>
-          <p:cNvPr id="125" name="Google Shape;125;p20"/>
-          <p:cNvSpPr txBox="1"/>
-          <p:nvPr/>
-        </p:nvSpPr>
-        <p:spPr>
-          <a:xfrm>
-            <a:off x="5609500" y="797175"/>
-            <a:ext cx="1787100" cy="461700"/>
-          </a:xfrm>
-          <a:prstGeom prst="rect">
-            <a:avLst/>
-          </a:prstGeom>
-          <a:noFill/>
-          <a:ln>
-            <a:noFill/>
-          </a:ln>
-        </p:spPr>
-        <p:txBody>
-          <a:bodyPr anchorCtr="0" anchor="t" bIns="91425" lIns="91425" spcFirstLastPara="1" rIns="91425" wrap="square" tIns="91425">
-            <a:spAutoFit/>
-          </a:bodyPr>
-          <a:lstStyle/>
-          <a:p>
-            <a:pPr indent="0" lvl="0" marL="0" rtl="0" algn="ctr">
-              <a:spcBef>
-                <a:spcPts val="0"/>
-              </a:spcBef>
-              <a:spcAft>
-                <a:spcPts val="0"/>
-              </a:spcAft>
-              <a:buNone/>
-            </a:pPr>
-            <a:r>
-              <a:rPr lang="ru" sz="1800">
-                <a:solidFill>
-                  <a:schemeClr val="dk2"/>
-                </a:solidFill>
-              </a:rPr>
-              <a:t>Q1 2026: Пилот</a:t>
-            </a:r>
-            <a:endParaRPr sz="1800">
-              <a:solidFill>
-                <a:schemeClr val="dk2"/>
-              </a:solidFill>
-            </a:endParaRPr>
-          </a:p>
-        </p:txBody>
-      </p:sp>
-      <p:sp>
-        <p:nvSpPr>
-          <p:cNvPr id="126" name="Google Shape;126;p20"/>
-          <p:cNvSpPr txBox="1"/>
-          <p:nvPr/>
-        </p:nvSpPr>
-        <p:spPr>
-          <a:xfrm>
-            <a:off x="7054100" y="4379700"/>
-            <a:ext cx="1787100" cy="461700"/>
-          </a:xfrm>
-          <a:prstGeom prst="rect">
-            <a:avLst/>
-          </a:prstGeom>
-          <a:noFill/>
-          <a:ln>
-            <a:noFill/>
-          </a:ln>
-        </p:spPr>
-        <p:txBody>
-          <a:bodyPr anchorCtr="0" anchor="t" bIns="91425" lIns="91425" spcFirstLastPara="1" rIns="91425" wrap="square" tIns="91425">
-            <a:spAutoFit/>
-          </a:bodyPr>
-          <a:lstStyle/>
-          <a:p>
-            <a:pPr indent="0" lvl="0" marL="0" rtl="0" algn="ctr">
-              <a:spcBef>
-                <a:spcPts val="0"/>
-              </a:spcBef>
-              <a:spcAft>
-                <a:spcPts val="0"/>
-              </a:spcAft>
-              <a:buNone/>
-            </a:pPr>
-            <a:r>
-              <a:rPr lang="ru" sz="1800">
-                <a:solidFill>
-                  <a:schemeClr val="dk2"/>
-                </a:solidFill>
-              </a:rPr>
-              <a:t>Q3 2026: Масштабирование</a:t>
-            </a:r>
-            <a:endParaRPr sz="1800">
-              <a:solidFill>
-                <a:schemeClr val="dk2"/>
-              </a:solidFill>
-            </a:endParaRPr>
-          </a:p>
-        </p:txBody>
-      </p:sp>
-    </p:spTree>
-  </p:cSld>
-  <p:clrMapOvr>
-    <a:masterClrMapping/>
-  </p:clrMapOvr>
-</p:sld>
-</file>
-
-<file path=ppt/slides/slide8.xml><?xml version="1.0" encoding="utf-8"?>
 <p:sld xmlns:a="http://schemas.openxmlformats.org/drawingml/2006/main" xmlns:r="http://schemas.openxmlformats.org/officeDocument/2006/relationships" xmlns:mc="http://schemas.openxmlformats.org/markup-compatibility/2006" xmlns:mv="urn:schemas-microsoft-com:mac:vml" xmlns:p="http://schemas.openxmlformats.org/presentationml/2006/main" xmlns:c="http://schemas.openxmlformats.org/drawingml/2006/chart" xmlns:dgm="http://schemas.openxmlformats.org/drawingml/2006/diagram" xmlns:o="urn:schemas-microsoft-com:office:office" xmlns:v="urn:schemas-microsoft-com:vml" xmlns:pvml="urn:schemas-microsoft-com:office:powerpoint" xmlns:com="http://schemas.openxmlformats.org/drawingml/2006/compatibility" xmlns:p14="http://schemas.microsoft.com/office/powerpoint/2010/main" xmlns:p15="http://schemas.microsoft.com/office/powerpoint/2012/main" xmlns:ahyp="http://schemas.microsoft.com/office/drawing/2018/hyperlinkcolor">
   <p:cSld>
     <p:spTree>
@@ -8472,7 +8231,7 @@
             </a:pPr>
             <a:r>
               <a:rPr lang="ru"/>
-              <a:t>Спасибо за внимание </a:t>
+              <a:t>Искусственный интеллект в образовании: путь вперёд </a:t>
             </a:r>
             <a:endParaRPr/>
           </a:p>
@@ -8519,7 +8278,7 @@
                   <a:schemeClr val="dk1"/>
                 </a:solidFill>
               </a:rPr>
-              <a:t>Готовы ответить на вопросы</a:t>
+              <a:t>Свяжитесь с нами: info@ai-edu.org | +7 123 456 78 90</a:t>
             </a:r>
             <a:endParaRPr/>
           </a:p>

--- a/result.pptx
+++ b/result.pptx
@@ -1,23 +1,40 @@
 
 <file path=ppt/presentation.xml><?xml version="1.0" encoding="utf-8"?>
-<p:presentation xmlns:a="http://schemas.openxmlformats.org/drawingml/2006/main" xmlns:r="http://schemas.openxmlformats.org/officeDocument/2006/relationships" xmlns:mc="http://schemas.openxmlformats.org/markup-compatibility/2006" xmlns:mv="urn:schemas-microsoft-com:mac:vml" xmlns:p="http://schemas.openxmlformats.org/presentationml/2006/main" xmlns:c="http://schemas.openxmlformats.org/drawingml/2006/chart" xmlns:dgm="http://schemas.openxmlformats.org/drawingml/2006/diagram" xmlns:o="urn:schemas-microsoft-com:office:office" xmlns:v="urn:schemas-microsoft-com:vml" xmlns:pvml="urn:schemas-microsoft-com:office:powerpoint" xmlns:com="http://schemas.openxmlformats.org/drawingml/2006/compatibility" xmlns:p14="http://schemas.microsoft.com/office/powerpoint/2010/main" xmlns:p15="http://schemas.microsoft.com/office/powerpoint/2012/main" xmlns:ahyp="http://schemas.microsoft.com/office/drawing/2018/hyperlinkcolor" autoCompressPictures="0" strictFirstAndLastChars="0" saveSubsetFonts="1">
+<p:presentation xmlns:a="http://schemas.openxmlformats.org/drawingml/2006/main" xmlns:r="http://schemas.openxmlformats.org/officeDocument/2006/relationships" xmlns:mc="http://schemas.openxmlformats.org/markup-compatibility/2006" xmlns:mv="urn:schemas-microsoft-com:mac:vml" xmlns:p="http://schemas.openxmlformats.org/presentationml/2006/main" xmlns:c="http://schemas.openxmlformats.org/drawingml/2006/chart" xmlns:dgm="http://schemas.openxmlformats.org/drawingml/2006/diagram" xmlns:o="urn:schemas-microsoft-com:office:office" xmlns:v="urn:schemas-microsoft-com:vml" xmlns:pvml="urn:schemas-microsoft-com:office:powerpoint" xmlns:com="http://schemas.openxmlformats.org/drawingml/2006/compatibility" xmlns:p14="http://schemas.microsoft.com/office/powerpoint/2010/main" xmlns:p15="http://schemas.microsoft.com/office/powerpoint/2012/main" xmlns:ahyp="http://schemas.microsoft.com/office/drawing/2018/hyperlinkcolor" autoCompressPictures="0" embedTrueTypeFonts="1" strictFirstAndLastChars="0" saveSubsetFonts="1">
   <p:sldMasterIdLst>
-    <p:sldMasterId id="2147483659" r:id="rId4"/>
+    <p:sldMasterId id="2147483660" r:id="rId4"/>
+    <p:sldMasterId id="2147483661" r:id="rId5"/>
   </p:sldMasterIdLst>
   <p:notesMasterIdLst>
-    <p:notesMasterId r:id="rId5"/>
+    <p:notesMasterId r:id="rId6"/>
   </p:notesMasterIdLst>
   <p:sldIdLst>
-    <p:sldId id="256" r:id="rId6"/>
-    <p:sldId id="257" r:id="rId7"/>
-    <p:sldId id="258" r:id="rId8"/>
-    <p:sldId id="259" r:id="rId9"/>
-    <p:sldId id="260" r:id="rId10"/>
-    <p:sldId id="261" r:id="rId11"/>
-    <p:sldId id="262" r:id="rId12"/>
+    <p:sldId id="256" r:id="rId24"/>
+    <p:sldId id="257" r:id="rId25"/>
+    <p:sldId id="258" r:id="rId26"/>
+    <p:sldId id="259" r:id="rId27"/>
+    <p:sldId id="260" r:id="rId28"/>
+    <p:sldId id="261" r:id="rId29"/>
+    <p:sldId id="262" r:id="rId30"/>
   </p:sldIdLst>
   <p:sldSz cy="5143500" cx="9144000"/>
   <p:notesSz cx="6858000" cy="9144000"/>
+  <p:embeddedFontLst>
+    <p:embeddedFont>
+      <p:font typeface="Anonymous Pro"/>
+      <p:regular r:id="rId16"/>
+      <p:bold r:id="rId17"/>
+      <p:italic r:id="rId18"/>
+      <p:boldItalic r:id="rId19"/>
+    </p:embeddedFont>
+    <p:embeddedFont>
+      <p:font typeface="PT Sans"/>
+      <p:regular r:id="rId20"/>
+      <p:bold r:id="rId21"/>
+      <p:italic r:id="rId22"/>
+      <p:boldItalic r:id="rId23"/>
+    </p:embeddedFont>
+  </p:embeddedFontLst>
   <p:defaultTextStyle>
     <a:defPPr lvl="0" marR="0" rtl="0" algn="l">
       <a:lnSpc>
@@ -697,7 +714,7 @@
   <p:cSld>
     <p:spTree>
       <p:nvGrpSpPr>
-        <p:cNvPr id="50" name="Shape 50"/>
+        <p:cNvPr id="52" name="Shape 52"/>
         <p:cNvGrpSpPr/>
         <p:nvPr/>
       </p:nvGrpSpPr>
@@ -711,7 +728,7 @@
       </p:grpSpPr>
       <p:sp>
         <p:nvSpPr>
-          <p:cNvPr id="51" name="Google Shape;51;p:notes"/>
+          <p:cNvPr id="53" name="Google Shape;53;g3cbdf8b6c57_6_2:notes"/>
           <p:cNvSpPr/>
           <p:nvPr>
             <p:ph idx="2" type="sldImg"/>
@@ -719,8 +736,8 @@
         </p:nvSpPr>
         <p:spPr>
           <a:xfrm>
-            <a:off x="381300" y="685800"/>
-            <a:ext cx="6096075" cy="3429000"/>
+            <a:off x="0" y="0"/>
+            <a:ext cx="3000000" cy="3000000"/>
           </a:xfrm>
           <a:custGeom>
             <a:rect b="b" l="l" r="r" t="t"/>
@@ -742,11 +759,15 @@
               </a:path>
             </a:pathLst>
           </a:custGeom>
+          <a:noFill/>
+          <a:ln>
+            <a:noFill/>
+          </a:ln>
         </p:spPr>
       </p:sp>
       <p:sp>
         <p:nvSpPr>
-          <p:cNvPr id="52" name="Google Shape;52;p:notes"/>
+          <p:cNvPr id="54" name="Google Shape;54;g3cbdf8b6c57_6_2:notes"/>
           <p:cNvSpPr txBox="1"/>
           <p:nvPr>
             <p:ph idx="1" type="body"/>
@@ -754,20 +775,24 @@
         </p:nvSpPr>
         <p:spPr>
           <a:xfrm>
-            <a:off x="685800" y="4343400"/>
-            <a:ext cx="5486400" cy="4114800"/>
+            <a:off x="0" y="0"/>
+            <a:ext cx="4000000" cy="3000000"/>
           </a:xfrm>
           <a:prstGeom prst="rect">
             <a:avLst/>
           </a:prstGeom>
+          <a:noFill/>
+          <a:ln>
+            <a:noFill/>
+          </a:ln>
         </p:spPr>
         <p:txBody>
-          <a:bodyPr anchorCtr="0" anchor="t" bIns="91425" lIns="91425" spcFirstLastPara="1" rIns="91425" wrap="square" tIns="91425">
+          <a:bodyPr anchorCtr="0" anchor="t" bIns="45700" lIns="91425" spcFirstLastPara="1" rIns="91425" wrap="square" tIns="45700">
             <a:noAutofit/>
           </a:bodyPr>
           <a:lstStyle/>
           <a:p>
-            <a:pPr indent="0" lvl="0" marL="0" rtl="0" algn="l">
+            <a:pPr indent="0" lvl="0" marL="0" marR="0" rtl="0" algn="l">
               <a:spcBef>
                 <a:spcPts val="0"/>
               </a:spcBef>
@@ -777,10 +802,77 @@
               <a:buNone/>
             </a:pPr>
             <a:r>
-              <a:rPr lang="ru"/>
-              <a:t>заголовок</a:t>
+              <a:t/>
             </a:r>
-            <a:endParaRPr/>
+            <a:endParaRPr sz="1200">
+              <a:solidFill>
+                <a:schemeClr val="dk1"/>
+              </a:solidFill>
+              <a:latin typeface="Calibri"/>
+              <a:ea typeface="Calibri"/>
+              <a:cs typeface="Calibri"/>
+              <a:sym typeface="Calibri"/>
+            </a:endParaRPr>
+          </a:p>
+        </p:txBody>
+      </p:sp>
+      <p:sp>
+        <p:nvSpPr>
+          <p:cNvPr id="55" name="Google Shape;55;g3cbdf8b6c57_6_2:notes"/>
+          <p:cNvSpPr txBox="1"/>
+          <p:nvPr>
+            <p:ph idx="12" type="sldNum"/>
+          </p:nvPr>
+        </p:nvSpPr>
+        <p:spPr>
+          <a:xfrm>
+            <a:off x="0" y="0"/>
+            <a:ext cx="4000000" cy="3000000"/>
+          </a:xfrm>
+          <a:prstGeom prst="rect">
+            <a:avLst/>
+          </a:prstGeom>
+          <a:noFill/>
+          <a:ln>
+            <a:noFill/>
+          </a:ln>
+        </p:spPr>
+        <p:txBody>
+          <a:bodyPr anchorCtr="0" anchor="t" bIns="45700" lIns="91425" spcFirstLastPara="1" rIns="91425" wrap="square" tIns="45700">
+            <a:noAutofit/>
+          </a:bodyPr>
+          <a:lstStyle/>
+          <a:p>
+            <a:pPr indent="0" lvl="0" marL="0" marR="0" rtl="0" algn="l">
+              <a:spcBef>
+                <a:spcPts val="0"/>
+              </a:spcBef>
+              <a:spcAft>
+                <a:spcPts val="0"/>
+              </a:spcAft>
+              <a:buNone/>
+            </a:pPr>
+            <a:fld id="{00000000-1234-1234-1234-123412341234}" type="slidenum">
+              <a:rPr b="0" i="0" lang="ru" sz="1800" u="none" cap="none" strike="noStrike">
+                <a:solidFill>
+                  <a:schemeClr val="dk1"/>
+                </a:solidFill>
+                <a:latin typeface="Calibri"/>
+                <a:ea typeface="Calibri"/>
+                <a:cs typeface="Calibri"/>
+                <a:sym typeface="Calibri"/>
+              </a:rPr>
+              <a:t>‹#›</a:t>
+            </a:fld>
+            <a:endParaRPr sz="1800">
+              <a:solidFill>
+                <a:schemeClr val="dk1"/>
+              </a:solidFill>
+              <a:latin typeface="Calibri"/>
+              <a:ea typeface="Calibri"/>
+              <a:cs typeface="Calibri"/>
+              <a:sym typeface="Calibri"/>
+            </a:endParaRPr>
           </a:p>
         </p:txBody>
       </p:sp>
@@ -797,7 +889,7 @@
   <p:cSld>
     <p:spTree>
       <p:nvGrpSpPr>
-        <p:cNvPr id="56" name="Shape 56"/>
+        <p:cNvPr id="60" name="Shape 60"/>
         <p:cNvGrpSpPr/>
         <p:nvPr/>
       </p:nvGrpSpPr>
@@ -811,7 +903,7 @@
       </p:grpSpPr>
       <p:sp>
         <p:nvSpPr>
-          <p:cNvPr id="57" name="Google Shape;57;g3cbdce4d647_0_0:notes"/>
+          <p:cNvPr id="61" name="Google Shape;61;g3cbdf8b6c57_6_10:notes"/>
           <p:cNvSpPr/>
           <p:nvPr>
             <p:ph idx="2" type="sldImg"/>
@@ -819,8 +911,8 @@
         </p:nvSpPr>
         <p:spPr>
           <a:xfrm>
-            <a:off x="381300" y="685800"/>
-            <a:ext cx="6096000" cy="3429000"/>
+            <a:off x="0" y="0"/>
+            <a:ext cx="3000000" cy="3000000"/>
           </a:xfrm>
           <a:custGeom>
             <a:rect b="b" l="l" r="r" t="t"/>
@@ -842,11 +934,15 @@
               </a:path>
             </a:pathLst>
           </a:custGeom>
+          <a:noFill/>
+          <a:ln>
+            <a:noFill/>
+          </a:ln>
         </p:spPr>
       </p:sp>
       <p:sp>
         <p:nvSpPr>
-          <p:cNvPr id="58" name="Google Shape;58;g3cbdce4d647_0_0:notes"/>
+          <p:cNvPr id="62" name="Google Shape;62;g3cbdf8b6c57_6_10:notes"/>
           <p:cNvSpPr txBox="1"/>
           <p:nvPr>
             <p:ph idx="1" type="body"/>
@@ -854,20 +950,24 @@
         </p:nvSpPr>
         <p:spPr>
           <a:xfrm>
-            <a:off x="685800" y="4343400"/>
-            <a:ext cx="5486400" cy="4114800"/>
+            <a:off x="0" y="0"/>
+            <a:ext cx="4000000" cy="3000000"/>
           </a:xfrm>
           <a:prstGeom prst="rect">
             <a:avLst/>
           </a:prstGeom>
+          <a:noFill/>
+          <a:ln>
+            <a:noFill/>
+          </a:ln>
         </p:spPr>
         <p:txBody>
-          <a:bodyPr anchorCtr="0" anchor="t" bIns="91425" lIns="91425" spcFirstLastPara="1" rIns="91425" wrap="square" tIns="91425">
+          <a:bodyPr anchorCtr="0" anchor="t" bIns="45700" lIns="91425" spcFirstLastPara="1" rIns="91425" wrap="square" tIns="45700">
             <a:noAutofit/>
           </a:bodyPr>
           <a:lstStyle/>
           <a:p>
-            <a:pPr indent="0" lvl="0" marL="0" rtl="0" algn="l">
+            <a:pPr indent="0" lvl="0" marL="0" marR="0" rtl="0" algn="l">
               <a:spcBef>
                 <a:spcPts val="0"/>
               </a:spcBef>
@@ -879,7 +979,75 @@
             <a:r>
               <a:t/>
             </a:r>
-            <a:endParaRPr/>
+            <a:endParaRPr sz="1200">
+              <a:solidFill>
+                <a:schemeClr val="dk1"/>
+              </a:solidFill>
+              <a:latin typeface="Calibri"/>
+              <a:ea typeface="Calibri"/>
+              <a:cs typeface="Calibri"/>
+              <a:sym typeface="Calibri"/>
+            </a:endParaRPr>
+          </a:p>
+        </p:txBody>
+      </p:sp>
+      <p:sp>
+        <p:nvSpPr>
+          <p:cNvPr id="63" name="Google Shape;63;g3cbdf8b6c57_6_10:notes"/>
+          <p:cNvSpPr txBox="1"/>
+          <p:nvPr>
+            <p:ph idx="12" type="sldNum"/>
+          </p:nvPr>
+        </p:nvSpPr>
+        <p:spPr>
+          <a:xfrm>
+            <a:off x="0" y="0"/>
+            <a:ext cx="4000000" cy="3000000"/>
+          </a:xfrm>
+          <a:prstGeom prst="rect">
+            <a:avLst/>
+          </a:prstGeom>
+          <a:noFill/>
+          <a:ln>
+            <a:noFill/>
+          </a:ln>
+        </p:spPr>
+        <p:txBody>
+          <a:bodyPr anchorCtr="0" anchor="t" bIns="45700" lIns="91425" spcFirstLastPara="1" rIns="91425" wrap="square" tIns="45700">
+            <a:noAutofit/>
+          </a:bodyPr>
+          <a:lstStyle/>
+          <a:p>
+            <a:pPr indent="0" lvl="0" marL="0" marR="0" rtl="0" algn="l">
+              <a:spcBef>
+                <a:spcPts val="0"/>
+              </a:spcBef>
+              <a:spcAft>
+                <a:spcPts val="0"/>
+              </a:spcAft>
+              <a:buNone/>
+            </a:pPr>
+            <a:fld id="{00000000-1234-1234-1234-123412341234}" type="slidenum">
+              <a:rPr lang="ru" sz="1800">
+                <a:solidFill>
+                  <a:schemeClr val="dk1"/>
+                </a:solidFill>
+                <a:latin typeface="Calibri"/>
+                <a:ea typeface="Calibri"/>
+                <a:cs typeface="Calibri"/>
+                <a:sym typeface="Calibri"/>
+              </a:rPr>
+              <a:t>‹#›</a:t>
+            </a:fld>
+            <a:endParaRPr sz="1800">
+              <a:solidFill>
+                <a:schemeClr val="dk1"/>
+              </a:solidFill>
+              <a:latin typeface="Calibri"/>
+              <a:ea typeface="Calibri"/>
+              <a:cs typeface="Calibri"/>
+              <a:sym typeface="Calibri"/>
+            </a:endParaRPr>
           </a:p>
         </p:txBody>
       </p:sp>
@@ -896,7 +1064,7 @@
   <p:cSld>
     <p:spTree>
       <p:nvGrpSpPr>
-        <p:cNvPr id="67" name="Shape 67"/>
+        <p:cNvPr id="79" name="Shape 79"/>
         <p:cNvGrpSpPr/>
         <p:nvPr/>
       </p:nvGrpSpPr>
@@ -910,7 +1078,7 @@
       </p:grpSpPr>
       <p:sp>
         <p:nvSpPr>
-          <p:cNvPr id="68" name="Google Shape;68;g3cbdce4d647_0_299:notes"/>
+          <p:cNvPr id="80" name="Google Shape;80;g3cbdf8b6c57_6_34:notes"/>
           <p:cNvSpPr/>
           <p:nvPr>
             <p:ph idx="2" type="sldImg"/>
@@ -918,8 +1086,8 @@
         </p:nvSpPr>
         <p:spPr>
           <a:xfrm>
-            <a:off x="381300" y="685800"/>
-            <a:ext cx="6096000" cy="3429000"/>
+            <a:off x="0" y="0"/>
+            <a:ext cx="3000000" cy="3000000"/>
           </a:xfrm>
           <a:custGeom>
             <a:rect b="b" l="l" r="r" t="t"/>
@@ -941,11 +1109,15 @@
               </a:path>
             </a:pathLst>
           </a:custGeom>
+          <a:noFill/>
+          <a:ln>
+            <a:noFill/>
+          </a:ln>
         </p:spPr>
       </p:sp>
       <p:sp>
         <p:nvSpPr>
-          <p:cNvPr id="69" name="Google Shape;69;g3cbdce4d647_0_299:notes"/>
+          <p:cNvPr id="81" name="Google Shape;81;g3cbdf8b6c57_6_34:notes"/>
           <p:cNvSpPr txBox="1"/>
           <p:nvPr>
             <p:ph idx="1" type="body"/>
@@ -953,20 +1125,24 @@
         </p:nvSpPr>
         <p:spPr>
           <a:xfrm>
-            <a:off x="685800" y="4343400"/>
-            <a:ext cx="5486400" cy="4114800"/>
+            <a:off x="0" y="0"/>
+            <a:ext cx="4000000" cy="3000000"/>
           </a:xfrm>
           <a:prstGeom prst="rect">
             <a:avLst/>
           </a:prstGeom>
+          <a:noFill/>
+          <a:ln>
+            <a:noFill/>
+          </a:ln>
         </p:spPr>
         <p:txBody>
-          <a:bodyPr anchorCtr="0" anchor="t" bIns="91425" lIns="91425" spcFirstLastPara="1" rIns="91425" wrap="square" tIns="91425">
+          <a:bodyPr anchorCtr="0" anchor="t" bIns="45700" lIns="91425" spcFirstLastPara="1" rIns="91425" wrap="square" tIns="45700">
             <a:noAutofit/>
           </a:bodyPr>
           <a:lstStyle/>
           <a:p>
-            <a:pPr indent="0" lvl="0" marL="0" rtl="0" algn="l">
+            <a:pPr indent="0" lvl="0" marL="0" marR="0" rtl="0" algn="l">
               <a:spcBef>
                 <a:spcPts val="0"/>
               </a:spcBef>
@@ -978,7 +1154,75 @@
             <a:r>
               <a:t/>
             </a:r>
-            <a:endParaRPr/>
+            <a:endParaRPr sz="1200">
+              <a:solidFill>
+                <a:schemeClr val="dk1"/>
+              </a:solidFill>
+              <a:latin typeface="Calibri"/>
+              <a:ea typeface="Calibri"/>
+              <a:cs typeface="Calibri"/>
+              <a:sym typeface="Calibri"/>
+            </a:endParaRPr>
+          </a:p>
+        </p:txBody>
+      </p:sp>
+      <p:sp>
+        <p:nvSpPr>
+          <p:cNvPr id="82" name="Google Shape;82;g3cbdf8b6c57_6_34:notes"/>
+          <p:cNvSpPr txBox="1"/>
+          <p:nvPr>
+            <p:ph idx="12" type="sldNum"/>
+          </p:nvPr>
+        </p:nvSpPr>
+        <p:spPr>
+          <a:xfrm>
+            <a:off x="0" y="0"/>
+            <a:ext cx="4000000" cy="3000000"/>
+          </a:xfrm>
+          <a:prstGeom prst="rect">
+            <a:avLst/>
+          </a:prstGeom>
+          <a:noFill/>
+          <a:ln>
+            <a:noFill/>
+          </a:ln>
+        </p:spPr>
+        <p:txBody>
+          <a:bodyPr anchorCtr="0" anchor="t" bIns="45700" lIns="91425" spcFirstLastPara="1" rIns="91425" wrap="square" tIns="45700">
+            <a:noAutofit/>
+          </a:bodyPr>
+          <a:lstStyle/>
+          <a:p>
+            <a:pPr indent="0" lvl="0" marL="0" marR="0" rtl="0" algn="l">
+              <a:spcBef>
+                <a:spcPts val="0"/>
+              </a:spcBef>
+              <a:spcAft>
+                <a:spcPts val="0"/>
+              </a:spcAft>
+              <a:buNone/>
+            </a:pPr>
+            <a:fld id="{00000000-1234-1234-1234-123412341234}" type="slidenum">
+              <a:rPr lang="ru" sz="1800">
+                <a:solidFill>
+                  <a:schemeClr val="dk1"/>
+                </a:solidFill>
+                <a:latin typeface="Calibri"/>
+                <a:ea typeface="Calibri"/>
+                <a:cs typeface="Calibri"/>
+                <a:sym typeface="Calibri"/>
+              </a:rPr>
+              <a:t>‹#›</a:t>
+            </a:fld>
+            <a:endParaRPr sz="1800">
+              <a:solidFill>
+                <a:schemeClr val="dk1"/>
+              </a:solidFill>
+              <a:latin typeface="Calibri"/>
+              <a:ea typeface="Calibri"/>
+              <a:cs typeface="Calibri"/>
+              <a:sym typeface="Calibri"/>
+            </a:endParaRPr>
           </a:p>
         </p:txBody>
       </p:sp>
@@ -995,7 +1239,7 @@
   <p:cSld>
     <p:spTree>
       <p:nvGrpSpPr>
-        <p:cNvPr id="76" name="Shape 76"/>
+        <p:cNvPr id="94" name="Shape 94"/>
         <p:cNvGrpSpPr/>
         <p:nvPr/>
       </p:nvGrpSpPr>
@@ -1009,7 +1253,7 @@
       </p:grpSpPr>
       <p:sp>
         <p:nvSpPr>
-          <p:cNvPr id="77" name="Google Shape;77;g3cbdce4d647_0_281:notes"/>
+          <p:cNvPr id="95" name="Google Shape;95;g3cbdf8b6c57_6_52:notes"/>
           <p:cNvSpPr/>
           <p:nvPr>
             <p:ph idx="2" type="sldImg"/>
@@ -1017,8 +1261,8 @@
         </p:nvSpPr>
         <p:spPr>
           <a:xfrm>
-            <a:off x="381300" y="685800"/>
-            <a:ext cx="6096000" cy="3429000"/>
+            <a:off x="0" y="0"/>
+            <a:ext cx="3000000" cy="3000000"/>
           </a:xfrm>
           <a:custGeom>
             <a:rect b="b" l="l" r="r" t="t"/>
@@ -1040,11 +1284,15 @@
               </a:path>
             </a:pathLst>
           </a:custGeom>
+          <a:noFill/>
+          <a:ln>
+            <a:noFill/>
+          </a:ln>
         </p:spPr>
       </p:sp>
       <p:sp>
         <p:nvSpPr>
-          <p:cNvPr id="78" name="Google Shape;78;g3cbdce4d647_0_281:notes"/>
+          <p:cNvPr id="96" name="Google Shape;96;g3cbdf8b6c57_6_52:notes"/>
           <p:cNvSpPr txBox="1"/>
           <p:nvPr>
             <p:ph idx="1" type="body"/>
@@ -1052,20 +1300,24 @@
         </p:nvSpPr>
         <p:spPr>
           <a:xfrm>
-            <a:off x="685800" y="4343400"/>
-            <a:ext cx="5486400" cy="4114800"/>
+            <a:off x="0" y="0"/>
+            <a:ext cx="4000000" cy="3000000"/>
           </a:xfrm>
           <a:prstGeom prst="rect">
             <a:avLst/>
           </a:prstGeom>
+          <a:noFill/>
+          <a:ln>
+            <a:noFill/>
+          </a:ln>
         </p:spPr>
         <p:txBody>
-          <a:bodyPr anchorCtr="0" anchor="t" bIns="91425" lIns="91425" spcFirstLastPara="1" rIns="91425" wrap="square" tIns="91425">
+          <a:bodyPr anchorCtr="0" anchor="t" bIns="45700" lIns="91425" spcFirstLastPara="1" rIns="91425" wrap="square" tIns="45700">
             <a:noAutofit/>
           </a:bodyPr>
           <a:lstStyle/>
           <a:p>
-            <a:pPr indent="0" lvl="0" marL="0" rtl="0" algn="l">
+            <a:pPr indent="0" lvl="0" marL="0" marR="0" rtl="0" algn="l">
               <a:spcBef>
                 <a:spcPts val="0"/>
               </a:spcBef>
@@ -1077,7 +1329,75 @@
             <a:r>
               <a:t/>
             </a:r>
-            <a:endParaRPr/>
+            <a:endParaRPr sz="1200">
+              <a:solidFill>
+                <a:schemeClr val="dk1"/>
+              </a:solidFill>
+              <a:latin typeface="Calibri"/>
+              <a:ea typeface="Calibri"/>
+              <a:cs typeface="Calibri"/>
+              <a:sym typeface="Calibri"/>
+            </a:endParaRPr>
+          </a:p>
+        </p:txBody>
+      </p:sp>
+      <p:sp>
+        <p:nvSpPr>
+          <p:cNvPr id="97" name="Google Shape;97;g3cbdf8b6c57_6_52:notes"/>
+          <p:cNvSpPr txBox="1"/>
+          <p:nvPr>
+            <p:ph idx="12" type="sldNum"/>
+          </p:nvPr>
+        </p:nvSpPr>
+        <p:spPr>
+          <a:xfrm>
+            <a:off x="0" y="0"/>
+            <a:ext cx="4000000" cy="3000000"/>
+          </a:xfrm>
+          <a:prstGeom prst="rect">
+            <a:avLst/>
+          </a:prstGeom>
+          <a:noFill/>
+          <a:ln>
+            <a:noFill/>
+          </a:ln>
+        </p:spPr>
+        <p:txBody>
+          <a:bodyPr anchorCtr="0" anchor="t" bIns="45700" lIns="91425" spcFirstLastPara="1" rIns="91425" wrap="square" tIns="45700">
+            <a:noAutofit/>
+          </a:bodyPr>
+          <a:lstStyle/>
+          <a:p>
+            <a:pPr indent="0" lvl="0" marL="0" marR="0" rtl="0" algn="l">
+              <a:spcBef>
+                <a:spcPts val="0"/>
+              </a:spcBef>
+              <a:spcAft>
+                <a:spcPts val="0"/>
+              </a:spcAft>
+              <a:buNone/>
+            </a:pPr>
+            <a:fld id="{00000000-1234-1234-1234-123412341234}" type="slidenum">
+              <a:rPr lang="ru" sz="1800">
+                <a:solidFill>
+                  <a:schemeClr val="dk1"/>
+                </a:solidFill>
+                <a:latin typeface="Calibri"/>
+                <a:ea typeface="Calibri"/>
+                <a:cs typeface="Calibri"/>
+                <a:sym typeface="Calibri"/>
+              </a:rPr>
+              <a:t>‹#›</a:t>
+            </a:fld>
+            <a:endParaRPr sz="1800">
+              <a:solidFill>
+                <a:schemeClr val="dk1"/>
+              </a:solidFill>
+              <a:latin typeface="Calibri"/>
+              <a:ea typeface="Calibri"/>
+              <a:cs typeface="Calibri"/>
+              <a:sym typeface="Calibri"/>
+            </a:endParaRPr>
           </a:p>
         </p:txBody>
       </p:sp>
@@ -1094,7 +1414,7 @@
   <p:cSld>
     <p:spTree>
       <p:nvGrpSpPr>
-        <p:cNvPr id="86" name="Shape 86"/>
+        <p:cNvPr id="105" name="Shape 105"/>
         <p:cNvGrpSpPr/>
         <p:nvPr/>
       </p:nvGrpSpPr>
@@ -1108,7 +1428,7 @@
       </p:grpSpPr>
       <p:sp>
         <p:nvSpPr>
-          <p:cNvPr id="87" name="Google Shape;87;g3cbdce4d647_0_5:notes"/>
+          <p:cNvPr id="106" name="Google Shape;106;g3cbdf8b6c57_6_69:notes"/>
           <p:cNvSpPr/>
           <p:nvPr>
             <p:ph idx="2" type="sldImg"/>
@@ -1116,8 +1436,8 @@
         </p:nvSpPr>
         <p:spPr>
           <a:xfrm>
-            <a:off x="381300" y="685800"/>
-            <a:ext cx="6096000" cy="3429000"/>
+            <a:off x="0" y="0"/>
+            <a:ext cx="3000000" cy="3000000"/>
           </a:xfrm>
           <a:custGeom>
             <a:rect b="b" l="l" r="r" t="t"/>
@@ -1139,11 +1459,15 @@
               </a:path>
             </a:pathLst>
           </a:custGeom>
+          <a:noFill/>
+          <a:ln>
+            <a:noFill/>
+          </a:ln>
         </p:spPr>
       </p:sp>
       <p:sp>
         <p:nvSpPr>
-          <p:cNvPr id="88" name="Google Shape;88;g3cbdce4d647_0_5:notes"/>
+          <p:cNvPr id="107" name="Google Shape;107;g3cbdf8b6c57_6_69:notes"/>
           <p:cNvSpPr txBox="1"/>
           <p:nvPr>
             <p:ph idx="1" type="body"/>
@@ -1151,20 +1475,24 @@
         </p:nvSpPr>
         <p:spPr>
           <a:xfrm>
-            <a:off x="685800" y="4343400"/>
-            <a:ext cx="5486400" cy="4114800"/>
+            <a:off x="0" y="0"/>
+            <a:ext cx="4000000" cy="3000000"/>
           </a:xfrm>
           <a:prstGeom prst="rect">
             <a:avLst/>
           </a:prstGeom>
+          <a:noFill/>
+          <a:ln>
+            <a:noFill/>
+          </a:ln>
         </p:spPr>
         <p:txBody>
-          <a:bodyPr anchorCtr="0" anchor="t" bIns="91425" lIns="91425" spcFirstLastPara="1" rIns="91425" wrap="square" tIns="91425">
+          <a:bodyPr anchorCtr="0" anchor="t" bIns="45700" lIns="91425" spcFirstLastPara="1" rIns="91425" wrap="square" tIns="45700">
             <a:noAutofit/>
           </a:bodyPr>
           <a:lstStyle/>
           <a:p>
-            <a:pPr indent="0" lvl="0" marL="0" rtl="0" algn="l">
+            <a:pPr indent="0" lvl="0" marL="0" marR="0" rtl="0" algn="l">
               <a:spcBef>
                 <a:spcPts val="0"/>
               </a:spcBef>
@@ -1176,7 +1504,75 @@
             <a:r>
               <a:t/>
             </a:r>
-            <a:endParaRPr/>
+            <a:endParaRPr sz="1200">
+              <a:solidFill>
+                <a:schemeClr val="dk1"/>
+              </a:solidFill>
+              <a:latin typeface="Calibri"/>
+              <a:ea typeface="Calibri"/>
+              <a:cs typeface="Calibri"/>
+              <a:sym typeface="Calibri"/>
+            </a:endParaRPr>
+          </a:p>
+        </p:txBody>
+      </p:sp>
+      <p:sp>
+        <p:nvSpPr>
+          <p:cNvPr id="108" name="Google Shape;108;g3cbdf8b6c57_6_69:notes"/>
+          <p:cNvSpPr txBox="1"/>
+          <p:nvPr>
+            <p:ph idx="12" type="sldNum"/>
+          </p:nvPr>
+        </p:nvSpPr>
+        <p:spPr>
+          <a:xfrm>
+            <a:off x="0" y="0"/>
+            <a:ext cx="4000000" cy="3000000"/>
+          </a:xfrm>
+          <a:prstGeom prst="rect">
+            <a:avLst/>
+          </a:prstGeom>
+          <a:noFill/>
+          <a:ln>
+            <a:noFill/>
+          </a:ln>
+        </p:spPr>
+        <p:txBody>
+          <a:bodyPr anchorCtr="0" anchor="t" bIns="45700" lIns="91425" spcFirstLastPara="1" rIns="91425" wrap="square" tIns="45700">
+            <a:noAutofit/>
+          </a:bodyPr>
+          <a:lstStyle/>
+          <a:p>
+            <a:pPr indent="0" lvl="0" marL="0" marR="0" rtl="0" algn="l">
+              <a:spcBef>
+                <a:spcPts val="0"/>
+              </a:spcBef>
+              <a:spcAft>
+                <a:spcPts val="0"/>
+              </a:spcAft>
+              <a:buNone/>
+            </a:pPr>
+            <a:fld id="{00000000-1234-1234-1234-123412341234}" type="slidenum">
+              <a:rPr lang="ru" sz="1800">
+                <a:solidFill>
+                  <a:schemeClr val="dk1"/>
+                </a:solidFill>
+                <a:latin typeface="Calibri"/>
+                <a:ea typeface="Calibri"/>
+                <a:cs typeface="Calibri"/>
+                <a:sym typeface="Calibri"/>
+              </a:rPr>
+              <a:t>‹#›</a:t>
+            </a:fld>
+            <a:endParaRPr sz="1800">
+              <a:solidFill>
+                <a:schemeClr val="dk1"/>
+              </a:solidFill>
+              <a:latin typeface="Calibri"/>
+              <a:ea typeface="Calibri"/>
+              <a:cs typeface="Calibri"/>
+              <a:sym typeface="Calibri"/>
+            </a:endParaRPr>
           </a:p>
         </p:txBody>
       </p:sp>
@@ -1193,7 +1589,7 @@
   <p:cSld>
     <p:spTree>
       <p:nvGrpSpPr>
-        <p:cNvPr id="93" name="Shape 93"/>
+        <p:cNvPr id="116" name="Shape 116"/>
         <p:cNvGrpSpPr/>
         <p:nvPr/>
       </p:nvGrpSpPr>
@@ -1207,7 +1603,7 @@
       </p:grpSpPr>
       <p:sp>
         <p:nvSpPr>
-          <p:cNvPr id="94" name="Google Shape;94;g1ce9b845277efdee_0:notes"/>
+          <p:cNvPr id="117" name="Google Shape;117;g3cbdf8b6c57_6_62:notes"/>
           <p:cNvSpPr/>
           <p:nvPr>
             <p:ph idx="2" type="sldImg"/>
@@ -1215,8 +1611,8 @@
         </p:nvSpPr>
         <p:spPr>
           <a:xfrm>
-            <a:off x="381300" y="685800"/>
-            <a:ext cx="6096000" cy="3429000"/>
+            <a:off x="0" y="0"/>
+            <a:ext cx="3000000" cy="3000000"/>
           </a:xfrm>
           <a:custGeom>
             <a:rect b="b" l="l" r="r" t="t"/>
@@ -1238,11 +1634,15 @@
               </a:path>
             </a:pathLst>
           </a:custGeom>
+          <a:noFill/>
+          <a:ln>
+            <a:noFill/>
+          </a:ln>
         </p:spPr>
       </p:sp>
       <p:sp>
         <p:nvSpPr>
-          <p:cNvPr id="95" name="Google Shape;95;g1ce9b845277efdee_0:notes"/>
+          <p:cNvPr id="118" name="Google Shape;118;g3cbdf8b6c57_6_62:notes"/>
           <p:cNvSpPr txBox="1"/>
           <p:nvPr>
             <p:ph idx="1" type="body"/>
@@ -1250,20 +1650,24 @@
         </p:nvSpPr>
         <p:spPr>
           <a:xfrm>
-            <a:off x="685800" y="4343400"/>
-            <a:ext cx="5486400" cy="4114800"/>
+            <a:off x="0" y="0"/>
+            <a:ext cx="4000000" cy="3000000"/>
           </a:xfrm>
           <a:prstGeom prst="rect">
             <a:avLst/>
           </a:prstGeom>
+          <a:noFill/>
+          <a:ln>
+            <a:noFill/>
+          </a:ln>
         </p:spPr>
         <p:txBody>
-          <a:bodyPr anchorCtr="0" anchor="t" bIns="91425" lIns="91425" spcFirstLastPara="1" rIns="91425" wrap="square" tIns="91425">
+          <a:bodyPr anchorCtr="0" anchor="t" bIns="45700" lIns="91425" spcFirstLastPara="1" rIns="91425" wrap="square" tIns="45700">
             <a:noAutofit/>
           </a:bodyPr>
           <a:lstStyle/>
           <a:p>
-            <a:pPr indent="0" lvl="0" marL="0" rtl="0" algn="l">
+            <a:pPr indent="0" lvl="0" marL="0" marR="0" rtl="0" algn="l">
               <a:spcBef>
                 <a:spcPts val="0"/>
               </a:spcBef>
@@ -1275,7 +1679,75 @@
             <a:r>
               <a:t/>
             </a:r>
-            <a:endParaRPr/>
+            <a:endParaRPr sz="1200">
+              <a:solidFill>
+                <a:schemeClr val="dk1"/>
+              </a:solidFill>
+              <a:latin typeface="Calibri"/>
+              <a:ea typeface="Calibri"/>
+              <a:cs typeface="Calibri"/>
+              <a:sym typeface="Calibri"/>
+            </a:endParaRPr>
+          </a:p>
+        </p:txBody>
+      </p:sp>
+      <p:sp>
+        <p:nvSpPr>
+          <p:cNvPr id="119" name="Google Shape;119;g3cbdf8b6c57_6_62:notes"/>
+          <p:cNvSpPr txBox="1"/>
+          <p:nvPr>
+            <p:ph idx="12" type="sldNum"/>
+          </p:nvPr>
+        </p:nvSpPr>
+        <p:spPr>
+          <a:xfrm>
+            <a:off x="0" y="0"/>
+            <a:ext cx="4000000" cy="3000000"/>
+          </a:xfrm>
+          <a:prstGeom prst="rect">
+            <a:avLst/>
+          </a:prstGeom>
+          <a:noFill/>
+          <a:ln>
+            <a:noFill/>
+          </a:ln>
+        </p:spPr>
+        <p:txBody>
+          <a:bodyPr anchorCtr="0" anchor="t" bIns="45700" lIns="91425" spcFirstLastPara="1" rIns="91425" wrap="square" tIns="45700">
+            <a:noAutofit/>
+          </a:bodyPr>
+          <a:lstStyle/>
+          <a:p>
+            <a:pPr indent="0" lvl="0" marL="0" marR="0" rtl="0" algn="l">
+              <a:spcBef>
+                <a:spcPts val="0"/>
+              </a:spcBef>
+              <a:spcAft>
+                <a:spcPts val="0"/>
+              </a:spcAft>
+              <a:buNone/>
+            </a:pPr>
+            <a:fld id="{00000000-1234-1234-1234-123412341234}" type="slidenum">
+              <a:rPr lang="ru" sz="1800">
+                <a:solidFill>
+                  <a:schemeClr val="dk1"/>
+                </a:solidFill>
+                <a:latin typeface="Calibri"/>
+                <a:ea typeface="Calibri"/>
+                <a:cs typeface="Calibri"/>
+                <a:sym typeface="Calibri"/>
+              </a:rPr>
+              <a:t>‹#›</a:t>
+            </a:fld>
+            <a:endParaRPr sz="1800">
+              <a:solidFill>
+                <a:schemeClr val="dk1"/>
+              </a:solidFill>
+              <a:latin typeface="Calibri"/>
+              <a:ea typeface="Calibri"/>
+              <a:cs typeface="Calibri"/>
+              <a:sym typeface="Calibri"/>
+            </a:endParaRPr>
           </a:p>
         </p:txBody>
       </p:sp>
@@ -1292,7 +1764,7 @@
   <p:cSld>
     <p:spTree>
       <p:nvGrpSpPr>
-        <p:cNvPr id="100" name="Shape 100"/>
+        <p:cNvPr id="125" name="Shape 125"/>
         <p:cNvGrpSpPr/>
         <p:nvPr/>
       </p:nvGrpSpPr>
@@ -1306,7 +1778,7 @@
       </p:grpSpPr>
       <p:sp>
         <p:nvSpPr>
-          <p:cNvPr id="101" name="Google Shape;101;g3cbdce4d647_0_315:notes"/>
+          <p:cNvPr id="126" name="Google Shape;126;g3cbdf8b6c57_6_78:notes"/>
           <p:cNvSpPr/>
           <p:nvPr>
             <p:ph idx="2" type="sldImg"/>
@@ -1314,8 +1786,8 @@
         </p:nvSpPr>
         <p:spPr>
           <a:xfrm>
-            <a:off x="381300" y="685800"/>
-            <a:ext cx="6096000" cy="3429000"/>
+            <a:off x="0" y="0"/>
+            <a:ext cx="3000000" cy="3000000"/>
           </a:xfrm>
           <a:custGeom>
             <a:rect b="b" l="l" r="r" t="t"/>
@@ -1337,11 +1809,15 @@
               </a:path>
             </a:pathLst>
           </a:custGeom>
+          <a:noFill/>
+          <a:ln>
+            <a:noFill/>
+          </a:ln>
         </p:spPr>
       </p:sp>
       <p:sp>
         <p:nvSpPr>
-          <p:cNvPr id="102" name="Google Shape;102;g3cbdce4d647_0_315:notes"/>
+          <p:cNvPr id="127" name="Google Shape;127;g3cbdf8b6c57_6_78:notes"/>
           <p:cNvSpPr txBox="1"/>
           <p:nvPr>
             <p:ph idx="1" type="body"/>
@@ -1349,20 +1825,24 @@
         </p:nvSpPr>
         <p:spPr>
           <a:xfrm>
-            <a:off x="685800" y="4343400"/>
-            <a:ext cx="5486400" cy="4114800"/>
+            <a:off x="0" y="0"/>
+            <a:ext cx="4000000" cy="3000000"/>
           </a:xfrm>
           <a:prstGeom prst="rect">
             <a:avLst/>
           </a:prstGeom>
+          <a:noFill/>
+          <a:ln>
+            <a:noFill/>
+          </a:ln>
         </p:spPr>
         <p:txBody>
-          <a:bodyPr anchorCtr="0" anchor="t" bIns="91425" lIns="91425" spcFirstLastPara="1" rIns="91425" wrap="square" tIns="91425">
+          <a:bodyPr anchorCtr="0" anchor="t" bIns="45700" lIns="91425" spcFirstLastPara="1" rIns="91425" wrap="square" tIns="45700">
             <a:noAutofit/>
           </a:bodyPr>
           <a:lstStyle/>
           <a:p>
-            <a:pPr indent="0" lvl="0" marL="0" rtl="0" algn="l">
+            <a:pPr indent="0" lvl="0" marL="0" marR="0" rtl="0" algn="l">
               <a:spcBef>
                 <a:spcPts val="0"/>
               </a:spcBef>
@@ -1374,7 +1854,75 @@
             <a:r>
               <a:t/>
             </a:r>
-            <a:endParaRPr/>
+            <a:endParaRPr sz="1200">
+              <a:solidFill>
+                <a:schemeClr val="dk1"/>
+              </a:solidFill>
+              <a:latin typeface="Calibri"/>
+              <a:ea typeface="Calibri"/>
+              <a:cs typeface="Calibri"/>
+              <a:sym typeface="Calibri"/>
+            </a:endParaRPr>
+          </a:p>
+        </p:txBody>
+      </p:sp>
+      <p:sp>
+        <p:nvSpPr>
+          <p:cNvPr id="128" name="Google Shape;128;g3cbdf8b6c57_6_78:notes"/>
+          <p:cNvSpPr txBox="1"/>
+          <p:nvPr>
+            <p:ph idx="12" type="sldNum"/>
+          </p:nvPr>
+        </p:nvSpPr>
+        <p:spPr>
+          <a:xfrm>
+            <a:off x="0" y="0"/>
+            <a:ext cx="4000000" cy="3000000"/>
+          </a:xfrm>
+          <a:prstGeom prst="rect">
+            <a:avLst/>
+          </a:prstGeom>
+          <a:noFill/>
+          <a:ln>
+            <a:noFill/>
+          </a:ln>
+        </p:spPr>
+        <p:txBody>
+          <a:bodyPr anchorCtr="0" anchor="t" bIns="45700" lIns="91425" spcFirstLastPara="1" rIns="91425" wrap="square" tIns="45700">
+            <a:noAutofit/>
+          </a:bodyPr>
+          <a:lstStyle/>
+          <a:p>
+            <a:pPr indent="0" lvl="0" marL="0" marR="0" rtl="0" algn="l">
+              <a:spcBef>
+                <a:spcPts val="0"/>
+              </a:spcBef>
+              <a:spcAft>
+                <a:spcPts val="0"/>
+              </a:spcAft>
+              <a:buNone/>
+            </a:pPr>
+            <a:fld id="{00000000-1234-1234-1234-123412341234}" type="slidenum">
+              <a:rPr lang="ru" sz="1800">
+                <a:solidFill>
+                  <a:schemeClr val="dk1"/>
+                </a:solidFill>
+                <a:latin typeface="Calibri"/>
+                <a:ea typeface="Calibri"/>
+                <a:cs typeface="Calibri"/>
+                <a:sym typeface="Calibri"/>
+              </a:rPr>
+              <a:t>‹#›</a:t>
+            </a:fld>
+            <a:endParaRPr sz="1800">
+              <a:solidFill>
+                <a:schemeClr val="dk1"/>
+              </a:solidFill>
+              <a:latin typeface="Calibri"/>
+              <a:ea typeface="Calibri"/>
+              <a:cs typeface="Calibri"/>
+              <a:sym typeface="Calibri"/>
+            </a:endParaRPr>
           </a:p>
         </p:txBody>
       </p:sp>
@@ -1391,7 +1939,7 @@
   <p:cSld>
     <p:spTree>
       <p:nvGrpSpPr>
-        <p:cNvPr id="111" name="Shape 111"/>
+        <p:cNvPr id="139" name="Shape 139"/>
         <p:cNvGrpSpPr/>
         <p:nvPr/>
       </p:nvGrpSpPr>
@@ -1405,7 +1953,7 @@
       </p:grpSpPr>
       <p:sp>
         <p:nvSpPr>
-          <p:cNvPr id="112" name="Google Shape;112;g3cbdce4d647_0_323:notes"/>
+          <p:cNvPr id="140" name="Google Shape;140;g3cbdf8b6c57_6_93:notes"/>
           <p:cNvSpPr/>
           <p:nvPr>
             <p:ph idx="2" type="sldImg"/>
@@ -1413,8 +1961,8 @@
         </p:nvSpPr>
         <p:spPr>
           <a:xfrm>
-            <a:off x="381300" y="685800"/>
-            <a:ext cx="6096000" cy="3429000"/>
+            <a:off x="0" y="0"/>
+            <a:ext cx="3000000" cy="3000000"/>
           </a:xfrm>
           <a:custGeom>
             <a:rect b="b" l="l" r="r" t="t"/>
@@ -1436,11 +1984,15 @@
               </a:path>
             </a:pathLst>
           </a:custGeom>
+          <a:noFill/>
+          <a:ln>
+            <a:noFill/>
+          </a:ln>
         </p:spPr>
       </p:sp>
       <p:sp>
         <p:nvSpPr>
-          <p:cNvPr id="113" name="Google Shape;113;g3cbdce4d647_0_323:notes"/>
+          <p:cNvPr id="141" name="Google Shape;141;g3cbdf8b6c57_6_93:notes"/>
           <p:cNvSpPr txBox="1"/>
           <p:nvPr>
             <p:ph idx="1" type="body"/>
@@ -1448,20 +2000,24 @@
         </p:nvSpPr>
         <p:spPr>
           <a:xfrm>
-            <a:off x="685800" y="4343400"/>
-            <a:ext cx="5486400" cy="4114800"/>
+            <a:off x="0" y="0"/>
+            <a:ext cx="4000000" cy="3000000"/>
           </a:xfrm>
           <a:prstGeom prst="rect">
             <a:avLst/>
           </a:prstGeom>
+          <a:noFill/>
+          <a:ln>
+            <a:noFill/>
+          </a:ln>
         </p:spPr>
         <p:txBody>
-          <a:bodyPr anchorCtr="0" anchor="t" bIns="91425" lIns="91425" spcFirstLastPara="1" rIns="91425" wrap="square" tIns="91425">
+          <a:bodyPr anchorCtr="0" anchor="t" bIns="45700" lIns="91425" spcFirstLastPara="1" rIns="91425" wrap="square" tIns="45700">
             <a:noAutofit/>
           </a:bodyPr>
           <a:lstStyle/>
           <a:p>
-            <a:pPr indent="0" lvl="0" marL="0" rtl="0" algn="l">
+            <a:pPr indent="0" lvl="0" marL="0" marR="0" rtl="0" algn="l">
               <a:spcBef>
                 <a:spcPts val="0"/>
               </a:spcBef>
@@ -1473,7 +2029,75 @@
             <a:r>
               <a:t/>
             </a:r>
-            <a:endParaRPr/>
+            <a:endParaRPr sz="1200">
+              <a:solidFill>
+                <a:schemeClr val="dk1"/>
+              </a:solidFill>
+              <a:latin typeface="Calibri"/>
+              <a:ea typeface="Calibri"/>
+              <a:cs typeface="Calibri"/>
+              <a:sym typeface="Calibri"/>
+            </a:endParaRPr>
+          </a:p>
+        </p:txBody>
+      </p:sp>
+      <p:sp>
+        <p:nvSpPr>
+          <p:cNvPr id="142" name="Google Shape;142;g3cbdf8b6c57_6_93:notes"/>
+          <p:cNvSpPr txBox="1"/>
+          <p:nvPr>
+            <p:ph idx="12" type="sldNum"/>
+          </p:nvPr>
+        </p:nvSpPr>
+        <p:spPr>
+          <a:xfrm>
+            <a:off x="0" y="0"/>
+            <a:ext cx="4000000" cy="3000000"/>
+          </a:xfrm>
+          <a:prstGeom prst="rect">
+            <a:avLst/>
+          </a:prstGeom>
+          <a:noFill/>
+          <a:ln>
+            <a:noFill/>
+          </a:ln>
+        </p:spPr>
+        <p:txBody>
+          <a:bodyPr anchorCtr="0" anchor="t" bIns="45700" lIns="91425" spcFirstLastPara="1" rIns="91425" wrap="square" tIns="45700">
+            <a:noAutofit/>
+          </a:bodyPr>
+          <a:lstStyle/>
+          <a:p>
+            <a:pPr indent="0" lvl="0" marL="0" marR="0" rtl="0" algn="l">
+              <a:spcBef>
+                <a:spcPts val="0"/>
+              </a:spcBef>
+              <a:spcAft>
+                <a:spcPts val="0"/>
+              </a:spcAft>
+              <a:buNone/>
+            </a:pPr>
+            <a:fld id="{00000000-1234-1234-1234-123412341234}" type="slidenum">
+              <a:rPr lang="ru" sz="1800">
+                <a:solidFill>
+                  <a:schemeClr val="dk1"/>
+                </a:solidFill>
+                <a:latin typeface="Calibri"/>
+                <a:ea typeface="Calibri"/>
+                <a:cs typeface="Calibri"/>
+                <a:sym typeface="Calibri"/>
+              </a:rPr>
+              <a:t>‹#›</a:t>
+            </a:fld>
+            <a:endParaRPr sz="1800">
+              <a:solidFill>
+                <a:schemeClr val="dk1"/>
+              </a:solidFill>
+              <a:latin typeface="Calibri"/>
+              <a:ea typeface="Calibri"/>
+              <a:cs typeface="Calibri"/>
+              <a:sym typeface="Calibri"/>
+            </a:endParaRPr>
           </a:p>
         </p:txBody>
       </p:sp>
@@ -1490,7 +2114,7 @@
   <p:cSld>
     <p:spTree>
       <p:nvGrpSpPr>
-        <p:cNvPr id="127" name="Shape 127"/>
+        <p:cNvPr id="160" name="Shape 160"/>
         <p:cNvGrpSpPr/>
         <p:nvPr/>
       </p:nvGrpSpPr>
@@ -1504,7 +2128,7 @@
       </p:grpSpPr>
       <p:sp>
         <p:nvSpPr>
-          <p:cNvPr id="128" name="Google Shape;128;g3cbdce4d647_0_286:notes"/>
+          <p:cNvPr id="161" name="Google Shape;161;g3cbdf8b6c57_6_113:notes"/>
           <p:cNvSpPr/>
           <p:nvPr>
             <p:ph idx="2" type="sldImg"/>
@@ -1512,8 +2136,8 @@
         </p:nvSpPr>
         <p:spPr>
           <a:xfrm>
-            <a:off x="381300" y="685800"/>
-            <a:ext cx="6096000" cy="3429000"/>
+            <a:off x="0" y="0"/>
+            <a:ext cx="3000000" cy="3000000"/>
           </a:xfrm>
           <a:custGeom>
             <a:rect b="b" l="l" r="r" t="t"/>
@@ -1535,11 +2159,15 @@
               </a:path>
             </a:pathLst>
           </a:custGeom>
+          <a:noFill/>
+          <a:ln>
+            <a:noFill/>
+          </a:ln>
         </p:spPr>
       </p:sp>
       <p:sp>
         <p:nvSpPr>
-          <p:cNvPr id="129" name="Google Shape;129;g3cbdce4d647_0_286:notes"/>
+          <p:cNvPr id="162" name="Google Shape;162;g3cbdf8b6c57_6_113:notes"/>
           <p:cNvSpPr txBox="1"/>
           <p:nvPr>
             <p:ph idx="1" type="body"/>
@@ -1547,20 +2175,24 @@
         </p:nvSpPr>
         <p:spPr>
           <a:xfrm>
-            <a:off x="685800" y="4343400"/>
-            <a:ext cx="5486400" cy="4114800"/>
+            <a:off x="0" y="0"/>
+            <a:ext cx="4000000" cy="3000000"/>
           </a:xfrm>
           <a:prstGeom prst="rect">
             <a:avLst/>
           </a:prstGeom>
+          <a:noFill/>
+          <a:ln>
+            <a:noFill/>
+          </a:ln>
         </p:spPr>
         <p:txBody>
-          <a:bodyPr anchorCtr="0" anchor="t" bIns="91425" lIns="91425" spcFirstLastPara="1" rIns="91425" wrap="square" tIns="91425">
+          <a:bodyPr anchorCtr="0" anchor="t" bIns="45700" lIns="91425" spcFirstLastPara="1" rIns="91425" wrap="square" tIns="45700">
             <a:noAutofit/>
           </a:bodyPr>
           <a:lstStyle/>
           <a:p>
-            <a:pPr indent="0" lvl="0" marL="0" rtl="0" algn="l">
+            <a:pPr indent="0" lvl="0" marL="0" marR="0" rtl="0" algn="l">
               <a:spcBef>
                 <a:spcPts val="0"/>
               </a:spcBef>
@@ -1570,10 +2202,77 @@
               <a:buNone/>
             </a:pPr>
             <a:r>
-              <a:rPr lang="ru"/>
-              <a:t>заголовок</a:t>
+              <a:t/>
             </a:r>
-            <a:endParaRPr/>
+            <a:endParaRPr sz="1200">
+              <a:solidFill>
+                <a:schemeClr val="dk1"/>
+              </a:solidFill>
+              <a:latin typeface="Calibri"/>
+              <a:ea typeface="Calibri"/>
+              <a:cs typeface="Calibri"/>
+              <a:sym typeface="Calibri"/>
+            </a:endParaRPr>
+          </a:p>
+        </p:txBody>
+      </p:sp>
+      <p:sp>
+        <p:nvSpPr>
+          <p:cNvPr id="163" name="Google Shape;163;g3cbdf8b6c57_6_113:notes"/>
+          <p:cNvSpPr txBox="1"/>
+          <p:nvPr>
+            <p:ph idx="12" type="sldNum"/>
+          </p:nvPr>
+        </p:nvSpPr>
+        <p:spPr>
+          <a:xfrm>
+            <a:off x="0" y="0"/>
+            <a:ext cx="4000000" cy="3000000"/>
+          </a:xfrm>
+          <a:prstGeom prst="rect">
+            <a:avLst/>
+          </a:prstGeom>
+          <a:noFill/>
+          <a:ln>
+            <a:noFill/>
+          </a:ln>
+        </p:spPr>
+        <p:txBody>
+          <a:bodyPr anchorCtr="0" anchor="t" bIns="45700" lIns="91425" spcFirstLastPara="1" rIns="91425" wrap="square" tIns="45700">
+            <a:noAutofit/>
+          </a:bodyPr>
+          <a:lstStyle/>
+          <a:p>
+            <a:pPr indent="0" lvl="0" marL="0" marR="0" rtl="0" algn="l">
+              <a:spcBef>
+                <a:spcPts val="0"/>
+              </a:spcBef>
+              <a:spcAft>
+                <a:spcPts val="0"/>
+              </a:spcAft>
+              <a:buNone/>
+            </a:pPr>
+            <a:fld id="{00000000-1234-1234-1234-123412341234}" type="slidenum">
+              <a:rPr lang="ru" sz="1800">
+                <a:solidFill>
+                  <a:schemeClr val="dk1"/>
+                </a:solidFill>
+                <a:latin typeface="Calibri"/>
+                <a:ea typeface="Calibri"/>
+                <a:cs typeface="Calibri"/>
+                <a:sym typeface="Calibri"/>
+              </a:rPr>
+              <a:t>‹#›</a:t>
+            </a:fld>
+            <a:endParaRPr sz="1800">
+              <a:solidFill>
+                <a:schemeClr val="dk1"/>
+              </a:solidFill>
+              <a:latin typeface="Calibri"/>
+              <a:ea typeface="Calibri"/>
+              <a:cs typeface="Calibri"/>
+              <a:sym typeface="Calibri"/>
+            </a:endParaRPr>
           </a:p>
         </p:txBody>
       </p:sp>
@@ -2414,6 +3113,38 @@
           </a:p>
         </p:txBody>
       </p:sp>
+    </p:spTree>
+  </p:cSld>
+  <p:clrMapOvr>
+    <a:masterClrMapping/>
+  </p:clrMapOvr>
+</p:sldLayout>
+</file>
+
+<file path=ppt/slideLayouts/slideLayout12.xml><?xml version="1.0" encoding="utf-8"?>
+<p:sldLayout xmlns:a="http://schemas.openxmlformats.org/drawingml/2006/main" xmlns:r="http://schemas.openxmlformats.org/officeDocument/2006/relationships" xmlns:mc="http://schemas.openxmlformats.org/markup-compatibility/2006" xmlns:mv="urn:schemas-microsoft-com:mac:vml" xmlns:p="http://schemas.openxmlformats.org/presentationml/2006/main" xmlns:c="http://schemas.openxmlformats.org/drawingml/2006/chart" xmlns:dgm="http://schemas.openxmlformats.org/drawingml/2006/diagram" xmlns:o="urn:schemas-microsoft-com:office:office" xmlns:v="urn:schemas-microsoft-com:vml" xmlns:pvml="urn:schemas-microsoft-com:office:powerpoint" xmlns:com="http://schemas.openxmlformats.org/drawingml/2006/compatibility" xmlns:p14="http://schemas.microsoft.com/office/powerpoint/2010/main" xmlns:p15="http://schemas.microsoft.com/office/powerpoint/2012/main" xmlns:ahyp="http://schemas.microsoft.com/office/drawing/2018/hyperlinkcolor" matchingName="DEFAULT">
+  <p:cSld name="DEFAULT">
+    <p:bg>
+      <p:bgPr>
+        <a:solidFill>
+          <a:schemeClr val="lt1"/>
+        </a:solidFill>
+      </p:bgPr>
+    </p:bg>
+    <p:spTree>
+      <p:nvGrpSpPr>
+        <p:cNvPr id="51" name="Shape 51"/>
+        <p:cNvGrpSpPr/>
+        <p:nvPr/>
+      </p:nvGrpSpPr>
+      <p:grpSpPr>
+        <a:xfrm>
+          <a:off x="0" y="0"/>
+          <a:ext cx="0" cy="0"/>
+          <a:chOff x="0" y="0"/>
+          <a:chExt cx="0" cy="0"/>
+        </a:xfrm>
+      </p:grpSpPr>
     </p:spTree>
   </p:cSld>
   <p:clrMapOvr>
@@ -6234,12 +6965,19 @@
 </p:sldMaster>
 </file>
 
-<file path=ppt/slides/slide1.xml><?xml version="1.0" encoding="utf-8"?>
-<p:sld xmlns:a="http://schemas.openxmlformats.org/drawingml/2006/main" xmlns:r="http://schemas.openxmlformats.org/officeDocument/2006/relationships" xmlns:mc="http://schemas.openxmlformats.org/markup-compatibility/2006" xmlns:mv="urn:schemas-microsoft-com:mac:vml" xmlns:p="http://schemas.openxmlformats.org/presentationml/2006/main" xmlns:c="http://schemas.openxmlformats.org/drawingml/2006/chart" xmlns:dgm="http://schemas.openxmlformats.org/drawingml/2006/diagram" xmlns:o="urn:schemas-microsoft-com:office:office" xmlns:v="urn:schemas-microsoft-com:vml" xmlns:pvml="urn:schemas-microsoft-com:office:powerpoint" xmlns:com="http://schemas.openxmlformats.org/drawingml/2006/compatibility" xmlns:p14="http://schemas.microsoft.com/office/powerpoint/2010/main" xmlns:p15="http://schemas.microsoft.com/office/powerpoint/2012/main" xmlns:ahyp="http://schemas.microsoft.com/office/drawing/2018/hyperlinkcolor">
+<file path=ppt/slideMasters/slideMaster2.xml><?xml version="1.0" encoding="utf-8"?>
+<p:sldMaster xmlns:a="http://schemas.openxmlformats.org/drawingml/2006/main" xmlns:r="http://schemas.openxmlformats.org/officeDocument/2006/relationships" xmlns:mc="http://schemas.openxmlformats.org/markup-compatibility/2006" xmlns:mv="urn:schemas-microsoft-com:mac:vml" xmlns:p="http://schemas.openxmlformats.org/presentationml/2006/main" xmlns:c="http://schemas.openxmlformats.org/drawingml/2006/chart" xmlns:dgm="http://schemas.openxmlformats.org/drawingml/2006/diagram" xmlns:o="urn:schemas-microsoft-com:office:office" xmlns:v="urn:schemas-microsoft-com:vml" xmlns:pvml="urn:schemas-microsoft-com:office:powerpoint" xmlns:com="http://schemas.openxmlformats.org/drawingml/2006/compatibility" xmlns:p14="http://schemas.microsoft.com/office/powerpoint/2010/main" xmlns:p15="http://schemas.microsoft.com/office/powerpoint/2012/main" xmlns:ahyp="http://schemas.microsoft.com/office/drawing/2018/hyperlinkcolor">
   <p:cSld>
+    <p:bg>
+      <p:bgPr>
+        <a:solidFill>
+          <a:schemeClr val="lt1"/>
+        </a:solidFill>
+      </p:bgPr>
+    </p:bg>
     <p:spTree>
       <p:nvGrpSpPr>
-        <p:cNvPr id="53" name="Shape 53"/>
+        <p:cNvPr id="50" name="Shape 50"/>
         <p:cNvGrpSpPr/>
         <p:nvPr/>
       </p:nvGrpSpPr>
@@ -6251,70 +6989,774 @@
           <a:chExt cx="0" cy="0"/>
         </a:xfrm>
       </p:grpSpPr>
-      <p:sp>
-        <p:nvSpPr>
-          <p:cNvPr id="54" name="Google Shape;54;p13"/>
-          <p:cNvSpPr txBox="1"/>
-          <p:nvPr>
-            <p:ph type="ctrTitle"/>
-          </p:nvPr>
-        </p:nvSpPr>
+    </p:spTree>
+  </p:cSld>
+  <p:clrMap accent1="accent1" accent2="accent2" accent3="accent3" accent4="accent4" accent5="accent5" accent6="accent6" bg1="lt1" bg2="dk2" tx1="dk1" tx2="lt2" folHlink="folHlink" hlink="hlink"/>
+  <p:sldLayoutIdLst>
+    <p:sldLayoutId id="2147483659" r:id="rId1"/>
+  </p:sldLayoutIdLst>
+  <p:hf dt="0" ftr="0" hdr="0" sldNum="0"/>
+  <p:txStyles>
+    <p:titleStyle>
+      <a:defPPr lvl="0" marR="0" rtl="0" algn="l">
+        <a:lnSpc>
+          <a:spcPct val="100000"/>
+        </a:lnSpc>
+        <a:spcBef>
+          <a:spcPts val="0"/>
+        </a:spcBef>
+        <a:spcAft>
+          <a:spcPts val="0"/>
+        </a:spcAft>
+      </a:defPPr>
+      <a:lvl1pPr lvl="0" marR="0" rtl="0" algn="l">
+        <a:lnSpc>
+          <a:spcPct val="100000"/>
+        </a:lnSpc>
+        <a:spcBef>
+          <a:spcPts val="0"/>
+        </a:spcBef>
+        <a:spcAft>
+          <a:spcPts val="0"/>
+        </a:spcAft>
+        <a:buClr>
+          <a:srgbClr val="000000"/>
+        </a:buClr>
+        <a:buFont typeface="Arial"/>
+        <a:defRPr b="0" i="0" sz="1400" u="none" cap="none" strike="noStrike">
+          <a:solidFill>
+            <a:srgbClr val="000000"/>
+          </a:solidFill>
+          <a:latin typeface="Arial"/>
+          <a:ea typeface="Arial"/>
+          <a:cs typeface="Arial"/>
+          <a:sym typeface="Arial"/>
+        </a:defRPr>
+      </a:lvl1pPr>
+      <a:lvl2pPr lvl="1" marR="0" rtl="0" algn="l">
+        <a:lnSpc>
+          <a:spcPct val="100000"/>
+        </a:lnSpc>
+        <a:spcBef>
+          <a:spcPts val="0"/>
+        </a:spcBef>
+        <a:spcAft>
+          <a:spcPts val="0"/>
+        </a:spcAft>
+        <a:buClr>
+          <a:srgbClr val="000000"/>
+        </a:buClr>
+        <a:buFont typeface="Arial"/>
+        <a:defRPr b="0" i="0" sz="1400" u="none" cap="none" strike="noStrike">
+          <a:solidFill>
+            <a:srgbClr val="000000"/>
+          </a:solidFill>
+          <a:latin typeface="Arial"/>
+          <a:ea typeface="Arial"/>
+          <a:cs typeface="Arial"/>
+          <a:sym typeface="Arial"/>
+        </a:defRPr>
+      </a:lvl2pPr>
+      <a:lvl3pPr lvl="2" marR="0" rtl="0" algn="l">
+        <a:lnSpc>
+          <a:spcPct val="100000"/>
+        </a:lnSpc>
+        <a:spcBef>
+          <a:spcPts val="0"/>
+        </a:spcBef>
+        <a:spcAft>
+          <a:spcPts val="0"/>
+        </a:spcAft>
+        <a:buClr>
+          <a:srgbClr val="000000"/>
+        </a:buClr>
+        <a:buFont typeface="Arial"/>
+        <a:defRPr b="0" i="0" sz="1400" u="none" cap="none" strike="noStrike">
+          <a:solidFill>
+            <a:srgbClr val="000000"/>
+          </a:solidFill>
+          <a:latin typeface="Arial"/>
+          <a:ea typeface="Arial"/>
+          <a:cs typeface="Arial"/>
+          <a:sym typeface="Arial"/>
+        </a:defRPr>
+      </a:lvl3pPr>
+      <a:lvl4pPr lvl="3" marR="0" rtl="0" algn="l">
+        <a:lnSpc>
+          <a:spcPct val="100000"/>
+        </a:lnSpc>
+        <a:spcBef>
+          <a:spcPts val="0"/>
+        </a:spcBef>
+        <a:spcAft>
+          <a:spcPts val="0"/>
+        </a:spcAft>
+        <a:buClr>
+          <a:srgbClr val="000000"/>
+        </a:buClr>
+        <a:buFont typeface="Arial"/>
+        <a:defRPr b="0" i="0" sz="1400" u="none" cap="none" strike="noStrike">
+          <a:solidFill>
+            <a:srgbClr val="000000"/>
+          </a:solidFill>
+          <a:latin typeface="Arial"/>
+          <a:ea typeface="Arial"/>
+          <a:cs typeface="Arial"/>
+          <a:sym typeface="Arial"/>
+        </a:defRPr>
+      </a:lvl4pPr>
+      <a:lvl5pPr lvl="4" marR="0" rtl="0" algn="l">
+        <a:lnSpc>
+          <a:spcPct val="100000"/>
+        </a:lnSpc>
+        <a:spcBef>
+          <a:spcPts val="0"/>
+        </a:spcBef>
+        <a:spcAft>
+          <a:spcPts val="0"/>
+        </a:spcAft>
+        <a:buClr>
+          <a:srgbClr val="000000"/>
+        </a:buClr>
+        <a:buFont typeface="Arial"/>
+        <a:defRPr b="0" i="0" sz="1400" u="none" cap="none" strike="noStrike">
+          <a:solidFill>
+            <a:srgbClr val="000000"/>
+          </a:solidFill>
+          <a:latin typeface="Arial"/>
+          <a:ea typeface="Arial"/>
+          <a:cs typeface="Arial"/>
+          <a:sym typeface="Arial"/>
+        </a:defRPr>
+      </a:lvl5pPr>
+      <a:lvl6pPr lvl="5" marR="0" rtl="0" algn="l">
+        <a:lnSpc>
+          <a:spcPct val="100000"/>
+        </a:lnSpc>
+        <a:spcBef>
+          <a:spcPts val="0"/>
+        </a:spcBef>
+        <a:spcAft>
+          <a:spcPts val="0"/>
+        </a:spcAft>
+        <a:buClr>
+          <a:srgbClr val="000000"/>
+        </a:buClr>
+        <a:buFont typeface="Arial"/>
+        <a:defRPr b="0" i="0" sz="1400" u="none" cap="none" strike="noStrike">
+          <a:solidFill>
+            <a:srgbClr val="000000"/>
+          </a:solidFill>
+          <a:latin typeface="Arial"/>
+          <a:ea typeface="Arial"/>
+          <a:cs typeface="Arial"/>
+          <a:sym typeface="Arial"/>
+        </a:defRPr>
+      </a:lvl6pPr>
+      <a:lvl7pPr lvl="6" marR="0" rtl="0" algn="l">
+        <a:lnSpc>
+          <a:spcPct val="100000"/>
+        </a:lnSpc>
+        <a:spcBef>
+          <a:spcPts val="0"/>
+        </a:spcBef>
+        <a:spcAft>
+          <a:spcPts val="0"/>
+        </a:spcAft>
+        <a:buClr>
+          <a:srgbClr val="000000"/>
+        </a:buClr>
+        <a:buFont typeface="Arial"/>
+        <a:defRPr b="0" i="0" sz="1400" u="none" cap="none" strike="noStrike">
+          <a:solidFill>
+            <a:srgbClr val="000000"/>
+          </a:solidFill>
+          <a:latin typeface="Arial"/>
+          <a:ea typeface="Arial"/>
+          <a:cs typeface="Arial"/>
+          <a:sym typeface="Arial"/>
+        </a:defRPr>
+      </a:lvl7pPr>
+      <a:lvl8pPr lvl="7" marR="0" rtl="0" algn="l">
+        <a:lnSpc>
+          <a:spcPct val="100000"/>
+        </a:lnSpc>
+        <a:spcBef>
+          <a:spcPts val="0"/>
+        </a:spcBef>
+        <a:spcAft>
+          <a:spcPts val="0"/>
+        </a:spcAft>
+        <a:buClr>
+          <a:srgbClr val="000000"/>
+        </a:buClr>
+        <a:buFont typeface="Arial"/>
+        <a:defRPr b="0" i="0" sz="1400" u="none" cap="none" strike="noStrike">
+          <a:solidFill>
+            <a:srgbClr val="000000"/>
+          </a:solidFill>
+          <a:latin typeface="Arial"/>
+          <a:ea typeface="Arial"/>
+          <a:cs typeface="Arial"/>
+          <a:sym typeface="Arial"/>
+        </a:defRPr>
+      </a:lvl8pPr>
+      <a:lvl9pPr lvl="8" marR="0" rtl="0" algn="l">
+        <a:lnSpc>
+          <a:spcPct val="100000"/>
+        </a:lnSpc>
+        <a:spcBef>
+          <a:spcPts val="0"/>
+        </a:spcBef>
+        <a:spcAft>
+          <a:spcPts val="0"/>
+        </a:spcAft>
+        <a:buClr>
+          <a:srgbClr val="000000"/>
+        </a:buClr>
+        <a:buFont typeface="Arial"/>
+        <a:defRPr b="0" i="0" sz="1400" u="none" cap="none" strike="noStrike">
+          <a:solidFill>
+            <a:srgbClr val="000000"/>
+          </a:solidFill>
+          <a:latin typeface="Arial"/>
+          <a:ea typeface="Arial"/>
+          <a:cs typeface="Arial"/>
+          <a:sym typeface="Arial"/>
+        </a:defRPr>
+      </a:lvl9pPr>
+    </p:titleStyle>
+    <p:bodyStyle>
+      <a:defPPr lvl="0" marR="0" rtl="0" algn="l">
+        <a:lnSpc>
+          <a:spcPct val="100000"/>
+        </a:lnSpc>
+        <a:spcBef>
+          <a:spcPts val="0"/>
+        </a:spcBef>
+        <a:spcAft>
+          <a:spcPts val="0"/>
+        </a:spcAft>
+      </a:defPPr>
+      <a:lvl1pPr lvl="0" marR="0" rtl="0" algn="l">
+        <a:lnSpc>
+          <a:spcPct val="100000"/>
+        </a:lnSpc>
+        <a:spcBef>
+          <a:spcPts val="0"/>
+        </a:spcBef>
+        <a:spcAft>
+          <a:spcPts val="0"/>
+        </a:spcAft>
+        <a:buClr>
+          <a:srgbClr val="000000"/>
+        </a:buClr>
+        <a:buFont typeface="Arial"/>
+        <a:defRPr b="0" i="0" sz="1400" u="none" cap="none" strike="noStrike">
+          <a:solidFill>
+            <a:srgbClr val="000000"/>
+          </a:solidFill>
+          <a:latin typeface="Arial"/>
+          <a:ea typeface="Arial"/>
+          <a:cs typeface="Arial"/>
+          <a:sym typeface="Arial"/>
+        </a:defRPr>
+      </a:lvl1pPr>
+      <a:lvl2pPr lvl="1" marR="0" rtl="0" algn="l">
+        <a:lnSpc>
+          <a:spcPct val="100000"/>
+        </a:lnSpc>
+        <a:spcBef>
+          <a:spcPts val="0"/>
+        </a:spcBef>
+        <a:spcAft>
+          <a:spcPts val="0"/>
+        </a:spcAft>
+        <a:buClr>
+          <a:srgbClr val="000000"/>
+        </a:buClr>
+        <a:buFont typeface="Arial"/>
+        <a:defRPr b="0" i="0" sz="1400" u="none" cap="none" strike="noStrike">
+          <a:solidFill>
+            <a:srgbClr val="000000"/>
+          </a:solidFill>
+          <a:latin typeface="Arial"/>
+          <a:ea typeface="Arial"/>
+          <a:cs typeface="Arial"/>
+          <a:sym typeface="Arial"/>
+        </a:defRPr>
+      </a:lvl2pPr>
+      <a:lvl3pPr lvl="2" marR="0" rtl="0" algn="l">
+        <a:lnSpc>
+          <a:spcPct val="100000"/>
+        </a:lnSpc>
+        <a:spcBef>
+          <a:spcPts val="0"/>
+        </a:spcBef>
+        <a:spcAft>
+          <a:spcPts val="0"/>
+        </a:spcAft>
+        <a:buClr>
+          <a:srgbClr val="000000"/>
+        </a:buClr>
+        <a:buFont typeface="Arial"/>
+        <a:defRPr b="0" i="0" sz="1400" u="none" cap="none" strike="noStrike">
+          <a:solidFill>
+            <a:srgbClr val="000000"/>
+          </a:solidFill>
+          <a:latin typeface="Arial"/>
+          <a:ea typeface="Arial"/>
+          <a:cs typeface="Arial"/>
+          <a:sym typeface="Arial"/>
+        </a:defRPr>
+      </a:lvl3pPr>
+      <a:lvl4pPr lvl="3" marR="0" rtl="0" algn="l">
+        <a:lnSpc>
+          <a:spcPct val="100000"/>
+        </a:lnSpc>
+        <a:spcBef>
+          <a:spcPts val="0"/>
+        </a:spcBef>
+        <a:spcAft>
+          <a:spcPts val="0"/>
+        </a:spcAft>
+        <a:buClr>
+          <a:srgbClr val="000000"/>
+        </a:buClr>
+        <a:buFont typeface="Arial"/>
+        <a:defRPr b="0" i="0" sz="1400" u="none" cap="none" strike="noStrike">
+          <a:solidFill>
+            <a:srgbClr val="000000"/>
+          </a:solidFill>
+          <a:latin typeface="Arial"/>
+          <a:ea typeface="Arial"/>
+          <a:cs typeface="Arial"/>
+          <a:sym typeface="Arial"/>
+        </a:defRPr>
+      </a:lvl4pPr>
+      <a:lvl5pPr lvl="4" marR="0" rtl="0" algn="l">
+        <a:lnSpc>
+          <a:spcPct val="100000"/>
+        </a:lnSpc>
+        <a:spcBef>
+          <a:spcPts val="0"/>
+        </a:spcBef>
+        <a:spcAft>
+          <a:spcPts val="0"/>
+        </a:spcAft>
+        <a:buClr>
+          <a:srgbClr val="000000"/>
+        </a:buClr>
+        <a:buFont typeface="Arial"/>
+        <a:defRPr b="0" i="0" sz="1400" u="none" cap="none" strike="noStrike">
+          <a:solidFill>
+            <a:srgbClr val="000000"/>
+          </a:solidFill>
+          <a:latin typeface="Arial"/>
+          <a:ea typeface="Arial"/>
+          <a:cs typeface="Arial"/>
+          <a:sym typeface="Arial"/>
+        </a:defRPr>
+      </a:lvl5pPr>
+      <a:lvl6pPr lvl="5" marR="0" rtl="0" algn="l">
+        <a:lnSpc>
+          <a:spcPct val="100000"/>
+        </a:lnSpc>
+        <a:spcBef>
+          <a:spcPts val="0"/>
+        </a:spcBef>
+        <a:spcAft>
+          <a:spcPts val="0"/>
+        </a:spcAft>
+        <a:buClr>
+          <a:srgbClr val="000000"/>
+        </a:buClr>
+        <a:buFont typeface="Arial"/>
+        <a:defRPr b="0" i="0" sz="1400" u="none" cap="none" strike="noStrike">
+          <a:solidFill>
+            <a:srgbClr val="000000"/>
+          </a:solidFill>
+          <a:latin typeface="Arial"/>
+          <a:ea typeface="Arial"/>
+          <a:cs typeface="Arial"/>
+          <a:sym typeface="Arial"/>
+        </a:defRPr>
+      </a:lvl6pPr>
+      <a:lvl7pPr lvl="6" marR="0" rtl="0" algn="l">
+        <a:lnSpc>
+          <a:spcPct val="100000"/>
+        </a:lnSpc>
+        <a:spcBef>
+          <a:spcPts val="0"/>
+        </a:spcBef>
+        <a:spcAft>
+          <a:spcPts val="0"/>
+        </a:spcAft>
+        <a:buClr>
+          <a:srgbClr val="000000"/>
+        </a:buClr>
+        <a:buFont typeface="Arial"/>
+        <a:defRPr b="0" i="0" sz="1400" u="none" cap="none" strike="noStrike">
+          <a:solidFill>
+            <a:srgbClr val="000000"/>
+          </a:solidFill>
+          <a:latin typeface="Arial"/>
+          <a:ea typeface="Arial"/>
+          <a:cs typeface="Arial"/>
+          <a:sym typeface="Arial"/>
+        </a:defRPr>
+      </a:lvl7pPr>
+      <a:lvl8pPr lvl="7" marR="0" rtl="0" algn="l">
+        <a:lnSpc>
+          <a:spcPct val="100000"/>
+        </a:lnSpc>
+        <a:spcBef>
+          <a:spcPts val="0"/>
+        </a:spcBef>
+        <a:spcAft>
+          <a:spcPts val="0"/>
+        </a:spcAft>
+        <a:buClr>
+          <a:srgbClr val="000000"/>
+        </a:buClr>
+        <a:buFont typeface="Arial"/>
+        <a:defRPr b="0" i="0" sz="1400" u="none" cap="none" strike="noStrike">
+          <a:solidFill>
+            <a:srgbClr val="000000"/>
+          </a:solidFill>
+          <a:latin typeface="Arial"/>
+          <a:ea typeface="Arial"/>
+          <a:cs typeface="Arial"/>
+          <a:sym typeface="Arial"/>
+        </a:defRPr>
+      </a:lvl8pPr>
+      <a:lvl9pPr lvl="8" marR="0" rtl="0" algn="l">
+        <a:lnSpc>
+          <a:spcPct val="100000"/>
+        </a:lnSpc>
+        <a:spcBef>
+          <a:spcPts val="0"/>
+        </a:spcBef>
+        <a:spcAft>
+          <a:spcPts val="0"/>
+        </a:spcAft>
+        <a:buClr>
+          <a:srgbClr val="000000"/>
+        </a:buClr>
+        <a:buFont typeface="Arial"/>
+        <a:defRPr b="0" i="0" sz="1400" u="none" cap="none" strike="noStrike">
+          <a:solidFill>
+            <a:srgbClr val="000000"/>
+          </a:solidFill>
+          <a:latin typeface="Arial"/>
+          <a:ea typeface="Arial"/>
+          <a:cs typeface="Arial"/>
+          <a:sym typeface="Arial"/>
+        </a:defRPr>
+      </a:lvl9pPr>
+    </p:bodyStyle>
+    <p:otherStyle>
+      <a:defPPr lvl="0" marR="0" rtl="0" algn="l">
+        <a:lnSpc>
+          <a:spcPct val="100000"/>
+        </a:lnSpc>
+        <a:spcBef>
+          <a:spcPts val="0"/>
+        </a:spcBef>
+        <a:spcAft>
+          <a:spcPts val="0"/>
+        </a:spcAft>
+      </a:defPPr>
+      <a:lvl1pPr lvl="0" marR="0" rtl="0" algn="l">
+        <a:lnSpc>
+          <a:spcPct val="100000"/>
+        </a:lnSpc>
+        <a:spcBef>
+          <a:spcPts val="0"/>
+        </a:spcBef>
+        <a:spcAft>
+          <a:spcPts val="0"/>
+        </a:spcAft>
+        <a:buClr>
+          <a:srgbClr val="000000"/>
+        </a:buClr>
+        <a:buFont typeface="Arial"/>
+        <a:defRPr b="0" i="0" sz="1400" u="none" cap="none" strike="noStrike">
+          <a:solidFill>
+            <a:srgbClr val="000000"/>
+          </a:solidFill>
+          <a:latin typeface="Arial"/>
+          <a:ea typeface="Arial"/>
+          <a:cs typeface="Arial"/>
+          <a:sym typeface="Arial"/>
+        </a:defRPr>
+      </a:lvl1pPr>
+      <a:lvl2pPr lvl="1" marR="0" rtl="0" algn="l">
+        <a:lnSpc>
+          <a:spcPct val="100000"/>
+        </a:lnSpc>
+        <a:spcBef>
+          <a:spcPts val="0"/>
+        </a:spcBef>
+        <a:spcAft>
+          <a:spcPts val="0"/>
+        </a:spcAft>
+        <a:buClr>
+          <a:srgbClr val="000000"/>
+        </a:buClr>
+        <a:buFont typeface="Arial"/>
+        <a:defRPr b="0" i="0" sz="1400" u="none" cap="none" strike="noStrike">
+          <a:solidFill>
+            <a:srgbClr val="000000"/>
+          </a:solidFill>
+          <a:latin typeface="Arial"/>
+          <a:ea typeface="Arial"/>
+          <a:cs typeface="Arial"/>
+          <a:sym typeface="Arial"/>
+        </a:defRPr>
+      </a:lvl2pPr>
+      <a:lvl3pPr lvl="2" marR="0" rtl="0" algn="l">
+        <a:lnSpc>
+          <a:spcPct val="100000"/>
+        </a:lnSpc>
+        <a:spcBef>
+          <a:spcPts val="0"/>
+        </a:spcBef>
+        <a:spcAft>
+          <a:spcPts val="0"/>
+        </a:spcAft>
+        <a:buClr>
+          <a:srgbClr val="000000"/>
+        </a:buClr>
+        <a:buFont typeface="Arial"/>
+        <a:defRPr b="0" i="0" sz="1400" u="none" cap="none" strike="noStrike">
+          <a:solidFill>
+            <a:srgbClr val="000000"/>
+          </a:solidFill>
+          <a:latin typeface="Arial"/>
+          <a:ea typeface="Arial"/>
+          <a:cs typeface="Arial"/>
+          <a:sym typeface="Arial"/>
+        </a:defRPr>
+      </a:lvl3pPr>
+      <a:lvl4pPr lvl="3" marR="0" rtl="0" algn="l">
+        <a:lnSpc>
+          <a:spcPct val="100000"/>
+        </a:lnSpc>
+        <a:spcBef>
+          <a:spcPts val="0"/>
+        </a:spcBef>
+        <a:spcAft>
+          <a:spcPts val="0"/>
+        </a:spcAft>
+        <a:buClr>
+          <a:srgbClr val="000000"/>
+        </a:buClr>
+        <a:buFont typeface="Arial"/>
+        <a:defRPr b="0" i="0" sz="1400" u="none" cap="none" strike="noStrike">
+          <a:solidFill>
+            <a:srgbClr val="000000"/>
+          </a:solidFill>
+          <a:latin typeface="Arial"/>
+          <a:ea typeface="Arial"/>
+          <a:cs typeface="Arial"/>
+          <a:sym typeface="Arial"/>
+        </a:defRPr>
+      </a:lvl4pPr>
+      <a:lvl5pPr lvl="4" marR="0" rtl="0" algn="l">
+        <a:lnSpc>
+          <a:spcPct val="100000"/>
+        </a:lnSpc>
+        <a:spcBef>
+          <a:spcPts val="0"/>
+        </a:spcBef>
+        <a:spcAft>
+          <a:spcPts val="0"/>
+        </a:spcAft>
+        <a:buClr>
+          <a:srgbClr val="000000"/>
+        </a:buClr>
+        <a:buFont typeface="Arial"/>
+        <a:defRPr b="0" i="0" sz="1400" u="none" cap="none" strike="noStrike">
+          <a:solidFill>
+            <a:srgbClr val="000000"/>
+          </a:solidFill>
+          <a:latin typeface="Arial"/>
+          <a:ea typeface="Arial"/>
+          <a:cs typeface="Arial"/>
+          <a:sym typeface="Arial"/>
+        </a:defRPr>
+      </a:lvl5pPr>
+      <a:lvl6pPr lvl="5" marR="0" rtl="0" algn="l">
+        <a:lnSpc>
+          <a:spcPct val="100000"/>
+        </a:lnSpc>
+        <a:spcBef>
+          <a:spcPts val="0"/>
+        </a:spcBef>
+        <a:spcAft>
+          <a:spcPts val="0"/>
+        </a:spcAft>
+        <a:buClr>
+          <a:srgbClr val="000000"/>
+        </a:buClr>
+        <a:buFont typeface="Arial"/>
+        <a:defRPr b="0" i="0" sz="1400" u="none" cap="none" strike="noStrike">
+          <a:solidFill>
+            <a:srgbClr val="000000"/>
+          </a:solidFill>
+          <a:latin typeface="Arial"/>
+          <a:ea typeface="Arial"/>
+          <a:cs typeface="Arial"/>
+          <a:sym typeface="Arial"/>
+        </a:defRPr>
+      </a:lvl6pPr>
+      <a:lvl7pPr lvl="6" marR="0" rtl="0" algn="l">
+        <a:lnSpc>
+          <a:spcPct val="100000"/>
+        </a:lnSpc>
+        <a:spcBef>
+          <a:spcPts val="0"/>
+        </a:spcBef>
+        <a:spcAft>
+          <a:spcPts val="0"/>
+        </a:spcAft>
+        <a:buClr>
+          <a:srgbClr val="000000"/>
+        </a:buClr>
+        <a:buFont typeface="Arial"/>
+        <a:defRPr b="0" i="0" sz="1400" u="none" cap="none" strike="noStrike">
+          <a:solidFill>
+            <a:srgbClr val="000000"/>
+          </a:solidFill>
+          <a:latin typeface="Arial"/>
+          <a:ea typeface="Arial"/>
+          <a:cs typeface="Arial"/>
+          <a:sym typeface="Arial"/>
+        </a:defRPr>
+      </a:lvl7pPr>
+      <a:lvl8pPr lvl="7" marR="0" rtl="0" algn="l">
+        <a:lnSpc>
+          <a:spcPct val="100000"/>
+        </a:lnSpc>
+        <a:spcBef>
+          <a:spcPts val="0"/>
+        </a:spcBef>
+        <a:spcAft>
+          <a:spcPts val="0"/>
+        </a:spcAft>
+        <a:buClr>
+          <a:srgbClr val="000000"/>
+        </a:buClr>
+        <a:buFont typeface="Arial"/>
+        <a:defRPr b="0" i="0" sz="1400" u="none" cap="none" strike="noStrike">
+          <a:solidFill>
+            <a:srgbClr val="000000"/>
+          </a:solidFill>
+          <a:latin typeface="Arial"/>
+          <a:ea typeface="Arial"/>
+          <a:cs typeface="Arial"/>
+          <a:sym typeface="Arial"/>
+        </a:defRPr>
+      </a:lvl8pPr>
+      <a:lvl9pPr lvl="8" marR="0" rtl="0" algn="l">
+        <a:lnSpc>
+          <a:spcPct val="100000"/>
+        </a:lnSpc>
+        <a:spcBef>
+          <a:spcPts val="0"/>
+        </a:spcBef>
+        <a:spcAft>
+          <a:spcPts val="0"/>
+        </a:spcAft>
+        <a:buClr>
+          <a:srgbClr val="000000"/>
+        </a:buClr>
+        <a:buFont typeface="Arial"/>
+        <a:defRPr b="0" i="0" sz="1400" u="none" cap="none" strike="noStrike">
+          <a:solidFill>
+            <a:srgbClr val="000000"/>
+          </a:solidFill>
+          <a:latin typeface="Arial"/>
+          <a:ea typeface="Arial"/>
+          <a:cs typeface="Arial"/>
+          <a:sym typeface="Arial"/>
+        </a:defRPr>
+      </a:lvl9pPr>
+    </p:otherStyle>
+  </p:txStyles>
+</p:sldMaster>
+</file>
+
+<file path=ppt/slides/slide1.xml><?xml version="1.0" encoding="utf-8"?>
+<p:sld xmlns:a="http://schemas.openxmlformats.org/drawingml/2006/main" xmlns:r="http://schemas.openxmlformats.org/officeDocument/2006/relationships" xmlns:mc="http://schemas.openxmlformats.org/markup-compatibility/2006" xmlns:mv="urn:schemas-microsoft-com:mac:vml" xmlns:p="http://schemas.openxmlformats.org/presentationml/2006/main" xmlns:c="http://schemas.openxmlformats.org/drawingml/2006/chart" xmlns:dgm="http://schemas.openxmlformats.org/drawingml/2006/diagram" xmlns:o="urn:schemas-microsoft-com:office:office" xmlns:v="urn:schemas-microsoft-com:vml" xmlns:pvml="urn:schemas-microsoft-com:office:powerpoint" xmlns:com="http://schemas.openxmlformats.org/drawingml/2006/compatibility" xmlns:p14="http://schemas.microsoft.com/office/powerpoint/2010/main" xmlns:p15="http://schemas.microsoft.com/office/powerpoint/2012/main" xmlns:ahyp="http://schemas.microsoft.com/office/drawing/2018/hyperlinkcolor">
+  <p:cSld>
+    <p:bg>
+      <p:bgPr>
+        <a:solidFill>
+          <a:srgbClr val="E2E5EC"/>
+        </a:solidFill>
+      </p:bgPr>
+    </p:bg>
+    <p:spTree>
+      <p:nvGrpSpPr>
+        <p:cNvPr id="56" name="Shape 56"/>
+        <p:cNvGrpSpPr/>
+        <p:nvPr/>
+      </p:nvGrpSpPr>
+      <p:grpSpPr>
+        <a:xfrm>
+          <a:off x="0" y="0"/>
+          <a:ext cx="0" cy="0"/>
+          <a:chOff x="0" y="0"/>
+          <a:chExt cx="0" cy="0"/>
+        </a:xfrm>
+      </p:grpSpPr>
+      <p:pic>
+        <p:nvPicPr>
+          <p:cNvPr descr="preencoded.png" id="57" name="Google Shape;57;p15"/>
+          <p:cNvPicPr preferRelativeResize="0"/>
+          <p:nvPr/>
+        </p:nvPicPr>
+        <p:blipFill rotWithShape="1">
+          <a:blip r:embed="rId3">
+            <a:alphaModFix/>
+          </a:blip>
+          <a:srcRect b="461" l="0" r="0" t="0"/>
+          <a:stretch/>
+        </p:blipFill>
         <p:spPr>
           <a:xfrm>
-            <a:off x="311708" y="744575"/>
-            <a:ext cx="8520600" cy="2052600"/>
+            <a:off x="0" y="0"/>
+            <a:ext cx="9144000" cy="5143499"/>
           </a:xfrm>
           <a:prstGeom prst="rect">
             <a:avLst/>
           </a:prstGeom>
-        </p:spPr>
-        <p:txBody>
-          <a:bodyPr anchorCtr="0" anchor="b" bIns="91425" lIns="91425" spcFirstLastPara="1" rIns="91425" wrap="square" tIns="91425">
-            <a:normAutofit/>
-          </a:bodyPr>
-          <a:lstStyle/>
-          <a:p>
-            <a:pPr indent="0" lvl="0" marL="0" rtl="0" algn="ctr">
-              <a:spcBef>
-                <a:spcPts val="0"/>
-              </a:spcBef>
-              <a:spcAft>
-                <a:spcPts val="0"/>
-              </a:spcAft>
-              <a:buNone/>
-            </a:pPr>
-            <a:r>
-              <a:rPr lang="ru"/>
-              <a:t>Будущее искусственного интеллекта в образовании</a:t>
-            </a:r>
-            <a:r>
-              <a:rPr lang="ru"/>
-              <a:t/>
-            </a:r>
-            <a:r>
-              <a:rPr lang="ru"/>
-              <a:t/>
-            </a:r>
-            <a:endParaRPr/>
-          </a:p>
-        </p:txBody>
-      </p:sp>
+          <a:noFill/>
+          <a:ln>
+            <a:noFill/>
+          </a:ln>
+        </p:spPr>
+      </p:pic>
       <p:sp>
         <p:nvSpPr>
-          <p:cNvPr id="55" name="Google Shape;55;p13"/>
+          <p:cNvPr id="58" name="Google Shape;58;p15"/>
           <p:cNvSpPr txBox="1"/>
-          <p:nvPr>
-            <p:ph idx="1" type="subTitle"/>
-          </p:nvPr>
+          <p:nvPr/>
         </p:nvSpPr>
         <p:spPr>
-          <a:xfrm>
-            <a:off x="311700" y="2834125"/>
-            <a:ext cx="8520600" cy="792600"/>
+          <a:xfrm rot="-921473">
+            <a:off x="1155038" y="1092671"/>
+            <a:ext cx="4444823" cy="2632968"/>
           </a:xfrm>
           <a:prstGeom prst="rect">
             <a:avLst/>
           </a:prstGeom>
+          <a:noFill/>
+          <a:ln>
+            <a:noFill/>
+          </a:ln>
         </p:spPr>
         <p:txBody>
           <a:bodyPr anchorCtr="0" anchor="t" bIns="91425" lIns="91425" spcFirstLastPara="1" rIns="91425" wrap="square" tIns="91425">
@@ -6322,9 +7764,9 @@
           </a:bodyPr>
           <a:lstStyle/>
           <a:p>
-            <a:pPr indent="0" lvl="0" marL="0" rtl="0" algn="ctr">
+            <a:pPr indent="0" lvl="0" marL="0" rtl="0" algn="l">
               <a:lnSpc>
-                <a:spcPct val="80000"/>
+                <a:spcPct val="101011"/>
               </a:lnSpc>
               <a:spcBef>
                 <a:spcPts val="0"/>
@@ -6335,19 +7777,91 @@
               <a:buClr>
                 <a:schemeClr val="dk1"/>
               </a:buClr>
-              <a:buSzPts val="1018"/>
-              <a:buFont typeface="Arial"/>
+              <a:buSzPts val="6626"/>
+              <a:buFont typeface="PT Sans"/>
               <a:buNone/>
             </a:pPr>
             <a:r>
-              <a:rPr lang="ru" sz="3709">
+              <a:rPr lang="ru" sz="4800">
                 <a:solidFill>
                   <a:schemeClr val="dk1"/>
                 </a:solidFill>
+                <a:latin typeface="PT Sans"/>
+                <a:ea typeface="PT Sans"/>
+                <a:cs typeface="PT Sans"/>
+                <a:sym typeface="PT Sans"/>
               </a:rPr>
-              <a:t>Иван Иванов • 28 февраля 2026 г.</a:t>
+              <a:t>Будущее искусственного интеллекта в образовании</a:t>
             </a:r>
-            <a:endParaRPr sz="1490"/>
+            <a:endParaRPr sz="4800">
+              <a:solidFill>
+                <a:schemeClr val="dk1"/>
+              </a:solidFill>
+              <a:latin typeface="Calibri"/>
+              <a:ea typeface="Calibri"/>
+              <a:cs typeface="Calibri"/>
+              <a:sym typeface="Calibri"/>
+            </a:endParaRPr>
+          </a:p>
+        </p:txBody>
+      </p:sp>
+      <p:sp>
+        <p:nvSpPr>
+          <p:cNvPr id="59" name="Google Shape;59;p15"/>
+          <p:cNvSpPr txBox="1"/>
+          <p:nvPr/>
+        </p:nvSpPr>
+        <p:spPr>
+          <a:xfrm rot="-834878">
+            <a:off x="2246901" y="3317547"/>
+            <a:ext cx="4010796" cy="875604"/>
+          </a:xfrm>
+          <a:prstGeom prst="rect">
+            <a:avLst/>
+          </a:prstGeom>
+          <a:noFill/>
+          <a:ln>
+            <a:noFill/>
+          </a:ln>
+        </p:spPr>
+        <p:txBody>
+          <a:bodyPr anchorCtr="0" anchor="ctr" bIns="91425" lIns="91425" spcFirstLastPara="1" rIns="91425" wrap="square" tIns="91425">
+            <a:normAutofit/>
+          </a:bodyPr>
+          <a:lstStyle/>
+          <a:p>
+            <a:pPr indent="0" lvl="0" marL="0" marR="0" rtl="0" algn="l">
+              <a:lnSpc>
+                <a:spcPct val="101002"/>
+              </a:lnSpc>
+              <a:spcBef>
+                <a:spcPts val="0"/>
+              </a:spcBef>
+              <a:spcAft>
+                <a:spcPts val="0"/>
+              </a:spcAft>
+              <a:buClr>
+                <a:srgbClr val="000000"/>
+              </a:buClr>
+              <a:buSzPts val="4489"/>
+              <a:buFont typeface="PT Sans"/>
+              <a:buNone/>
+            </a:pPr>
+            <a:r>
+              <a:rPr lang="ru" sz="3000">
+                <a:latin typeface="PT Sans"/>
+                <a:ea typeface="PT Sans"/>
+                <a:cs typeface="PT Sans"/>
+                <a:sym typeface="PT Sans"/>
+              </a:rPr>
+              <a:t>Иван Петров, 28 февраля 2026</a:t>
+            </a:r>
+            <a:endParaRPr sz="3000">
+              <a:latin typeface="PT Sans"/>
+              <a:ea typeface="PT Sans"/>
+              <a:cs typeface="PT Sans"/>
+              <a:sym typeface="PT Sans"/>
+            </a:endParaRPr>
           </a:p>
         </p:txBody>
       </p:sp>
@@ -6362,9 +7876,16 @@
 <file path=ppt/slides/slide2.xml><?xml version="1.0" encoding="utf-8"?>
 <p:sld xmlns:a="http://schemas.openxmlformats.org/drawingml/2006/main" xmlns:r="http://schemas.openxmlformats.org/officeDocument/2006/relationships" xmlns:mc="http://schemas.openxmlformats.org/markup-compatibility/2006" xmlns:mv="urn:schemas-microsoft-com:mac:vml" xmlns:p="http://schemas.openxmlformats.org/presentationml/2006/main" xmlns:c="http://schemas.openxmlformats.org/drawingml/2006/chart" xmlns:dgm="http://schemas.openxmlformats.org/drawingml/2006/diagram" xmlns:o="urn:schemas-microsoft-com:office:office" xmlns:v="urn:schemas-microsoft-com:vml" xmlns:pvml="urn:schemas-microsoft-com:office:powerpoint" xmlns:com="http://schemas.openxmlformats.org/drawingml/2006/compatibility" xmlns:p14="http://schemas.microsoft.com/office/powerpoint/2010/main" xmlns:p15="http://schemas.microsoft.com/office/powerpoint/2012/main" xmlns:ahyp="http://schemas.microsoft.com/office/drawing/2018/hyperlinkcolor">
   <p:cSld>
+    <p:bg>
+      <p:bgPr>
+        <a:solidFill>
+          <a:srgbClr val="E2E5EC"/>
+        </a:solidFill>
+      </p:bgPr>
+    </p:bg>
     <p:spTree>
       <p:nvGrpSpPr>
-        <p:cNvPr id="70" name="Shape 70"/>
+        <p:cNvPr id="143" name="Shape 143"/>
         <p:cNvGrpSpPr/>
         <p:nvPr/>
       </p:nvGrpSpPr>
@@ -6378,24 +7899,26 @@
       </p:grpSpPr>
       <p:sp>
         <p:nvSpPr>
-          <p:cNvPr id="71" name="Google Shape;71;p15"/>
-          <p:cNvSpPr txBox="1"/>
-          <p:nvPr>
-            <p:ph type="title"/>
-          </p:nvPr>
+          <p:cNvPr id="144" name="Google Shape;144;p22"/>
+          <p:cNvSpPr/>
+          <p:nvPr/>
         </p:nvSpPr>
         <p:spPr>
           <a:xfrm>
-            <a:off x="311700" y="445025"/>
-            <a:ext cx="8520600" cy="572700"/>
+            <a:off x="4110038" y="1090613"/>
+            <a:ext cx="1888089" cy="214382"/>
           </a:xfrm>
           <a:prstGeom prst="rect">
             <a:avLst/>
           </a:prstGeom>
+          <a:noFill/>
+          <a:ln>
+            <a:noFill/>
+          </a:ln>
         </p:spPr>
         <p:txBody>
-          <a:bodyPr anchorCtr="0" anchor="t" bIns="91425" lIns="91425" spcFirstLastPara="1" rIns="91425" wrap="square" tIns="91425">
-            <a:normAutofit fontScale="90000"/>
+          <a:bodyPr anchorCtr="0" anchor="ctr" bIns="91425" lIns="91425" spcFirstLastPara="1" rIns="91425" wrap="square" tIns="91425">
+            <a:noAutofit/>
           </a:bodyPr>
           <a:lstStyle/>
           <a:p>
@@ -6409,8 +7932,7 @@
               <a:buNone/>
             </a:pPr>
             <a:r>
-              <a:rPr lang="ru"/>
-              <a:t>Ключевые направления развития ИИ в образовании</a:t>
+              <a:t/>
             </a:r>
             <a:endParaRPr/>
           </a:p>
@@ -6418,21 +7940,61 @@
       </p:sp>
       <p:sp>
         <p:nvSpPr>
-          <p:cNvPr id="72" name="Google Shape;72;p15"/>
-          <p:cNvSpPr txBox="1"/>
-          <p:nvPr>
-            <p:ph idx="1" type="body"/>
-          </p:nvPr>
+          <p:cNvPr id="145" name="Google Shape;145;p22"/>
+          <p:cNvSpPr/>
+          <p:nvPr/>
         </p:nvSpPr>
         <p:spPr>
           <a:xfrm>
-            <a:off x="311700" y="1446825"/>
-            <a:ext cx="4088100" cy="508200"/>
+            <a:off x="5557838" y="3471863"/>
+            <a:ext cx="1888089" cy="214382"/>
           </a:xfrm>
           <a:prstGeom prst="rect">
             <a:avLst/>
           </a:prstGeom>
-          <a:ln cap="flat" cmpd="sng" w="19050">
+          <a:noFill/>
+          <a:ln>
+            <a:noFill/>
+          </a:ln>
+        </p:spPr>
+        <p:txBody>
+          <a:bodyPr anchorCtr="0" anchor="ctr" bIns="91425" lIns="91425" spcFirstLastPara="1" rIns="91425" wrap="square" tIns="91425">
+            <a:noAutofit/>
+          </a:bodyPr>
+          <a:lstStyle/>
+          <a:p>
+            <a:pPr indent="0" lvl="0" marL="0" rtl="0" algn="l">
+              <a:spcBef>
+                <a:spcPts val="0"/>
+              </a:spcBef>
+              <a:spcAft>
+                <a:spcPts val="0"/>
+              </a:spcAft>
+              <a:buNone/>
+            </a:pPr>
+            <a:r>
+              <a:t/>
+            </a:r>
+            <a:endParaRPr/>
+          </a:p>
+        </p:txBody>
+      </p:sp>
+      <p:cxnSp>
+        <p:nvCxnSpPr>
+          <p:cNvPr id="146" name="Google Shape;146;p22"/>
+          <p:cNvCxnSpPr/>
+          <p:nvPr/>
+        </p:nvCxnSpPr>
+        <p:spPr>
+          <a:xfrm rot="5400000">
+            <a:off x="400050" y="1905000"/>
+            <a:ext cx="1628775" cy="0"/>
+          </a:xfrm>
+          <a:prstGeom prst="straightConnector1">
+            <a:avLst/>
+          </a:prstGeom>
+          <a:noFill/>
+          <a:ln cap="flat" cmpd="sng" w="9525">
             <a:solidFill>
               <a:srgbClr val="000000"/>
             </a:solidFill>
@@ -6442,51 +8004,23 @@
             <a:tailEnd len="sm" w="sm" type="none"/>
           </a:ln>
         </p:spPr>
-        <p:txBody>
-          <a:bodyPr anchorCtr="0" anchor="t" bIns="91425" lIns="91425" spcFirstLastPara="1" rIns="91425" wrap="square" tIns="91425">
-            <a:normAutofit/>
-          </a:bodyPr>
-          <a:lstStyle/>
-          <a:p>
-            <a:pPr indent="0" lvl="0" marL="0" rtl="0" algn="l">
-              <a:spcBef>
-                <a:spcPts val="0"/>
-              </a:spcBef>
-              <a:spcAft>
-                <a:spcPts val="1200"/>
-              </a:spcAft>
-              <a:buClr>
-                <a:schemeClr val="dk1"/>
-              </a:buClr>
-              <a:buSzPts val="1100"/>
-              <a:buFont typeface="Arial"/>
-              <a:buNone/>
-            </a:pPr>
-            <a:r>
-              <a:rPr lang="ru"/>
-              <a:t>Адаптивные учебные пути, подстраиваемые под уровень и стиль каждого ученика</a:t>
-            </a:r>
-            <a:endParaRPr/>
-          </a:p>
-        </p:txBody>
-      </p:sp>
-      <p:sp>
-        <p:nvSpPr>
-          <p:cNvPr id="73" name="Google Shape;73;p15"/>
-          <p:cNvSpPr txBox="1"/>
-          <p:nvPr>
-            <p:ph idx="1" type="body"/>
-          </p:nvPr>
-        </p:nvSpPr>
-        <p:spPr>
-          <a:xfrm>
-            <a:off x="311700" y="2625613"/>
-            <a:ext cx="4088100" cy="508200"/>
-          </a:xfrm>
-          <a:prstGeom prst="rect">
+      </p:cxnSp>
+      <p:cxnSp>
+        <p:nvCxnSpPr>
+          <p:cNvPr id="147" name="Google Shape;147;p22"/>
+          <p:cNvCxnSpPr/>
+          <p:nvPr/>
+        </p:nvCxnSpPr>
+        <p:spPr>
+          <a:xfrm rot="5400000">
+            <a:off x="3124200" y="1905000"/>
+            <a:ext cx="1628775" cy="0"/>
+          </a:xfrm>
+          <a:prstGeom prst="straightConnector1">
             <a:avLst/>
           </a:prstGeom>
-          <a:ln cap="flat" cmpd="sng" w="19050">
+          <a:noFill/>
+          <a:ln cap="flat" cmpd="sng" w="9525">
             <a:solidFill>
               <a:srgbClr val="000000"/>
             </a:solidFill>
@@ -6496,9 +8030,29 @@
             <a:tailEnd len="sm" w="sm" type="none"/>
           </a:ln>
         </p:spPr>
+      </p:cxnSp>
+      <p:sp>
+        <p:nvSpPr>
+          <p:cNvPr id="148" name="Google Shape;148;p22"/>
+          <p:cNvSpPr/>
+          <p:nvPr/>
+        </p:nvSpPr>
+        <p:spPr>
+          <a:xfrm>
+            <a:off x="6810375" y="1090613"/>
+            <a:ext cx="1888089" cy="214382"/>
+          </a:xfrm>
+          <a:prstGeom prst="rect">
+            <a:avLst/>
+          </a:prstGeom>
+          <a:noFill/>
+          <a:ln>
+            <a:noFill/>
+          </a:ln>
+        </p:spPr>
         <p:txBody>
-          <a:bodyPr anchorCtr="0" anchor="t" bIns="91425" lIns="91425" spcFirstLastPara="1" rIns="91425" wrap="square" tIns="91425">
-            <a:normAutofit/>
+          <a:bodyPr anchorCtr="0" anchor="ctr" bIns="91425" lIns="91425" spcFirstLastPara="1" rIns="91425" wrap="square" tIns="91425">
+            <a:noAutofit/>
           </a:bodyPr>
           <a:lstStyle/>
           <a:p>
@@ -6507,40 +8061,33 @@
                 <a:spcPts val="0"/>
               </a:spcBef>
               <a:spcAft>
-                <a:spcPts val="1200"/>
-              </a:spcAft>
-              <a:buClr>
-                <a:schemeClr val="dk1"/>
-              </a:buClr>
-              <a:buSzPts val="1100"/>
-              <a:buFont typeface="Arial"/>
+                <a:spcPts val="0"/>
+              </a:spcAft>
               <a:buNone/>
             </a:pPr>
             <a:r>
-              <a:rPr lang="ru"/>
-              <a:t>Автоматизированная оценка и обратная связь в режиме реального времени</a:t>
+              <a:t/>
             </a:r>
             <a:endParaRPr/>
           </a:p>
         </p:txBody>
       </p:sp>
-      <p:sp>
-        <p:nvSpPr>
-          <p:cNvPr id="74" name="Google Shape;74;p15"/>
-          <p:cNvSpPr txBox="1"/>
-          <p:nvPr>
-            <p:ph idx="1" type="body"/>
-          </p:nvPr>
-        </p:nvSpPr>
-        <p:spPr>
-          <a:xfrm>
-            <a:off x="4701300" y="1446825"/>
-            <a:ext cx="4088100" cy="508200"/>
-          </a:xfrm>
-          <a:prstGeom prst="rect">
+      <p:cxnSp>
+        <p:nvCxnSpPr>
+          <p:cNvPr id="149" name="Google Shape;149;p22"/>
+          <p:cNvCxnSpPr/>
+          <p:nvPr/>
+        </p:nvCxnSpPr>
+        <p:spPr>
+          <a:xfrm rot="5400000">
+            <a:off x="5824538" y="1905000"/>
+            <a:ext cx="1628775" cy="0"/>
+          </a:xfrm>
+          <a:prstGeom prst="straightConnector1">
             <a:avLst/>
           </a:prstGeom>
-          <a:ln cap="flat" cmpd="sng" w="19050">
+          <a:noFill/>
+          <a:ln cap="flat" cmpd="sng" w="9525">
             <a:solidFill>
               <a:srgbClr val="000000"/>
             </a:solidFill>
@@ -6550,51 +8097,23 @@
             <a:tailEnd len="sm" w="sm" type="none"/>
           </a:ln>
         </p:spPr>
-        <p:txBody>
-          <a:bodyPr anchorCtr="0" anchor="t" bIns="91425" lIns="91425" spcFirstLastPara="1" rIns="91425" wrap="square" tIns="91425">
-            <a:normAutofit/>
-          </a:bodyPr>
-          <a:lstStyle/>
-          <a:p>
-            <a:pPr indent="0" lvl="0" marL="0" rtl="0" algn="l">
-              <a:spcBef>
-                <a:spcPts val="0"/>
-              </a:spcBef>
-              <a:spcAft>
-                <a:spcPts val="1200"/>
-              </a:spcAft>
-              <a:buClr>
-                <a:schemeClr val="dk1"/>
-              </a:buClr>
-              <a:buSzPts val="1100"/>
-              <a:buFont typeface="Arial"/>
-              <a:buNone/>
-            </a:pPr>
-            <a:r>
-              <a:rPr lang="ru"/>
-              <a:t>Интеллектуальные помощники для поддержки преподавателей в планировании и управлении классом</a:t>
-            </a:r>
-            <a:endParaRPr/>
-          </a:p>
-        </p:txBody>
-      </p:sp>
-      <p:sp>
-        <p:nvSpPr>
-          <p:cNvPr id="75" name="Google Shape;75;p15"/>
-          <p:cNvSpPr txBox="1"/>
-          <p:nvPr>
-            <p:ph idx="1" type="body"/>
-          </p:nvPr>
-        </p:nvSpPr>
-        <p:spPr>
-          <a:xfrm>
-            <a:off x="4701300" y="2625613"/>
-            <a:ext cx="4088100" cy="508200"/>
-          </a:xfrm>
-          <a:prstGeom prst="rect">
+      </p:cxnSp>
+      <p:cxnSp>
+        <p:nvCxnSpPr>
+          <p:cNvPr id="150" name="Google Shape;150;p22"/>
+          <p:cNvCxnSpPr/>
+          <p:nvPr/>
+        </p:nvCxnSpPr>
+        <p:spPr>
+          <a:xfrm rot="5400000">
+            <a:off x="1700213" y="3533775"/>
+            <a:ext cx="1628775" cy="0"/>
+          </a:xfrm>
+          <a:prstGeom prst="straightConnector1">
             <a:avLst/>
           </a:prstGeom>
-          <a:ln cap="flat" cmpd="sng" w="19050">
+          <a:noFill/>
+          <a:ln cap="flat" cmpd="sng" w="9525">
             <a:solidFill>
               <a:srgbClr val="000000"/>
             </a:solidFill>
@@ -6604,6 +8123,185 @@
             <a:tailEnd len="sm" w="sm" type="none"/>
           </a:ln>
         </p:spPr>
+      </p:cxnSp>
+      <p:cxnSp>
+        <p:nvCxnSpPr>
+          <p:cNvPr id="151" name="Google Shape;151;p22"/>
+          <p:cNvCxnSpPr/>
+          <p:nvPr/>
+        </p:nvCxnSpPr>
+        <p:spPr>
+          <a:xfrm rot="5400000">
+            <a:off x="4572000" y="3533775"/>
+            <a:ext cx="1628775" cy="0"/>
+          </a:xfrm>
+          <a:prstGeom prst="straightConnector1">
+            <a:avLst/>
+          </a:prstGeom>
+          <a:noFill/>
+          <a:ln cap="flat" cmpd="sng" w="9525">
+            <a:solidFill>
+              <a:srgbClr val="000000"/>
+            </a:solidFill>
+            <a:prstDash val="solid"/>
+            <a:round/>
+            <a:headEnd len="sm" w="sm" type="none"/>
+            <a:tailEnd len="sm" w="sm" type="none"/>
+          </a:ln>
+        </p:spPr>
+      </p:cxnSp>
+      <p:cxnSp>
+        <p:nvCxnSpPr>
+          <p:cNvPr id="152" name="Google Shape;152;p22"/>
+          <p:cNvCxnSpPr/>
+          <p:nvPr/>
+        </p:nvCxnSpPr>
+        <p:spPr>
+          <a:xfrm>
+            <a:off x="361950" y="2719388"/>
+            <a:ext cx="8420100" cy="0"/>
+          </a:xfrm>
+          <a:prstGeom prst="straightConnector1">
+            <a:avLst/>
+          </a:prstGeom>
+          <a:noFill/>
+          <a:ln cap="flat" cmpd="sng" w="36175">
+            <a:solidFill>
+              <a:srgbClr val="000000"/>
+            </a:solidFill>
+            <a:prstDash val="solid"/>
+            <a:round/>
+            <a:headEnd len="sm" w="sm" type="none"/>
+            <a:tailEnd len="sm" w="sm" type="none"/>
+          </a:ln>
+        </p:spPr>
+      </p:cxnSp>
+      <p:sp>
+        <p:nvSpPr>
+          <p:cNvPr id="153" name="Google Shape;153;p22"/>
+          <p:cNvSpPr/>
+          <p:nvPr/>
+        </p:nvSpPr>
+        <p:spPr>
+          <a:xfrm>
+            <a:off x="333375" y="238125"/>
+            <a:ext cx="8477250" cy="414338"/>
+          </a:xfrm>
+          <a:prstGeom prst="rect">
+            <a:avLst/>
+          </a:prstGeom>
+          <a:noFill/>
+          <a:ln>
+            <a:noFill/>
+          </a:ln>
+        </p:spPr>
+        <p:txBody>
+          <a:bodyPr anchorCtr="0" anchor="ctr" bIns="0" lIns="0" spcFirstLastPara="1" rIns="0" wrap="square" tIns="0">
+            <a:noAutofit/>
+          </a:bodyPr>
+          <a:lstStyle/>
+          <a:p>
+            <a:pPr indent="0" lvl="0" marL="0" marR="0" rtl="0" algn="ctr">
+              <a:lnSpc>
+                <a:spcPct val="110975"/>
+              </a:lnSpc>
+              <a:spcBef>
+                <a:spcPts val="0"/>
+              </a:spcBef>
+              <a:spcAft>
+                <a:spcPts val="0"/>
+              </a:spcAft>
+              <a:buClr>
+                <a:srgbClr val="000000"/>
+              </a:buClr>
+              <a:buSzPts val="2779"/>
+              <a:buFont typeface="PT Sans"/>
+              <a:buNone/>
+            </a:pPr>
+            <a:r>
+              <a:rPr lang="ru" sz="2779">
+                <a:solidFill>
+                  <a:srgbClr val="000000"/>
+                </a:solidFill>
+                <a:latin typeface="PT Sans"/>
+                <a:ea typeface="PT Sans"/>
+                <a:cs typeface="PT Sans"/>
+                <a:sym typeface="PT Sans"/>
+              </a:rPr>
+              <a:t>Этапы развития ИИ в образовании</a:t>
+            </a:r>
+            <a:endParaRPr sz="2779">
+              <a:solidFill>
+                <a:schemeClr val="dk1"/>
+              </a:solidFill>
+              <a:latin typeface="Calibri"/>
+              <a:ea typeface="Calibri"/>
+              <a:cs typeface="Calibri"/>
+              <a:sym typeface="Calibri"/>
+            </a:endParaRPr>
+          </a:p>
+        </p:txBody>
+      </p:sp>
+      <p:sp>
+        <p:nvSpPr>
+          <p:cNvPr id="154" name="Google Shape;154;p22"/>
+          <p:cNvSpPr txBox="1"/>
+          <p:nvPr/>
+        </p:nvSpPr>
+        <p:spPr>
+          <a:xfrm>
+            <a:off x="1804900" y="1962825"/>
+            <a:ext cx="4461900" cy="400200"/>
+          </a:xfrm>
+          <a:prstGeom prst="rect">
+            <a:avLst/>
+          </a:prstGeom>
+          <a:noFill/>
+          <a:ln>
+            <a:noFill/>
+          </a:ln>
+        </p:spPr>
+        <p:txBody>
+          <a:bodyPr anchorCtr="0" anchor="t" bIns="91425" lIns="91425" spcFirstLastPara="1" rIns="91425" wrap="square" tIns="91425">
+            <a:spAutoFit/>
+          </a:bodyPr>
+          <a:lstStyle/>
+          <a:p>
+            <a:pPr indent="0" lvl="0" marL="0" rtl="0" algn="l">
+              <a:spcBef>
+                <a:spcPts val="0"/>
+              </a:spcBef>
+              <a:spcAft>
+                <a:spcPts val="0"/>
+              </a:spcAft>
+              <a:buNone/>
+            </a:pPr>
+            <a:r>
+              <a:t/>
+            </a:r>
+            <a:endParaRPr/>
+          </a:p>
+        </p:txBody>
+      </p:sp>
+      <p:sp>
+        <p:nvSpPr>
+          <p:cNvPr id="155" name="Google Shape;155;p22"/>
+          <p:cNvSpPr txBox="1"/>
+          <p:nvPr/>
+        </p:nvSpPr>
+        <p:spPr>
+          <a:xfrm>
+            <a:off x="1214450" y="1113850"/>
+            <a:ext cx="2178300" cy="1368000"/>
+          </a:xfrm>
+          <a:prstGeom prst="rect">
+            <a:avLst/>
+          </a:prstGeom>
+          <a:noFill/>
+          <a:ln>
+            <a:noFill/>
+          </a:ln>
+        </p:spPr>
         <p:txBody>
           <a:bodyPr anchorCtr="0" anchor="t" bIns="91425" lIns="91425" spcFirstLastPara="1" rIns="91425" wrap="square" tIns="91425">
             <a:normAutofit/>
@@ -6611,22 +8309,240 @@
           <a:lstStyle/>
           <a:p>
             <a:pPr indent="0" lvl="0" marL="0" rtl="0" algn="l">
-              <a:spcBef>
-                <a:spcPts val="0"/>
-              </a:spcBef>
-              <a:spcAft>
-                <a:spcPts val="1200"/>
-              </a:spcAft>
-              <a:buClr>
-                <a:schemeClr val="dk1"/>
-              </a:buClr>
-              <a:buSzPts val="1100"/>
-              <a:buFont typeface="Arial"/>
+              <a:lnSpc>
+                <a:spcPct val="120030"/>
+              </a:lnSpc>
+              <a:spcBef>
+                <a:spcPts val="0"/>
+              </a:spcBef>
+              <a:spcAft>
+                <a:spcPts val="0"/>
+              </a:spcAft>
               <a:buNone/>
             </a:pPr>
             <a:r>
-              <a:rPr lang="ru"/>
-              <a:t>Расширенный доступ к персонализированным ресурсам через облачные платформы и виртуальную реальность</a:t>
+              <a:rPr lang="ru" sz="1318">
+                <a:solidFill>
+                  <a:schemeClr val="dk1"/>
+                </a:solidFill>
+                <a:latin typeface="PT Sans"/>
+                <a:ea typeface="PT Sans"/>
+                <a:cs typeface="PT Sans"/>
+                <a:sym typeface="PT Sans"/>
+              </a:rPr>
+              <a:t>1990‑е: Появление адаптивных учебных программ и первых систем электронного обучения.</a:t>
+            </a:r>
+            <a:endParaRPr/>
+          </a:p>
+        </p:txBody>
+      </p:sp>
+      <p:sp>
+        <p:nvSpPr>
+          <p:cNvPr id="156" name="Google Shape;156;p22"/>
+          <p:cNvSpPr txBox="1"/>
+          <p:nvPr/>
+        </p:nvSpPr>
+        <p:spPr>
+          <a:xfrm>
+            <a:off x="4012150" y="1113850"/>
+            <a:ext cx="2178300" cy="1368000"/>
+          </a:xfrm>
+          <a:prstGeom prst="rect">
+            <a:avLst/>
+          </a:prstGeom>
+          <a:noFill/>
+          <a:ln>
+            <a:noFill/>
+          </a:ln>
+        </p:spPr>
+        <p:txBody>
+          <a:bodyPr anchorCtr="0" anchor="t" bIns="91425" lIns="91425" spcFirstLastPara="1" rIns="91425" wrap="square" tIns="91425">
+            <a:normAutofit/>
+          </a:bodyPr>
+          <a:lstStyle/>
+          <a:p>
+            <a:pPr indent="0" lvl="0" marL="0" rtl="0" algn="l">
+              <a:lnSpc>
+                <a:spcPct val="120030"/>
+              </a:lnSpc>
+              <a:spcBef>
+                <a:spcPts val="0"/>
+              </a:spcBef>
+              <a:spcAft>
+                <a:spcPts val="0"/>
+              </a:spcAft>
+              <a:buNone/>
+            </a:pPr>
+            <a:r>
+              <a:rPr lang="ru" sz="1318">
+                <a:solidFill>
+                  <a:schemeClr val="dk1"/>
+                </a:solidFill>
+                <a:latin typeface="PT Sans"/>
+                <a:ea typeface="PT Sans"/>
+                <a:cs typeface="PT Sans"/>
+                <a:sym typeface="PT Sans"/>
+              </a:rPr>
+              <a:t>2010‑е: Внедрение машинного обучения для персонализированных рекомендаций и автоматической проверки работ.</a:t>
+            </a:r>
+            <a:endParaRPr/>
+          </a:p>
+        </p:txBody>
+      </p:sp>
+      <p:sp>
+        <p:nvSpPr>
+          <p:cNvPr id="157" name="Google Shape;157;p22"/>
+          <p:cNvSpPr txBox="1"/>
+          <p:nvPr/>
+        </p:nvSpPr>
+        <p:spPr>
+          <a:xfrm>
+            <a:off x="6662750" y="1113850"/>
+            <a:ext cx="2178300" cy="1368000"/>
+          </a:xfrm>
+          <a:prstGeom prst="rect">
+            <a:avLst/>
+          </a:prstGeom>
+          <a:noFill/>
+          <a:ln>
+            <a:noFill/>
+          </a:ln>
+        </p:spPr>
+        <p:txBody>
+          <a:bodyPr anchorCtr="0" anchor="t" bIns="91425" lIns="91425" spcFirstLastPara="1" rIns="91425" wrap="square" tIns="91425">
+            <a:normAutofit/>
+          </a:bodyPr>
+          <a:lstStyle/>
+          <a:p>
+            <a:pPr indent="0" lvl="0" marL="0" rtl="0" algn="l">
+              <a:lnSpc>
+                <a:spcPct val="120030"/>
+              </a:lnSpc>
+              <a:spcBef>
+                <a:spcPts val="0"/>
+              </a:spcBef>
+              <a:spcAft>
+                <a:spcPts val="0"/>
+              </a:spcAft>
+              <a:buNone/>
+            </a:pPr>
+            <a:r>
+              <a:rPr lang="ru" sz="1318">
+                <a:solidFill>
+                  <a:schemeClr val="dk1"/>
+                </a:solidFill>
+                <a:latin typeface="PT Sans"/>
+                <a:ea typeface="PT Sans"/>
+                <a:cs typeface="PT Sans"/>
+                <a:sym typeface="PT Sans"/>
+              </a:rPr>
+              <a:t>2030‑е и далее: Полноценные интеллектуальные тьюторы, адаптирующие содержание под каждый стиль обучения и способные прогнозировать успеваемость.</a:t>
+            </a:r>
+            <a:endParaRPr/>
+          </a:p>
+        </p:txBody>
+      </p:sp>
+      <p:sp>
+        <p:nvSpPr>
+          <p:cNvPr id="158" name="Google Shape;158;p22"/>
+          <p:cNvSpPr txBox="1"/>
+          <p:nvPr/>
+        </p:nvSpPr>
+        <p:spPr>
+          <a:xfrm>
+            <a:off x="2514600" y="2943225"/>
+            <a:ext cx="2178300" cy="1368000"/>
+          </a:xfrm>
+          <a:prstGeom prst="rect">
+            <a:avLst/>
+          </a:prstGeom>
+          <a:noFill/>
+          <a:ln>
+            <a:noFill/>
+          </a:ln>
+        </p:spPr>
+        <p:txBody>
+          <a:bodyPr anchorCtr="0" anchor="t" bIns="91425" lIns="91425" spcFirstLastPara="1" rIns="91425" wrap="square" tIns="91425">
+            <a:normAutofit/>
+          </a:bodyPr>
+          <a:lstStyle/>
+          <a:p>
+            <a:pPr indent="0" lvl="0" marL="0" rtl="0" algn="l">
+              <a:lnSpc>
+                <a:spcPct val="120030"/>
+              </a:lnSpc>
+              <a:spcBef>
+                <a:spcPts val="0"/>
+              </a:spcBef>
+              <a:spcAft>
+                <a:spcPts val="0"/>
+              </a:spcAft>
+              <a:buNone/>
+            </a:pPr>
+            <a:r>
+              <a:rPr lang="ru" sz="1318">
+                <a:solidFill>
+                  <a:schemeClr val="dk1"/>
+                </a:solidFill>
+                <a:latin typeface="PT Sans"/>
+                <a:ea typeface="PT Sans"/>
+                <a:cs typeface="PT Sans"/>
+                <a:sym typeface="PT Sans"/>
+              </a:rPr>
+              <a:t>2000‑е: Распространение систем управления обучением (LMS) с элементами аналитики данных.</a:t>
+            </a:r>
+            <a:endParaRPr/>
+          </a:p>
+        </p:txBody>
+      </p:sp>
+      <p:sp>
+        <p:nvSpPr>
+          <p:cNvPr id="159" name="Google Shape;159;p22"/>
+          <p:cNvSpPr txBox="1"/>
+          <p:nvPr/>
+        </p:nvSpPr>
+        <p:spPr>
+          <a:xfrm>
+            <a:off x="5386388" y="2943213"/>
+            <a:ext cx="2178300" cy="1368000"/>
+          </a:xfrm>
+          <a:prstGeom prst="rect">
+            <a:avLst/>
+          </a:prstGeom>
+          <a:noFill/>
+          <a:ln>
+            <a:noFill/>
+          </a:ln>
+        </p:spPr>
+        <p:txBody>
+          <a:bodyPr anchorCtr="0" anchor="t" bIns="91425" lIns="91425" spcFirstLastPara="1" rIns="91425" wrap="square" tIns="91425">
+            <a:normAutofit/>
+          </a:bodyPr>
+          <a:lstStyle/>
+          <a:p>
+            <a:pPr indent="0" lvl="0" marL="0" rtl="0" algn="l">
+              <a:lnSpc>
+                <a:spcPct val="120030"/>
+              </a:lnSpc>
+              <a:spcBef>
+                <a:spcPts val="0"/>
+              </a:spcBef>
+              <a:spcAft>
+                <a:spcPts val="0"/>
+              </a:spcAft>
+              <a:buNone/>
+            </a:pPr>
+            <a:r>
+              <a:rPr lang="ru" sz="1318">
+                <a:solidFill>
+                  <a:schemeClr val="dk1"/>
+                </a:solidFill>
+                <a:latin typeface="PT Sans"/>
+                <a:ea typeface="PT Sans"/>
+                <a:cs typeface="PT Sans"/>
+                <a:sym typeface="PT Sans"/>
+              </a:rPr>
+              <a:t>2020‑е: Интеграция чат‑ботов и виртуальных ассистентов, поддержка реального времени и гибридных форматов.</a:t>
             </a:r>
             <a:endParaRPr/>
           </a:p>
@@ -6643,9 +8559,16 @@
 <file path=ppt/slides/slide3.xml><?xml version="1.0" encoding="utf-8"?>
 <p:sld xmlns:a="http://schemas.openxmlformats.org/drawingml/2006/main" xmlns:r="http://schemas.openxmlformats.org/officeDocument/2006/relationships" xmlns:mc="http://schemas.openxmlformats.org/markup-compatibility/2006" xmlns:mv="urn:schemas-microsoft-com:mac:vml" xmlns:p="http://schemas.openxmlformats.org/presentationml/2006/main" xmlns:c="http://schemas.openxmlformats.org/drawingml/2006/chart" xmlns:dgm="http://schemas.openxmlformats.org/drawingml/2006/diagram" xmlns:o="urn:schemas-microsoft-com:office:office" xmlns:v="urn:schemas-microsoft-com:vml" xmlns:pvml="urn:schemas-microsoft-com:office:powerpoint" xmlns:com="http://schemas.openxmlformats.org/drawingml/2006/compatibility" xmlns:p14="http://schemas.microsoft.com/office/powerpoint/2010/main" xmlns:p15="http://schemas.microsoft.com/office/powerpoint/2012/main" xmlns:ahyp="http://schemas.microsoft.com/office/drawing/2018/hyperlinkcolor">
   <p:cSld>
+    <p:bg>
+      <p:bgPr>
+        <a:solidFill>
+          <a:srgbClr val="E2E5EC"/>
+        </a:solidFill>
+      </p:bgPr>
+    </p:bg>
     <p:spTree>
       <p:nvGrpSpPr>
-        <p:cNvPr id="114" name="Shape 114"/>
+        <p:cNvPr id="83" name="Shape 83"/>
         <p:cNvGrpSpPr/>
         <p:nvPr/>
       </p:nvGrpSpPr>
@@ -6657,212 +8580,23 @@
           <a:chExt cx="0" cy="0"/>
         </a:xfrm>
       </p:grpSpPr>
-      <p:sp>
-        <p:nvSpPr>
-          <p:cNvPr id="115" name="Google Shape;115;p20"/>
-          <p:cNvSpPr txBox="1"/>
-          <p:nvPr>
-            <p:ph type="title"/>
-          </p:nvPr>
-        </p:nvSpPr>
+      <p:pic>
+        <p:nvPicPr>
+          <p:cNvPr descr="preencoded.png" id="84" name="Google Shape;84;p17"/>
+          <p:cNvPicPr preferRelativeResize="0"/>
+          <p:nvPr/>
+        </p:nvPicPr>
+        <p:blipFill rotWithShape="1">
+          <a:blip r:embed="rId3">
+            <a:alphaModFix/>
+          </a:blip>
+          <a:srcRect b="551" l="0" r="0" t="0"/>
+          <a:stretch/>
+        </p:blipFill>
         <p:spPr>
           <a:xfrm>
-            <a:off x="246875" y="171275"/>
-            <a:ext cx="8520600" cy="572700"/>
-          </a:xfrm>
-          <a:prstGeom prst="rect">
-            <a:avLst/>
-          </a:prstGeom>
-        </p:spPr>
-        <p:txBody>
-          <a:bodyPr anchorCtr="0" anchor="t" bIns="91425" lIns="91425" spcFirstLastPara="1" rIns="91425" wrap="square" tIns="91425">
-            <a:normAutofit fontScale="90000"/>
-          </a:bodyPr>
-          <a:lstStyle/>
-          <a:p>
-            <a:pPr indent="0" lvl="0" marL="0" rtl="0" algn="l">
-              <a:spcBef>
-                <a:spcPts val="0"/>
-              </a:spcBef>
-              <a:spcAft>
-                <a:spcPts val="0"/>
-              </a:spcAft>
-              <a:buNone/>
-            </a:pPr>
-            <a:r>
-              <a:rPr lang="ru"/>
-              <a:t>Этапы внедрения ИИ в образование </a:t>
-            </a:r>
-            <a:endParaRPr/>
-          </a:p>
-        </p:txBody>
-      </p:sp>
-      <p:cxnSp>
-        <p:nvCxnSpPr>
-          <p:cNvPr id="116" name="Google Shape;116;p20"/>
-          <p:cNvCxnSpPr/>
-          <p:nvPr/>
-        </p:nvCxnSpPr>
-        <p:spPr>
-          <a:xfrm>
-            <a:off x="302125" y="2783925"/>
-            <a:ext cx="8497500" cy="0"/>
-          </a:xfrm>
-          <a:prstGeom prst="straightConnector1">
-            <a:avLst/>
-          </a:prstGeom>
-          <a:noFill/>
-          <a:ln cap="flat" cmpd="sng" w="9525">
-            <a:solidFill>
-              <a:schemeClr val="dk2"/>
-            </a:solidFill>
-            <a:prstDash val="solid"/>
-            <a:round/>
-            <a:headEnd len="med" w="med" type="none"/>
-            <a:tailEnd len="med" w="med" type="none"/>
-          </a:ln>
-        </p:spPr>
-      </p:cxnSp>
-      <p:cxnSp>
-        <p:nvCxnSpPr>
-          <p:cNvPr id="117" name="Google Shape;117;p20"/>
-          <p:cNvCxnSpPr/>
-          <p:nvPr/>
-        </p:nvCxnSpPr>
-        <p:spPr>
-          <a:xfrm>
-            <a:off x="1123225" y="2776175"/>
-            <a:ext cx="0" cy="1433100"/>
-          </a:xfrm>
-          <a:prstGeom prst="straightConnector1">
-            <a:avLst/>
-          </a:prstGeom>
-          <a:noFill/>
-          <a:ln cap="flat" cmpd="sng" w="9525">
-            <a:solidFill>
-              <a:schemeClr val="dk2"/>
-            </a:solidFill>
-            <a:prstDash val="solid"/>
-            <a:round/>
-            <a:headEnd len="med" w="med" type="none"/>
-            <a:tailEnd len="med" w="med" type="none"/>
-          </a:ln>
-        </p:spPr>
-      </p:cxnSp>
-      <p:cxnSp>
-        <p:nvCxnSpPr>
-          <p:cNvPr id="118" name="Google Shape;118;p20"/>
-          <p:cNvCxnSpPr/>
-          <p:nvPr/>
-        </p:nvCxnSpPr>
-        <p:spPr>
-          <a:xfrm rot="10800000">
-            <a:off x="2990050" y="1312025"/>
-            <a:ext cx="0" cy="1487400"/>
-          </a:xfrm>
-          <a:prstGeom prst="straightConnector1">
-            <a:avLst/>
-          </a:prstGeom>
-          <a:noFill/>
-          <a:ln cap="flat" cmpd="sng" w="9525">
-            <a:solidFill>
-              <a:schemeClr val="dk2"/>
-            </a:solidFill>
-            <a:prstDash val="solid"/>
-            <a:round/>
-            <a:headEnd len="med" w="med" type="none"/>
-            <a:tailEnd len="med" w="med" type="none"/>
-          </a:ln>
-        </p:spPr>
-      </p:cxnSp>
-      <p:cxnSp>
-        <p:nvCxnSpPr>
-          <p:cNvPr id="119" name="Google Shape;119;p20"/>
-          <p:cNvCxnSpPr/>
-          <p:nvPr/>
-        </p:nvCxnSpPr>
-        <p:spPr>
-          <a:xfrm>
-            <a:off x="4732975" y="2799425"/>
-            <a:ext cx="0" cy="1417500"/>
-          </a:xfrm>
-          <a:prstGeom prst="straightConnector1">
-            <a:avLst/>
-          </a:prstGeom>
-          <a:noFill/>
-          <a:ln cap="flat" cmpd="sng" w="9525">
-            <a:solidFill>
-              <a:schemeClr val="dk2"/>
-            </a:solidFill>
-            <a:prstDash val="solid"/>
-            <a:round/>
-            <a:headEnd len="med" w="med" type="none"/>
-            <a:tailEnd len="med" w="med" type="none"/>
-          </a:ln>
-        </p:spPr>
-      </p:cxnSp>
-      <p:cxnSp>
-        <p:nvCxnSpPr>
-          <p:cNvPr id="120" name="Google Shape;120;p20"/>
-          <p:cNvCxnSpPr/>
-          <p:nvPr/>
-        </p:nvCxnSpPr>
-        <p:spPr>
-          <a:xfrm rot="10800000">
-            <a:off x="6553325" y="1312075"/>
-            <a:ext cx="0" cy="1479600"/>
-          </a:xfrm>
-          <a:prstGeom prst="straightConnector1">
-            <a:avLst/>
-          </a:prstGeom>
-          <a:noFill/>
-          <a:ln cap="flat" cmpd="sng" w="9525">
-            <a:solidFill>
-              <a:schemeClr val="dk2"/>
-            </a:solidFill>
-            <a:prstDash val="solid"/>
-            <a:round/>
-            <a:headEnd len="med" w="med" type="none"/>
-            <a:tailEnd len="med" w="med" type="none"/>
-          </a:ln>
-        </p:spPr>
-      </p:cxnSp>
-      <p:cxnSp>
-        <p:nvCxnSpPr>
-          <p:cNvPr id="121" name="Google Shape;121;p20"/>
-          <p:cNvCxnSpPr/>
-          <p:nvPr/>
-        </p:nvCxnSpPr>
-        <p:spPr>
-          <a:xfrm>
-            <a:off x="7947650" y="2760725"/>
-            <a:ext cx="0" cy="1494900"/>
-          </a:xfrm>
-          <a:prstGeom prst="straightConnector1">
-            <a:avLst/>
-          </a:prstGeom>
-          <a:noFill/>
-          <a:ln cap="flat" cmpd="sng" w="9525">
-            <a:solidFill>
-              <a:schemeClr val="dk2"/>
-            </a:solidFill>
-            <a:prstDash val="solid"/>
-            <a:round/>
-            <a:headEnd len="med" w="med" type="none"/>
-            <a:tailEnd len="med" w="med" type="none"/>
-          </a:ln>
-        </p:spPr>
-      </p:cxnSp>
-      <p:sp>
-        <p:nvSpPr>
-          <p:cNvPr id="122" name="Google Shape;122;p20"/>
-          <p:cNvSpPr txBox="1"/>
-          <p:nvPr/>
-        </p:nvSpPr>
-        <p:spPr>
-          <a:xfrm>
-            <a:off x="556850" y="4341450"/>
-            <a:ext cx="1787100" cy="461700"/>
+            <a:off x="0" y="0"/>
+            <a:ext cx="9144000" cy="5143500"/>
           </a:xfrm>
           <a:prstGeom prst="rect">
             <a:avLst/>
@@ -6872,47 +8606,17 @@
             <a:noFill/>
           </a:ln>
         </p:spPr>
-        <p:txBody>
-          <a:bodyPr anchorCtr="0" anchor="t" bIns="91425" lIns="91425" spcFirstLastPara="1" rIns="91425" wrap="square" tIns="91425">
-            <a:spAutoFit/>
-          </a:bodyPr>
-          <a:lstStyle/>
-          <a:p>
-            <a:pPr indent="0" lvl="0" marL="0" rtl="0" algn="ctr">
-              <a:spcBef>
-                <a:spcPts val="0"/>
-              </a:spcBef>
-              <a:spcAft>
-                <a:spcPts val="0"/>
-              </a:spcAft>
-              <a:buNone/>
-            </a:pPr>
-            <a:r>
-              <a:rPr lang="ru" sz="1800">
-                <a:solidFill>
-                  <a:schemeClr val="dk2"/>
-                </a:solidFill>
-              </a:rPr>
-              <a:t>2020 – Пилотные проекты адаптивного обучения в отдельных школах</a:t>
-            </a:r>
-            <a:endParaRPr sz="1800">
-              <a:solidFill>
-                <a:schemeClr val="dk2"/>
-              </a:solidFill>
-            </a:endParaRPr>
-          </a:p>
-        </p:txBody>
-      </p:sp>
+      </p:pic>
       <p:sp>
         <p:nvSpPr>
-          <p:cNvPr id="123" name="Google Shape;123;p20"/>
-          <p:cNvSpPr txBox="1"/>
+          <p:cNvPr id="85" name="Google Shape;85;p17"/>
+          <p:cNvSpPr/>
           <p:nvPr/>
         </p:nvSpPr>
         <p:spPr>
-          <a:xfrm>
-            <a:off x="2128400" y="797150"/>
-            <a:ext cx="1787100" cy="461700"/>
+          <a:xfrm rot="-8823">
+            <a:off x="30961" y="402752"/>
+            <a:ext cx="9117330" cy="948603"/>
           </a:xfrm>
           <a:prstGeom prst="rect">
             <a:avLst/>
@@ -6923,46 +8627,62 @@
           </a:ln>
         </p:spPr>
         <p:txBody>
-          <a:bodyPr anchorCtr="0" anchor="t" bIns="91425" lIns="91425" spcFirstLastPara="1" rIns="91425" wrap="square" tIns="91425">
-            <a:spAutoFit/>
+          <a:bodyPr anchorCtr="0" anchor="ctr" bIns="0" lIns="0" spcFirstLastPara="1" rIns="0" wrap="square" tIns="0">
+            <a:noAutofit/>
           </a:bodyPr>
           <a:lstStyle/>
           <a:p>
-            <a:pPr indent="0" lvl="0" marL="0" rtl="0" algn="ctr">
-              <a:spcBef>
-                <a:spcPts val="0"/>
-              </a:spcBef>
-              <a:spcAft>
-                <a:spcPts val="0"/>
-              </a:spcAft>
+            <a:pPr indent="0" lvl="0" marL="0" marR="0" rtl="0" algn="ctr">
+              <a:lnSpc>
+                <a:spcPct val="110975"/>
+              </a:lnSpc>
+              <a:spcBef>
+                <a:spcPts val="0"/>
+              </a:spcBef>
+              <a:spcAft>
+                <a:spcPts val="0"/>
+              </a:spcAft>
+              <a:buClr>
+                <a:srgbClr val="000000"/>
+              </a:buClr>
+              <a:buSzPts val="2779"/>
+              <a:buFont typeface="PT Sans"/>
               <a:buNone/>
             </a:pPr>
             <a:r>
-              <a:rPr lang="ru" sz="1800">
+              <a:rPr lang="ru" sz="2779">
                 <a:solidFill>
-                  <a:schemeClr val="dk2"/>
+                  <a:srgbClr val="000000"/>
                 </a:solidFill>
+                <a:latin typeface="PT Sans"/>
+                <a:ea typeface="PT Sans"/>
+                <a:cs typeface="PT Sans"/>
+                <a:sym typeface="PT Sans"/>
               </a:rPr>
-              <a:t>2025 – Широкое внедрение персонализированных учебных платформ на базе ИИ</a:t>
+              <a:t>{{Ключевые преимущества ИИ в обучении}}</a:t>
             </a:r>
-            <a:endParaRPr sz="1800">
+            <a:endParaRPr sz="2779">
               <a:solidFill>
-                <a:schemeClr val="dk2"/>
+                <a:schemeClr val="dk1"/>
               </a:solidFill>
+              <a:latin typeface="Calibri"/>
+              <a:ea typeface="Calibri"/>
+              <a:cs typeface="Calibri"/>
+              <a:sym typeface="Calibri"/>
             </a:endParaRPr>
           </a:p>
         </p:txBody>
       </p:sp>
       <p:sp>
         <p:nvSpPr>
-          <p:cNvPr id="124" name="Google Shape;124;p20"/>
-          <p:cNvSpPr txBox="1"/>
+          <p:cNvPr id="86" name="Google Shape;86;p17"/>
+          <p:cNvSpPr/>
           <p:nvPr/>
         </p:nvSpPr>
         <p:spPr>
           <a:xfrm>
-            <a:off x="3915500" y="4379700"/>
-            <a:ext cx="1787100" cy="461700"/>
+            <a:off x="1057275" y="1871663"/>
+            <a:ext cx="2152650" cy="209550"/>
           </a:xfrm>
           <a:prstGeom prst="rect">
             <a:avLst/>
@@ -6973,46 +8693,62 @@
           </a:ln>
         </p:spPr>
         <p:txBody>
-          <a:bodyPr anchorCtr="0" anchor="t" bIns="91425" lIns="91425" spcFirstLastPara="1" rIns="91425" wrap="square" tIns="91425">
-            <a:spAutoFit/>
+          <a:bodyPr anchorCtr="0" anchor="ctr" bIns="0" lIns="0" spcFirstLastPara="1" rIns="0" wrap="square" tIns="0">
+            <a:noAutofit/>
           </a:bodyPr>
           <a:lstStyle/>
           <a:p>
-            <a:pPr indent="0" lvl="0" marL="0" rtl="0" algn="ctr">
-              <a:spcBef>
-                <a:spcPts val="0"/>
-              </a:spcBef>
-              <a:spcAft>
-                <a:spcPts val="0"/>
-              </a:spcAft>
+            <a:pPr indent="0" lvl="0" marL="0" marR="0" rtl="0" algn="l">
+              <a:lnSpc>
+                <a:spcPct val="120030"/>
+              </a:lnSpc>
+              <a:spcBef>
+                <a:spcPts val="0"/>
+              </a:spcBef>
+              <a:spcAft>
+                <a:spcPts val="0"/>
+              </a:spcAft>
+              <a:buClr>
+                <a:srgbClr val="000000"/>
+              </a:buClr>
+              <a:buSzPts val="1318"/>
+              <a:buFont typeface="PT Sans"/>
               <a:buNone/>
             </a:pPr>
             <a:r>
-              <a:rPr lang="ru" sz="1800">
+              <a:rPr lang="ru" sz="1318">
                 <a:solidFill>
-                  <a:schemeClr val="dk2"/>
+                  <a:srgbClr val="000000"/>
                 </a:solidFill>
+                <a:latin typeface="PT Sans"/>
+                <a:ea typeface="PT Sans"/>
+                <a:cs typeface="PT Sans"/>
+                <a:sym typeface="PT Sans"/>
               </a:rPr>
-              <a:t>2028 – Автоматизированные системы оценки и обратной связи становятся стандартом</a:t>
+              <a:t>1</a:t>
             </a:r>
-            <a:endParaRPr sz="1800">
+            <a:endParaRPr sz="1318">
               <a:solidFill>
-                <a:schemeClr val="dk2"/>
+                <a:schemeClr val="dk1"/>
               </a:solidFill>
+              <a:latin typeface="Calibri"/>
+              <a:ea typeface="Calibri"/>
+              <a:cs typeface="Calibri"/>
+              <a:sym typeface="Calibri"/>
             </a:endParaRPr>
           </a:p>
         </p:txBody>
       </p:sp>
       <p:sp>
         <p:nvSpPr>
-          <p:cNvPr id="125" name="Google Shape;125;p20"/>
-          <p:cNvSpPr txBox="1"/>
+          <p:cNvPr id="87" name="Google Shape;87;p17"/>
+          <p:cNvSpPr/>
           <p:nvPr/>
         </p:nvSpPr>
         <p:spPr>
           <a:xfrm>
-            <a:off x="5609500" y="797175"/>
-            <a:ext cx="1787100" cy="461700"/>
+            <a:off x="5934075" y="1871663"/>
+            <a:ext cx="2152650" cy="209550"/>
           </a:xfrm>
           <a:prstGeom prst="rect">
             <a:avLst/>
@@ -7023,46 +8759,62 @@
           </a:ln>
         </p:spPr>
         <p:txBody>
-          <a:bodyPr anchorCtr="0" anchor="t" bIns="91425" lIns="91425" spcFirstLastPara="1" rIns="91425" wrap="square" tIns="91425">
-            <a:spAutoFit/>
+          <a:bodyPr anchorCtr="0" anchor="ctr" bIns="0" lIns="0" spcFirstLastPara="1" rIns="0" wrap="square" tIns="0">
+            <a:noAutofit/>
           </a:bodyPr>
           <a:lstStyle/>
           <a:p>
-            <a:pPr indent="0" lvl="0" marL="0" rtl="0" algn="ctr">
-              <a:spcBef>
-                <a:spcPts val="0"/>
-              </a:spcBef>
-              <a:spcAft>
-                <a:spcPts val="0"/>
-              </a:spcAft>
+            <a:pPr indent="0" lvl="0" marL="0" marR="0" rtl="0" algn="l">
+              <a:lnSpc>
+                <a:spcPct val="120030"/>
+              </a:lnSpc>
+              <a:spcBef>
+                <a:spcPts val="0"/>
+              </a:spcBef>
+              <a:spcAft>
+                <a:spcPts val="0"/>
+              </a:spcAft>
+              <a:buClr>
+                <a:srgbClr val="000000"/>
+              </a:buClr>
+              <a:buSzPts val="1318"/>
+              <a:buFont typeface="PT Sans"/>
               <a:buNone/>
             </a:pPr>
             <a:r>
-              <a:rPr lang="ru" sz="1800">
+              <a:rPr lang="ru" sz="1318">
                 <a:solidFill>
-                  <a:schemeClr val="dk2"/>
+                  <a:srgbClr val="000000"/>
                 </a:solidFill>
+                <a:latin typeface="PT Sans"/>
+                <a:ea typeface="PT Sans"/>
+                <a:cs typeface="PT Sans"/>
+                <a:sym typeface="PT Sans"/>
               </a:rPr>
-              <a:t>2031 – Интеграция ИИ‑ассистентов в преподавание и управление учебным процессом</a:t>
+              <a:t>2</a:t>
             </a:r>
-            <a:endParaRPr sz="1800">
+            <a:endParaRPr sz="1318">
               <a:solidFill>
-                <a:schemeClr val="dk2"/>
+                <a:schemeClr val="dk1"/>
               </a:solidFill>
+              <a:latin typeface="Calibri"/>
+              <a:ea typeface="Calibri"/>
+              <a:cs typeface="Calibri"/>
+              <a:sym typeface="Calibri"/>
             </a:endParaRPr>
           </a:p>
         </p:txBody>
       </p:sp>
       <p:sp>
         <p:nvSpPr>
-          <p:cNvPr id="126" name="Google Shape;126;p20"/>
-          <p:cNvSpPr txBox="1"/>
+          <p:cNvPr id="88" name="Google Shape;88;p17"/>
+          <p:cNvSpPr/>
           <p:nvPr/>
         </p:nvSpPr>
         <p:spPr>
           <a:xfrm>
-            <a:off x="7054100" y="4379700"/>
-            <a:ext cx="1787100" cy="461700"/>
+            <a:off x="1071563" y="3667125"/>
+            <a:ext cx="2152650" cy="209550"/>
           </a:xfrm>
           <a:prstGeom prst="rect">
             <a:avLst/>
@@ -7073,33 +8825,327 @@
           </a:ln>
         </p:spPr>
         <p:txBody>
-          <a:bodyPr anchorCtr="0" anchor="t" bIns="91425" lIns="91425" spcFirstLastPara="1" rIns="91425" wrap="square" tIns="91425">
-            <a:spAutoFit/>
+          <a:bodyPr anchorCtr="0" anchor="ctr" bIns="0" lIns="0" spcFirstLastPara="1" rIns="0" wrap="square" tIns="0">
+            <a:noAutofit/>
           </a:bodyPr>
           <a:lstStyle/>
           <a:p>
-            <a:pPr indent="0" lvl="0" marL="0" rtl="0" algn="ctr">
-              <a:spcBef>
-                <a:spcPts val="0"/>
-              </a:spcBef>
-              <a:spcAft>
-                <a:spcPts val="0"/>
-              </a:spcAft>
+            <a:pPr indent="0" lvl="0" marL="0" marR="0" rtl="0" algn="l">
+              <a:lnSpc>
+                <a:spcPct val="120030"/>
+              </a:lnSpc>
+              <a:spcBef>
+                <a:spcPts val="0"/>
+              </a:spcBef>
+              <a:spcAft>
+                <a:spcPts val="0"/>
+              </a:spcAft>
+              <a:buClr>
+                <a:srgbClr val="000000"/>
+              </a:buClr>
+              <a:buSzPts val="1318"/>
+              <a:buFont typeface="PT Sans"/>
               <a:buNone/>
             </a:pPr>
             <a:r>
-              <a:rPr lang="ru" sz="1800">
+              <a:rPr lang="ru" sz="1318">
                 <a:solidFill>
-                  <a:schemeClr val="dk2"/>
+                  <a:srgbClr val="000000"/>
                 </a:solidFill>
+                <a:latin typeface="PT Sans"/>
+                <a:ea typeface="PT Sans"/>
+                <a:cs typeface="PT Sans"/>
+                <a:sym typeface="PT Sans"/>
               </a:rPr>
-              <a:t>2035 – Полная экосистема AI‑образования: персонализированный путь от дошкольника до профессионала</a:t>
+              <a:t>3</a:t>
             </a:r>
-            <a:endParaRPr sz="1800">
+            <a:endParaRPr sz="1318">
               <a:solidFill>
-                <a:schemeClr val="dk2"/>
+                <a:schemeClr val="dk1"/>
               </a:solidFill>
+              <a:latin typeface="Calibri"/>
+              <a:ea typeface="Calibri"/>
+              <a:cs typeface="Calibri"/>
+              <a:sym typeface="Calibri"/>
             </a:endParaRPr>
+          </a:p>
+        </p:txBody>
+      </p:sp>
+      <p:sp>
+        <p:nvSpPr>
+          <p:cNvPr id="89" name="Google Shape;89;p17"/>
+          <p:cNvSpPr/>
+          <p:nvPr/>
+        </p:nvSpPr>
+        <p:spPr>
+          <a:xfrm>
+            <a:off x="5934075" y="3667125"/>
+            <a:ext cx="2152650" cy="209550"/>
+          </a:xfrm>
+          <a:prstGeom prst="rect">
+            <a:avLst/>
+          </a:prstGeom>
+          <a:noFill/>
+          <a:ln>
+            <a:noFill/>
+          </a:ln>
+        </p:spPr>
+        <p:txBody>
+          <a:bodyPr anchorCtr="0" anchor="ctr" bIns="0" lIns="0" spcFirstLastPara="1" rIns="0" wrap="square" tIns="0">
+            <a:noAutofit/>
+          </a:bodyPr>
+          <a:lstStyle/>
+          <a:p>
+            <a:pPr indent="0" lvl="0" marL="0" marR="0" rtl="0" algn="l">
+              <a:lnSpc>
+                <a:spcPct val="120030"/>
+              </a:lnSpc>
+              <a:spcBef>
+                <a:spcPts val="0"/>
+              </a:spcBef>
+              <a:spcAft>
+                <a:spcPts val="0"/>
+              </a:spcAft>
+              <a:buClr>
+                <a:srgbClr val="000000"/>
+              </a:buClr>
+              <a:buSzPts val="1318"/>
+              <a:buFont typeface="PT Sans"/>
+              <a:buNone/>
+            </a:pPr>
+            <a:r>
+              <a:rPr lang="ru" sz="1318">
+                <a:solidFill>
+                  <a:srgbClr val="000000"/>
+                </a:solidFill>
+                <a:latin typeface="PT Sans"/>
+                <a:ea typeface="PT Sans"/>
+                <a:cs typeface="PT Sans"/>
+                <a:sym typeface="PT Sans"/>
+              </a:rPr>
+              <a:t>4</a:t>
+            </a:r>
+            <a:endParaRPr sz="1318">
+              <a:solidFill>
+                <a:schemeClr val="dk1"/>
+              </a:solidFill>
+              <a:latin typeface="Calibri"/>
+              <a:ea typeface="Calibri"/>
+              <a:cs typeface="Calibri"/>
+              <a:sym typeface="Calibri"/>
+            </a:endParaRPr>
+          </a:p>
+        </p:txBody>
+      </p:sp>
+      <p:sp>
+        <p:nvSpPr>
+          <p:cNvPr id="90" name="Google Shape;90;p17"/>
+          <p:cNvSpPr txBox="1"/>
+          <p:nvPr/>
+        </p:nvSpPr>
+        <p:spPr>
+          <a:xfrm>
+            <a:off x="937325" y="2029088"/>
+            <a:ext cx="2286900" cy="972000"/>
+          </a:xfrm>
+          <a:prstGeom prst="rect">
+            <a:avLst/>
+          </a:prstGeom>
+          <a:noFill/>
+          <a:ln>
+            <a:noFill/>
+          </a:ln>
+        </p:spPr>
+        <p:txBody>
+          <a:bodyPr anchorCtr="0" anchor="t" bIns="91425" lIns="91425" spcFirstLastPara="1" rIns="91425" wrap="square" tIns="91425">
+            <a:normAutofit/>
+          </a:bodyPr>
+          <a:lstStyle/>
+          <a:p>
+            <a:pPr indent="0" lvl="0" marL="0" rtl="0" algn="l">
+              <a:lnSpc>
+                <a:spcPct val="103274"/>
+              </a:lnSpc>
+              <a:spcBef>
+                <a:spcPts val="0"/>
+              </a:spcBef>
+              <a:spcAft>
+                <a:spcPts val="0"/>
+              </a:spcAft>
+              <a:buNone/>
+            </a:pPr>
+            <a:r>
+              <a:rPr lang="ru" sz="1069">
+                <a:solidFill>
+                  <a:schemeClr val="dk1"/>
+                </a:solidFill>
+                <a:latin typeface="Anonymous Pro"/>
+                <a:ea typeface="Anonymous Pro"/>
+                <a:cs typeface="Anonymous Pro"/>
+                <a:sym typeface="Anonymous Pro"/>
+              </a:rPr>
+              <a:t>{{Персонализированный путь обучения, адаптированный к темпу и стилю каждого ученика.}}</a:t>
+            </a:r>
+            <a:endParaRPr/>
+          </a:p>
+        </p:txBody>
+      </p:sp>
+      <p:sp>
+        <p:nvSpPr>
+          <p:cNvPr id="91" name="Google Shape;91;p17"/>
+          <p:cNvSpPr txBox="1"/>
+          <p:nvPr/>
+        </p:nvSpPr>
+        <p:spPr>
+          <a:xfrm>
+            <a:off x="5809550" y="2066400"/>
+            <a:ext cx="2765700" cy="1010700"/>
+          </a:xfrm>
+          <a:prstGeom prst="rect">
+            <a:avLst/>
+          </a:prstGeom>
+          <a:noFill/>
+          <a:ln>
+            <a:noFill/>
+          </a:ln>
+        </p:spPr>
+        <p:txBody>
+          <a:bodyPr anchorCtr="0" anchor="t" bIns="91425" lIns="91425" spcFirstLastPara="1" rIns="91425" wrap="square" tIns="91425">
+            <a:normAutofit/>
+          </a:bodyPr>
+          <a:lstStyle/>
+          <a:p>
+            <a:pPr indent="0" lvl="0" marL="0" rtl="0" algn="l">
+              <a:lnSpc>
+                <a:spcPct val="103274"/>
+              </a:lnSpc>
+              <a:spcBef>
+                <a:spcPts val="0"/>
+              </a:spcBef>
+              <a:spcAft>
+                <a:spcPts val="0"/>
+              </a:spcAft>
+              <a:buNone/>
+            </a:pPr>
+            <a:r>
+              <a:rPr lang="ru" sz="1069">
+                <a:solidFill>
+                  <a:schemeClr val="dk1"/>
+                </a:solidFill>
+                <a:latin typeface="Anonymous Pro"/>
+                <a:ea typeface="Anonymous Pro"/>
+                <a:cs typeface="Anonymous Pro"/>
+                <a:sym typeface="Anonymous Pro"/>
+              </a:rPr>
+              <a:t>{{Автоматизированный анализ успеваемости позволяет быстро выявлять пробелы и предлагать целевые упражнения.}}</a:t>
+            </a:r>
+            <a:endParaRPr/>
+          </a:p>
+        </p:txBody>
+      </p:sp>
+      <p:sp>
+        <p:nvSpPr>
+          <p:cNvPr id="92" name="Google Shape;92;p17"/>
+          <p:cNvSpPr txBox="1"/>
+          <p:nvPr/>
+        </p:nvSpPr>
+        <p:spPr>
+          <a:xfrm>
+            <a:off x="5809550" y="3876675"/>
+            <a:ext cx="2703600" cy="1010700"/>
+          </a:xfrm>
+          <a:prstGeom prst="rect">
+            <a:avLst/>
+          </a:prstGeom>
+          <a:noFill/>
+          <a:ln>
+            <a:noFill/>
+          </a:ln>
+        </p:spPr>
+        <p:txBody>
+          <a:bodyPr anchorCtr="0" anchor="t" bIns="91425" lIns="91425" spcFirstLastPara="1" rIns="91425" wrap="square" tIns="91425">
+            <a:normAutofit/>
+          </a:bodyPr>
+          <a:lstStyle/>
+          <a:p>
+            <a:pPr indent="0" lvl="0" marL="0" rtl="0" algn="l">
+              <a:lnSpc>
+                <a:spcPct val="103274"/>
+              </a:lnSpc>
+              <a:spcBef>
+                <a:spcPts val="0"/>
+              </a:spcBef>
+              <a:spcAft>
+                <a:spcPts val="0"/>
+              </a:spcAft>
+              <a:buNone/>
+            </a:pPr>
+            <a:r>
+              <a:rPr lang="ru" sz="1069">
+                <a:solidFill>
+                  <a:schemeClr val="dk1"/>
+                </a:solidFill>
+                <a:latin typeface="Anonymous Pro"/>
+                <a:ea typeface="Anonymous Pro"/>
+                <a:cs typeface="Anonymous Pro"/>
+                <a:sym typeface="Anonymous Pro"/>
+              </a:rPr>
+              <a:t>{{Оптимизация административных процессов освобождает время преподавателей для творческого взаимодействия.}}</a:t>
+            </a:r>
+            <a:endParaRPr/>
+          </a:p>
+        </p:txBody>
+      </p:sp>
+      <p:sp>
+        <p:nvSpPr>
+          <p:cNvPr id="93" name="Google Shape;93;p17"/>
+          <p:cNvSpPr txBox="1"/>
+          <p:nvPr/>
+        </p:nvSpPr>
+        <p:spPr>
+          <a:xfrm>
+            <a:off x="972050" y="3821375"/>
+            <a:ext cx="2389800" cy="1010700"/>
+          </a:xfrm>
+          <a:prstGeom prst="rect">
+            <a:avLst/>
+          </a:prstGeom>
+          <a:noFill/>
+          <a:ln>
+            <a:noFill/>
+          </a:ln>
+        </p:spPr>
+        <p:txBody>
+          <a:bodyPr anchorCtr="0" anchor="t" bIns="91425" lIns="91425" spcFirstLastPara="1" rIns="91425" wrap="square" tIns="91425">
+            <a:normAutofit/>
+          </a:bodyPr>
+          <a:lstStyle/>
+          <a:p>
+            <a:pPr indent="0" lvl="0" marL="0" rtl="0" algn="l">
+              <a:lnSpc>
+                <a:spcPct val="103274"/>
+              </a:lnSpc>
+              <a:spcBef>
+                <a:spcPts val="0"/>
+              </a:spcBef>
+              <a:spcAft>
+                <a:spcPts val="0"/>
+              </a:spcAft>
+              <a:buNone/>
+            </a:pPr>
+            <a:r>
+              <a:rPr lang="ru" sz="1069">
+                <a:solidFill>
+                  <a:schemeClr val="dk1"/>
+                </a:solidFill>
+                <a:latin typeface="Anonymous Pro"/>
+                <a:ea typeface="Anonymous Pro"/>
+                <a:cs typeface="Anonymous Pro"/>
+                <a:sym typeface="Anonymous Pro"/>
+              </a:rPr>
+              <a:t>{{Интерактивные симуляции и виртуальные наставники повышают практические навыки и мотивацию.}}</a:t>
+            </a:r>
+            <a:endParaRPr/>
           </a:p>
         </p:txBody>
       </p:sp>
@@ -7114,9 +9160,16 @@
 <file path=ppt/slides/slide4.xml><?xml version="1.0" encoding="utf-8"?>
 <p:sld xmlns:a="http://schemas.openxmlformats.org/drawingml/2006/main" xmlns:r="http://schemas.openxmlformats.org/officeDocument/2006/relationships" xmlns:mc="http://schemas.openxmlformats.org/markup-compatibility/2006" xmlns:mv="urn:schemas-microsoft-com:mac:vml" xmlns:p="http://schemas.openxmlformats.org/presentationml/2006/main" xmlns:c="http://schemas.openxmlformats.org/drawingml/2006/chart" xmlns:dgm="http://schemas.openxmlformats.org/drawingml/2006/diagram" xmlns:o="urn:schemas-microsoft-com:office:office" xmlns:v="urn:schemas-microsoft-com:vml" xmlns:pvml="urn:schemas-microsoft-com:office:powerpoint" xmlns:com="http://schemas.openxmlformats.org/drawingml/2006/compatibility" xmlns:p14="http://schemas.microsoft.com/office/powerpoint/2010/main" xmlns:p15="http://schemas.microsoft.com/office/powerpoint/2012/main" xmlns:ahyp="http://schemas.microsoft.com/office/drawing/2018/hyperlinkcolor">
   <p:cSld>
+    <p:bg>
+      <p:bgPr>
+        <a:solidFill>
+          <a:srgbClr val="E2E5EC"/>
+        </a:solidFill>
+      </p:bgPr>
+    </p:bg>
     <p:spTree>
       <p:nvGrpSpPr>
-        <p:cNvPr id="79" name="Shape 79"/>
+        <p:cNvPr id="98" name="Shape 98"/>
         <p:cNvGrpSpPr/>
         <p:nvPr/>
       </p:nvGrpSpPr>
@@ -7128,91 +9181,72 @@
           <a:chExt cx="0" cy="0"/>
         </a:xfrm>
       </p:grpSpPr>
-      <p:sp>
-        <p:nvSpPr>
-          <p:cNvPr id="80" name="Google Shape;80;p16"/>
-          <p:cNvSpPr txBox="1"/>
-          <p:nvPr>
-            <p:ph type="title"/>
-          </p:nvPr>
-        </p:nvSpPr>
+      <p:pic>
+        <p:nvPicPr>
+          <p:cNvPr descr="preencoded.png" id="99" name="Google Shape;99;p18"/>
+          <p:cNvPicPr preferRelativeResize="0"/>
+          <p:nvPr/>
+        </p:nvPicPr>
+        <p:blipFill rotWithShape="1">
+          <a:blip r:embed="rId3">
+            <a:alphaModFix/>
+          </a:blip>
+          <a:srcRect b="644" l="0" r="0" t="0"/>
+          <a:stretch/>
+        </p:blipFill>
         <p:spPr>
           <a:xfrm>
-            <a:off x="311700" y="445025"/>
-            <a:ext cx="8520600" cy="572700"/>
+            <a:off x="0" y="0"/>
+            <a:ext cx="9144000" cy="5143500"/>
           </a:xfrm>
           <a:prstGeom prst="rect">
             <a:avLst/>
           </a:prstGeom>
+          <a:noFill/>
+          <a:ln>
+            <a:noFill/>
+          </a:ln>
+        </p:spPr>
+      </p:pic>
+      <p:sp>
+        <p:nvSpPr>
+          <p:cNvPr id="100" name="Google Shape;100;p18"/>
+          <p:cNvSpPr/>
+          <p:nvPr/>
+        </p:nvSpPr>
+        <p:spPr>
+          <a:xfrm>
+            <a:off x="409575" y="1824209"/>
+            <a:ext cx="4029000" cy="2777700"/>
+          </a:xfrm>
+          <a:prstGeom prst="rect">
+            <a:avLst/>
+          </a:prstGeom>
+          <a:noFill/>
+          <a:ln>
+            <a:noFill/>
+          </a:ln>
         </p:spPr>
         <p:txBody>
-          <a:bodyPr anchorCtr="0" anchor="t" bIns="91425" lIns="91425" spcFirstLastPara="1" rIns="91425" wrap="square" tIns="91425">
-            <a:normAutofit fontScale="90000"/>
+          <a:bodyPr anchorCtr="0" anchor="ctr" bIns="0" lIns="0" spcFirstLastPara="1" rIns="0" wrap="square" tIns="0">
+            <a:noAutofit/>
           </a:bodyPr>
           <a:lstStyle/>
           <a:p>
-            <a:pPr indent="0" lvl="0" marL="0" rtl="0" algn="ctr">
-              <a:spcBef>
-                <a:spcPts val="0"/>
-              </a:spcBef>
-              <a:spcAft>
-                <a:spcPts val="0"/>
-              </a:spcAft>
+            <a:pPr algn="l">
               <a:buNone/>
             </a:pPr>
             <a:r>
-              <a:rPr lang="ru"/>
-              <a:t>Традиционное vs ИИ‑поддерживаемое обучение</a:t>
-            </a:r>
-            <a:endParaRPr/>
-          </a:p>
-          <a:p>
-            <a:pPr indent="0" lvl="0" marL="0" rtl="0" algn="ctr">
-              <a:spcBef>
-                <a:spcPts val="0"/>
-              </a:spcBef>
-              <a:spcAft>
-                <a:spcPts val="0"/>
-              </a:spcAft>
-              <a:buNone/>
-            </a:pPr>
-            <a:r>
-              <a:rPr lang="ru"/>
-              <a:t> </a:t>
-            </a:r>
-            <a:endParaRPr/>
-          </a:p>
-        </p:txBody>
-      </p:sp>
-      <p:sp>
-        <p:nvSpPr>
-          <p:cNvPr id="81" name="Google Shape;81;p16"/>
-          <p:cNvSpPr txBox="1"/>
-          <p:nvPr>
-            <p:ph idx="1" type="body"/>
-          </p:nvPr>
-        </p:nvSpPr>
-        <p:spPr>
-          <a:xfrm>
-            <a:off x="226475" y="1859600"/>
-            <a:ext cx="4033800" cy="2753100"/>
-          </a:xfrm>
-          <a:prstGeom prst="rect">
-            <a:avLst/>
-          </a:prstGeom>
-        </p:spPr>
-        <p:txBody>
-          <a:bodyPr anchorCtr="0" anchor="t" bIns="91425" lIns="91425" spcFirstLastPara="1" rIns="91425" wrap="square" tIns="91425">
-            <a:normAutofit/>
-          </a:bodyPr>
-          <a:lstStyle/>
-          <a:p>
-            <a:pPr algn="l" marL="342900" indent="-342900">
-              <a:buChar char="•"/>
-            </a:pPr>
-            <a:r>
-              <a:rPr lang="ru"/>
-              <a:t>Учитель управляет всем процессом, от подачи материала до оценки.</a:t>
+              <a:rPr lang="ru" sz="1425">
+                <a:solidFill>
+                  <a:srgbClr val="000000"/>
+                </a:solidFill>
+                <a:latin typeface="Anonymous Pro"/>
+                <a:ea typeface="Anonymous Pro"/>
+                <a:cs typeface="Anonymous Pro"/>
+                <a:sym typeface="Anonymous Pro"/>
+              </a:rPr>
+              <a:t>Ключевые характеристики традиционного подхода</a:t>
             </a:r>
           </a:p>
           <a:p>
@@ -7220,8 +9254,16 @@
               <a:buChar char="•"/>
             </a:pPr>
             <a:r>
-              <a:rPr lang="ru"/>
-              <a:t>Оценивание основано на субъективных критериях и ограниченной обратной связи.</a:t>
+              <a:rPr lang="ru" sz="1425">
+                <a:solidFill>
+                  <a:srgbClr val="000000"/>
+                </a:solidFill>
+                <a:latin typeface="Anonymous Pro"/>
+                <a:ea typeface="Anonymous Pro"/>
+                <a:cs typeface="Anonymous Pro"/>
+                <a:sym typeface="Anonymous Pro"/>
+              </a:rPr>
+              <a:t>Фиксированная учебная программа, не учитывающая индивидуальные потребности</a:t>
             </a:r>
           </a:p>
           <a:p>
@@ -7229,8 +9271,16 @@
               <a:buChar char="•"/>
             </a:pPr>
             <a:r>
-              <a:rPr lang="ru"/>
-              <a:t>Учебные материалы одинаковы для всех студентов, без учёта индивидуальных потребностей.</a:t>
+              <a:rPr lang="ru" sz="1425">
+                <a:solidFill>
+                  <a:srgbClr val="000000"/>
+                </a:solidFill>
+                <a:latin typeface="Anonymous Pro"/>
+                <a:ea typeface="Anonymous Pro"/>
+                <a:cs typeface="Anonymous Pro"/>
+                <a:sym typeface="Anonymous Pro"/>
+              </a:rPr>
+              <a:t>Ограниченная обратная связь, часто только оценка результатов</a:t>
             </a:r>
           </a:p>
           <a:p>
@@ -7238,22 +9288,47 @@
               <a:buChar char="•"/>
             </a:pPr>
             <a:r>
-              <a:rPr lang="ru"/>
-              <a:t>Ресурсы ограничены расписанием и физическим присутствием.</a:t>
+              <a:rPr lang="ru" sz="1425">
+                <a:solidFill>
+                  <a:srgbClr val="000000"/>
+                </a:solidFill>
+                <a:latin typeface="Anonymous Pro"/>
+                <a:ea typeface="Anonymous Pro"/>
+                <a:cs typeface="Anonymous Pro"/>
+                <a:sym typeface="Anonymous Pro"/>
+              </a:rPr>
+              <a:t>Зависимость от расписания и физического присутствия</a:t>
+            </a:r>
+          </a:p>
+          <a:p>
+            <a:pPr algn="l" marL="342900" indent="-342900">
+              <a:buChar char="•"/>
+            </a:pPr>
+            <a:r>
+              <a:rPr lang="ru" sz="1425">
+                <a:solidFill>
+                  <a:srgbClr val="000000"/>
+                </a:solidFill>
+                <a:latin typeface="Anonymous Pro"/>
+                <a:ea typeface="Anonymous Pro"/>
+                <a:cs typeface="Anonymous Pro"/>
+                <a:sym typeface="Anonymous Pro"/>
+              </a:rPr>
+              <a:t>Медленное обновление материалов, отстающее от новых знаний</a:t>
             </a:r>
           </a:p>
         </p:txBody>
       </p:sp>
       <p:sp>
         <p:nvSpPr>
-          <p:cNvPr id="82" name="Google Shape;82;p16"/>
-          <p:cNvSpPr txBox="1"/>
+          <p:cNvPr id="101" name="Google Shape;101;p18"/>
+          <p:cNvSpPr/>
           <p:nvPr/>
         </p:nvSpPr>
         <p:spPr>
           <a:xfrm>
-            <a:off x="226475" y="1207813"/>
-            <a:ext cx="1954800" cy="461700"/>
+            <a:off x="409575" y="1162050"/>
+            <a:ext cx="3605213" cy="323850"/>
           </a:xfrm>
           <a:prstGeom prst="rect">
             <a:avLst/>
@@ -7264,118 +9339,91 @@
           </a:ln>
         </p:spPr>
         <p:txBody>
-          <a:bodyPr anchorCtr="0" anchor="t" bIns="91425" lIns="91425" spcFirstLastPara="1" rIns="91425" wrap="square" tIns="91425">
-            <a:spAutoFit/>
+          <a:bodyPr anchorCtr="0" anchor="ctr" bIns="0" lIns="0" spcFirstLastPara="1" rIns="0" wrap="square" tIns="0">
+            <a:noAutofit/>
           </a:bodyPr>
           <a:lstStyle/>
           <a:p>
-            <a:pPr indent="0" lvl="0" marL="0" rtl="0" algn="l">
-              <a:spcBef>
-                <a:spcPts val="0"/>
-              </a:spcBef>
-              <a:spcAft>
-                <a:spcPts val="0"/>
-              </a:spcAft>
+            <a:pPr indent="0" lvl="0" marL="0" marR="0" rtl="0" algn="ctr">
+              <a:lnSpc>
+                <a:spcPct val="119990"/>
+              </a:lnSpc>
+              <a:spcBef>
+                <a:spcPts val="0"/>
+              </a:spcBef>
+              <a:spcAft>
+                <a:spcPts val="0"/>
+              </a:spcAft>
+              <a:buClr>
+                <a:srgbClr val="000000"/>
+              </a:buClr>
+              <a:buSzPts val="2031"/>
+              <a:buFont typeface="PT Sans"/>
               <a:buNone/>
             </a:pPr>
             <a:r>
-              <a:rPr lang="ru" sz="1800">
+              <a:rPr lang="ru" sz="2031">
                 <a:solidFill>
-                  <a:schemeClr val="dk2"/>
+                  <a:srgbClr val="000000"/>
                 </a:solidFill>
+                <a:latin typeface="PT Sans"/>
+                <a:ea typeface="PT Sans"/>
+                <a:cs typeface="PT Sans"/>
+                <a:sym typeface="PT Sans"/>
               </a:rPr>
               <a:t>Традиционное обучение</a:t>
             </a:r>
-            <a:endParaRPr sz="1800">
+            <a:endParaRPr sz="2031">
               <a:solidFill>
-                <a:schemeClr val="dk2"/>
+                <a:schemeClr val="dk1"/>
               </a:solidFill>
+              <a:latin typeface="Calibri"/>
+              <a:ea typeface="Calibri"/>
+              <a:cs typeface="Calibri"/>
+              <a:sym typeface="Calibri"/>
             </a:endParaRPr>
           </a:p>
         </p:txBody>
       </p:sp>
       <p:sp>
         <p:nvSpPr>
-          <p:cNvPr id="83" name="Google Shape;83;p16"/>
+          <p:cNvPr id="102" name="Google Shape;102;p18"/>
           <p:cNvSpPr/>
           <p:nvPr/>
         </p:nvSpPr>
         <p:spPr>
           <a:xfrm>
-            <a:off x="4260300" y="1102225"/>
-            <a:ext cx="4883700" cy="4102500"/>
+            <a:off x="4962525" y="1924050"/>
+            <a:ext cx="3848100" cy="2677800"/>
           </a:xfrm>
           <a:prstGeom prst="rect">
             <a:avLst/>
           </a:prstGeom>
-          <a:solidFill>
-            <a:schemeClr val="dk1"/>
-          </a:solidFill>
-          <a:ln cap="flat" cmpd="sng" w="9525">
-            <a:solidFill>
-              <a:schemeClr val="dk2"/>
-            </a:solidFill>
-            <a:prstDash val="solid"/>
-            <a:round/>
-            <a:headEnd len="sm" w="sm" type="none"/>
-            <a:tailEnd len="sm" w="sm" type="none"/>
+          <a:noFill/>
+          <a:ln>
+            <a:noFill/>
           </a:ln>
         </p:spPr>
         <p:txBody>
-          <a:bodyPr anchorCtr="0" anchor="ctr" bIns="91425" lIns="91425" spcFirstLastPara="1" rIns="91425" wrap="square" tIns="91425">
+          <a:bodyPr anchorCtr="0" anchor="ctr" bIns="0" lIns="0" spcFirstLastPara="1" rIns="0" wrap="square" tIns="0">
             <a:noAutofit/>
           </a:bodyPr>
           <a:lstStyle/>
           <a:p>
-            <a:pPr indent="0" lvl="0" marL="0" rtl="0" algn="ctr">
-              <a:spcBef>
-                <a:spcPts val="0"/>
-              </a:spcBef>
-              <a:spcAft>
-                <a:spcPts val="0"/>
-              </a:spcAft>
+            <a:pPr algn="l">
               <a:buNone/>
             </a:pPr>
             <a:r>
-              <a:t/>
-            </a:r>
-            <a:endParaRPr/>
-          </a:p>
-        </p:txBody>
-      </p:sp>
-      <p:sp>
-        <p:nvSpPr>
-          <p:cNvPr id="84" name="Google Shape;84;p16"/>
-          <p:cNvSpPr txBox="1"/>
-          <p:nvPr>
-            <p:ph idx="1" type="body"/>
-          </p:nvPr>
-        </p:nvSpPr>
-        <p:spPr>
-          <a:xfrm>
-            <a:off x="4462800" y="1859600"/>
-            <a:ext cx="4204500" cy="2753100"/>
-          </a:xfrm>
-          <a:prstGeom prst="rect">
-            <a:avLst/>
-          </a:prstGeom>
-        </p:spPr>
-        <p:txBody>
-          <a:bodyPr anchorCtr="0" anchor="t" bIns="91425" lIns="91425" spcFirstLastPara="1" rIns="91425" wrap="square" tIns="91425">
-            <a:normAutofit/>
-          </a:bodyPr>
-          <a:lstStyle/>
-          <a:p>
-            <a:pPr algn="l" marL="342900" indent="-342900">
-              <a:buChar char="•"/>
-            </a:pPr>
-            <a:r>
-              <a:rPr lang="ru">
+              <a:rPr lang="ru" sz="1425">
                 <a:solidFill>
-                  <a:schemeClr val="lt1"/>
+                  <a:srgbClr val="000000"/>
                 </a:solidFill>
+                <a:latin typeface="Anonymous Pro"/>
+                <a:ea typeface="Anonymous Pro"/>
+                <a:cs typeface="Anonymous Pro"/>
+                <a:sym typeface="Anonymous Pro"/>
               </a:rPr>
-              <a:t>ИИ адаптирует контент под уровень и стиль каждого ученика.</a:t>
+              <a:t>Преимущества ИИ‑поддержки в обучении</a:t>
             </a:r>
           </a:p>
           <a:p>
@@ -7383,12 +9431,16 @@
               <a:buChar char="•"/>
             </a:pPr>
             <a:r>
-              <a:rPr lang="ru">
+              <a:rPr lang="ru" sz="1425">
                 <a:solidFill>
-                  <a:schemeClr val="lt1"/>
+                  <a:srgbClr val="000000"/>
                 </a:solidFill>
+                <a:latin typeface="Anonymous Pro"/>
+                <a:ea typeface="Anonymous Pro"/>
+                <a:cs typeface="Anonymous Pro"/>
+                <a:sym typeface="Anonymous Pro"/>
               </a:rPr>
-              <a:t>Автоматизированная оценка обеспечивает мгновенную и объективную обратную связь.</a:t>
+              <a:t>Персонализированные маршруты обучения, адаптированные под уровень студента</a:t>
             </a:r>
           </a:p>
           <a:p>
@@ -7396,12 +9448,16 @@
               <a:buChar char="•"/>
             </a:pPr>
             <a:r>
-              <a:rPr lang="ru">
+              <a:rPr lang="ru" sz="1425">
                 <a:solidFill>
-                  <a:schemeClr val="lt1"/>
+                  <a:srgbClr val="000000"/>
                 </a:solidFill>
+                <a:latin typeface="Anonymous Pro"/>
+                <a:ea typeface="Anonymous Pro"/>
+                <a:cs typeface="Anonymous Pro"/>
+                <a:sym typeface="Anonymous Pro"/>
               </a:rPr>
-              <a:t>Персонализированные рекомендации расширяют глубину и темп обучения.</a:t>
+              <a:t>Мгновенная аналитика успеваемости и рекомендации в реальном времени</a:t>
             </a:r>
           </a:p>
           <a:p>
@@ -7409,26 +9465,47 @@
               <a:buChar char="•"/>
             </a:pPr>
             <a:r>
-              <a:rPr lang="ru">
+              <a:rPr lang="ru" sz="1425">
                 <a:solidFill>
-                  <a:schemeClr val="lt1"/>
+                  <a:srgbClr val="000000"/>
                 </a:solidFill>
+                <a:latin typeface="Anonymous Pro"/>
+                <a:ea typeface="Anonymous Pro"/>
+                <a:cs typeface="Anonymous Pro"/>
+                <a:sym typeface="Anonymous Pro"/>
               </a:rPr>
-              <a:t>Доступ к материалам 24/7 через облачные платформы.</a:t>
+              <a:t>Гибкий доступ к материалам 24/7 через онлайн‑платформы</a:t>
+            </a:r>
+          </a:p>
+          <a:p>
+            <a:pPr algn="l" marL="342900" indent="-342900">
+              <a:buChar char="•"/>
+            </a:pPr>
+            <a:r>
+              <a:rPr lang="ru" sz="1425">
+                <a:solidFill>
+                  <a:srgbClr val="000000"/>
+                </a:solidFill>
+                <a:latin typeface="Anonymous Pro"/>
+                <a:ea typeface="Anonymous Pro"/>
+                <a:cs typeface="Anonymous Pro"/>
+                <a:sym typeface="Anonymous Pro"/>
+              </a:rPr>
+              <a:t>Автоматическое обновление контента с учётом последних исследований</a:t>
             </a:r>
           </a:p>
         </p:txBody>
       </p:sp>
       <p:sp>
         <p:nvSpPr>
-          <p:cNvPr id="85" name="Google Shape;85;p16"/>
-          <p:cNvSpPr txBox="1"/>
+          <p:cNvPr id="103" name="Google Shape;103;p18"/>
+          <p:cNvSpPr/>
           <p:nvPr/>
         </p:nvSpPr>
         <p:spPr>
           <a:xfrm>
-            <a:off x="4462800" y="1302000"/>
-            <a:ext cx="1954800" cy="461700"/>
+            <a:off x="5205413" y="1162050"/>
+            <a:ext cx="3605213" cy="323850"/>
           </a:xfrm>
           <a:prstGeom prst="rect">
             <a:avLst/>
@@ -7439,32 +9516,115 @@
           </a:ln>
         </p:spPr>
         <p:txBody>
-          <a:bodyPr anchorCtr="0" anchor="t" bIns="91425" lIns="91425" spcFirstLastPara="1" rIns="91425" wrap="square" tIns="91425">
-            <a:spAutoFit/>
+          <a:bodyPr anchorCtr="0" anchor="ctr" bIns="0" lIns="0" spcFirstLastPara="1" rIns="0" wrap="square" tIns="0">
+            <a:noAutofit/>
           </a:bodyPr>
           <a:lstStyle/>
           <a:p>
-            <a:pPr indent="0" lvl="0" marL="0" rtl="0" algn="l">
-              <a:spcBef>
-                <a:spcPts val="0"/>
-              </a:spcBef>
-              <a:spcAft>
-                <a:spcPts val="0"/>
-              </a:spcAft>
+            <a:pPr indent="0" lvl="0" marL="0" marR="0" rtl="0" algn="ctr">
+              <a:lnSpc>
+                <a:spcPct val="119990"/>
+              </a:lnSpc>
+              <a:spcBef>
+                <a:spcPts val="0"/>
+              </a:spcBef>
+              <a:spcAft>
+                <a:spcPts val="0"/>
+              </a:spcAft>
+              <a:buClr>
+                <a:srgbClr val="000000"/>
+              </a:buClr>
+              <a:buSzPts val="2031"/>
+              <a:buFont typeface="PT Sans"/>
               <a:buNone/>
             </a:pPr>
             <a:r>
-              <a:rPr lang="ru" sz="1800">
+              <a:rPr lang="ru" sz="2031">
                 <a:solidFill>
-                  <a:schemeClr val="lt1"/>
+                  <a:srgbClr val="000000"/>
                 </a:solidFill>
+                <a:latin typeface="PT Sans"/>
+                <a:ea typeface="PT Sans"/>
+                <a:cs typeface="PT Sans"/>
+                <a:sym typeface="PT Sans"/>
               </a:rPr>
-              <a:t>Обучение с ИИ</a:t>
+              <a:t>Обучение с поддержкой ИИ</a:t>
             </a:r>
-            <a:endParaRPr sz="1800">
+            <a:endParaRPr sz="2031">
               <a:solidFill>
-                <a:schemeClr val="lt1"/>
+                <a:schemeClr val="dk1"/>
               </a:solidFill>
+              <a:latin typeface="Calibri"/>
+              <a:ea typeface="Calibri"/>
+              <a:cs typeface="Calibri"/>
+              <a:sym typeface="Calibri"/>
+            </a:endParaRPr>
+          </a:p>
+        </p:txBody>
+      </p:sp>
+      <p:sp>
+        <p:nvSpPr>
+          <p:cNvPr id="104" name="Google Shape;104;p18"/>
+          <p:cNvSpPr/>
+          <p:nvPr/>
+        </p:nvSpPr>
+        <p:spPr>
+          <a:xfrm>
+            <a:off x="2138363" y="238125"/>
+            <a:ext cx="4867275" cy="695325"/>
+          </a:xfrm>
+          <a:prstGeom prst="roundRect">
+            <a:avLst>
+              <a:gd fmla="val 23404" name="adj"/>
+            </a:avLst>
+          </a:prstGeom>
+          <a:solidFill>
+            <a:srgbClr val="FFFFFF"/>
+          </a:solidFill>
+          <a:ln>
+            <a:noFill/>
+          </a:ln>
+        </p:spPr>
+        <p:txBody>
+          <a:bodyPr anchorCtr="0" anchor="ctr" bIns="45700" lIns="91425" spcFirstLastPara="1" rIns="91425" wrap="square" tIns="45700">
+            <a:noAutofit/>
+          </a:bodyPr>
+          <a:lstStyle/>
+          <a:p>
+            <a:pPr indent="0" lvl="0" marL="0" marR="0" rtl="0" algn="ctr">
+              <a:spcBef>
+                <a:spcPts val="0"/>
+              </a:spcBef>
+              <a:spcAft>
+                <a:spcPts val="0"/>
+              </a:spcAft>
+              <a:buClr>
+                <a:srgbClr val="000000"/>
+              </a:buClr>
+              <a:buSzPts val="1800"/>
+              <a:buFont typeface="Calibri"/>
+              <a:buNone/>
+            </a:pPr>
+            <a:r>
+              <a:rPr lang="ru" sz="2750">
+                <a:solidFill>
+                  <a:srgbClr val="000000"/>
+                </a:solidFill>
+                <a:latin typeface="PT Sans"/>
+                <a:ea typeface="PT Sans"/>
+                <a:cs typeface="PT Sans"/>
+                <a:sym typeface="PT Sans"/>
+              </a:rPr>
+              <a:t>Традиционное обучение vs обучение с ИИ</a:t>
+            </a:r>
+            <a:endParaRPr sz="2750">
+              <a:solidFill>
+                <a:schemeClr val="dk1"/>
+              </a:solidFill>
+              <a:latin typeface="PT Sans"/>
+              <a:ea typeface="PT Sans"/>
+              <a:cs typeface="PT Sans"/>
+              <a:sym typeface="PT Sans"/>
             </a:endParaRPr>
           </a:p>
         </p:txBody>
@@ -7480,9 +9640,16 @@
 <file path=ppt/slides/slide5.xml><?xml version="1.0" encoding="utf-8"?>
 <p:sld xmlns:a="http://schemas.openxmlformats.org/drawingml/2006/main" xmlns:r="http://schemas.openxmlformats.org/officeDocument/2006/relationships" xmlns:mc="http://schemas.openxmlformats.org/markup-compatibility/2006" xmlns:mv="urn:schemas-microsoft-com:mac:vml" xmlns:p="http://schemas.openxmlformats.org/presentationml/2006/main" xmlns:c="http://schemas.openxmlformats.org/drawingml/2006/chart" xmlns:dgm="http://schemas.openxmlformats.org/drawingml/2006/diagram" xmlns:o="urn:schemas-microsoft-com:office:office" xmlns:v="urn:schemas-microsoft-com:vml" xmlns:pvml="urn:schemas-microsoft-com:office:powerpoint" xmlns:com="http://schemas.openxmlformats.org/drawingml/2006/compatibility" xmlns:p14="http://schemas.microsoft.com/office/powerpoint/2010/main" xmlns:p15="http://schemas.microsoft.com/office/powerpoint/2012/main" xmlns:ahyp="http://schemas.microsoft.com/office/drawing/2018/hyperlinkcolor">
   <p:cSld>
+    <p:bg>
+      <p:bgPr>
+        <a:solidFill>
+          <a:srgbClr val="E2E5EC"/>
+        </a:solidFill>
+      </p:bgPr>
+    </p:bg>
     <p:spTree>
       <p:nvGrpSpPr>
-        <p:cNvPr id="103" name="Shape 103"/>
+        <p:cNvPr id="129" name="Shape 129"/>
         <p:cNvGrpSpPr/>
         <p:nvPr/>
       </p:nvGrpSpPr>
@@ -7494,79 +9661,187 @@
           <a:chExt cx="0" cy="0"/>
         </a:xfrm>
       </p:grpSpPr>
-      <p:sp>
-        <p:nvSpPr>
-          <p:cNvPr id="104" name="Google Shape;104;p19"/>
-          <p:cNvSpPr txBox="1"/>
-          <p:nvPr>
-            <p:ph type="title"/>
-          </p:nvPr>
-        </p:nvSpPr>
+      <p:pic>
+        <p:nvPicPr>
+          <p:cNvPr descr="preencoded.png" id="130" name="Google Shape;130;p21"/>
+          <p:cNvPicPr preferRelativeResize="0"/>
+          <p:nvPr/>
+        </p:nvPicPr>
+        <p:blipFill rotWithShape="1">
+          <a:blip r:embed="rId3">
+            <a:alphaModFix/>
+          </a:blip>
+          <a:srcRect b="0" l="0" r="621" t="0"/>
+          <a:stretch/>
+        </p:blipFill>
         <p:spPr>
           <a:xfrm>
-            <a:off x="311700" y="445025"/>
-            <a:ext cx="8520600" cy="572700"/>
+            <a:off x="0" y="0"/>
+            <a:ext cx="9144000" cy="5143500"/>
           </a:xfrm>
           <a:prstGeom prst="rect">
             <a:avLst/>
           </a:prstGeom>
+          <a:noFill/>
+          <a:ln>
+            <a:noFill/>
+          </a:ln>
+        </p:spPr>
+      </p:pic>
+      <p:sp>
+        <p:nvSpPr>
+          <p:cNvPr id="131" name="Google Shape;131;p21"/>
+          <p:cNvSpPr/>
+          <p:nvPr/>
+        </p:nvSpPr>
+        <p:spPr>
+          <a:xfrm rot="-8793">
+            <a:off x="-7740" y="761713"/>
+            <a:ext cx="9148230" cy="414302"/>
+          </a:xfrm>
+          <a:prstGeom prst="rect">
+            <a:avLst/>
+          </a:prstGeom>
+          <a:noFill/>
+          <a:ln>
+            <a:noFill/>
+          </a:ln>
         </p:spPr>
         <p:txBody>
-          <a:bodyPr anchorCtr="0" anchor="t" bIns="91425" lIns="91425" spcFirstLastPara="1" rIns="91425" wrap="square" tIns="91425">
-            <a:normAutofit fontScale="90000"/>
+          <a:bodyPr anchorCtr="0" anchor="ctr" bIns="0" lIns="0" spcFirstLastPara="1" rIns="0" wrap="square" tIns="0">
+            <a:noAutofit/>
           </a:bodyPr>
           <a:lstStyle/>
           <a:p>
-            <a:pPr indent="0" lvl="0" marL="0" rtl="0" algn="l">
-              <a:spcBef>
-                <a:spcPts val="0"/>
-              </a:spcBef>
-              <a:spcAft>
-                <a:spcPts val="0"/>
-              </a:spcAft>
+            <a:pPr indent="0" lvl="0" marL="0" marR="0" rtl="0" algn="ctr">
+              <a:lnSpc>
+                <a:spcPct val="110975"/>
+              </a:lnSpc>
+              <a:spcBef>
+                <a:spcPts val="0"/>
+              </a:spcBef>
+              <a:spcAft>
+                <a:spcPts val="0"/>
+              </a:spcAft>
+              <a:buClr>
+                <a:srgbClr val="000000"/>
+              </a:buClr>
+              <a:buSzPts val="2779"/>
+              <a:buFont typeface="PT Sans"/>
               <a:buNone/>
             </a:pPr>
             <a:r>
-              <a:rPr lang="ru"/>
-              <a:t>Влияние ИИ на образование </a:t>
+              <a:rPr lang="ru" sz="2779">
+                <a:solidFill>
+                  <a:srgbClr val="000000"/>
+                </a:solidFill>
+                <a:latin typeface="PT Sans"/>
+                <a:ea typeface="PT Sans"/>
+                <a:cs typeface="PT Sans"/>
+                <a:sym typeface="PT Sans"/>
+              </a:rPr>
+              <a:t>Ключевые вызовы внедрения ИИ в образовании</a:t>
             </a:r>
-            <a:r>
-              <a:rPr lang="ru"/>
-              <a:t/>
-            </a:r>
-            <a:endParaRPr/>
+            <a:endParaRPr sz="2779">
+              <a:solidFill>
+                <a:schemeClr val="dk1"/>
+              </a:solidFill>
+              <a:latin typeface="Calibri"/>
+              <a:ea typeface="Calibri"/>
+              <a:cs typeface="Calibri"/>
+              <a:sym typeface="Calibri"/>
+            </a:endParaRPr>
           </a:p>
         </p:txBody>
       </p:sp>
       <p:sp>
         <p:nvSpPr>
-          <p:cNvPr id="105" name="Google Shape;105;p19"/>
-          <p:cNvSpPr txBox="1"/>
-          <p:nvPr>
-            <p:ph idx="1" type="body"/>
-          </p:nvPr>
+          <p:cNvPr id="132" name="Google Shape;132;p21"/>
+          <p:cNvSpPr/>
+          <p:nvPr/>
         </p:nvSpPr>
         <p:spPr>
           <a:xfrm>
-            <a:off x="311700" y="1446825"/>
-            <a:ext cx="2525100" cy="3320100"/>
+            <a:off x="428625" y="3005138"/>
+            <a:ext cx="2152650" cy="147638"/>
           </a:xfrm>
           <a:prstGeom prst="rect">
             <a:avLst/>
           </a:prstGeom>
-          <a:ln cap="flat" cmpd="sng" w="19050">
-            <a:solidFill>
-              <a:srgbClr val="000000"/>
-            </a:solidFill>
-            <a:prstDash val="solid"/>
-            <a:round/>
-            <a:headEnd len="sm" w="sm" type="none"/>
-            <a:tailEnd len="sm" w="sm" type="none"/>
+          <a:noFill/>
+          <a:ln>
+            <a:noFill/>
           </a:ln>
         </p:spPr>
         <p:txBody>
-          <a:bodyPr anchorCtr="0" anchor="t" bIns="91425" lIns="91425" spcFirstLastPara="1" rIns="91425" wrap="square" tIns="91425">
-            <a:normAutofit/>
+          <a:bodyPr anchorCtr="0" anchor="ctr" bIns="0" lIns="0" spcFirstLastPara="1" rIns="0" wrap="square" tIns="0">
+            <a:noAutofit/>
+          </a:bodyPr>
+          <a:lstStyle/>
+          <a:p>
+            <a:pPr indent="0" lvl="0" marL="0" marR="0" rtl="0" algn="l">
+              <a:lnSpc>
+                <a:spcPct val="103274"/>
+              </a:lnSpc>
+              <a:spcBef>
+                <a:spcPts val="0"/>
+              </a:spcBef>
+              <a:spcAft>
+                <a:spcPts val="0"/>
+              </a:spcAft>
+              <a:buClr>
+                <a:srgbClr val="000000"/>
+              </a:buClr>
+              <a:buSzPts val="1069"/>
+              <a:buFont typeface="Anonymous Pro"/>
+              <a:buNone/>
+            </a:pPr>
+            <a:r>
+              <a:rPr lang="ru" sz="1069">
+                <a:solidFill>
+                  <a:srgbClr val="000000"/>
+                </a:solidFill>
+                <a:latin typeface="Anonymous Pro"/>
+                <a:ea typeface="Anonymous Pro"/>
+                <a:cs typeface="Anonymous Pro"/>
+                <a:sym typeface="Anonymous Pro"/>
+              </a:rPr>
+              <a:t>Недостаток оборудования, нестабильный интернет и высокие затраты затрудняют масштабирование ИИ‑решений в школах.</a:t>
+            </a:r>
+            <a:endParaRPr sz="1069">
+              <a:solidFill>
+                <a:schemeClr val="dk1"/>
+              </a:solidFill>
+              <a:latin typeface="Calibri"/>
+              <a:ea typeface="Calibri"/>
+              <a:cs typeface="Calibri"/>
+              <a:sym typeface="Calibri"/>
+            </a:endParaRPr>
+          </a:p>
+        </p:txBody>
+      </p:sp>
+      <p:sp>
+        <p:nvSpPr>
+          <p:cNvPr id="133" name="Google Shape;133;p21"/>
+          <p:cNvSpPr/>
+          <p:nvPr/>
+        </p:nvSpPr>
+        <p:spPr>
+          <a:xfrm>
+            <a:off x="3495675" y="2643188"/>
+            <a:ext cx="2152650" cy="752475"/>
+          </a:xfrm>
+          <a:prstGeom prst="rect">
+            <a:avLst/>
+          </a:prstGeom>
+          <a:noFill/>
+          <a:ln>
+            <a:noFill/>
+          </a:ln>
+        </p:spPr>
+        <p:txBody>
+          <a:bodyPr anchorCtr="0" anchor="ctr" bIns="91425" lIns="91425" spcFirstLastPara="1" rIns="91425" wrap="square" tIns="91425">
+            <a:noAutofit/>
           </a:bodyPr>
           <a:lstStyle/>
           <a:p>
@@ -7576,27 +9851,6 @@
               </a:spcBef>
               <a:spcAft>
                 <a:spcPts val="0"/>
-              </a:spcAft>
-              <a:buClr>
-                <a:schemeClr val="dk1"/>
-              </a:buClr>
-              <a:buSzPts val="1100"/>
-              <a:buFont typeface="Arial"/>
-              <a:buNone/>
-            </a:pPr>
-            <a:r>
-              <a:rPr lang="ru" sz="1500"/>
-              <a:t>Персонализация обучения </a:t>
-            </a:r>
-            <a:endParaRPr sz="1500"/>
-          </a:p>
-          <a:p>
-            <a:pPr indent="0" lvl="0" marL="0" rtl="0" algn="l">
-              <a:spcBef>
-                <a:spcPts val="1200"/>
-              </a:spcBef>
-              <a:spcAft>
-                <a:spcPts val="1200"/>
               </a:spcAft>
               <a:buNone/>
             </a:pPr>
@@ -7609,28 +9863,153 @@
       </p:sp>
       <p:sp>
         <p:nvSpPr>
-          <p:cNvPr id="106" name="Google Shape;106;p19"/>
-          <p:cNvSpPr txBox="1"/>
-          <p:nvPr>
-            <p:ph idx="1" type="body"/>
-          </p:nvPr>
+          <p:cNvPr id="134" name="Google Shape;134;p21"/>
+          <p:cNvSpPr/>
+          <p:nvPr/>
         </p:nvSpPr>
         <p:spPr>
           <a:xfrm>
-            <a:off x="3054100" y="1446825"/>
-            <a:ext cx="2711100" cy="3320100"/>
+            <a:off x="3495675" y="3005138"/>
+            <a:ext cx="2152650" cy="147638"/>
           </a:xfrm>
           <a:prstGeom prst="rect">
             <a:avLst/>
           </a:prstGeom>
-          <a:ln cap="flat" cmpd="sng" w="19050">
-            <a:solidFill>
-              <a:srgbClr val="000000"/>
-            </a:solidFill>
-            <a:prstDash val="solid"/>
-            <a:round/>
-            <a:headEnd len="sm" w="sm" type="none"/>
-            <a:tailEnd len="sm" w="sm" type="none"/>
+          <a:noFill/>
+          <a:ln>
+            <a:noFill/>
+          </a:ln>
+        </p:spPr>
+        <p:txBody>
+          <a:bodyPr anchorCtr="0" anchor="ctr" bIns="0" lIns="0" spcFirstLastPara="1" rIns="0" wrap="square" tIns="0">
+            <a:noAutofit/>
+          </a:bodyPr>
+          <a:lstStyle/>
+          <a:p>
+            <a:pPr indent="0" lvl="0" marL="0" marR="0" rtl="0" algn="l">
+              <a:lnSpc>
+                <a:spcPct val="103274"/>
+              </a:lnSpc>
+              <a:spcBef>
+                <a:spcPts val="0"/>
+              </a:spcBef>
+              <a:spcAft>
+                <a:spcPts val="0"/>
+              </a:spcAft>
+              <a:buClr>
+                <a:srgbClr val="000000"/>
+              </a:buClr>
+              <a:buSzPts val="1069"/>
+              <a:buFont typeface="Anonymous Pro"/>
+              <a:buNone/>
+            </a:pPr>
+            <a:r>
+              <a:rPr lang="ru" sz="1069">
+                <a:solidFill>
+                  <a:srgbClr val="000000"/>
+                </a:solidFill>
+                <a:latin typeface="Anonymous Pro"/>
+                <a:ea typeface="Anonymous Pro"/>
+                <a:cs typeface="Anonymous Pro"/>
+                <a:sym typeface="Anonymous Pro"/>
+              </a:rPr>
+              <a:t>Учителям требуется специализированное обучение для работы с адаптивными системами, иначе эффективность технологий снижается.</a:t>
+            </a:r>
+            <a:endParaRPr sz="1069">
+              <a:solidFill>
+                <a:schemeClr val="dk1"/>
+              </a:solidFill>
+              <a:latin typeface="Calibri"/>
+              <a:ea typeface="Calibri"/>
+              <a:cs typeface="Calibri"/>
+              <a:sym typeface="Calibri"/>
+            </a:endParaRPr>
+          </a:p>
+        </p:txBody>
+      </p:sp>
+      <p:sp>
+        <p:nvSpPr>
+          <p:cNvPr id="135" name="Google Shape;135;p21"/>
+          <p:cNvSpPr/>
+          <p:nvPr/>
+        </p:nvSpPr>
+        <p:spPr>
+          <a:xfrm>
+            <a:off x="6562725" y="3005138"/>
+            <a:ext cx="2152650" cy="147638"/>
+          </a:xfrm>
+          <a:prstGeom prst="rect">
+            <a:avLst/>
+          </a:prstGeom>
+          <a:noFill/>
+          <a:ln>
+            <a:noFill/>
+          </a:ln>
+        </p:spPr>
+        <p:txBody>
+          <a:bodyPr anchorCtr="0" anchor="ctr" bIns="0" lIns="0" spcFirstLastPara="1" rIns="0" wrap="square" tIns="0">
+            <a:noAutofit/>
+          </a:bodyPr>
+          <a:lstStyle/>
+          <a:p>
+            <a:pPr indent="0" lvl="0" marL="0" marR="0" rtl="0" algn="l">
+              <a:lnSpc>
+                <a:spcPct val="103274"/>
+              </a:lnSpc>
+              <a:spcBef>
+                <a:spcPts val="0"/>
+              </a:spcBef>
+              <a:spcAft>
+                <a:spcPts val="0"/>
+              </a:spcAft>
+              <a:buClr>
+                <a:srgbClr val="000000"/>
+              </a:buClr>
+              <a:buSzPts val="1069"/>
+              <a:buFont typeface="Anonymous Pro"/>
+              <a:buNone/>
+            </a:pPr>
+            <a:r>
+              <a:rPr lang="ru" sz="1069">
+                <a:solidFill>
+                  <a:srgbClr val="000000"/>
+                </a:solidFill>
+                <a:latin typeface="Anonymous Pro"/>
+                <a:ea typeface="Anonymous Pro"/>
+                <a:cs typeface="Anonymous Pro"/>
+                <a:sym typeface="Anonymous Pro"/>
+              </a:rPr>
+              <a:t>Сбор и обработка персональных данных учащихся вызывают риски нарушения конфиденциальности и требуют строгих регламентов.</a:t>
+            </a:r>
+            <a:endParaRPr sz="1069">
+              <a:solidFill>
+                <a:schemeClr val="dk1"/>
+              </a:solidFill>
+              <a:latin typeface="Calibri"/>
+              <a:ea typeface="Calibri"/>
+              <a:cs typeface="Calibri"/>
+              <a:sym typeface="Calibri"/>
+            </a:endParaRPr>
+          </a:p>
+        </p:txBody>
+      </p:sp>
+      <p:sp>
+        <p:nvSpPr>
+          <p:cNvPr id="136" name="Google Shape;136;p21"/>
+          <p:cNvSpPr txBox="1"/>
+          <p:nvPr/>
+        </p:nvSpPr>
+        <p:spPr>
+          <a:xfrm>
+            <a:off x="343550" y="2554175"/>
+            <a:ext cx="2152500" cy="387600"/>
+          </a:xfrm>
+          <a:prstGeom prst="rect">
+            <a:avLst/>
+          </a:prstGeom>
+          <a:noFill/>
+          <a:ln>
+            <a:noFill/>
           </a:ln>
         </p:spPr>
         <p:txBody>
@@ -7640,57 +10019,28 @@
           <a:lstStyle/>
           <a:p>
             <a:pPr indent="0" lvl="0" marL="0" rtl="0" algn="l">
-              <a:spcBef>
-                <a:spcPts val="0"/>
-              </a:spcBef>
-              <a:spcAft>
-                <a:spcPts val="0"/>
-              </a:spcAft>
-              <a:buClr>
-                <a:schemeClr val="dk1"/>
-              </a:buClr>
-              <a:buSzPts val="1100"/>
-              <a:buFont typeface="Arial"/>
+              <a:lnSpc>
+                <a:spcPct val="120030"/>
+              </a:lnSpc>
+              <a:spcBef>
+                <a:spcPts val="0"/>
+              </a:spcBef>
+              <a:spcAft>
+                <a:spcPts val="0"/>
+              </a:spcAft>
               <a:buNone/>
             </a:pPr>
             <a:r>
-              <a:rPr lang="ru" sz="1500"/>
-              <a:t>Автоматизированная оценка </a:t>
-            </a:r>
-            <a:endParaRPr sz="1500"/>
-          </a:p>
-          <a:p>
-            <a:pPr indent="0" lvl="0" marL="0" rtl="0" algn="l">
-              <a:spcBef>
-                <a:spcPts val="1200"/>
-              </a:spcBef>
-              <a:spcAft>
-                <a:spcPts val="0"/>
-              </a:spcAft>
-              <a:buClr>
-                <a:schemeClr val="dk1"/>
-              </a:buClr>
-              <a:buSzPts val="1100"/>
-              <a:buFont typeface="Arial"/>
-              <a:buNone/>
-            </a:pPr>
-            <a:r>
-              <a:t/>
-            </a:r>
-            <a:endParaRPr/>
-          </a:p>
-          <a:p>
-            <a:pPr indent="0" lvl="0" marL="0" rtl="0" algn="l">
-              <a:spcBef>
-                <a:spcPts val="1200"/>
-              </a:spcBef>
-              <a:spcAft>
-                <a:spcPts val="1200"/>
-              </a:spcAft>
-              <a:buNone/>
-            </a:pPr>
-            <a:r>
-              <a:t/>
+              <a:rPr lang="ru" sz="1318">
+                <a:solidFill>
+                  <a:schemeClr val="dk1"/>
+                </a:solidFill>
+                <a:latin typeface="PT Sans"/>
+                <a:ea typeface="PT Sans"/>
+                <a:cs typeface="PT Sans"/>
+                <a:sym typeface="PT Sans"/>
+              </a:rPr>
+              <a:t>Техническая инфраструктура </a:t>
             </a:r>
             <a:endParaRPr/>
           </a:p>
@@ -7698,28 +10048,21 @@
       </p:sp>
       <p:sp>
         <p:nvSpPr>
-          <p:cNvPr id="107" name="Google Shape;107;p19"/>
+          <p:cNvPr id="137" name="Google Shape;137;p21"/>
           <p:cNvSpPr txBox="1"/>
-          <p:nvPr>
-            <p:ph idx="1" type="body"/>
-          </p:nvPr>
+          <p:nvPr/>
         </p:nvSpPr>
         <p:spPr>
           <a:xfrm>
-            <a:off x="5982400" y="1446825"/>
-            <a:ext cx="2711100" cy="3320100"/>
+            <a:off x="3414413" y="2554175"/>
+            <a:ext cx="2152500" cy="387600"/>
           </a:xfrm>
           <a:prstGeom prst="rect">
             <a:avLst/>
           </a:prstGeom>
-          <a:ln cap="flat" cmpd="sng" w="19050">
-            <a:solidFill>
-              <a:srgbClr val="000000"/>
-            </a:solidFill>
-            <a:prstDash val="solid"/>
-            <a:round/>
-            <a:headEnd len="sm" w="sm" type="none"/>
-            <a:tailEnd len="sm" w="sm" type="none"/>
+          <a:noFill/>
+          <a:ln>
+            <a:noFill/>
           </a:ln>
         </p:spPr>
         <p:txBody>
@@ -7729,58 +10072,28 @@
           <a:lstStyle/>
           <a:p>
             <a:pPr indent="0" lvl="0" marL="0" rtl="0" algn="l">
-              <a:spcBef>
-                <a:spcPts val="0"/>
-              </a:spcBef>
-              <a:spcAft>
-                <a:spcPts val="0"/>
-              </a:spcAft>
-              <a:buClr>
-                <a:schemeClr val="dk1"/>
-              </a:buClr>
-              <a:buSzPts val="1100"/>
-              <a:buFont typeface="Arial"/>
+              <a:lnSpc>
+                <a:spcPct val="120030"/>
+              </a:lnSpc>
+              <a:spcBef>
+                <a:spcPts val="0"/>
+              </a:spcBef>
+              <a:spcAft>
+                <a:spcPts val="0"/>
+              </a:spcAft>
               <a:buNone/>
             </a:pPr>
             <a:r>
-              <a:rPr lang="ru" sz="1500"/>
-              <a:t>Расширенный доступ к знаниям </a:t>
-            </a:r>
-            <a:endParaRPr sz="1500"/>
-          </a:p>
-          <a:p>
-            <a:pPr indent="0" lvl="0" marL="0" rtl="0" algn="l">
-              <a:spcBef>
-                <a:spcPts val="1200"/>
-              </a:spcBef>
-              <a:spcAft>
-                <a:spcPts val="0"/>
-              </a:spcAft>
-              <a:buClr>
-                <a:schemeClr val="dk1"/>
-              </a:buClr>
-              <a:buSzPts val="1100"/>
-              <a:buFont typeface="Arial"/>
-              <a:buNone/>
-            </a:pPr>
-            <a:r>
-              <a:t/>
-            </a:r>
-            <a:endParaRPr/>
-          </a:p>
-          <a:p>
-            <a:pPr indent="0" lvl="0" marL="0" rtl="0" algn="l">
-              <a:spcBef>
-                <a:spcPts val="1200"/>
-              </a:spcBef>
-              <a:spcAft>
-                <a:spcPts val="1200"/>
-              </a:spcAft>
-              <a:buNone/>
-            </a:pPr>
-            <a:r>
-              <a:rPr lang="ru"/>
-              <a:t> </a:t>
+              <a:rPr lang="ru" sz="1318">
+                <a:solidFill>
+                  <a:schemeClr val="dk1"/>
+                </a:solidFill>
+                <a:latin typeface="PT Sans"/>
+                <a:ea typeface="PT Sans"/>
+                <a:cs typeface="PT Sans"/>
+                <a:sym typeface="PT Sans"/>
+              </a:rPr>
+              <a:t>Подготовка педагогов </a:t>
             </a:r>
             <a:endParaRPr/>
           </a:p>
@@ -7788,14 +10101,14 @@
       </p:sp>
       <p:sp>
         <p:nvSpPr>
-          <p:cNvPr id="108" name="Google Shape;108;p19"/>
+          <p:cNvPr id="138" name="Google Shape;138;p21"/>
           <p:cNvSpPr txBox="1"/>
           <p:nvPr/>
         </p:nvSpPr>
         <p:spPr>
           <a:xfrm>
-            <a:off x="418925" y="2156250"/>
-            <a:ext cx="3000000" cy="415500"/>
+            <a:off x="6485300" y="2554175"/>
+            <a:ext cx="2152500" cy="387600"/>
           </a:xfrm>
           <a:prstGeom prst="rect">
             <a:avLst/>
@@ -7807,127 +10120,33 @@
         </p:spPr>
         <p:txBody>
           <a:bodyPr anchorCtr="0" anchor="t" bIns="91425" lIns="91425" spcFirstLastPara="1" rIns="91425" wrap="square" tIns="91425">
-            <a:spAutoFit/>
+            <a:normAutofit/>
           </a:bodyPr>
           <a:lstStyle/>
           <a:p>
             <a:pPr indent="0" lvl="0" marL="0" rtl="0" algn="l">
               <a:lnSpc>
-                <a:spcPct val="115000"/>
+                <a:spcPct val="120030"/>
               </a:lnSpc>
               <a:spcBef>
                 <a:spcPts val="0"/>
               </a:spcBef>
               <a:spcAft>
-                <a:spcPts val="1200"/>
+                <a:spcPts val="0"/>
               </a:spcAft>
               <a:buNone/>
             </a:pPr>
             <a:r>
-              <a:rPr lang="ru" sz="1500">
+              <a:rPr lang="ru" sz="1318">
                 <a:solidFill>
-                  <a:schemeClr val="dk2"/>
+                  <a:schemeClr val="dk1"/>
                 </a:solidFill>
+                <a:latin typeface="PT Sans"/>
+                <a:ea typeface="PT Sans"/>
+                <a:cs typeface="PT Sans"/>
+                <a:sym typeface="PT Sans"/>
               </a:rPr>
-              <a:t>ИИ адаптирует материалы под уровень и стиль каждого ученика, повышая эффективность обучения. </a:t>
-            </a:r>
-            <a:endParaRPr/>
-          </a:p>
-        </p:txBody>
-      </p:sp>
-      <p:sp>
-        <p:nvSpPr>
-          <p:cNvPr id="109" name="Google Shape;109;p19"/>
-          <p:cNvSpPr txBox="1"/>
-          <p:nvPr/>
-        </p:nvSpPr>
-        <p:spPr>
-          <a:xfrm>
-            <a:off x="3215125" y="2114150"/>
-            <a:ext cx="2096700" cy="415500"/>
-          </a:xfrm>
-          <a:prstGeom prst="rect">
-            <a:avLst/>
-          </a:prstGeom>
-          <a:noFill/>
-          <a:ln>
-            <a:noFill/>
-          </a:ln>
-        </p:spPr>
-        <p:txBody>
-          <a:bodyPr anchorCtr="0" anchor="t" bIns="91425" lIns="91425" spcFirstLastPara="1" rIns="91425" wrap="square" tIns="91425">
-            <a:spAutoFit/>
-          </a:bodyPr>
-          <a:lstStyle/>
-          <a:p>
-            <a:pPr indent="0" lvl="0" marL="0" rtl="0" algn="l">
-              <a:lnSpc>
-                <a:spcPct val="115000"/>
-              </a:lnSpc>
-              <a:spcBef>
-                <a:spcPts val="0"/>
-              </a:spcBef>
-              <a:spcAft>
-                <a:spcPts val="1200"/>
-              </a:spcAft>
-              <a:buNone/>
-            </a:pPr>
-            <a:r>
-              <a:rPr lang="ru" sz="1500">
-                <a:solidFill>
-                  <a:schemeClr val="dk2"/>
-                </a:solidFill>
-              </a:rPr>
-              <a:t>Системы ИИ автоматически проверяют задания и дают мгновенную обратную связь, освобождая время преподавателей. </a:t>
-            </a:r>
-            <a:endParaRPr/>
-          </a:p>
-        </p:txBody>
-      </p:sp>
-      <p:sp>
-        <p:nvSpPr>
-          <p:cNvPr id="110" name="Google Shape;110;p19"/>
-          <p:cNvSpPr txBox="1"/>
-          <p:nvPr/>
-        </p:nvSpPr>
-        <p:spPr>
-          <a:xfrm>
-            <a:off x="6184200" y="2072050"/>
-            <a:ext cx="2096700" cy="415500"/>
-          </a:xfrm>
-          <a:prstGeom prst="rect">
-            <a:avLst/>
-          </a:prstGeom>
-          <a:noFill/>
-          <a:ln>
-            <a:noFill/>
-          </a:ln>
-        </p:spPr>
-        <p:txBody>
-          <a:bodyPr anchorCtr="0" anchor="t" bIns="91425" lIns="91425" spcFirstLastPara="1" rIns="91425" wrap="square" tIns="91425">
-            <a:spAutoFit/>
-          </a:bodyPr>
-          <a:lstStyle/>
-          <a:p>
-            <a:pPr indent="0" lvl="0" marL="0" rtl="0" algn="l">
-              <a:lnSpc>
-                <a:spcPct val="115000"/>
-              </a:lnSpc>
-              <a:spcBef>
-                <a:spcPts val="0"/>
-              </a:spcBef>
-              <a:spcAft>
-                <a:spcPts val="1200"/>
-              </a:spcAft>
-              <a:buNone/>
-            </a:pPr>
-            <a:r>
-              <a:rPr lang="ru" sz="1500">
-                <a:solidFill>
-                  <a:schemeClr val="dk2"/>
-                </a:solidFill>
-              </a:rPr>
-              <a:t>Онлайн‑платформы с ИИ позволяют учиться в любой точке мира, устраняя географические и финансовые барьеры. </a:t>
+              <a:t>Этика и безопасность </a:t>
             </a:r>
             <a:endParaRPr/>
           </a:p>
@@ -7944,9 +10163,16 @@
 <file path=ppt/slides/slide6.xml><?xml version="1.0" encoding="utf-8"?>
 <p:sld xmlns:a="http://schemas.openxmlformats.org/drawingml/2006/main" xmlns:r="http://schemas.openxmlformats.org/officeDocument/2006/relationships" xmlns:mc="http://schemas.openxmlformats.org/markup-compatibility/2006" xmlns:mv="urn:schemas-microsoft-com:mac:vml" xmlns:p="http://schemas.openxmlformats.org/presentationml/2006/main" xmlns:c="http://schemas.openxmlformats.org/drawingml/2006/chart" xmlns:dgm="http://schemas.openxmlformats.org/drawingml/2006/diagram" xmlns:o="urn:schemas-microsoft-com:office:office" xmlns:v="urn:schemas-microsoft-com:vml" xmlns:pvml="urn:schemas-microsoft-com:office:powerpoint" xmlns:com="http://schemas.openxmlformats.org/drawingml/2006/compatibility" xmlns:p14="http://schemas.microsoft.com/office/powerpoint/2010/main" xmlns:p15="http://schemas.microsoft.com/office/powerpoint/2012/main" xmlns:ahyp="http://schemas.microsoft.com/office/drawing/2018/hyperlinkcolor">
   <p:cSld>
+    <p:bg>
+      <p:bgPr>
+        <a:solidFill>
+          <a:srgbClr val="E2E5EC"/>
+        </a:solidFill>
+      </p:bgPr>
+    </p:bg>
     <p:spTree>
       <p:nvGrpSpPr>
-        <p:cNvPr id="89" name="Shape 89"/>
+        <p:cNvPr id="64" name="Shape 64"/>
         <p:cNvGrpSpPr/>
         <p:nvPr/>
       </p:nvGrpSpPr>
@@ -7958,30 +10184,524 @@
           <a:chExt cx="0" cy="0"/>
         </a:xfrm>
       </p:grpSpPr>
-      <p:sp>
-        <p:nvSpPr>
-          <p:cNvPr id="90" name="Google Shape;90;p17"/>
-          <p:cNvSpPr txBox="1"/>
-          <p:nvPr>
-            <p:ph type="title"/>
-          </p:nvPr>
-        </p:nvSpPr>
+      <p:pic>
+        <p:nvPicPr>
+          <p:cNvPr descr="preencoded.png" id="65" name="Google Shape;65;p16"/>
+          <p:cNvPicPr preferRelativeResize="0"/>
+          <p:nvPr/>
+        </p:nvPicPr>
+        <p:blipFill rotWithShape="1">
+          <a:blip r:embed="rId3">
+            <a:alphaModFix/>
+          </a:blip>
+          <a:srcRect b="735" l="0" r="51" t="0"/>
+          <a:stretch/>
+        </p:blipFill>
         <p:spPr>
           <a:xfrm>
-            <a:off x="-1373950" y="164075"/>
-            <a:ext cx="6425700" cy="572700"/>
+            <a:off x="0" y="0"/>
+            <a:ext cx="9143998" cy="5143501"/>
           </a:xfrm>
           <a:prstGeom prst="rect">
             <a:avLst/>
           </a:prstGeom>
+          <a:noFill/>
+          <a:ln>
+            <a:noFill/>
+          </a:ln>
+        </p:spPr>
+      </p:pic>
+      <p:sp>
+        <p:nvSpPr>
+          <p:cNvPr id="66" name="Google Shape;66;p16"/>
+          <p:cNvSpPr/>
+          <p:nvPr/>
+        </p:nvSpPr>
+        <p:spPr>
+          <a:xfrm rot="-8938">
+            <a:off x="1185" y="516041"/>
+            <a:ext cx="9115831" cy="948603"/>
+          </a:xfrm>
+          <a:prstGeom prst="rect">
+            <a:avLst/>
+          </a:prstGeom>
+          <a:noFill/>
+          <a:ln>
+            <a:noFill/>
+          </a:ln>
         </p:spPr>
         <p:txBody>
-          <a:bodyPr anchorCtr="0" anchor="t" bIns="91425" lIns="91425" spcFirstLastPara="1" rIns="91425" wrap="square" tIns="91425">
-            <a:normAutofit fontScale="90000"/>
+          <a:bodyPr anchorCtr="0" anchor="ctr" bIns="0" lIns="0" spcFirstLastPara="1" rIns="0" wrap="square" tIns="0">
+            <a:noAutofit/>
           </a:bodyPr>
           <a:lstStyle/>
           <a:p>
-            <a:pPr indent="0" lvl="0" marL="0" rtl="0" algn="ctr">
+            <a:pPr indent="0" lvl="0" marL="0" marR="0" rtl="0" algn="ctr">
+              <a:lnSpc>
+                <a:spcPct val="110975"/>
+              </a:lnSpc>
+              <a:spcBef>
+                <a:spcPts val="0"/>
+              </a:spcBef>
+              <a:spcAft>
+                <a:spcPts val="0"/>
+              </a:spcAft>
+              <a:buClr>
+                <a:srgbClr val="000000"/>
+              </a:buClr>
+              <a:buSzPts val="2779"/>
+              <a:buFont typeface="PT Sans"/>
+              <a:buNone/>
+            </a:pPr>
+            <a:r>
+              <a:rPr lang="ru" sz="2779">
+                <a:solidFill>
+                  <a:srgbClr val="000000"/>
+                </a:solidFill>
+                <a:latin typeface="PT Sans"/>
+                <a:ea typeface="PT Sans"/>
+                <a:cs typeface="PT Sans"/>
+                <a:sym typeface="PT Sans"/>
+              </a:rPr>
+              <a:t>Шесть рекомендаций по внедрению ИИ в образование</a:t>
+            </a:r>
+            <a:endParaRPr sz="2779">
+              <a:solidFill>
+                <a:schemeClr val="dk1"/>
+              </a:solidFill>
+              <a:latin typeface="Calibri"/>
+              <a:ea typeface="Calibri"/>
+              <a:cs typeface="Calibri"/>
+              <a:sym typeface="Calibri"/>
+            </a:endParaRPr>
+          </a:p>
+        </p:txBody>
+      </p:sp>
+      <p:sp>
+        <p:nvSpPr>
+          <p:cNvPr id="67" name="Google Shape;67;p16"/>
+          <p:cNvSpPr/>
+          <p:nvPr/>
+        </p:nvSpPr>
+        <p:spPr>
+          <a:xfrm>
+            <a:off x="576263" y="2124075"/>
+            <a:ext cx="2152650" cy="209550"/>
+          </a:xfrm>
+          <a:prstGeom prst="rect">
+            <a:avLst/>
+          </a:prstGeom>
+          <a:noFill/>
+          <a:ln>
+            <a:noFill/>
+          </a:ln>
+        </p:spPr>
+        <p:txBody>
+          <a:bodyPr anchorCtr="0" anchor="ctr" bIns="0" lIns="0" spcFirstLastPara="1" rIns="0" wrap="square" tIns="0">
+            <a:noAutofit/>
+          </a:bodyPr>
+          <a:lstStyle/>
+          <a:p>
+            <a:pPr indent="0" lvl="0" marL="0" marR="0" rtl="0" algn="l">
+              <a:lnSpc>
+                <a:spcPct val="120030"/>
+              </a:lnSpc>
+              <a:spcBef>
+                <a:spcPts val="0"/>
+              </a:spcBef>
+              <a:spcAft>
+                <a:spcPts val="0"/>
+              </a:spcAft>
+              <a:buClr>
+                <a:srgbClr val="000000"/>
+              </a:buClr>
+              <a:buSzPts val="1318"/>
+              <a:buFont typeface="PT Sans"/>
+              <a:buNone/>
+            </a:pPr>
+            <a:r>
+              <a:rPr lang="ru" sz="1318">
+                <a:solidFill>
+                  <a:srgbClr val="000000"/>
+                </a:solidFill>
+                <a:latin typeface="PT Sans"/>
+                <a:ea typeface="PT Sans"/>
+                <a:cs typeface="PT Sans"/>
+                <a:sym typeface="PT Sans"/>
+              </a:rPr>
+              <a:t>1</a:t>
+            </a:r>
+            <a:endParaRPr sz="1318">
+              <a:solidFill>
+                <a:schemeClr val="dk1"/>
+              </a:solidFill>
+              <a:latin typeface="Calibri"/>
+              <a:ea typeface="Calibri"/>
+              <a:cs typeface="Calibri"/>
+              <a:sym typeface="Calibri"/>
+            </a:endParaRPr>
+          </a:p>
+        </p:txBody>
+      </p:sp>
+      <p:sp>
+        <p:nvSpPr>
+          <p:cNvPr id="68" name="Google Shape;68;p16"/>
+          <p:cNvSpPr/>
+          <p:nvPr/>
+        </p:nvSpPr>
+        <p:spPr>
+          <a:xfrm>
+            <a:off x="3643313" y="2124075"/>
+            <a:ext cx="2152650" cy="209550"/>
+          </a:xfrm>
+          <a:prstGeom prst="rect">
+            <a:avLst/>
+          </a:prstGeom>
+          <a:noFill/>
+          <a:ln>
+            <a:noFill/>
+          </a:ln>
+        </p:spPr>
+        <p:txBody>
+          <a:bodyPr anchorCtr="0" anchor="ctr" bIns="0" lIns="0" spcFirstLastPara="1" rIns="0" wrap="square" tIns="0">
+            <a:noAutofit/>
+          </a:bodyPr>
+          <a:lstStyle/>
+          <a:p>
+            <a:pPr indent="0" lvl="0" marL="0" marR="0" rtl="0" algn="l">
+              <a:lnSpc>
+                <a:spcPct val="120030"/>
+              </a:lnSpc>
+              <a:spcBef>
+                <a:spcPts val="0"/>
+              </a:spcBef>
+              <a:spcAft>
+                <a:spcPts val="0"/>
+              </a:spcAft>
+              <a:buClr>
+                <a:srgbClr val="000000"/>
+              </a:buClr>
+              <a:buSzPts val="1318"/>
+              <a:buFont typeface="PT Sans"/>
+              <a:buNone/>
+            </a:pPr>
+            <a:r>
+              <a:rPr lang="ru" sz="1318">
+                <a:solidFill>
+                  <a:srgbClr val="000000"/>
+                </a:solidFill>
+                <a:latin typeface="PT Sans"/>
+                <a:ea typeface="PT Sans"/>
+                <a:cs typeface="PT Sans"/>
+                <a:sym typeface="PT Sans"/>
+              </a:rPr>
+              <a:t>2</a:t>
+            </a:r>
+            <a:endParaRPr sz="1318">
+              <a:solidFill>
+                <a:schemeClr val="dk1"/>
+              </a:solidFill>
+              <a:latin typeface="Calibri"/>
+              <a:ea typeface="Calibri"/>
+              <a:cs typeface="Calibri"/>
+              <a:sym typeface="Calibri"/>
+            </a:endParaRPr>
+          </a:p>
+        </p:txBody>
+      </p:sp>
+      <p:sp>
+        <p:nvSpPr>
+          <p:cNvPr id="69" name="Google Shape;69;p16"/>
+          <p:cNvSpPr/>
+          <p:nvPr/>
+        </p:nvSpPr>
+        <p:spPr>
+          <a:xfrm>
+            <a:off x="6710363" y="2124075"/>
+            <a:ext cx="2152650" cy="209550"/>
+          </a:xfrm>
+          <a:prstGeom prst="rect">
+            <a:avLst/>
+          </a:prstGeom>
+          <a:noFill/>
+          <a:ln>
+            <a:noFill/>
+          </a:ln>
+        </p:spPr>
+        <p:txBody>
+          <a:bodyPr anchorCtr="0" anchor="ctr" bIns="0" lIns="0" spcFirstLastPara="1" rIns="0" wrap="square" tIns="0">
+            <a:noAutofit/>
+          </a:bodyPr>
+          <a:lstStyle/>
+          <a:p>
+            <a:pPr indent="0" lvl="0" marL="0" marR="0" rtl="0" algn="l">
+              <a:lnSpc>
+                <a:spcPct val="120030"/>
+              </a:lnSpc>
+              <a:spcBef>
+                <a:spcPts val="0"/>
+              </a:spcBef>
+              <a:spcAft>
+                <a:spcPts val="0"/>
+              </a:spcAft>
+              <a:buClr>
+                <a:srgbClr val="000000"/>
+              </a:buClr>
+              <a:buSzPts val="1318"/>
+              <a:buFont typeface="PT Sans"/>
+              <a:buNone/>
+            </a:pPr>
+            <a:r>
+              <a:rPr lang="ru" sz="1318">
+                <a:solidFill>
+                  <a:srgbClr val="000000"/>
+                </a:solidFill>
+                <a:latin typeface="PT Sans"/>
+                <a:ea typeface="PT Sans"/>
+                <a:cs typeface="PT Sans"/>
+                <a:sym typeface="PT Sans"/>
+              </a:rPr>
+              <a:t>3</a:t>
+            </a:r>
+            <a:endParaRPr sz="1318">
+              <a:solidFill>
+                <a:schemeClr val="dk1"/>
+              </a:solidFill>
+              <a:latin typeface="Calibri"/>
+              <a:ea typeface="Calibri"/>
+              <a:cs typeface="Calibri"/>
+              <a:sym typeface="Calibri"/>
+            </a:endParaRPr>
+          </a:p>
+        </p:txBody>
+      </p:sp>
+      <p:sp>
+        <p:nvSpPr>
+          <p:cNvPr id="70" name="Google Shape;70;p16"/>
+          <p:cNvSpPr/>
+          <p:nvPr/>
+        </p:nvSpPr>
+        <p:spPr>
+          <a:xfrm>
+            <a:off x="576263" y="3557588"/>
+            <a:ext cx="2152650" cy="209550"/>
+          </a:xfrm>
+          <a:prstGeom prst="rect">
+            <a:avLst/>
+          </a:prstGeom>
+          <a:noFill/>
+          <a:ln>
+            <a:noFill/>
+          </a:ln>
+        </p:spPr>
+        <p:txBody>
+          <a:bodyPr anchorCtr="0" anchor="ctr" bIns="0" lIns="0" spcFirstLastPara="1" rIns="0" wrap="square" tIns="0">
+            <a:noAutofit/>
+          </a:bodyPr>
+          <a:lstStyle/>
+          <a:p>
+            <a:pPr indent="0" lvl="0" marL="0" marR="0" rtl="0" algn="l">
+              <a:lnSpc>
+                <a:spcPct val="120030"/>
+              </a:lnSpc>
+              <a:spcBef>
+                <a:spcPts val="0"/>
+              </a:spcBef>
+              <a:spcAft>
+                <a:spcPts val="0"/>
+              </a:spcAft>
+              <a:buClr>
+                <a:srgbClr val="000000"/>
+              </a:buClr>
+              <a:buSzPts val="1318"/>
+              <a:buFont typeface="PT Sans"/>
+              <a:buNone/>
+            </a:pPr>
+            <a:r>
+              <a:rPr lang="ru" sz="1318">
+                <a:solidFill>
+                  <a:srgbClr val="000000"/>
+                </a:solidFill>
+                <a:latin typeface="PT Sans"/>
+                <a:ea typeface="PT Sans"/>
+                <a:cs typeface="PT Sans"/>
+                <a:sym typeface="PT Sans"/>
+              </a:rPr>
+              <a:t>4</a:t>
+            </a:r>
+            <a:endParaRPr sz="1318">
+              <a:solidFill>
+                <a:schemeClr val="dk1"/>
+              </a:solidFill>
+              <a:latin typeface="Calibri"/>
+              <a:ea typeface="Calibri"/>
+              <a:cs typeface="Calibri"/>
+              <a:sym typeface="Calibri"/>
+            </a:endParaRPr>
+          </a:p>
+        </p:txBody>
+      </p:sp>
+      <p:sp>
+        <p:nvSpPr>
+          <p:cNvPr id="71" name="Google Shape;71;p16"/>
+          <p:cNvSpPr/>
+          <p:nvPr/>
+        </p:nvSpPr>
+        <p:spPr>
+          <a:xfrm>
+            <a:off x="3643313" y="3557588"/>
+            <a:ext cx="2152650" cy="209550"/>
+          </a:xfrm>
+          <a:prstGeom prst="rect">
+            <a:avLst/>
+          </a:prstGeom>
+          <a:noFill/>
+          <a:ln>
+            <a:noFill/>
+          </a:ln>
+        </p:spPr>
+        <p:txBody>
+          <a:bodyPr anchorCtr="0" anchor="ctr" bIns="0" lIns="0" spcFirstLastPara="1" rIns="0" wrap="square" tIns="0">
+            <a:noAutofit/>
+          </a:bodyPr>
+          <a:lstStyle/>
+          <a:p>
+            <a:pPr indent="0" lvl="0" marL="0" marR="0" rtl="0" algn="l">
+              <a:lnSpc>
+                <a:spcPct val="120030"/>
+              </a:lnSpc>
+              <a:spcBef>
+                <a:spcPts val="0"/>
+              </a:spcBef>
+              <a:spcAft>
+                <a:spcPts val="0"/>
+              </a:spcAft>
+              <a:buClr>
+                <a:srgbClr val="000000"/>
+              </a:buClr>
+              <a:buSzPts val="1318"/>
+              <a:buFont typeface="PT Sans"/>
+              <a:buNone/>
+            </a:pPr>
+            <a:r>
+              <a:rPr lang="ru" sz="1318">
+                <a:solidFill>
+                  <a:srgbClr val="000000"/>
+                </a:solidFill>
+                <a:latin typeface="PT Sans"/>
+                <a:ea typeface="PT Sans"/>
+                <a:cs typeface="PT Sans"/>
+                <a:sym typeface="PT Sans"/>
+              </a:rPr>
+              <a:t>5</a:t>
+            </a:r>
+            <a:endParaRPr sz="1318">
+              <a:solidFill>
+                <a:schemeClr val="dk1"/>
+              </a:solidFill>
+              <a:latin typeface="Calibri"/>
+              <a:ea typeface="Calibri"/>
+              <a:cs typeface="Calibri"/>
+              <a:sym typeface="Calibri"/>
+            </a:endParaRPr>
+          </a:p>
+        </p:txBody>
+      </p:sp>
+      <p:sp>
+        <p:nvSpPr>
+          <p:cNvPr id="72" name="Google Shape;72;p16"/>
+          <p:cNvSpPr/>
+          <p:nvPr/>
+        </p:nvSpPr>
+        <p:spPr>
+          <a:xfrm>
+            <a:off x="6710363" y="3557588"/>
+            <a:ext cx="2152650" cy="209550"/>
+          </a:xfrm>
+          <a:prstGeom prst="rect">
+            <a:avLst/>
+          </a:prstGeom>
+          <a:noFill/>
+          <a:ln>
+            <a:noFill/>
+          </a:ln>
+        </p:spPr>
+        <p:txBody>
+          <a:bodyPr anchorCtr="0" anchor="ctr" bIns="0" lIns="0" spcFirstLastPara="1" rIns="0" wrap="square" tIns="0">
+            <a:noAutofit/>
+          </a:bodyPr>
+          <a:lstStyle/>
+          <a:p>
+            <a:pPr indent="0" lvl="0" marL="0" marR="0" rtl="0" algn="l">
+              <a:lnSpc>
+                <a:spcPct val="120030"/>
+              </a:lnSpc>
+              <a:spcBef>
+                <a:spcPts val="0"/>
+              </a:spcBef>
+              <a:spcAft>
+                <a:spcPts val="0"/>
+              </a:spcAft>
+              <a:buClr>
+                <a:srgbClr val="000000"/>
+              </a:buClr>
+              <a:buSzPts val="1318"/>
+              <a:buFont typeface="PT Sans"/>
+              <a:buNone/>
+            </a:pPr>
+            <a:r>
+              <a:rPr lang="ru" sz="1318">
+                <a:solidFill>
+                  <a:srgbClr val="000000"/>
+                </a:solidFill>
+                <a:latin typeface="PT Sans"/>
+                <a:ea typeface="PT Sans"/>
+                <a:cs typeface="PT Sans"/>
+                <a:sym typeface="PT Sans"/>
+              </a:rPr>
+              <a:t>6</a:t>
+            </a:r>
+            <a:endParaRPr sz="1318">
+              <a:solidFill>
+                <a:schemeClr val="dk1"/>
+              </a:solidFill>
+              <a:latin typeface="Calibri"/>
+              <a:ea typeface="Calibri"/>
+              <a:cs typeface="Calibri"/>
+              <a:sym typeface="Calibri"/>
+            </a:endParaRPr>
+          </a:p>
+        </p:txBody>
+      </p:sp>
+      <p:sp>
+        <p:nvSpPr>
+          <p:cNvPr id="73" name="Google Shape;73;p16"/>
+          <p:cNvSpPr txBox="1"/>
+          <p:nvPr/>
+        </p:nvSpPr>
+        <p:spPr>
+          <a:xfrm>
+            <a:off x="444575" y="2333625"/>
+            <a:ext cx="1832700" cy="1010700"/>
+          </a:xfrm>
+          <a:prstGeom prst="rect">
+            <a:avLst/>
+          </a:prstGeom>
+          <a:noFill/>
+          <a:ln>
+            <a:noFill/>
+          </a:ln>
+        </p:spPr>
+        <p:txBody>
+          <a:bodyPr anchorCtr="0" anchor="t" bIns="91425" lIns="91425" spcFirstLastPara="1" rIns="91425" wrap="square" tIns="91425">
+            <a:normAutofit/>
+          </a:bodyPr>
+          <a:lstStyle/>
+          <a:p>
+            <a:pPr indent="0" lvl="0" marL="0" rtl="0" algn="l">
+              <a:lnSpc>
+                <a:spcPct val="103274"/>
+              </a:lnSpc>
               <a:spcBef>
                 <a:spcPts val="0"/>
               </a:spcBef>
@@ -7991,49 +10711,21 @@
               <a:buClr>
                 <a:schemeClr val="dk1"/>
               </a:buClr>
-              <a:buSzPct val="39285"/>
-              <a:buFont typeface="Arial"/>
+              <a:buSzPts val="1069"/>
+              <a:buFont typeface="Anonymous Pro"/>
               <a:buNone/>
             </a:pPr>
             <a:r>
-              <a:rPr lang="ru"/>
-              <a:t>Этические и педагогические вопросы ИИ в образовании</a:t>
-            </a:r>
-            <a:endParaRPr/>
-          </a:p>
-          <a:p>
-            <a:pPr indent="0" lvl="0" marL="0" rtl="0" algn="ctr">
-              <a:spcBef>
-                <a:spcPts val="0"/>
-              </a:spcBef>
-              <a:spcAft>
-                <a:spcPts val="0"/>
-              </a:spcAft>
-              <a:buClr>
-                <a:schemeClr val="dk1"/>
-              </a:buClr>
-              <a:buSzPct val="39285"/>
-              <a:buFont typeface="Arial"/>
-              <a:buNone/>
-            </a:pPr>
-            <a:r>
-              <a:rPr lang="ru"/>
-              <a:t> </a:t>
-            </a:r>
-            <a:endParaRPr/>
-          </a:p>
-          <a:p>
-            <a:pPr indent="0" lvl="0" marL="0" rtl="0" algn="l">
-              <a:spcBef>
-                <a:spcPts val="0"/>
-              </a:spcBef>
-              <a:spcAft>
-                <a:spcPts val="0"/>
-              </a:spcAft>
-              <a:buNone/>
-            </a:pPr>
-            <a:r>
-              <a:t/>
+              <a:rPr lang="ru" sz="1069">
+                <a:solidFill>
+                  <a:schemeClr val="dk1"/>
+                </a:solidFill>
+                <a:latin typeface="Anonymous Pro"/>
+                <a:ea typeface="Anonymous Pro"/>
+                <a:cs typeface="Anonymous Pro"/>
+                <a:sym typeface="Anonymous Pro"/>
+              </a:rPr>
+              <a:t>Определить конкретные учебные задачи, где ИИ повышает эффективность, и начать с пилотных проектов.</a:t>
             </a:r>
             <a:endParaRPr/>
           </a:p>
@@ -8041,20 +10733,22 @@
       </p:sp>
       <p:sp>
         <p:nvSpPr>
-          <p:cNvPr id="91" name="Google Shape;91;p17"/>
+          <p:cNvPr id="74" name="Google Shape;74;p16"/>
           <p:cNvSpPr txBox="1"/>
-          <p:nvPr>
-            <p:ph idx="1" type="body"/>
-          </p:nvPr>
+          <p:nvPr/>
         </p:nvSpPr>
         <p:spPr>
           <a:xfrm>
-            <a:off x="311700" y="957975"/>
-            <a:ext cx="4312800" cy="3416400"/>
+            <a:off x="3477950" y="2394525"/>
+            <a:ext cx="1832700" cy="1010700"/>
           </a:xfrm>
           <a:prstGeom prst="rect">
             <a:avLst/>
           </a:prstGeom>
+          <a:noFill/>
+          <a:ln>
+            <a:noFill/>
+          </a:ln>
         </p:spPr>
         <p:txBody>
           <a:bodyPr anchorCtr="0" anchor="t" bIns="91425" lIns="91425" spcFirstLastPara="1" rIns="91425" wrap="square" tIns="91425">
@@ -8062,62 +10756,29 @@
           </a:bodyPr>
           <a:lstStyle/>
           <a:p>
-            <a:pPr algn="l">
+            <a:pPr indent="0" lvl="0" marL="0" rtl="0" algn="l">
+              <a:lnSpc>
+                <a:spcPct val="103274"/>
+              </a:lnSpc>
+              <a:spcBef>
+                <a:spcPts val="0"/>
+              </a:spcBef>
+              <a:spcAft>
+                <a:spcPts val="0"/>
+              </a:spcAft>
               <a:buNone/>
             </a:pPr>
             <a:r>
-              <a:rPr lang="ru"/>
-              <a:t>Внедрение ИИ меняет роль учителя и требует новых подходов к ответственности.</a:t>
-            </a:r>
-          </a:p>
-          <a:p>
-            <a:pPr algn="l" marL="342900" indent="-342900">
-              <a:buChar char="•"/>
-            </a:pPr>
-            <a:r>
-              <a:rPr lang="ru"/>
-              <a:t>Конфиденциальность данных учащихся: обеспечить безопасное хранение и прозрачность алгоритмов.</a:t>
-            </a:r>
-          </a:p>
-          <a:p>
-            <a:pPr algn="l" marL="342900" indent="-342900">
-              <a:buChar char="•"/>
-            </a:pPr>
-            <a:r>
-              <a:rPr lang="ru"/>
-              <a:t>Справедливость алгоритмических решений: избежать дискриминации и обеспечить равный доступ к ресурсам.</a:t>
-            </a:r>
-          </a:p>
-          <a:p>
-            <a:pPr algn="l" marL="342900" indent="-342900">
-              <a:buChar char="•"/>
-            </a:pPr>
-            <a:r>
-              <a:rPr lang="ru"/>
-              <a:t>Педагогическая автономия: балансировать автоматизацию с творческой ролью преподавателя.</a:t>
-            </a:r>
-          </a:p>
-          <a:p>
-            <a:pPr algn="l" marL="342900" indent="-342900">
-              <a:buChar char="•"/>
-            </a:pPr>
-            <a:r>
-              <a:rPr lang="ru"/>
-              <a:t>Этическое обучение ИИ: включать принципы ответственности и критического мышления в учебные программы.</a:t>
-            </a:r>
-          </a:p>
-          <a:p>
-            <a:pPr indent="0" lvl="0" marL="0" rtl="0" algn="l">
-              <a:spcBef>
-                <a:spcPts val="1200"/>
-              </a:spcBef>
-              <a:spcAft>
-                <a:spcPts val="1200"/>
-              </a:spcAft>
-              <a:buNone/>
-            </a:pPr>
-            <a:r>
-              <a:t/>
+              <a:rPr lang="ru" sz="1069">
+                <a:solidFill>
+                  <a:schemeClr val="dk1"/>
+                </a:solidFill>
+                <a:latin typeface="Anonymous Pro"/>
+                <a:ea typeface="Anonymous Pro"/>
+                <a:cs typeface="Anonymous Pro"/>
+                <a:sym typeface="Anonymous Pro"/>
+              </a:rPr>
+              <a:t>Обеспечить подготовку преподавателей через специализированные курсы и практические семинары по использованию ИИ‑инструментов.</a:t>
             </a:r>
             <a:endParaRPr/>
           </a:p>
@@ -8125,38 +10786,33 @@
       </p:sp>
       <p:sp>
         <p:nvSpPr>
-          <p:cNvPr id="92" name="Google Shape;92;p17"/>
-          <p:cNvSpPr/>
+          <p:cNvPr id="75" name="Google Shape;75;p16"/>
+          <p:cNvSpPr txBox="1"/>
           <p:nvPr/>
         </p:nvSpPr>
         <p:spPr>
           <a:xfrm>
-            <a:off x="4624500" y="0"/>
-            <a:ext cx="4535100" cy="5143500"/>
+            <a:off x="6596525" y="2333613"/>
+            <a:ext cx="1832700" cy="1010700"/>
           </a:xfrm>
           <a:prstGeom prst="rect">
             <a:avLst/>
           </a:prstGeom>
-          <a:solidFill>
-            <a:srgbClr val="00FF00"/>
-          </a:solidFill>
-          <a:ln cap="flat" cmpd="sng" w="9525">
-            <a:solidFill>
-              <a:schemeClr val="dk2"/>
-            </a:solidFill>
-            <a:prstDash val="solid"/>
-            <a:round/>
-            <a:headEnd len="sm" w="sm" type="none"/>
-            <a:tailEnd len="sm" w="sm" type="none"/>
+          <a:noFill/>
+          <a:ln>
+            <a:noFill/>
           </a:ln>
         </p:spPr>
         <p:txBody>
-          <a:bodyPr anchorCtr="0" anchor="ctr" bIns="91425" lIns="91425" spcFirstLastPara="1" rIns="91425" wrap="square" tIns="91425">
-            <a:noAutofit/>
+          <a:bodyPr anchorCtr="0" anchor="t" bIns="91425" lIns="91425" spcFirstLastPara="1" rIns="91425" wrap="square" tIns="91425">
+            <a:normAutofit/>
           </a:bodyPr>
           <a:lstStyle/>
           <a:p>
-            <a:pPr indent="0" lvl="0" marL="0" rtl="0" algn="ctr">
+            <a:pPr indent="0" lvl="0" marL="0" rtl="0" algn="l">
+              <a:lnSpc>
+                <a:spcPct val="103274"/>
+              </a:lnSpc>
               <a:spcBef>
                 <a:spcPts val="0"/>
               </a:spcBef>
@@ -8166,7 +10822,175 @@
               <a:buNone/>
             </a:pPr>
             <a:r>
-              <a:t/>
+              <a:rPr lang="ru" sz="1069">
+                <a:solidFill>
+                  <a:schemeClr val="dk1"/>
+                </a:solidFill>
+                <a:latin typeface="Anonymous Pro"/>
+                <a:ea typeface="Anonymous Pro"/>
+                <a:cs typeface="Anonymous Pro"/>
+                <a:sym typeface="Anonymous Pro"/>
+              </a:rPr>
+              <a:t>Создать инфраструктуру данных, гарантируя безопасность и конфиденциальность персональной информации учащихся.</a:t>
+            </a:r>
+            <a:endParaRPr/>
+          </a:p>
+        </p:txBody>
+      </p:sp>
+      <p:sp>
+        <p:nvSpPr>
+          <p:cNvPr id="76" name="Google Shape;76;p16"/>
+          <p:cNvSpPr txBox="1"/>
+          <p:nvPr/>
+        </p:nvSpPr>
+        <p:spPr>
+          <a:xfrm>
+            <a:off x="444575" y="3767150"/>
+            <a:ext cx="1832700" cy="1010700"/>
+          </a:xfrm>
+          <a:prstGeom prst="rect">
+            <a:avLst/>
+          </a:prstGeom>
+          <a:noFill/>
+          <a:ln>
+            <a:noFill/>
+          </a:ln>
+        </p:spPr>
+        <p:txBody>
+          <a:bodyPr anchorCtr="0" anchor="t" bIns="91425" lIns="91425" spcFirstLastPara="1" rIns="91425" wrap="square" tIns="91425">
+            <a:normAutofit/>
+          </a:bodyPr>
+          <a:lstStyle/>
+          <a:p>
+            <a:pPr indent="0" lvl="0" marL="0" rtl="0" algn="l">
+              <a:lnSpc>
+                <a:spcPct val="103274"/>
+              </a:lnSpc>
+              <a:spcBef>
+                <a:spcPts val="0"/>
+              </a:spcBef>
+              <a:spcAft>
+                <a:spcPts val="0"/>
+              </a:spcAft>
+              <a:buNone/>
+            </a:pPr>
+            <a:r>
+              <a:rPr lang="ru" sz="1069">
+                <a:solidFill>
+                  <a:schemeClr val="dk1"/>
+                </a:solidFill>
+                <a:latin typeface="Anonymous Pro"/>
+                <a:ea typeface="Anonymous Pro"/>
+                <a:cs typeface="Anonymous Pro"/>
+                <a:sym typeface="Anonymous Pro"/>
+              </a:rPr>
+              <a:t>Внедрять открытые и совместимые платформы, позволяющие легко интегрировать новые ИИ‑решения без полной замены существующей ИТ‑системы.</a:t>
+            </a:r>
+            <a:endParaRPr/>
+          </a:p>
+        </p:txBody>
+      </p:sp>
+      <p:sp>
+        <p:nvSpPr>
+          <p:cNvPr id="77" name="Google Shape;77;p16"/>
+          <p:cNvSpPr txBox="1"/>
+          <p:nvPr/>
+        </p:nvSpPr>
+        <p:spPr>
+          <a:xfrm>
+            <a:off x="3532175" y="3767150"/>
+            <a:ext cx="1832700" cy="1010700"/>
+          </a:xfrm>
+          <a:prstGeom prst="rect">
+            <a:avLst/>
+          </a:prstGeom>
+          <a:noFill/>
+          <a:ln>
+            <a:noFill/>
+          </a:ln>
+        </p:spPr>
+        <p:txBody>
+          <a:bodyPr anchorCtr="0" anchor="t" bIns="91425" lIns="91425" spcFirstLastPara="1" rIns="91425" wrap="square" tIns="91425">
+            <a:normAutofit/>
+          </a:bodyPr>
+          <a:lstStyle/>
+          <a:p>
+            <a:pPr indent="0" lvl="0" marL="0" rtl="0" algn="l">
+              <a:lnSpc>
+                <a:spcPct val="103274"/>
+              </a:lnSpc>
+              <a:spcBef>
+                <a:spcPts val="0"/>
+              </a:spcBef>
+              <a:spcAft>
+                <a:spcPts val="0"/>
+              </a:spcAft>
+              <a:buNone/>
+            </a:pPr>
+            <a:r>
+              <a:rPr lang="ru" sz="1069">
+                <a:solidFill>
+                  <a:schemeClr val="dk1"/>
+                </a:solidFill>
+                <a:latin typeface="Anonymous Pro"/>
+                <a:ea typeface="Anonymous Pro"/>
+                <a:cs typeface="Anonymous Pro"/>
+                <a:sym typeface="Anonymous Pro"/>
+              </a:rPr>
+              <a:t>Разработать систему оценки результатов ИИ‑поддерживаемого обучения, сравнивая их с традиционными метриками.</a:t>
+            </a:r>
+            <a:endParaRPr/>
+          </a:p>
+        </p:txBody>
+      </p:sp>
+      <p:sp>
+        <p:nvSpPr>
+          <p:cNvPr id="78" name="Google Shape;78;p16"/>
+          <p:cNvSpPr txBox="1"/>
+          <p:nvPr/>
+        </p:nvSpPr>
+        <p:spPr>
+          <a:xfrm>
+            <a:off x="6619775" y="3800825"/>
+            <a:ext cx="1832700" cy="1010700"/>
+          </a:xfrm>
+          <a:prstGeom prst="rect">
+            <a:avLst/>
+          </a:prstGeom>
+          <a:noFill/>
+          <a:ln>
+            <a:noFill/>
+          </a:ln>
+        </p:spPr>
+        <p:txBody>
+          <a:bodyPr anchorCtr="0" anchor="t" bIns="91425" lIns="91425" spcFirstLastPara="1" rIns="91425" wrap="square" tIns="91425">
+            <a:normAutofit/>
+          </a:bodyPr>
+          <a:lstStyle/>
+          <a:p>
+            <a:pPr indent="0" lvl="0" marL="0" rtl="0" algn="l">
+              <a:lnSpc>
+                <a:spcPct val="103274"/>
+              </a:lnSpc>
+              <a:spcBef>
+                <a:spcPts val="0"/>
+              </a:spcBef>
+              <a:spcAft>
+                <a:spcPts val="0"/>
+              </a:spcAft>
+              <a:buNone/>
+            </a:pPr>
+            <a:r>
+              <a:rPr lang="ru" sz="1069">
+                <a:solidFill>
+                  <a:schemeClr val="dk1"/>
+                </a:solidFill>
+                <a:latin typeface="Anonymous Pro"/>
+                <a:ea typeface="Anonymous Pro"/>
+                <a:cs typeface="Anonymous Pro"/>
+                <a:sym typeface="Anonymous Pro"/>
+              </a:rPr>
+              <a:t>Вовлекать всех заинтересованных сторон — учащихся, родителей, администраторов — в процесс планирования и обратной связи для устойчивого развития.</a:t>
             </a:r>
             <a:endParaRPr/>
           </a:p>
@@ -8183,9 +11007,16 @@
 <file path=ppt/slides/slide7.xml><?xml version="1.0" encoding="utf-8"?>
 <p:sld xmlns:a="http://schemas.openxmlformats.org/drawingml/2006/main" xmlns:r="http://schemas.openxmlformats.org/officeDocument/2006/relationships" xmlns:mc="http://schemas.openxmlformats.org/markup-compatibility/2006" xmlns:mv="urn:schemas-microsoft-com:mac:vml" xmlns:p="http://schemas.openxmlformats.org/presentationml/2006/main" xmlns:c="http://schemas.openxmlformats.org/drawingml/2006/chart" xmlns:dgm="http://schemas.openxmlformats.org/drawingml/2006/diagram" xmlns:o="urn:schemas-microsoft-com:office:office" xmlns:v="urn:schemas-microsoft-com:vml" xmlns:pvml="urn:schemas-microsoft-com:office:powerpoint" xmlns:com="http://schemas.openxmlformats.org/drawingml/2006/compatibility" xmlns:p14="http://schemas.microsoft.com/office/powerpoint/2010/main" xmlns:p15="http://schemas.microsoft.com/office/powerpoint/2012/main" xmlns:ahyp="http://schemas.microsoft.com/office/drawing/2018/hyperlinkcolor">
   <p:cSld>
+    <p:bg>
+      <p:bgPr>
+        <a:solidFill>
+          <a:srgbClr val="E4E171"/>
+        </a:solidFill>
+      </p:bgPr>
+    </p:bg>
     <p:spTree>
       <p:nvGrpSpPr>
-        <p:cNvPr id="130" name="Shape 130"/>
+        <p:cNvPr id="164" name="Shape 164"/>
         <p:cNvGrpSpPr/>
         <p:nvPr/>
       </p:nvGrpSpPr>
@@ -8197,62 +11028,51 @@
           <a:chExt cx="0" cy="0"/>
         </a:xfrm>
       </p:grpSpPr>
-      <p:sp>
-        <p:nvSpPr>
-          <p:cNvPr id="131" name="Google Shape;131;p21"/>
-          <p:cNvSpPr txBox="1"/>
-          <p:nvPr>
-            <p:ph type="ctrTitle"/>
-          </p:nvPr>
-        </p:nvSpPr>
+      <p:pic>
+        <p:nvPicPr>
+          <p:cNvPr descr="preencoded.png" id="165" name="Google Shape;165;p23"/>
+          <p:cNvPicPr preferRelativeResize="0"/>
+          <p:nvPr/>
+        </p:nvPicPr>
+        <p:blipFill rotWithShape="1">
+          <a:blip r:embed="rId3">
+            <a:alphaModFix/>
+          </a:blip>
+          <a:srcRect b="0" l="0" r="0" t="0"/>
+          <a:stretch/>
+        </p:blipFill>
         <p:spPr>
           <a:xfrm>
-            <a:off x="311708" y="744575"/>
-            <a:ext cx="8520600" cy="2052600"/>
+            <a:off x="0" y="0"/>
+            <a:ext cx="9144000" cy="5195888"/>
           </a:xfrm>
           <a:prstGeom prst="rect">
             <a:avLst/>
           </a:prstGeom>
-        </p:spPr>
-        <p:txBody>
-          <a:bodyPr anchorCtr="0" anchor="b" bIns="91425" lIns="91425" spcFirstLastPara="1" rIns="91425" wrap="square" tIns="91425">
-            <a:normAutofit/>
-          </a:bodyPr>
-          <a:lstStyle/>
-          <a:p>
-            <a:pPr indent="0" lvl="0" marL="0" rtl="0" algn="ctr">
-              <a:spcBef>
-                <a:spcPts val="0"/>
-              </a:spcBef>
-              <a:spcAft>
-                <a:spcPts val="0"/>
-              </a:spcAft>
-              <a:buNone/>
-            </a:pPr>
-            <a:r>
-              <a:rPr lang="ru"/>
-              <a:t>Искусственный интеллект в образовании: путь вперёд </a:t>
-            </a:r>
-            <a:endParaRPr/>
-          </a:p>
-        </p:txBody>
-      </p:sp>
+          <a:noFill/>
+          <a:ln>
+            <a:noFill/>
+          </a:ln>
+        </p:spPr>
+      </p:pic>
       <p:sp>
         <p:nvSpPr>
-          <p:cNvPr id="132" name="Google Shape;132;p21"/>
+          <p:cNvPr id="166" name="Google Shape;166;p23"/>
           <p:cNvSpPr txBox="1"/>
-          <p:nvPr>
-            <p:ph idx="1" type="subTitle"/>
-          </p:nvPr>
+          <p:nvPr/>
         </p:nvSpPr>
         <p:spPr>
-          <a:xfrm>
-            <a:off x="311700" y="2834125"/>
-            <a:ext cx="8520600" cy="792600"/>
+          <a:xfrm rot="-921473">
+            <a:off x="1155038" y="1092671"/>
+            <a:ext cx="4444823" cy="2632968"/>
           </a:xfrm>
           <a:prstGeom prst="rect">
             <a:avLst/>
           </a:prstGeom>
+          <a:noFill/>
+          <a:ln>
+            <a:noFill/>
+          </a:ln>
         </p:spPr>
         <p:txBody>
           <a:bodyPr anchorCtr="0" anchor="t" bIns="91425" lIns="91425" spcFirstLastPara="1" rIns="91425" wrap="square" tIns="91425">
@@ -8260,9 +11080,9 @@
           </a:bodyPr>
           <a:lstStyle/>
           <a:p>
-            <a:pPr indent="0" lvl="0" marL="0" rtl="0" algn="ctr">
+            <a:pPr indent="0" lvl="0" marL="0" rtl="0" algn="l">
               <a:lnSpc>
-                <a:spcPct val="80000"/>
+                <a:spcPct val="101011"/>
               </a:lnSpc>
               <a:spcBef>
                 <a:spcPts val="0"/>
@@ -8270,17 +11090,94 @@
               <a:spcAft>
                 <a:spcPts val="0"/>
               </a:spcAft>
+              <a:buClr>
+                <a:schemeClr val="dk1"/>
+              </a:buClr>
+              <a:buSzPts val="6626"/>
+              <a:buFont typeface="PT Sans"/>
               <a:buNone/>
             </a:pPr>
             <a:r>
-              <a:rPr lang="ru" sz="3709">
+              <a:rPr lang="ru" sz="4800">
                 <a:solidFill>
                   <a:schemeClr val="dk1"/>
                 </a:solidFill>
+                <a:latin typeface="PT Sans"/>
+                <a:ea typeface="PT Sans"/>
+                <a:cs typeface="PT Sans"/>
+                <a:sym typeface="PT Sans"/>
               </a:rPr>
-              <a:t>Свяжитесь с нами: info@ai-edu.org | +7 123 456 78 90</a:t>
+              <a:t>Спасибо за внимание! Давайте двигаться вперёд</a:t>
             </a:r>
-            <a:endParaRPr/>
+            <a:endParaRPr sz="4800">
+              <a:solidFill>
+                <a:schemeClr val="dk1"/>
+              </a:solidFill>
+              <a:latin typeface="Calibri"/>
+              <a:ea typeface="Calibri"/>
+              <a:cs typeface="Calibri"/>
+              <a:sym typeface="Calibri"/>
+            </a:endParaRPr>
+          </a:p>
+        </p:txBody>
+      </p:sp>
+      <p:sp>
+        <p:nvSpPr>
+          <p:cNvPr id="167" name="Google Shape;167;p23"/>
+          <p:cNvSpPr txBox="1"/>
+          <p:nvPr/>
+        </p:nvSpPr>
+        <p:spPr>
+          <a:xfrm rot="-834878">
+            <a:off x="2347601" y="3658372"/>
+            <a:ext cx="4010796" cy="875604"/>
+          </a:xfrm>
+          <a:prstGeom prst="rect">
+            <a:avLst/>
+          </a:prstGeom>
+          <a:noFill/>
+          <a:ln>
+            <a:noFill/>
+          </a:ln>
+        </p:spPr>
+        <p:txBody>
+          <a:bodyPr anchorCtr="0" anchor="ctr" bIns="91425" lIns="91425" spcFirstLastPara="1" rIns="91425" wrap="square" tIns="91425">
+            <a:normAutofit/>
+          </a:bodyPr>
+          <a:lstStyle/>
+          <a:p>
+            <a:pPr indent="0" lvl="0" marL="0" marR="0" rtl="0" algn="l">
+              <a:lnSpc>
+                <a:spcPct val="101002"/>
+              </a:lnSpc>
+              <a:spcBef>
+                <a:spcPts val="0"/>
+              </a:spcBef>
+              <a:spcAft>
+                <a:spcPts val="0"/>
+              </a:spcAft>
+              <a:buClr>
+                <a:srgbClr val="000000"/>
+              </a:buClr>
+              <a:buSzPts val="4489"/>
+              <a:buFont typeface="PT Sans"/>
+              <a:buNone/>
+            </a:pPr>
+            <a:r>
+              <a:rPr lang="ru" sz="3000">
+                <a:latin typeface="PT Sans"/>
+                <a:ea typeface="PT Sans"/>
+                <a:cs typeface="PT Sans"/>
+                <a:sym typeface="PT Sans"/>
+              </a:rPr>
+              <a:t>Контакты: ivanov@example.com | +7 123 456 78 90 | @AI_EduFuture</a:t>
+            </a:r>
+            <a:endParaRPr sz="3000">
+              <a:latin typeface="PT Sans"/>
+              <a:ea typeface="PT Sans"/>
+              <a:cs typeface="PT Sans"/>
+              <a:sym typeface="PT Sans"/>
+            </a:endParaRPr>
           </a:p>
         </p:txBody>
       </p:sp>
@@ -8293,6 +11190,285 @@
 </file>
 
 <file path=ppt/theme/theme1.xml><?xml version="1.0" encoding="utf-8"?>
+<a:theme xmlns:a="http://schemas.openxmlformats.org/drawingml/2006/main" xmlns:r="http://schemas.openxmlformats.org/officeDocument/2006/relationships" name="Office Theme">
+  <a:themeElements>
+    <a:clrScheme name="Office">
+      <a:dk1>
+        <a:srgbClr val="000000"/>
+      </a:dk1>
+      <a:lt1>
+        <a:srgbClr val="FFFFFF"/>
+      </a:lt1>
+      <a:dk2>
+        <a:srgbClr val="44546A"/>
+      </a:dk2>
+      <a:lt2>
+        <a:srgbClr val="E7E6E6"/>
+      </a:lt2>
+      <a:accent1>
+        <a:srgbClr val="4472C4"/>
+      </a:accent1>
+      <a:accent2>
+        <a:srgbClr val="ED7D31"/>
+      </a:accent2>
+      <a:accent3>
+        <a:srgbClr val="A5A5A5"/>
+      </a:accent3>
+      <a:accent4>
+        <a:srgbClr val="FFC000"/>
+      </a:accent4>
+      <a:accent5>
+        <a:srgbClr val="5B9BD5"/>
+      </a:accent5>
+      <a:accent6>
+        <a:srgbClr val="70AD47"/>
+      </a:accent6>
+      <a:hlink>
+        <a:srgbClr val="0563C1"/>
+      </a:hlink>
+      <a:folHlink>
+        <a:srgbClr val="954F72"/>
+      </a:folHlink>
+    </a:clrScheme>
+    <a:fontScheme name="Office">
+      <a:majorFont>
+        <a:latin typeface="Arial"/>
+        <a:ea typeface=""/>
+        <a:cs typeface=""/>
+        <a:font script="Jpan" typeface="ＭＳ Ｐゴシック"/>
+        <a:font script="Hang" typeface="맑은 고딕"/>
+        <a:font script="Hans" typeface="宋体"/>
+        <a:font script="Hant" typeface="新細明體"/>
+        <a:font script="Arab" typeface="Times New Roman"/>
+        <a:font script="Hebr" typeface="Times New Roman"/>
+        <a:font script="Thai" typeface="Angsana New"/>
+        <a:font script="Ethi" typeface="Nyala"/>
+        <a:font script="Beng" typeface="Vrinda"/>
+        <a:font script="Gujr" typeface="Shruti"/>
+        <a:font script="Khmr" typeface="MoolBoran"/>
+        <a:font script="Knda" typeface="Tunga"/>
+        <a:font script="Guru" typeface="Raavi"/>
+        <a:font script="Cans" typeface="Euphemia"/>
+        <a:font script="Cher" typeface="Plantagenet Cherokee"/>
+        <a:font script="Yiii" typeface="Microsoft Yi Baiti"/>
+        <a:font script="Tibt" typeface="Microsoft Himalaya"/>
+        <a:font script="Thaa" typeface="MV Boli"/>
+        <a:font script="Deva" typeface="Mangal"/>
+        <a:font script="Telu" typeface="Gautami"/>
+        <a:font script="Taml" typeface="Latha"/>
+        <a:font script="Syrc" typeface="Estrangelo Edessa"/>
+        <a:font script="Orya" typeface="Kalinga"/>
+        <a:font script="Mlym" typeface="Kartika"/>
+        <a:font script="Laoo" typeface="DokChampa"/>
+        <a:font script="Sinh" typeface="Iskoola Pota"/>
+        <a:font script="Mong" typeface="Mongolian Baiti"/>
+        <a:font script="Viet" typeface="Times New Roman"/>
+        <a:font script="Uigh" typeface="Microsoft Uighur"/>
+        <a:font script="Geor" typeface="Sylfaen"/>
+      </a:majorFont>
+      <a:minorFont>
+        <a:latin typeface="Arial"/>
+        <a:ea typeface=""/>
+        <a:cs typeface=""/>
+        <a:font script="Jpan" typeface="ＭＳ Ｐゴシック"/>
+        <a:font script="Hang" typeface="맑은 고딕"/>
+        <a:font script="Hans" typeface="宋体"/>
+        <a:font script="Hant" typeface="新細明體"/>
+        <a:font script="Arab" typeface="Arial"/>
+        <a:font script="Hebr" typeface="Arial"/>
+        <a:font script="Thai" typeface="Cordia New"/>
+        <a:font script="Ethi" typeface="Nyala"/>
+        <a:font script="Beng" typeface="Vrinda"/>
+        <a:font script="Gujr" typeface="Shruti"/>
+        <a:font script="Khmr" typeface="DaunPenh"/>
+        <a:font script="Knda" typeface="Tunga"/>
+        <a:font script="Guru" typeface="Raavi"/>
+        <a:font script="Cans" typeface="Euphemia"/>
+        <a:font script="Cher" typeface="Plantagenet Cherokee"/>
+        <a:font script="Yiii" typeface="Microsoft Yi Baiti"/>
+        <a:font script="Tibt" typeface="Microsoft Himalaya"/>
+        <a:font script="Thaa" typeface="MV Boli"/>
+        <a:font script="Deva" typeface="Mangal"/>
+        <a:font script="Telu" typeface="Gautami"/>
+        <a:font script="Taml" typeface="Latha"/>
+        <a:font script="Syrc" typeface="Estrangelo Edessa"/>
+        <a:font script="Orya" typeface="Kalinga"/>
+        <a:font script="Mlym" typeface="Kartika"/>
+        <a:font script="Laoo" typeface="DokChampa"/>
+        <a:font script="Sinh" typeface="Iskoola Pota"/>
+        <a:font script="Mong" typeface="Mongolian Baiti"/>
+        <a:font script="Viet" typeface="Arial"/>
+        <a:font script="Uigh" typeface="Microsoft Uighur"/>
+        <a:font script="Geor" typeface="Sylfaen"/>
+      </a:minorFont>
+    </a:fontScheme>
+    <a:fmtScheme name="Office">
+      <a:fillStyleLst>
+        <a:solidFill>
+          <a:schemeClr val="phClr"/>
+        </a:solidFill>
+        <a:gradFill rotWithShape="1">
+          <a:gsLst>
+            <a:gs pos="0">
+              <a:schemeClr val="phClr">
+                <a:tint val="50000"/>
+                <a:satMod val="300000"/>
+              </a:schemeClr>
+            </a:gs>
+            <a:gs pos="35000">
+              <a:schemeClr val="phClr">
+                <a:tint val="37000"/>
+                <a:satMod val="300000"/>
+              </a:schemeClr>
+            </a:gs>
+            <a:gs pos="100000">
+              <a:schemeClr val="phClr">
+                <a:tint val="15000"/>
+                <a:satMod val="350000"/>
+              </a:schemeClr>
+            </a:gs>
+          </a:gsLst>
+          <a:lin ang="16200000" scaled="1"/>
+        </a:gradFill>
+        <a:gradFill rotWithShape="1">
+          <a:gsLst>
+            <a:gs pos="0">
+              <a:schemeClr val="phClr">
+                <a:tint val="100000"/>
+                <a:shade val="100000"/>
+                <a:satMod val="130000"/>
+              </a:schemeClr>
+            </a:gs>
+            <a:gs pos="100000">
+              <a:schemeClr val="phClr">
+                <a:tint val="50000"/>
+                <a:shade val="100000"/>
+                <a:satMod val="350000"/>
+              </a:schemeClr>
+            </a:gs>
+          </a:gsLst>
+          <a:lin ang="16200000" scaled="0"/>
+        </a:gradFill>
+      </a:fillStyleLst>
+      <a:lnStyleLst>
+        <a:ln w="9525" cap="flat" cmpd="sng" algn="ctr">
+          <a:solidFill>
+            <a:schemeClr val="phClr">
+              <a:shade val="95000"/>
+              <a:satMod val="105000"/>
+            </a:schemeClr>
+          </a:solidFill>
+          <a:prstDash val="solid"/>
+        </a:ln>
+        <a:ln w="25400" cap="flat" cmpd="sng" algn="ctr">
+          <a:solidFill>
+            <a:schemeClr val="phClr"/>
+          </a:solidFill>
+          <a:prstDash val="solid"/>
+        </a:ln>
+        <a:ln w="38100" cap="flat" cmpd="sng" algn="ctr">
+          <a:solidFill>
+            <a:schemeClr val="phClr"/>
+          </a:solidFill>
+          <a:prstDash val="solid"/>
+        </a:ln>
+      </a:lnStyleLst>
+      <a:effectStyleLst>
+        <a:effectStyle>
+          <a:effectLst>
+            <a:outerShdw blurRad="40000" dist="20000" dir="5400000" rotWithShape="0">
+              <a:srgbClr val="000000">
+                <a:alpha val="38000"/>
+              </a:srgbClr>
+            </a:outerShdw>
+          </a:effectLst>
+        </a:effectStyle>
+        <a:effectStyle>
+          <a:effectLst>
+            <a:outerShdw blurRad="40000" dist="23000" dir="5400000" rotWithShape="0">
+              <a:srgbClr val="000000">
+                <a:alpha val="35000"/>
+              </a:srgbClr>
+            </a:outerShdw>
+          </a:effectLst>
+        </a:effectStyle>
+        <a:effectStyle>
+          <a:effectLst>
+            <a:outerShdw blurRad="40000" dist="23000" dir="5400000" rotWithShape="0">
+              <a:srgbClr val="000000">
+                <a:alpha val="35000"/>
+              </a:srgbClr>
+            </a:outerShdw>
+          </a:effectLst>
+          <a:scene3d>
+            <a:camera prst="orthographicFront">
+              <a:rot lat="0" lon="0" rev="0"/>
+            </a:camera>
+            <a:lightRig rig="threePt" dir="t">
+              <a:rot lat="0" lon="0" rev="1200000"/>
+            </a:lightRig>
+          </a:scene3d>
+          <a:sp3d>
+            <a:bevelT w="63500" h="25400"/>
+          </a:sp3d>
+        </a:effectStyle>
+      </a:effectStyleLst>
+      <a:bgFillStyleLst>
+        <a:solidFill>
+          <a:schemeClr val="phClr"/>
+        </a:solidFill>
+        <a:gradFill rotWithShape="1">
+          <a:gsLst>
+            <a:gs pos="0">
+              <a:schemeClr val="phClr">
+                <a:tint val="40000"/>
+                <a:satMod val="350000"/>
+              </a:schemeClr>
+            </a:gs>
+            <a:gs pos="40000">
+              <a:schemeClr val="phClr">
+                <a:tint val="45000"/>
+                <a:shade val="99000"/>
+                <a:satMod val="350000"/>
+              </a:schemeClr>
+            </a:gs>
+            <a:gs pos="100000">
+              <a:schemeClr val="phClr">
+                <a:shade val="20000"/>
+                <a:satMod val="255000"/>
+              </a:schemeClr>
+            </a:gs>
+          </a:gsLst>
+          <a:path path="circle">
+            <a:fillToRect l="50000" t="-80000" r="50000" b="180000"/>
+          </a:path>
+        </a:gradFill>
+        <a:gradFill rotWithShape="1">
+          <a:gsLst>
+            <a:gs pos="0">
+              <a:schemeClr val="phClr">
+                <a:tint val="80000"/>
+                <a:satMod val="300000"/>
+              </a:schemeClr>
+            </a:gs>
+            <a:gs pos="100000">
+              <a:schemeClr val="phClr">
+                <a:shade val="30000"/>
+                <a:satMod val="200000"/>
+              </a:schemeClr>
+            </a:gs>
+          </a:gsLst>
+          <a:path path="circle">
+            <a:fillToRect l="50000" t="50000" r="50000" b="50000"/>
+          </a:path>
+        </a:gradFill>
+      </a:bgFillStyleLst>
+    </a:fmtScheme>
+  </a:themeElements>
+</a:theme>
+</file>
+
+<file path=ppt/theme/theme2.xml><?xml version="1.0" encoding="utf-8"?>
 <a:theme xmlns:a="http://schemas.openxmlformats.org/drawingml/2006/main" xmlns:r="http://schemas.openxmlformats.org/officeDocument/2006/relationships">
   <a:themeElements>
     <a:clrScheme name="Default">
@@ -8571,7 +11747,7 @@
 </a:theme>
 </file>
 
-<file path=ppt/theme/theme2.xml><?xml version="1.0" encoding="utf-8"?>
+<file path=ppt/theme/theme3.xml><?xml version="1.0" encoding="utf-8"?>
 <a:theme xmlns:a="http://schemas.openxmlformats.org/drawingml/2006/main" xmlns:r="http://schemas.openxmlformats.org/officeDocument/2006/relationships" name="Simple Light">
   <a:themeElements>
     <a:clrScheme name="Simple Light">

--- a/result.pptx
+++ b/result.pptx
@@ -13,7 +13,6 @@
     <p:sldId id="258" r:id="rId22"/>
     <p:sldId id="259" r:id="rId23"/>
     <p:sldId id="260" r:id="rId24"/>
-    <p:sldId id="261" r:id="rId25"/>
   </p:sldIdLst>
   <p:sldSz cy="5143500" cx="9144000"/>
   <p:notesSz cx="6858000" cy="9144000"/>
@@ -23273,7 +23272,7 @@
             </a:pPr>
             <a:r>
               <a:rPr lang="ru" sz="2600"/>
-              <a:t>Заключение по теме ВВа </a:t>
+              <a:t>Тема презентации: ацац </a:t>
             </a:r>
             <a:endParaRPr sz="2600"/>
           </a:p>
@@ -23325,7 +23324,7 @@
                   <a:srgbClr val="CEEAE3"/>
                 </a:solidFill>
               </a:rPr>
-              <a:t>Подведение итогов и ключевые выводы</a:t>
+              <a:t>Основные аспекты и выводы</a:t>
             </a:r>
             <a:endParaRPr sz="1800">
               <a:solidFill>
@@ -23450,7 +23449,7 @@
             </a:pPr>
             <a:r>
               <a:rPr lang="ru"/>
-              <a:t>Основные аспекты темы ВВа</a:t>
+              <a:t>Ключевые аспекты темы ацац</a:t>
             </a:r>
             <a:endParaRPr/>
           </a:p>
@@ -23502,7 +23501,7 @@
             </a:pPr>
             <a:r>
               <a:rPr lang="ru"/>
-              <a:t>Основное внимание уделяется современным подходам и методам.</a:t>
+              <a:t>Существует несколько подходов к изучению ацац.</a:t>
             </a:r>
             <a:endParaRPr/>
           </a:p>
@@ -23554,7 +23553,7 @@
             </a:pPr>
             <a:r>
               <a:rPr lang="ru"/>
-              <a:t>Важным аспектом является интеграция технологий в процесс.</a:t>
+              <a:t>Анализ ацац позволяет выявить основные тенденции.</a:t>
             </a:r>
             <a:endParaRPr/>
           </a:p>
@@ -23606,7 +23605,7 @@
             </a:pPr>
             <a:r>
               <a:rPr lang="ru"/>
-              <a:t>Понимание контекста ВВа способствует эффективному применению.</a:t>
+              <a:t>Практическое применение ацац важно для дальнейших исследований.</a:t>
             </a:r>
             <a:endParaRPr/>
           </a:p>
@@ -23658,7 +23657,7 @@
             </a:pPr>
             <a:r>
               <a:rPr lang="ru"/>
-              <a:t>Тема ВВа охватывает ключевые принципы и практики.</a:t>
+              <a:t>Тема ацац охватывает множество важных вопросов.</a:t>
             </a:r>
             <a:endParaRPr/>
           </a:p>
@@ -23779,7 +23778,7 @@
             </a:pPr>
             <a:r>
               <a:rPr lang="ru"/>
-              <a:t>Сравнение ключевых элементов темы ВВа</a:t>
+              <a:t>Сравнение подходов к теме ацац</a:t>
             </a:r>
             <a:endParaRPr/>
           </a:p>
@@ -23812,24 +23811,22 @@
           </a:bodyPr>
           <a:lstStyle/>
           <a:p>
-            <a:pPr indent="0" lvl="0" marL="0" rtl="0" algn="l">
-              <a:lnSpc>
-                <a:spcPct val="90000"/>
-              </a:lnSpc>
-              <a:spcBef>
-                <a:spcPts val="800"/>
-              </a:spcBef>
-              <a:spcAft>
-                <a:spcPts val="900"/>
-              </a:spcAft>
-              <a:buSzPts val="2100"/>
-              <a:buNone/>
+            <a:pPr algn="l" marL="342900" indent="-342900">
+              <a:buChar char="•"/>
             </a:pPr>
             <a:r>
               <a:rPr lang="ru" sz="1800"/>
-              <a:t>Первый элемент связан с основными принципами ВВа. Он акцентирует внимание на теоретических аспектах.</a:t>
+              <a:t>Фокус на классических принципах и теориях.</a:t>
             </a:r>
-            <a:endParaRPr sz="1800"/>
+          </a:p>
+          <a:p>
+            <a:pPr algn="l" marL="342900" indent="-342900">
+              <a:buChar char="•"/>
+            </a:pPr>
+            <a:r>
+              <a:rPr lang="ru" sz="1800"/>
+              <a:t>Использование проверенных временем практик.</a:t>
+            </a:r>
           </a:p>
         </p:txBody>
       </p:sp>
@@ -23885,7 +23882,7 @@
                 <a:cs typeface="Calibri"/>
                 <a:sym typeface="Calibri"/>
               </a:rPr>
-              <a:t>Первый элемент</a:t>
+              <a:t>Подход 1: Традиционный метод</a:t>
             </a:r>
             <a:endParaRPr i="0" sz="2400" u="none" cap="none" strike="noStrike">
               <a:solidFill>
@@ -23926,18 +23923,8 @@
           </a:bodyPr>
           <a:lstStyle/>
           <a:p>
-            <a:pPr indent="0" lvl="0" marL="0" rtl="0" algn="l">
-              <a:lnSpc>
-                <a:spcPct val="90000"/>
-              </a:lnSpc>
-              <a:spcBef>
-                <a:spcPts val="800"/>
-              </a:spcBef>
-              <a:spcAft>
-                <a:spcPts val="900"/>
-              </a:spcAft>
-              <a:buSzPts val="2100"/>
-              <a:buNone/>
+            <a:pPr algn="l" marL="342900" indent="-342900">
+              <a:buChar char="•"/>
             </a:pPr>
             <a:r>
               <a:rPr lang="ru" sz="1800">
@@ -23945,13 +23932,21 @@
                   <a:srgbClr val="CEEAE3"/>
                 </a:solidFill>
               </a:rPr>
-              <a:t>Второй элемент фокусируется на практическом применении ВВа. Он демонстрирует реальные примеры использования.</a:t>
+              <a:t>Внедрение современных технологий и подходов.</a:t>
             </a:r>
-            <a:endParaRPr sz="1800">
-              <a:solidFill>
-                <a:srgbClr val="CEEAE3"/>
-              </a:solidFill>
-            </a:endParaRPr>
+          </a:p>
+          <a:p>
+            <a:pPr algn="l" marL="342900" indent="-342900">
+              <a:buChar char="•"/>
+            </a:pPr>
+            <a:r>
+              <a:rPr lang="ru" sz="1800">
+                <a:solidFill>
+                  <a:srgbClr val="CEEAE3"/>
+                </a:solidFill>
+              </a:rPr>
+              <a:t>Адаптация к быстро меняющимся условиям.</a:t>
+            </a:r>
           </a:p>
         </p:txBody>
       </p:sp>
@@ -24007,7 +24002,7 @@
                 <a:cs typeface="Calibri"/>
                 <a:sym typeface="Calibri"/>
               </a:rPr>
-              <a:t>Второй элемент</a:t>
+              <a:t>Подход 2: Инновационный метод</a:t>
             </a:r>
             <a:endParaRPr i="0" sz="2400" u="none" cap="none" strike="noStrike">
               <a:solidFill>
@@ -24162,7 +24157,7 @@
             </a:pPr>
             <a:r>
               <a:rPr lang="ru"/>
-              <a:t>Информация о теме ВВа </a:t>
+              <a:t>Основные направления темы ацац </a:t>
             </a:r>
             <a:endParaRPr/>
           </a:p>
@@ -24214,7 +24209,7 @@
             </a:pPr>
             <a:r>
               <a:rPr b="1" lang="ru" sz="1600"/>
-              <a:t>Аспект 1 </a:t>
+              <a:t>Первое направление </a:t>
             </a:r>
             <a:endParaRPr b="1" sz="1600"/>
           </a:p>
@@ -24266,7 +24261,7 @@
             </a:pPr>
             <a:r>
               <a:rPr b="1" lang="ru" sz="1600"/>
-              <a:t>Аспект 2</a:t>
+              <a:t>Второе направление</a:t>
             </a:r>
             <a:endParaRPr b="1" sz="1600"/>
           </a:p>
@@ -24318,7 +24313,7 @@
             </a:pPr>
             <a:r>
               <a:rPr b="1" lang="ru" sz="1600"/>
-              <a:t>Аспект 3</a:t>
+              <a:t>Третье направление</a:t>
             </a:r>
             <a:endParaRPr b="1" sz="1600"/>
           </a:p>
@@ -24376,7 +24371,7 @@
                 <a:cs typeface="Calibri"/>
                 <a:sym typeface="Calibri"/>
               </a:rPr>
-              <a:t>Подробное описание первого аспекта темы ВВа. </a:t>
+              <a:t>Описание первого направления, его особенности и преимущества. </a:t>
             </a:r>
             <a:endParaRPr i="0" u="none" cap="none" strike="noStrike">
               <a:solidFill>
@@ -24442,7 +24437,7 @@
                 <a:cs typeface="Calibri"/>
                 <a:sym typeface="Calibri"/>
               </a:rPr>
-              <a:t>Краткий обзор второго аспекта, его значимость. </a:t>
+              <a:t>Анализ второго направления, включая ключевые характеристики. </a:t>
             </a:r>
             <a:endParaRPr i="0" u="none" cap="none" strike="noStrike">
               <a:solidFill>
@@ -24508,7 +24503,7 @@
                 <a:cs typeface="Calibri"/>
                 <a:sym typeface="Calibri"/>
               </a:rPr>
-              <a:t>Третий аспект, его влияние на развитие темы. </a:t>
+              <a:t>Обзор третьего направления и его влияние на общую тему. </a:t>
             </a:r>
             <a:endParaRPr i="0" u="none" cap="none" strike="noStrike">
               <a:solidFill>
@@ -24609,639 +24604,6 @@
   <p:cSld>
     <p:spTree>
       <p:nvGrpSpPr>
-        <p:cNvPr id="216" name="Shape 216"/>
-        <p:cNvGrpSpPr/>
-        <p:nvPr/>
-      </p:nvGrpSpPr>
-      <p:grpSpPr>
-        <a:xfrm>
-          <a:off x="0" y="0"/>
-          <a:ext cx="0" cy="0"/>
-          <a:chOff x="0" y="0"/>
-          <a:chExt cx="0" cy="0"/>
-        </a:xfrm>
-      </p:grpSpPr>
-      <p:sp>
-        <p:nvSpPr>
-          <p:cNvPr id="217" name="Google Shape;217;p8"/>
-          <p:cNvSpPr txBox="1"/>
-          <p:nvPr>
-            <p:ph type="title"/>
-          </p:nvPr>
-        </p:nvSpPr>
-        <p:spPr>
-          <a:xfrm>
-            <a:off x="246875" y="171275"/>
-            <a:ext cx="8520600" cy="667200"/>
-          </a:xfrm>
-          <a:prstGeom prst="rect">
-            <a:avLst/>
-          </a:prstGeom>
-          <a:noFill/>
-          <a:ln>
-            <a:noFill/>
-          </a:ln>
-        </p:spPr>
-        <p:txBody>
-          <a:bodyPr anchorCtr="0" anchor="ctr" bIns="34275" lIns="68575" spcFirstLastPara="1" rIns="68575" wrap="square" tIns="34275">
-            <a:normAutofit/>
-          </a:bodyPr>
-          <a:lstStyle/>
-          <a:p>
-            <a:pPr indent="0" lvl="0" marL="0" rtl="0" algn="ctr">
-              <a:lnSpc>
-                <a:spcPct val="90000"/>
-              </a:lnSpc>
-              <a:spcBef>
-                <a:spcPts val="0"/>
-              </a:spcBef>
-              <a:spcAft>
-                <a:spcPts val="0"/>
-              </a:spcAft>
-              <a:buSzPts val="3300"/>
-              <a:buNone/>
-            </a:pPr>
-            <a:r>
-              <a:rPr lang="ru"/>
-              <a:t>Временная шкала развития темы ВВа </a:t>
-            </a:r>
-            <a:endParaRPr/>
-          </a:p>
-        </p:txBody>
-      </p:sp>
-      <p:cxnSp>
-        <p:nvCxnSpPr>
-          <p:cNvPr id="218" name="Google Shape;218;p8"/>
-          <p:cNvCxnSpPr/>
-          <p:nvPr/>
-        </p:nvCxnSpPr>
-        <p:spPr>
-          <a:xfrm>
-            <a:off x="333350" y="3174275"/>
-            <a:ext cx="8497500" cy="0"/>
-          </a:xfrm>
-          <a:prstGeom prst="straightConnector1">
-            <a:avLst/>
-          </a:prstGeom>
-          <a:noFill/>
-          <a:ln cap="flat" cmpd="sng" w="19050">
-            <a:solidFill>
-              <a:schemeClr val="accent1"/>
-            </a:solidFill>
-            <a:prstDash val="solid"/>
-            <a:round/>
-            <a:headEnd len="sm" w="sm" type="none"/>
-            <a:tailEnd len="sm" w="sm" type="none"/>
-          </a:ln>
-        </p:spPr>
-      </p:cxnSp>
-      <p:cxnSp>
-        <p:nvCxnSpPr>
-          <p:cNvPr id="219" name="Google Shape;219;p8"/>
-          <p:cNvCxnSpPr/>
-          <p:nvPr/>
-        </p:nvCxnSpPr>
-        <p:spPr>
-          <a:xfrm>
-            <a:off x="670400" y="3171350"/>
-            <a:ext cx="0" cy="1433100"/>
-          </a:xfrm>
-          <a:prstGeom prst="straightConnector1">
-            <a:avLst/>
-          </a:prstGeom>
-          <a:noFill/>
-          <a:ln cap="flat" cmpd="sng" w="19050">
-            <a:solidFill>
-              <a:schemeClr val="accent1"/>
-            </a:solidFill>
-            <a:prstDash val="solid"/>
-            <a:round/>
-            <a:headEnd len="sm" w="sm" type="none"/>
-            <a:tailEnd len="sm" w="sm" type="none"/>
-          </a:ln>
-        </p:spPr>
-      </p:cxnSp>
-      <p:cxnSp>
-        <p:nvCxnSpPr>
-          <p:cNvPr id="220" name="Google Shape;220;p8"/>
-          <p:cNvCxnSpPr/>
-          <p:nvPr/>
-        </p:nvCxnSpPr>
-        <p:spPr>
-          <a:xfrm rot="10800000">
-            <a:off x="2240525" y="1698525"/>
-            <a:ext cx="0" cy="1487400"/>
-          </a:xfrm>
-          <a:prstGeom prst="straightConnector1">
-            <a:avLst/>
-          </a:prstGeom>
-          <a:noFill/>
-          <a:ln cap="flat" cmpd="sng" w="19050">
-            <a:solidFill>
-              <a:schemeClr val="accent1"/>
-            </a:solidFill>
-            <a:prstDash val="solid"/>
-            <a:round/>
-            <a:headEnd len="sm" w="sm" type="none"/>
-            <a:tailEnd len="sm" w="sm" type="none"/>
-          </a:ln>
-        </p:spPr>
-      </p:cxnSp>
-      <p:cxnSp>
-        <p:nvCxnSpPr>
-          <p:cNvPr id="221" name="Google Shape;221;p8"/>
-          <p:cNvCxnSpPr/>
-          <p:nvPr/>
-        </p:nvCxnSpPr>
-        <p:spPr>
-          <a:xfrm>
-            <a:off x="3897600" y="3179150"/>
-            <a:ext cx="0" cy="1417500"/>
-          </a:xfrm>
-          <a:prstGeom prst="straightConnector1">
-            <a:avLst/>
-          </a:prstGeom>
-          <a:noFill/>
-          <a:ln cap="flat" cmpd="sng" w="19050">
-            <a:solidFill>
-              <a:schemeClr val="accent1"/>
-            </a:solidFill>
-            <a:prstDash val="solid"/>
-            <a:round/>
-            <a:headEnd len="sm" w="sm" type="none"/>
-            <a:tailEnd len="sm" w="sm" type="none"/>
-          </a:ln>
-        </p:spPr>
-      </p:cxnSp>
-      <p:cxnSp>
-        <p:nvCxnSpPr>
-          <p:cNvPr id="222" name="Google Shape;222;p8"/>
-          <p:cNvCxnSpPr/>
-          <p:nvPr/>
-        </p:nvCxnSpPr>
-        <p:spPr>
-          <a:xfrm rot="10800000">
-            <a:off x="5585200" y="1694675"/>
-            <a:ext cx="0" cy="1479600"/>
-          </a:xfrm>
-          <a:prstGeom prst="straightConnector1">
-            <a:avLst/>
-          </a:prstGeom>
-          <a:noFill/>
-          <a:ln cap="flat" cmpd="sng" w="19050">
-            <a:solidFill>
-              <a:srgbClr val="FFFFFF"/>
-            </a:solidFill>
-            <a:prstDash val="solid"/>
-            <a:round/>
-            <a:headEnd len="sm" w="sm" type="none"/>
-            <a:tailEnd len="sm" w="sm" type="none"/>
-          </a:ln>
-        </p:spPr>
-      </p:cxnSp>
-      <p:cxnSp>
-        <p:nvCxnSpPr>
-          <p:cNvPr id="223" name="Google Shape;223;p8"/>
-          <p:cNvCxnSpPr/>
-          <p:nvPr/>
-        </p:nvCxnSpPr>
-        <p:spPr>
-          <a:xfrm>
-            <a:off x="7096700" y="3171350"/>
-            <a:ext cx="0" cy="1474500"/>
-          </a:xfrm>
-          <a:prstGeom prst="straightConnector1">
-            <a:avLst/>
-          </a:prstGeom>
-          <a:noFill/>
-          <a:ln cap="flat" cmpd="sng" w="19050">
-            <a:solidFill>
-              <a:schemeClr val="accent1"/>
-            </a:solidFill>
-            <a:prstDash val="solid"/>
-            <a:round/>
-            <a:headEnd len="sm" w="sm" type="none"/>
-            <a:tailEnd len="sm" w="sm" type="none"/>
-          </a:ln>
-        </p:spPr>
-      </p:cxnSp>
-      <p:sp>
-        <p:nvSpPr>
-          <p:cNvPr id="224" name="Google Shape;224;p8"/>
-          <p:cNvSpPr txBox="1"/>
-          <p:nvPr/>
-        </p:nvSpPr>
-        <p:spPr>
-          <a:xfrm>
-            <a:off x="750075" y="3325675"/>
-            <a:ext cx="1535100" cy="1271100"/>
-          </a:xfrm>
-          <a:prstGeom prst="rect">
-            <a:avLst/>
-          </a:prstGeom>
-          <a:noFill/>
-          <a:ln>
-            <a:noFill/>
-          </a:ln>
-        </p:spPr>
-        <p:txBody>
-          <a:bodyPr anchorCtr="0" anchor="t" bIns="91425" lIns="91425" spcFirstLastPara="1" rIns="91425" wrap="square" tIns="91425">
-            <a:normAutofit/>
-          </a:bodyPr>
-          <a:lstStyle/>
-          <a:p>
-            <a:pPr indent="0" lvl="0" marL="0" marR="0" rtl="0" algn="l">
-              <a:lnSpc>
-                <a:spcPct val="100000"/>
-              </a:lnSpc>
-              <a:spcBef>
-                <a:spcPts val="0"/>
-              </a:spcBef>
-              <a:spcAft>
-                <a:spcPts val="0"/>
-              </a:spcAft>
-              <a:buClr>
-                <a:srgbClr val="000000"/>
-              </a:buClr>
-              <a:buSzPts val="1800"/>
-              <a:buFont typeface="Arial"/>
-              <a:buNone/>
-            </a:pPr>
-            <a:r>
-              <a:rPr i="0" lang="ru" sz="1000" u="none" cap="none" strike="noStrike">
-                <a:solidFill>
-                  <a:schemeClr val="accent1"/>
-                </a:solidFill>
-                <a:latin typeface="Calibri"/>
-                <a:ea typeface="Calibri"/>
-                <a:cs typeface="Calibri"/>
-                <a:sym typeface="Calibri"/>
-              </a:rPr>
-              <a:t>2020: Начало исследований в области ВВа.</a:t>
-            </a:r>
-            <a:endParaRPr i="0" sz="1000" u="none" cap="none" strike="noStrike">
-              <a:solidFill>
-                <a:schemeClr val="accent1"/>
-              </a:solidFill>
-              <a:latin typeface="Calibri"/>
-              <a:ea typeface="Calibri"/>
-              <a:cs typeface="Calibri"/>
-              <a:sym typeface="Calibri"/>
-            </a:endParaRPr>
-          </a:p>
-        </p:txBody>
-      </p:sp>
-      <p:sp>
-        <p:nvSpPr>
-          <p:cNvPr id="225" name="Google Shape;225;p8"/>
-          <p:cNvSpPr txBox="1"/>
-          <p:nvPr/>
-        </p:nvSpPr>
-        <p:spPr>
-          <a:xfrm>
-            <a:off x="2285175" y="1698525"/>
-            <a:ext cx="1654200" cy="1271100"/>
-          </a:xfrm>
-          <a:prstGeom prst="rect">
-            <a:avLst/>
-          </a:prstGeom>
-          <a:noFill/>
-          <a:ln>
-            <a:noFill/>
-          </a:ln>
-        </p:spPr>
-        <p:txBody>
-          <a:bodyPr anchorCtr="0" anchor="t" bIns="91425" lIns="91425" spcFirstLastPara="1" rIns="91425" wrap="square" tIns="91425">
-            <a:normAutofit/>
-          </a:bodyPr>
-          <a:lstStyle/>
-          <a:p>
-            <a:pPr indent="0" lvl="0" marL="0" marR="0" rtl="0" algn="l">
-              <a:lnSpc>
-                <a:spcPct val="100000"/>
-              </a:lnSpc>
-              <a:spcBef>
-                <a:spcPts val="0"/>
-              </a:spcBef>
-              <a:spcAft>
-                <a:spcPts val="0"/>
-              </a:spcAft>
-              <a:buClr>
-                <a:srgbClr val="000000"/>
-              </a:buClr>
-              <a:buSzPts val="1800"/>
-              <a:buFont typeface="Arial"/>
-              <a:buNone/>
-            </a:pPr>
-            <a:r>
-              <a:rPr i="0" lang="ru" sz="1000" u="none" cap="none" strike="noStrike">
-                <a:solidFill>
-                  <a:schemeClr val="accent1"/>
-                </a:solidFill>
-                <a:latin typeface="Calibri"/>
-                <a:ea typeface="Calibri"/>
-                <a:cs typeface="Calibri"/>
-                <a:sym typeface="Calibri"/>
-              </a:rPr>
-              <a:t>2021: Первые результаты и публикации.</a:t>
-            </a:r>
-            <a:endParaRPr i="0" sz="1000" u="none" cap="none" strike="noStrike">
-              <a:solidFill>
-                <a:schemeClr val="accent1"/>
-              </a:solidFill>
-              <a:latin typeface="Calibri"/>
-              <a:ea typeface="Calibri"/>
-              <a:cs typeface="Calibri"/>
-              <a:sym typeface="Calibri"/>
-            </a:endParaRPr>
-          </a:p>
-        </p:txBody>
-      </p:sp>
-      <p:sp>
-        <p:nvSpPr>
-          <p:cNvPr id="226" name="Google Shape;226;p8"/>
-          <p:cNvSpPr txBox="1"/>
-          <p:nvPr/>
-        </p:nvSpPr>
-        <p:spPr>
-          <a:xfrm>
-            <a:off x="3995000" y="3325675"/>
-            <a:ext cx="1654200" cy="1271100"/>
-          </a:xfrm>
-          <a:prstGeom prst="rect">
-            <a:avLst/>
-          </a:prstGeom>
-          <a:noFill/>
-          <a:ln>
-            <a:noFill/>
-          </a:ln>
-        </p:spPr>
-        <p:txBody>
-          <a:bodyPr anchorCtr="0" anchor="t" bIns="91425" lIns="91425" spcFirstLastPara="1" rIns="91425" wrap="square" tIns="91425">
-            <a:normAutofit/>
-          </a:bodyPr>
-          <a:lstStyle/>
-          <a:p>
-            <a:pPr indent="0" lvl="0" marL="0" marR="0" rtl="0" algn="l">
-              <a:lnSpc>
-                <a:spcPct val="100000"/>
-              </a:lnSpc>
-              <a:spcBef>
-                <a:spcPts val="0"/>
-              </a:spcBef>
-              <a:spcAft>
-                <a:spcPts val="0"/>
-              </a:spcAft>
-              <a:buClr>
-                <a:srgbClr val="000000"/>
-              </a:buClr>
-              <a:buSzPts val="1800"/>
-              <a:buFont typeface="Arial"/>
-              <a:buNone/>
-            </a:pPr>
-            <a:r>
-              <a:rPr i="0" lang="ru" sz="1000" u="none" cap="none" strike="noStrike">
-                <a:solidFill>
-                  <a:schemeClr val="accent1"/>
-                </a:solidFill>
-                <a:latin typeface="Calibri"/>
-                <a:ea typeface="Calibri"/>
-                <a:cs typeface="Calibri"/>
-                <a:sym typeface="Calibri"/>
-              </a:rPr>
-              <a:t>2022: Расширение применения технологии ВВа.</a:t>
-            </a:r>
-            <a:endParaRPr i="0" sz="1000" u="none" cap="none" strike="noStrike">
-              <a:solidFill>
-                <a:schemeClr val="accent1"/>
-              </a:solidFill>
-              <a:latin typeface="Calibri"/>
-              <a:ea typeface="Calibri"/>
-              <a:cs typeface="Calibri"/>
-              <a:sym typeface="Calibri"/>
-            </a:endParaRPr>
-          </a:p>
-        </p:txBody>
-      </p:sp>
-      <p:sp>
-        <p:nvSpPr>
-          <p:cNvPr id="227" name="Google Shape;227;p8"/>
-          <p:cNvSpPr txBox="1"/>
-          <p:nvPr/>
-        </p:nvSpPr>
-        <p:spPr>
-          <a:xfrm>
-            <a:off x="5649200" y="1694675"/>
-            <a:ext cx="1654200" cy="1271100"/>
-          </a:xfrm>
-          <a:prstGeom prst="rect">
-            <a:avLst/>
-          </a:prstGeom>
-          <a:noFill/>
-          <a:ln>
-            <a:noFill/>
-          </a:ln>
-        </p:spPr>
-        <p:txBody>
-          <a:bodyPr anchorCtr="0" anchor="t" bIns="91425" lIns="91425" spcFirstLastPara="1" rIns="91425" wrap="square" tIns="91425">
-            <a:normAutofit/>
-          </a:bodyPr>
-          <a:lstStyle/>
-          <a:p>
-            <a:pPr indent="0" lvl="0" marL="0" marR="0" rtl="0" algn="l">
-              <a:lnSpc>
-                <a:spcPct val="100000"/>
-              </a:lnSpc>
-              <a:spcBef>
-                <a:spcPts val="0"/>
-              </a:spcBef>
-              <a:spcAft>
-                <a:spcPts val="0"/>
-              </a:spcAft>
-              <a:buClr>
-                <a:srgbClr val="000000"/>
-              </a:buClr>
-              <a:buSzPts val="1800"/>
-              <a:buFont typeface="Arial"/>
-              <a:buNone/>
-            </a:pPr>
-            <a:r>
-              <a:rPr i="0" lang="ru" sz="1000" u="none" cap="none" strike="noStrike">
-                <a:solidFill>
-                  <a:schemeClr val="accent1"/>
-                </a:solidFill>
-                <a:latin typeface="Calibri"/>
-                <a:ea typeface="Calibri"/>
-                <a:cs typeface="Calibri"/>
-                <a:sym typeface="Calibri"/>
-              </a:rPr>
-              <a:t>2023: Внедрение ВВа в промышленность.</a:t>
-            </a:r>
-            <a:endParaRPr i="0" sz="1000" u="none" cap="none" strike="noStrike">
-              <a:solidFill>
-                <a:schemeClr val="accent1"/>
-              </a:solidFill>
-              <a:latin typeface="Calibri"/>
-              <a:ea typeface="Calibri"/>
-              <a:cs typeface="Calibri"/>
-              <a:sym typeface="Calibri"/>
-            </a:endParaRPr>
-          </a:p>
-        </p:txBody>
-      </p:sp>
-      <p:sp>
-        <p:nvSpPr>
-          <p:cNvPr id="228" name="Google Shape;228;p8"/>
-          <p:cNvSpPr txBox="1"/>
-          <p:nvPr/>
-        </p:nvSpPr>
-        <p:spPr>
-          <a:xfrm>
-            <a:off x="7124800" y="3325675"/>
-            <a:ext cx="1787100" cy="1271100"/>
-          </a:xfrm>
-          <a:prstGeom prst="rect">
-            <a:avLst/>
-          </a:prstGeom>
-          <a:noFill/>
-          <a:ln>
-            <a:noFill/>
-          </a:ln>
-        </p:spPr>
-        <p:txBody>
-          <a:bodyPr anchorCtr="0" anchor="t" bIns="91425" lIns="91425" spcFirstLastPara="1" rIns="91425" wrap="square" tIns="91425">
-            <a:normAutofit/>
-          </a:bodyPr>
-          <a:lstStyle/>
-          <a:p>
-            <a:pPr indent="0" lvl="0" marL="0" marR="0" rtl="0" algn="l">
-              <a:lnSpc>
-                <a:spcPct val="100000"/>
-              </a:lnSpc>
-              <a:spcBef>
-                <a:spcPts val="0"/>
-              </a:spcBef>
-              <a:spcAft>
-                <a:spcPts val="0"/>
-              </a:spcAft>
-              <a:buClr>
-                <a:srgbClr val="000000"/>
-              </a:buClr>
-              <a:buSzPts val="1800"/>
-              <a:buFont typeface="Arial"/>
-              <a:buNone/>
-            </a:pPr>
-            <a:r>
-              <a:rPr i="0" lang="ru" sz="1000" u="none" cap="none" strike="noStrike">
-                <a:solidFill>
-                  <a:schemeClr val="accent1"/>
-                </a:solidFill>
-                <a:latin typeface="Calibri"/>
-                <a:ea typeface="Calibri"/>
-                <a:cs typeface="Calibri"/>
-                <a:sym typeface="Calibri"/>
-              </a:rPr>
-              <a:t>2024: Ожидаемые достижения и перспективы.</a:t>
-            </a:r>
-            <a:endParaRPr i="0" sz="1000" u="none" cap="none" strike="noStrike">
-              <a:solidFill>
-                <a:schemeClr val="accent1"/>
-              </a:solidFill>
-              <a:latin typeface="Calibri"/>
-              <a:ea typeface="Calibri"/>
-              <a:cs typeface="Calibri"/>
-              <a:sym typeface="Calibri"/>
-            </a:endParaRPr>
-          </a:p>
-        </p:txBody>
-      </p:sp>
-      <p:cxnSp>
-        <p:nvCxnSpPr>
-          <p:cNvPr id="229" name="Google Shape;229;p8"/>
-          <p:cNvCxnSpPr/>
-          <p:nvPr/>
-        </p:nvCxnSpPr>
-        <p:spPr>
-          <a:xfrm>
-            <a:off x="2150" y="966675"/>
-            <a:ext cx="9196200" cy="0"/>
-          </a:xfrm>
-          <a:prstGeom prst="straightConnector1">
-            <a:avLst/>
-          </a:prstGeom>
-          <a:noFill/>
-          <a:ln cap="flat" cmpd="sng" w="19050">
-            <a:solidFill>
-              <a:srgbClr val="FEBF23"/>
-            </a:solidFill>
-            <a:prstDash val="solid"/>
-            <a:round/>
-            <a:headEnd len="med" w="med" type="none"/>
-            <a:tailEnd len="med" w="med" type="none"/>
-          </a:ln>
-        </p:spPr>
-      </p:cxnSp>
-      <p:sp>
-        <p:nvSpPr>
-          <p:cNvPr id="230" name="Google Shape;230;p8"/>
-          <p:cNvSpPr/>
-          <p:nvPr/>
-        </p:nvSpPr>
-        <p:spPr>
-          <a:xfrm>
-            <a:off x="-1420075" y="-59875"/>
-            <a:ext cx="1315200" cy="690300"/>
-          </a:xfrm>
-          <a:prstGeom prst="rect">
-            <a:avLst/>
-          </a:prstGeom>
-          <a:solidFill>
-            <a:srgbClr val="F8FAFD"/>
-          </a:solidFill>
-          <a:ln>
-            <a:noFill/>
-          </a:ln>
-        </p:spPr>
-        <p:txBody>
-          <a:bodyPr anchorCtr="0" anchor="ctr" bIns="91425" lIns="91425" spcFirstLastPara="1" rIns="91425" wrap="square" tIns="91425">
-            <a:noAutofit/>
-          </a:bodyPr>
-          <a:lstStyle/>
-          <a:p>
-            <a:pPr indent="0" lvl="0" marL="0" rtl="0" algn="ctr">
-              <a:spcBef>
-                <a:spcPts val="0"/>
-              </a:spcBef>
-              <a:spcAft>
-                <a:spcPts val="0"/>
-              </a:spcAft>
-              <a:buNone/>
-            </a:pPr>
-            <a:r>
-              <a:t/>
-            </a:r>
-            <a:endParaRPr>
-              <a:latin typeface="Calibri"/>
-              <a:ea typeface="Calibri"/>
-              <a:cs typeface="Calibri"/>
-              <a:sym typeface="Calibri"/>
-            </a:endParaRPr>
-          </a:p>
-        </p:txBody>
-      </p:sp>
-    </p:spTree>
-  </p:cSld>
-  <p:clrMapOvr>
-    <a:masterClrMapping/>
-  </p:clrMapOvr>
-</p:sld>
-</file>
-
-<file path=ppt/slides/slide6.xml><?xml version="1.0" encoding="utf-8"?>
-<p:sld xmlns:a="http://schemas.openxmlformats.org/drawingml/2006/main" xmlns:r="http://schemas.openxmlformats.org/officeDocument/2006/relationships" xmlns:mc="http://schemas.openxmlformats.org/markup-compatibility/2006" xmlns:mv="urn:schemas-microsoft-com:mac:vml" xmlns:p="http://schemas.openxmlformats.org/presentationml/2006/main" xmlns:c="http://schemas.openxmlformats.org/drawingml/2006/chart" xmlns:dgm="http://schemas.openxmlformats.org/drawingml/2006/diagram" xmlns:o="urn:schemas-microsoft-com:office:office" xmlns:v="urn:schemas-microsoft-com:vml" xmlns:pvml="urn:schemas-microsoft-com:office:powerpoint" xmlns:com="http://schemas.openxmlformats.org/drawingml/2006/compatibility" xmlns:p14="http://schemas.microsoft.com/office/powerpoint/2010/main" xmlns:p15="http://schemas.microsoft.com/office/powerpoint/2012/main" xmlns:ahyp="http://schemas.microsoft.com/office/drawing/2018/hyperlinkcolor">
-  <p:cSld>
-    <p:spTree>
-      <p:nvGrpSpPr>
         <p:cNvPr id="149" name="Shape 149"/>
         <p:cNvGrpSpPr/>
         <p:nvPr/>
@@ -25296,7 +24658,7 @@
             </a:pPr>
             <a:r>
               <a:rPr lang="ru"/>
-              <a:t>Дополнительные детали по теме ВВа</a:t>
+              <a:t>Итоги и основные выводы по ацац</a:t>
             </a:r>
             <a:endParaRPr/>
           </a:p>
@@ -25343,7 +24705,7 @@
             </a:pPr>
             <a:r>
               <a:rPr lang="ru"/>
-              <a:t>Тема ВВа охватывает множество аспектов, включая исторический контекст.</a:t>
+              <a:t>Тема ацац обладает значительным потенциалом для развития.</a:t>
             </a:r>
             <a:endParaRPr/>
           </a:p>
@@ -25391,7 +24753,7 @@
             </a:pPr>
             <a:r>
               <a:rPr lang="ru"/>
-              <a:t>Основное внимание уделяется современным тенденциям и их влиянию.</a:t>
+              <a:t>Ключевые аспекты требуют детального анализа и оценки.</a:t>
             </a:r>
             <a:endParaRPr/>
           </a:p>
@@ -25439,7 +24801,7 @@
             </a:pPr>
             <a:r>
               <a:rPr lang="ru"/>
-              <a:t>Важным элементом является взаимодействие между ключевыми участниками процесса.</a:t>
+              <a:t>Сравнение подходов помогает выявить лучшие практики.</a:t>
             </a:r>
             <a:endParaRPr/>
           </a:p>
@@ -25487,7 +24849,7 @@
             </a:pPr>
             <a:r>
               <a:rPr lang="ru"/>
-              <a:t>Результаты исследований показывают значимость темы для дальнейшего развития.</a:t>
+              <a:t>Три направления определяют будущее ацац.</a:t>
             </a:r>
             <a:endParaRPr/>
           </a:p>
@@ -25539,7 +24901,7 @@
             </a:pPr>
             <a:r>
               <a:rPr lang="ru"/>
-              <a:t>Необходимы дополнительные исследования для более глубокого понимания.</a:t>
+              <a:t>Важна координация усилий между участниками процесса.</a:t>
             </a:r>
             <a:endParaRPr/>
           </a:p>
@@ -25591,7 +24953,7 @@
             </a:pPr>
             <a:r>
               <a:rPr lang="ru"/>
-              <a:t>Выводы подчеркивают актуальность и важность дальнейшего изучения темы.</a:t>
+              <a:t>Выводы подчеркивают необходимость дальнейших исследований.</a:t>
             </a:r>
             <a:endParaRPr/>
           </a:p>

--- a/result.pptx
+++ b/result.pptx
@@ -13,6 +13,8 @@
     <p:sldId id="258" r:id="rId22"/>
     <p:sldId id="259" r:id="rId23"/>
     <p:sldId id="260" r:id="rId24"/>
+    <p:sldId id="261" r:id="rId25"/>
+    <p:sldId id="262" r:id="rId26"/>
   </p:sldIdLst>
   <p:sldSz cy="5143500" cx="9144000"/>
   <p:notesSz cx="6858000" cy="9144000"/>
@@ -23272,7 +23274,7 @@
             </a:pPr>
             <a:r>
               <a:rPr lang="ru" sz="2600"/>
-              <a:t>Тема презентации: ацац </a:t>
+              <a:t>Наследие Петра I в истории России </a:t>
             </a:r>
             <a:endParaRPr sz="2600"/>
           </a:p>
@@ -23324,7 +23326,7 @@
                   <a:srgbClr val="CEEAE3"/>
                 </a:solidFill>
               </a:rPr>
-              <a:t>Основные аспекты и выводы</a:t>
+              <a:t>Влияние реформ на развитие страны</a:t>
             </a:r>
             <a:endParaRPr sz="1800">
               <a:solidFill>
@@ -23391,1215 +23393,6 @@
 </file>
 
 <file path=ppt/slides/slide2.xml><?xml version="1.0" encoding="utf-8"?>
-<p:sld xmlns:a="http://schemas.openxmlformats.org/drawingml/2006/main" xmlns:r="http://schemas.openxmlformats.org/officeDocument/2006/relationships" xmlns:mc="http://schemas.openxmlformats.org/markup-compatibility/2006" xmlns:mv="urn:schemas-microsoft-com:mac:vml" xmlns:p="http://schemas.openxmlformats.org/presentationml/2006/main" xmlns:c="http://schemas.openxmlformats.org/drawingml/2006/chart" xmlns:dgm="http://schemas.openxmlformats.org/drawingml/2006/diagram" xmlns:o="urn:schemas-microsoft-com:office:office" xmlns:v="urn:schemas-microsoft-com:vml" xmlns:pvml="urn:schemas-microsoft-com:office:powerpoint" xmlns:com="http://schemas.openxmlformats.org/drawingml/2006/compatibility" xmlns:p14="http://schemas.microsoft.com/office/powerpoint/2010/main" xmlns:p15="http://schemas.microsoft.com/office/powerpoint/2012/main" xmlns:ahyp="http://schemas.microsoft.com/office/drawing/2018/hyperlinkcolor">
-  <p:cSld>
-    <p:spTree>
-      <p:nvGrpSpPr>
-        <p:cNvPr id="168" name="Shape 168"/>
-        <p:cNvGrpSpPr/>
-        <p:nvPr/>
-      </p:nvGrpSpPr>
-      <p:grpSpPr>
-        <a:xfrm>
-          <a:off x="0" y="0"/>
-          <a:ext cx="0" cy="0"/>
-          <a:chOff x="0" y="0"/>
-          <a:chExt cx="0" cy="0"/>
-        </a:xfrm>
-      </p:grpSpPr>
-      <p:sp>
-        <p:nvSpPr>
-          <p:cNvPr id="169" name="Google Shape;169;p3"/>
-          <p:cNvSpPr txBox="1"/>
-          <p:nvPr>
-            <p:ph type="title"/>
-          </p:nvPr>
-        </p:nvSpPr>
-        <p:spPr>
-          <a:xfrm>
-            <a:off x="1077675" y="273850"/>
-            <a:ext cx="7800000" cy="994200"/>
-          </a:xfrm>
-          <a:prstGeom prst="rect">
-            <a:avLst/>
-          </a:prstGeom>
-          <a:noFill/>
-          <a:ln>
-            <a:noFill/>
-          </a:ln>
-        </p:spPr>
-        <p:txBody>
-          <a:bodyPr anchorCtr="0" anchor="ctr" bIns="34275" lIns="68575" spcFirstLastPara="1" rIns="68575" wrap="square" tIns="34275">
-            <a:normAutofit/>
-          </a:bodyPr>
-          <a:lstStyle/>
-          <a:p>
-            <a:pPr indent="0" lvl="0" marL="0" rtl="0" algn="r">
-              <a:lnSpc>
-                <a:spcPct val="90000"/>
-              </a:lnSpc>
-              <a:spcBef>
-                <a:spcPts val="0"/>
-              </a:spcBef>
-              <a:spcAft>
-                <a:spcPts val="0"/>
-              </a:spcAft>
-              <a:buSzPts val="1400"/>
-              <a:buNone/>
-            </a:pPr>
-            <a:r>
-              <a:rPr lang="ru"/>
-              <a:t>Ключевые аспекты темы ацац</a:t>
-            </a:r>
-            <a:endParaRPr/>
-          </a:p>
-        </p:txBody>
-      </p:sp>
-      <p:sp>
-        <p:nvSpPr>
-          <p:cNvPr id="170" name="Google Shape;170;p3"/>
-          <p:cNvSpPr txBox="1"/>
-          <p:nvPr>
-            <p:ph idx="1" type="body"/>
-          </p:nvPr>
-        </p:nvSpPr>
-        <p:spPr>
-          <a:xfrm>
-            <a:off x="633050" y="2818125"/>
-            <a:ext cx="3766800" cy="1602600"/>
-          </a:xfrm>
-          <a:prstGeom prst="rect">
-            <a:avLst/>
-          </a:prstGeom>
-          <a:noFill/>
-          <a:ln>
-            <a:noFill/>
-          </a:ln>
-        </p:spPr>
-        <p:txBody>
-          <a:bodyPr anchorCtr="0" anchor="t" bIns="34275" lIns="68575" spcFirstLastPara="1" rIns="68575" wrap="square" tIns="34275">
-            <a:normAutofit/>
-          </a:bodyPr>
-          <a:lstStyle/>
-          <a:p>
-            <a:pPr indent="0" lvl="0" marL="0" rtl="0" algn="l">
-              <a:lnSpc>
-                <a:spcPct val="90000"/>
-              </a:lnSpc>
-              <a:spcBef>
-                <a:spcPts val="800"/>
-              </a:spcBef>
-              <a:spcAft>
-                <a:spcPts val="900"/>
-              </a:spcAft>
-              <a:buClr>
-                <a:schemeClr val="dk1"/>
-              </a:buClr>
-              <a:buSzPts val="1100"/>
-              <a:buFont typeface="Arial"/>
-              <a:buNone/>
-            </a:pPr>
-            <a:r>
-              <a:rPr lang="ru"/>
-              <a:t>Существует несколько подходов к изучению ацац.</a:t>
-            </a:r>
-            <a:endParaRPr/>
-          </a:p>
-        </p:txBody>
-      </p:sp>
-      <p:sp>
-        <p:nvSpPr>
-          <p:cNvPr id="171" name="Google Shape;171;p3"/>
-          <p:cNvSpPr txBox="1"/>
-          <p:nvPr>
-            <p:ph idx="1" type="body"/>
-          </p:nvPr>
-        </p:nvSpPr>
-        <p:spPr>
-          <a:xfrm>
-            <a:off x="4701300" y="1446825"/>
-            <a:ext cx="4088100" cy="1305600"/>
-          </a:xfrm>
-          <a:prstGeom prst="rect">
-            <a:avLst/>
-          </a:prstGeom>
-          <a:noFill/>
-          <a:ln>
-            <a:noFill/>
-          </a:ln>
-        </p:spPr>
-        <p:txBody>
-          <a:bodyPr anchorCtr="0" anchor="t" bIns="34275" lIns="68575" spcFirstLastPara="1" rIns="68575" wrap="square" tIns="34275">
-            <a:normAutofit/>
-          </a:bodyPr>
-          <a:lstStyle/>
-          <a:p>
-            <a:pPr indent="0" lvl="0" marL="0" rtl="0" algn="l">
-              <a:lnSpc>
-                <a:spcPct val="90000"/>
-              </a:lnSpc>
-              <a:spcBef>
-                <a:spcPts val="800"/>
-              </a:spcBef>
-              <a:spcAft>
-                <a:spcPts val="900"/>
-              </a:spcAft>
-              <a:buClr>
-                <a:schemeClr val="dk1"/>
-              </a:buClr>
-              <a:buSzPts val="1100"/>
-              <a:buFont typeface="Arial"/>
-              <a:buNone/>
-            </a:pPr>
-            <a:r>
-              <a:rPr lang="ru"/>
-              <a:t>Анализ ацац позволяет выявить основные тенденции.</a:t>
-            </a:r>
-            <a:endParaRPr/>
-          </a:p>
-        </p:txBody>
-      </p:sp>
-      <p:sp>
-        <p:nvSpPr>
-          <p:cNvPr id="172" name="Google Shape;172;p3"/>
-          <p:cNvSpPr txBox="1"/>
-          <p:nvPr>
-            <p:ph idx="1" type="body"/>
-          </p:nvPr>
-        </p:nvSpPr>
-        <p:spPr>
-          <a:xfrm>
-            <a:off x="4701300" y="2818275"/>
-            <a:ext cx="4088100" cy="1602600"/>
-          </a:xfrm>
-          <a:prstGeom prst="rect">
-            <a:avLst/>
-          </a:prstGeom>
-          <a:noFill/>
-          <a:ln>
-            <a:noFill/>
-          </a:ln>
-        </p:spPr>
-        <p:txBody>
-          <a:bodyPr anchorCtr="0" anchor="t" bIns="34275" lIns="68575" spcFirstLastPara="1" rIns="68575" wrap="square" tIns="34275">
-            <a:normAutofit/>
-          </a:bodyPr>
-          <a:lstStyle/>
-          <a:p>
-            <a:pPr indent="0" lvl="0" marL="0" rtl="0" algn="l">
-              <a:lnSpc>
-                <a:spcPct val="90000"/>
-              </a:lnSpc>
-              <a:spcBef>
-                <a:spcPts val="800"/>
-              </a:spcBef>
-              <a:spcAft>
-                <a:spcPts val="900"/>
-              </a:spcAft>
-              <a:buClr>
-                <a:schemeClr val="dk1"/>
-              </a:buClr>
-              <a:buSzPts val="1100"/>
-              <a:buFont typeface="Arial"/>
-              <a:buNone/>
-            </a:pPr>
-            <a:r>
-              <a:rPr lang="ru"/>
-              <a:t>Практическое применение ацац важно для дальнейших исследований.</a:t>
-            </a:r>
-            <a:endParaRPr/>
-          </a:p>
-        </p:txBody>
-      </p:sp>
-      <p:sp>
-        <p:nvSpPr>
-          <p:cNvPr id="173" name="Google Shape;173;p3"/>
-          <p:cNvSpPr txBox="1"/>
-          <p:nvPr>
-            <p:ph idx="1" type="body"/>
-          </p:nvPr>
-        </p:nvSpPr>
-        <p:spPr>
-          <a:xfrm>
-            <a:off x="633050" y="1446825"/>
-            <a:ext cx="3766800" cy="1305600"/>
-          </a:xfrm>
-          <a:prstGeom prst="rect">
-            <a:avLst/>
-          </a:prstGeom>
-          <a:noFill/>
-          <a:ln>
-            <a:noFill/>
-          </a:ln>
-        </p:spPr>
-        <p:txBody>
-          <a:bodyPr anchorCtr="0" anchor="t" bIns="34275" lIns="68575" spcFirstLastPara="1" rIns="68575" wrap="square" tIns="34275">
-            <a:normAutofit/>
-          </a:bodyPr>
-          <a:lstStyle/>
-          <a:p>
-            <a:pPr indent="0" lvl="0" marL="0" rtl="0" algn="l">
-              <a:lnSpc>
-                <a:spcPct val="90000"/>
-              </a:lnSpc>
-              <a:spcBef>
-                <a:spcPts val="800"/>
-              </a:spcBef>
-              <a:spcAft>
-                <a:spcPts val="900"/>
-              </a:spcAft>
-              <a:buClr>
-                <a:schemeClr val="dk1"/>
-              </a:buClr>
-              <a:buSzPts val="1100"/>
-              <a:buFont typeface="Arial"/>
-              <a:buNone/>
-            </a:pPr>
-            <a:r>
-              <a:rPr lang="ru"/>
-              <a:t>Тема ацац охватывает множество важных вопросов.</a:t>
-            </a:r>
-            <a:endParaRPr/>
-          </a:p>
-        </p:txBody>
-      </p:sp>
-      <p:sp>
-        <p:nvSpPr>
-          <p:cNvPr id="174" name="Google Shape;174;p3"/>
-          <p:cNvSpPr/>
-          <p:nvPr/>
-        </p:nvSpPr>
-        <p:spPr>
-          <a:xfrm>
-            <a:off x="-1420075" y="-59875"/>
-            <a:ext cx="1315200" cy="690300"/>
-          </a:xfrm>
-          <a:prstGeom prst="rect">
-            <a:avLst/>
-          </a:prstGeom>
-          <a:solidFill>
-            <a:srgbClr val="F8FAFD"/>
-          </a:solidFill>
-          <a:ln>
-            <a:noFill/>
-          </a:ln>
-        </p:spPr>
-        <p:txBody>
-          <a:bodyPr anchorCtr="0" anchor="ctr" bIns="91425" lIns="91425" spcFirstLastPara="1" rIns="91425" wrap="square" tIns="91425">
-            <a:noAutofit/>
-          </a:bodyPr>
-          <a:lstStyle/>
-          <a:p>
-            <a:pPr indent="0" lvl="0" marL="0" rtl="0" algn="ctr">
-              <a:spcBef>
-                <a:spcPts val="0"/>
-              </a:spcBef>
-              <a:spcAft>
-                <a:spcPts val="0"/>
-              </a:spcAft>
-              <a:buNone/>
-            </a:pPr>
-            <a:r>
-              <a:t/>
-            </a:r>
-            <a:endParaRPr>
-              <a:latin typeface="Calibri"/>
-              <a:ea typeface="Calibri"/>
-              <a:cs typeface="Calibri"/>
-              <a:sym typeface="Calibri"/>
-            </a:endParaRPr>
-          </a:p>
-        </p:txBody>
-      </p:sp>
-    </p:spTree>
-  </p:cSld>
-  <p:clrMapOvr>
-    <a:masterClrMapping/>
-  </p:clrMapOvr>
-</p:sld>
-</file>
-
-<file path=ppt/slides/slide3.xml><?xml version="1.0" encoding="utf-8"?>
-<p:sld xmlns:a="http://schemas.openxmlformats.org/drawingml/2006/main" xmlns:r="http://schemas.openxmlformats.org/officeDocument/2006/relationships" xmlns:mc="http://schemas.openxmlformats.org/markup-compatibility/2006" xmlns:mv="urn:schemas-microsoft-com:mac:vml" xmlns:p="http://schemas.openxmlformats.org/presentationml/2006/main" xmlns:c="http://schemas.openxmlformats.org/drawingml/2006/chart" xmlns:dgm="http://schemas.openxmlformats.org/drawingml/2006/diagram" xmlns:o="urn:schemas-microsoft-com:office:office" xmlns:v="urn:schemas-microsoft-com:vml" xmlns:pvml="urn:schemas-microsoft-com:office:powerpoint" xmlns:com="http://schemas.openxmlformats.org/drawingml/2006/compatibility" xmlns:p14="http://schemas.microsoft.com/office/powerpoint/2010/main" xmlns:p15="http://schemas.microsoft.com/office/powerpoint/2012/main" xmlns:ahyp="http://schemas.microsoft.com/office/drawing/2018/hyperlinkcolor">
-  <p:cSld>
-    <p:spTree>
-      <p:nvGrpSpPr>
-        <p:cNvPr id="178" name="Shape 178"/>
-        <p:cNvGrpSpPr/>
-        <p:nvPr/>
-      </p:nvGrpSpPr>
-      <p:grpSpPr>
-        <a:xfrm>
-          <a:off x="0" y="0"/>
-          <a:ext cx="0" cy="0"/>
-          <a:chOff x="0" y="0"/>
-          <a:chExt cx="0" cy="0"/>
-        </a:xfrm>
-      </p:grpSpPr>
-      <p:sp>
-        <p:nvSpPr>
-          <p:cNvPr id="179" name="Google Shape;179;p4"/>
-          <p:cNvSpPr txBox="1"/>
-          <p:nvPr>
-            <p:ph type="title"/>
-          </p:nvPr>
-        </p:nvSpPr>
-        <p:spPr>
-          <a:xfrm>
-            <a:off x="258775" y="148650"/>
-            <a:ext cx="8682900" cy="743100"/>
-          </a:xfrm>
-          <a:prstGeom prst="rect">
-            <a:avLst/>
-          </a:prstGeom>
-          <a:noFill/>
-          <a:ln>
-            <a:noFill/>
-          </a:ln>
-        </p:spPr>
-        <p:txBody>
-          <a:bodyPr anchorCtr="0" anchor="ctr" bIns="34275" lIns="68575" spcFirstLastPara="1" rIns="68575" wrap="square" tIns="34275">
-            <a:normAutofit/>
-          </a:bodyPr>
-          <a:lstStyle/>
-          <a:p>
-            <a:pPr indent="0" lvl="0" marL="0" rtl="0" algn="ctr">
-              <a:lnSpc>
-                <a:spcPct val="90000"/>
-              </a:lnSpc>
-              <a:spcBef>
-                <a:spcPts val="0"/>
-              </a:spcBef>
-              <a:spcAft>
-                <a:spcPts val="0"/>
-              </a:spcAft>
-              <a:buSzPts val="3300"/>
-              <a:buNone/>
-            </a:pPr>
-            <a:r>
-              <a:rPr lang="ru"/>
-              <a:t>Сравнение подходов к теме ацац</a:t>
-            </a:r>
-            <a:endParaRPr/>
-          </a:p>
-        </p:txBody>
-      </p:sp>
-      <p:sp>
-        <p:nvSpPr>
-          <p:cNvPr id="180" name="Google Shape;180;p4"/>
-          <p:cNvSpPr txBox="1"/>
-          <p:nvPr>
-            <p:ph idx="1" type="body"/>
-          </p:nvPr>
-        </p:nvSpPr>
-        <p:spPr>
-          <a:xfrm>
-            <a:off x="354775" y="1859600"/>
-            <a:ext cx="4033800" cy="2753100"/>
-          </a:xfrm>
-          <a:prstGeom prst="rect">
-            <a:avLst/>
-          </a:prstGeom>
-          <a:noFill/>
-          <a:ln>
-            <a:noFill/>
-          </a:ln>
-        </p:spPr>
-        <p:txBody>
-          <a:bodyPr anchorCtr="0" anchor="ctr" bIns="34275" lIns="68575" spcFirstLastPara="1" rIns="68575" wrap="square" tIns="34275">
-            <a:normAutofit/>
-          </a:bodyPr>
-          <a:lstStyle/>
-          <a:p>
-            <a:pPr algn="l" marL="342900" indent="-342900">
-              <a:buChar char="•"/>
-            </a:pPr>
-            <a:r>
-              <a:rPr lang="ru" sz="1800"/>
-              <a:t>Фокус на классических принципах и теориях.</a:t>
-            </a:r>
-          </a:p>
-          <a:p>
-            <a:pPr algn="l" marL="342900" indent="-342900">
-              <a:buChar char="•"/>
-            </a:pPr>
-            <a:r>
-              <a:rPr lang="ru" sz="1800"/>
-              <a:t>Использование проверенных временем практик.</a:t>
-            </a:r>
-          </a:p>
-        </p:txBody>
-      </p:sp>
-      <p:sp>
-        <p:nvSpPr>
-          <p:cNvPr id="181" name="Google Shape;181;p4"/>
-          <p:cNvSpPr txBox="1"/>
-          <p:nvPr/>
-        </p:nvSpPr>
-        <p:spPr>
-          <a:xfrm>
-            <a:off x="354775" y="1250575"/>
-            <a:ext cx="4033800" cy="554100"/>
-          </a:xfrm>
-          <a:prstGeom prst="rect">
-            <a:avLst/>
-          </a:prstGeom>
-          <a:noFill/>
-          <a:ln>
-            <a:noFill/>
-          </a:ln>
-        </p:spPr>
-        <p:txBody>
-          <a:bodyPr anchorCtr="0" anchor="t" bIns="91425" lIns="91425" spcFirstLastPara="1" rIns="91425" wrap="square" tIns="91425">
-            <a:spAutoFit/>
-          </a:bodyPr>
-          <a:lstStyle/>
-          <a:p>
-            <a:pPr indent="0" lvl="0" marL="0" marR="0" rtl="0" algn="l">
-              <a:lnSpc>
-                <a:spcPct val="100000"/>
-              </a:lnSpc>
-              <a:spcBef>
-                <a:spcPts val="0"/>
-              </a:spcBef>
-              <a:spcAft>
-                <a:spcPts val="0"/>
-              </a:spcAft>
-              <a:buClr>
-                <a:srgbClr val="000000"/>
-              </a:buClr>
-              <a:buSzPts val="1800"/>
-              <a:buFont typeface="Arial"/>
-              <a:buNone/>
-            </a:pPr>
-            <a:r>
-              <a:rPr i="0" lang="ru" sz="2400" u="none" cap="none" strike="noStrike">
-                <a:solidFill>
-                  <a:srgbClr val="CEEAE3"/>
-                </a:solidFill>
-                <a:latin typeface="Calibri"/>
-                <a:ea typeface="Calibri"/>
-                <a:cs typeface="Calibri"/>
-                <a:sym typeface="Calibri"/>
-              </a:rPr>
-              <a:t>Подход 1: Традиционный метод</a:t>
-            </a:r>
-            <a:endParaRPr i="0" sz="2400" u="none" cap="none" strike="noStrike">
-              <a:solidFill>
-                <a:srgbClr val="CEEAE3"/>
-              </a:solidFill>
-              <a:latin typeface="Calibri"/>
-              <a:ea typeface="Calibri"/>
-              <a:cs typeface="Calibri"/>
-              <a:sym typeface="Calibri"/>
-            </a:endParaRPr>
-          </a:p>
-        </p:txBody>
-      </p:sp>
-      <p:sp>
-        <p:nvSpPr>
-          <p:cNvPr id="182" name="Google Shape;182;p4"/>
-          <p:cNvSpPr txBox="1"/>
-          <p:nvPr>
-            <p:ph idx="1" type="body"/>
-          </p:nvPr>
-        </p:nvSpPr>
-        <p:spPr>
-          <a:xfrm>
-            <a:off x="4572000" y="1859600"/>
-            <a:ext cx="4369800" cy="2753100"/>
-          </a:xfrm>
-          <a:prstGeom prst="rect">
-            <a:avLst/>
-          </a:prstGeom>
-          <a:noFill/>
-          <a:ln>
-            <a:noFill/>
-          </a:ln>
-        </p:spPr>
-        <p:txBody>
-          <a:bodyPr anchorCtr="0" anchor="ctr" bIns="34275" lIns="68575" spcFirstLastPara="1" rIns="68575" wrap="square" tIns="34275">
-            <a:normAutofit/>
-          </a:bodyPr>
-          <a:lstStyle/>
-          <a:p>
-            <a:pPr algn="l" marL="342900" indent="-342900">
-              <a:buChar char="•"/>
-            </a:pPr>
-            <a:r>
-              <a:rPr lang="ru" sz="1800">
-                <a:solidFill>
-                  <a:srgbClr val="CEEAE3"/>
-                </a:solidFill>
-              </a:rPr>
-              <a:t>Внедрение современных технологий и подходов.</a:t>
-            </a:r>
-          </a:p>
-          <a:p>
-            <a:pPr algn="l" marL="342900" indent="-342900">
-              <a:buChar char="•"/>
-            </a:pPr>
-            <a:r>
-              <a:rPr lang="ru" sz="1800">
-                <a:solidFill>
-                  <a:srgbClr val="CEEAE3"/>
-                </a:solidFill>
-              </a:rPr>
-              <a:t>Адаптация к быстро меняющимся условиям.</a:t>
-            </a:r>
-          </a:p>
-        </p:txBody>
-      </p:sp>
-      <p:sp>
-        <p:nvSpPr>
-          <p:cNvPr id="183" name="Google Shape;183;p4"/>
-          <p:cNvSpPr txBox="1"/>
-          <p:nvPr/>
-        </p:nvSpPr>
-        <p:spPr>
-          <a:xfrm>
-            <a:off x="4572000" y="1250575"/>
-            <a:ext cx="4369800" cy="554100"/>
-          </a:xfrm>
-          <a:prstGeom prst="rect">
-            <a:avLst/>
-          </a:prstGeom>
-          <a:noFill/>
-          <a:ln>
-            <a:noFill/>
-          </a:ln>
-        </p:spPr>
-        <p:txBody>
-          <a:bodyPr anchorCtr="0" anchor="t" bIns="91425" lIns="91425" spcFirstLastPara="1" rIns="91425" wrap="square" tIns="91425">
-            <a:spAutoFit/>
-          </a:bodyPr>
-          <a:lstStyle/>
-          <a:p>
-            <a:pPr indent="0" lvl="0" marL="0" marR="0" rtl="0" algn="l">
-              <a:lnSpc>
-                <a:spcPct val="100000"/>
-              </a:lnSpc>
-              <a:spcBef>
-                <a:spcPts val="0"/>
-              </a:spcBef>
-              <a:spcAft>
-                <a:spcPts val="0"/>
-              </a:spcAft>
-              <a:buClr>
-                <a:srgbClr val="000000"/>
-              </a:buClr>
-              <a:buSzPts val="1800"/>
-              <a:buFont typeface="Arial"/>
-              <a:buNone/>
-            </a:pPr>
-            <a:r>
-              <a:rPr i="0" lang="ru" sz="2400" u="none" cap="none" strike="noStrike">
-                <a:solidFill>
-                  <a:srgbClr val="CEEAE3"/>
-                </a:solidFill>
-                <a:latin typeface="Calibri"/>
-                <a:ea typeface="Calibri"/>
-                <a:cs typeface="Calibri"/>
-                <a:sym typeface="Calibri"/>
-              </a:rPr>
-              <a:t>Подход 2: Инновационный метод</a:t>
-            </a:r>
-            <a:endParaRPr i="0" sz="2400" u="none" cap="none" strike="noStrike">
-              <a:solidFill>
-                <a:srgbClr val="CEEAE3"/>
-              </a:solidFill>
-              <a:latin typeface="Calibri"/>
-              <a:ea typeface="Calibri"/>
-              <a:cs typeface="Calibri"/>
-              <a:sym typeface="Calibri"/>
-            </a:endParaRPr>
-          </a:p>
-        </p:txBody>
-      </p:sp>
-      <p:cxnSp>
-        <p:nvCxnSpPr>
-          <p:cNvPr id="184" name="Google Shape;184;p4"/>
-          <p:cNvCxnSpPr/>
-          <p:nvPr/>
-        </p:nvCxnSpPr>
-        <p:spPr>
-          <a:xfrm>
-            <a:off x="2150" y="966675"/>
-            <a:ext cx="9196200" cy="0"/>
-          </a:xfrm>
-          <a:prstGeom prst="straightConnector1">
-            <a:avLst/>
-          </a:prstGeom>
-          <a:noFill/>
-          <a:ln cap="flat" cmpd="sng" w="19050">
-            <a:solidFill>
-              <a:srgbClr val="FEBF23"/>
-            </a:solidFill>
-            <a:prstDash val="solid"/>
-            <a:round/>
-            <a:headEnd len="med" w="med" type="none"/>
-            <a:tailEnd len="med" w="med" type="none"/>
-          </a:ln>
-        </p:spPr>
-      </p:cxnSp>
-      <p:sp>
-        <p:nvSpPr>
-          <p:cNvPr id="185" name="Google Shape;185;p4"/>
-          <p:cNvSpPr/>
-          <p:nvPr/>
-        </p:nvSpPr>
-        <p:spPr>
-          <a:xfrm>
-            <a:off x="-1420075" y="-59875"/>
-            <a:ext cx="1315200" cy="690300"/>
-          </a:xfrm>
-          <a:prstGeom prst="rect">
-            <a:avLst/>
-          </a:prstGeom>
-          <a:solidFill>
-            <a:srgbClr val="F8FAFD"/>
-          </a:solidFill>
-          <a:ln>
-            <a:noFill/>
-          </a:ln>
-        </p:spPr>
-        <p:txBody>
-          <a:bodyPr anchorCtr="0" anchor="ctr" bIns="91425" lIns="91425" spcFirstLastPara="1" rIns="91425" wrap="square" tIns="91425">
-            <a:noAutofit/>
-          </a:bodyPr>
-          <a:lstStyle/>
-          <a:p>
-            <a:pPr indent="0" lvl="0" marL="0" rtl="0" algn="ctr">
-              <a:spcBef>
-                <a:spcPts val="0"/>
-              </a:spcBef>
-              <a:spcAft>
-                <a:spcPts val="0"/>
-              </a:spcAft>
-              <a:buNone/>
-            </a:pPr>
-            <a:r>
-              <a:t/>
-            </a:r>
-            <a:endParaRPr>
-              <a:latin typeface="Calibri"/>
-              <a:ea typeface="Calibri"/>
-              <a:cs typeface="Calibri"/>
-              <a:sym typeface="Calibri"/>
-            </a:endParaRPr>
-          </a:p>
-        </p:txBody>
-      </p:sp>
-    </p:spTree>
-  </p:cSld>
-  <p:clrMapOvr>
-    <a:masterClrMapping/>
-  </p:clrMapOvr>
-</p:sld>
-</file>
-
-<file path=ppt/slides/slide4.xml><?xml version="1.0" encoding="utf-8"?>
-<p:sld xmlns:a="http://schemas.openxmlformats.org/drawingml/2006/main" xmlns:r="http://schemas.openxmlformats.org/officeDocument/2006/relationships" xmlns:mc="http://schemas.openxmlformats.org/markup-compatibility/2006" xmlns:mv="urn:schemas-microsoft-com:mac:vml" xmlns:p="http://schemas.openxmlformats.org/presentationml/2006/main" xmlns:c="http://schemas.openxmlformats.org/drawingml/2006/chart" xmlns:dgm="http://schemas.openxmlformats.org/drawingml/2006/diagram" xmlns:o="urn:schemas-microsoft-com:office:office" xmlns:v="urn:schemas-microsoft-com:vml" xmlns:pvml="urn:schemas-microsoft-com:office:powerpoint" xmlns:com="http://schemas.openxmlformats.org/drawingml/2006/compatibility" xmlns:p14="http://schemas.microsoft.com/office/powerpoint/2010/main" xmlns:p15="http://schemas.microsoft.com/office/powerpoint/2012/main" xmlns:ahyp="http://schemas.microsoft.com/office/drawing/2018/hyperlinkcolor">
-  <p:cSld>
-    <p:spTree>
-      <p:nvGrpSpPr>
-        <p:cNvPr id="203" name="Shape 203"/>
-        <p:cNvGrpSpPr/>
-        <p:nvPr/>
-      </p:nvGrpSpPr>
-      <p:grpSpPr>
-        <a:xfrm>
-          <a:off x="0" y="0"/>
-          <a:ext cx="0" cy="0"/>
-          <a:chOff x="0" y="0"/>
-          <a:chExt cx="0" cy="0"/>
-        </a:xfrm>
-      </p:grpSpPr>
-      <p:sp>
-        <p:nvSpPr>
-          <p:cNvPr id="204" name="Google Shape;204;p7"/>
-          <p:cNvSpPr txBox="1"/>
-          <p:nvPr>
-            <p:ph type="title"/>
-          </p:nvPr>
-        </p:nvSpPr>
-        <p:spPr>
-          <a:xfrm>
-            <a:off x="311700" y="188375"/>
-            <a:ext cx="8520600" cy="667200"/>
-          </a:xfrm>
-          <a:prstGeom prst="rect">
-            <a:avLst/>
-          </a:prstGeom>
-          <a:noFill/>
-          <a:ln>
-            <a:noFill/>
-          </a:ln>
-        </p:spPr>
-        <p:txBody>
-          <a:bodyPr anchorCtr="0" anchor="ctr" bIns="34275" lIns="68575" spcFirstLastPara="1" rIns="68575" wrap="square" tIns="34275">
-            <a:normAutofit/>
-          </a:bodyPr>
-          <a:lstStyle/>
-          <a:p>
-            <a:pPr indent="0" lvl="0" marL="0" rtl="0" algn="ctr">
-              <a:lnSpc>
-                <a:spcPct val="90000"/>
-              </a:lnSpc>
-              <a:spcBef>
-                <a:spcPts val="0"/>
-              </a:spcBef>
-              <a:spcAft>
-                <a:spcPts val="0"/>
-              </a:spcAft>
-              <a:buSzPts val="3300"/>
-              <a:buNone/>
-            </a:pPr>
-            <a:r>
-              <a:rPr lang="ru"/>
-              <a:t>Основные направления темы ацац </a:t>
-            </a:r>
-            <a:endParaRPr/>
-          </a:p>
-        </p:txBody>
-      </p:sp>
-      <p:sp>
-        <p:nvSpPr>
-          <p:cNvPr id="205" name="Google Shape;205;p7"/>
-          <p:cNvSpPr txBox="1"/>
-          <p:nvPr>
-            <p:ph idx="1" type="body"/>
-          </p:nvPr>
-        </p:nvSpPr>
-        <p:spPr>
-          <a:xfrm>
-            <a:off x="311800" y="1040475"/>
-            <a:ext cx="2525100" cy="709500"/>
-          </a:xfrm>
-          <a:prstGeom prst="rect">
-            <a:avLst/>
-          </a:prstGeom>
-          <a:noFill/>
-          <a:ln>
-            <a:noFill/>
-          </a:ln>
-        </p:spPr>
-        <p:txBody>
-          <a:bodyPr anchorCtr="0" anchor="ctr" bIns="34275" lIns="68575" spcFirstLastPara="1" rIns="68575" wrap="square" tIns="34275">
-            <a:normAutofit/>
-          </a:bodyPr>
-          <a:lstStyle/>
-          <a:p>
-            <a:pPr indent="0" lvl="0" marL="0" rtl="0" algn="ctr">
-              <a:lnSpc>
-                <a:spcPct val="90000"/>
-              </a:lnSpc>
-              <a:spcBef>
-                <a:spcPts val="800"/>
-              </a:spcBef>
-              <a:spcAft>
-                <a:spcPts val="0"/>
-              </a:spcAft>
-              <a:buClr>
-                <a:schemeClr val="dk1"/>
-              </a:buClr>
-              <a:buSzPts val="1100"/>
-              <a:buFont typeface="Arial"/>
-              <a:buNone/>
-            </a:pPr>
-            <a:r>
-              <a:rPr b="1" lang="ru" sz="1600"/>
-              <a:t>Первое направление </a:t>
-            </a:r>
-            <a:endParaRPr b="1" sz="1600"/>
-          </a:p>
-        </p:txBody>
-      </p:sp>
-      <p:sp>
-        <p:nvSpPr>
-          <p:cNvPr id="206" name="Google Shape;206;p7"/>
-          <p:cNvSpPr txBox="1"/>
-          <p:nvPr>
-            <p:ph idx="1" type="body"/>
-          </p:nvPr>
-        </p:nvSpPr>
-        <p:spPr>
-          <a:xfrm>
-            <a:off x="3054100" y="1040475"/>
-            <a:ext cx="2711100" cy="667200"/>
-          </a:xfrm>
-          <a:prstGeom prst="rect">
-            <a:avLst/>
-          </a:prstGeom>
-          <a:noFill/>
-          <a:ln>
-            <a:noFill/>
-          </a:ln>
-        </p:spPr>
-        <p:txBody>
-          <a:bodyPr anchorCtr="0" anchor="ctr" bIns="34275" lIns="68575" spcFirstLastPara="1" rIns="68575" wrap="square" tIns="34275">
-            <a:normAutofit/>
-          </a:bodyPr>
-          <a:lstStyle/>
-          <a:p>
-            <a:pPr indent="0" lvl="0" marL="0" rtl="0" algn="ctr">
-              <a:lnSpc>
-                <a:spcPct val="90000"/>
-              </a:lnSpc>
-              <a:spcBef>
-                <a:spcPts val="800"/>
-              </a:spcBef>
-              <a:spcAft>
-                <a:spcPts val="0"/>
-              </a:spcAft>
-              <a:buClr>
-                <a:schemeClr val="dk1"/>
-              </a:buClr>
-              <a:buSzPts val="1100"/>
-              <a:buFont typeface="Arial"/>
-              <a:buNone/>
-            </a:pPr>
-            <a:r>
-              <a:rPr b="1" lang="ru" sz="1600"/>
-              <a:t>Второе направление</a:t>
-            </a:r>
-            <a:endParaRPr b="1" sz="1600"/>
-          </a:p>
-        </p:txBody>
-      </p:sp>
-      <p:sp>
-        <p:nvSpPr>
-          <p:cNvPr id="207" name="Google Shape;207;p7"/>
-          <p:cNvSpPr txBox="1"/>
-          <p:nvPr>
-            <p:ph idx="1" type="body"/>
-          </p:nvPr>
-        </p:nvSpPr>
-        <p:spPr>
-          <a:xfrm>
-            <a:off x="5982400" y="1040475"/>
-            <a:ext cx="2711100" cy="667200"/>
-          </a:xfrm>
-          <a:prstGeom prst="rect">
-            <a:avLst/>
-          </a:prstGeom>
-          <a:noFill/>
-          <a:ln>
-            <a:noFill/>
-          </a:ln>
-        </p:spPr>
-        <p:txBody>
-          <a:bodyPr anchorCtr="0" anchor="ctr" bIns="34275" lIns="68575" spcFirstLastPara="1" rIns="68575" wrap="square" tIns="34275">
-            <a:normAutofit/>
-          </a:bodyPr>
-          <a:lstStyle/>
-          <a:p>
-            <a:pPr indent="0" lvl="0" marL="0" rtl="0" algn="ctr">
-              <a:lnSpc>
-                <a:spcPct val="90000"/>
-              </a:lnSpc>
-              <a:spcBef>
-                <a:spcPts val="800"/>
-              </a:spcBef>
-              <a:spcAft>
-                <a:spcPts val="0"/>
-              </a:spcAft>
-              <a:buClr>
-                <a:schemeClr val="dk1"/>
-              </a:buClr>
-              <a:buSzPts val="1100"/>
-              <a:buFont typeface="Arial"/>
-              <a:buNone/>
-            </a:pPr>
-            <a:r>
-              <a:rPr b="1" lang="ru" sz="1600"/>
-              <a:t>Третье направление</a:t>
-            </a:r>
-            <a:endParaRPr b="1" sz="1600"/>
-          </a:p>
-        </p:txBody>
-      </p:sp>
-      <p:sp>
-        <p:nvSpPr>
-          <p:cNvPr id="208" name="Google Shape;208;p7"/>
-          <p:cNvSpPr txBox="1"/>
-          <p:nvPr/>
-        </p:nvSpPr>
-        <p:spPr>
-          <a:xfrm>
-            <a:off x="311700" y="2029375"/>
-            <a:ext cx="2525100" cy="2883000"/>
-          </a:xfrm>
-          <a:prstGeom prst="rect">
-            <a:avLst/>
-          </a:prstGeom>
-          <a:noFill/>
-          <a:ln>
-            <a:noFill/>
-          </a:ln>
-        </p:spPr>
-        <p:txBody>
-          <a:bodyPr anchorCtr="0" anchor="ctr" bIns="91425" lIns="91425" spcFirstLastPara="1" rIns="91425" wrap="square" tIns="91425">
-            <a:normAutofit/>
-          </a:bodyPr>
-          <a:lstStyle/>
-          <a:p>
-            <a:pPr indent="0" lvl="0" marL="0" marR="0" rtl="0" algn="l">
-              <a:lnSpc>
-                <a:spcPct val="115000"/>
-              </a:lnSpc>
-              <a:spcBef>
-                <a:spcPts val="0"/>
-              </a:spcBef>
-              <a:spcAft>
-                <a:spcPts val="1200"/>
-              </a:spcAft>
-              <a:buClr>
-                <a:srgbClr val="000000"/>
-              </a:buClr>
-              <a:buSzPts val="1500"/>
-              <a:buFont typeface="Arial"/>
-              <a:buNone/>
-            </a:pPr>
-            <a:r>
-              <a:rPr i="0" lang="ru" u="none" cap="none" strike="noStrike">
-                <a:solidFill>
-                  <a:srgbClr val="CEEAE3"/>
-                </a:solidFill>
-                <a:latin typeface="Calibri"/>
-                <a:ea typeface="Calibri"/>
-                <a:cs typeface="Calibri"/>
-                <a:sym typeface="Calibri"/>
-              </a:rPr>
-              <a:t>Описание первого направления, его особенности и преимущества. </a:t>
-            </a:r>
-            <a:endParaRPr i="0" u="none" cap="none" strike="noStrike">
-              <a:solidFill>
-                <a:srgbClr val="CEEAE3"/>
-              </a:solidFill>
-              <a:latin typeface="Calibri"/>
-              <a:ea typeface="Calibri"/>
-              <a:cs typeface="Calibri"/>
-              <a:sym typeface="Calibri"/>
-            </a:endParaRPr>
-          </a:p>
-        </p:txBody>
-      </p:sp>
-      <p:sp>
-        <p:nvSpPr>
-          <p:cNvPr id="209" name="Google Shape;209;p7"/>
-          <p:cNvSpPr txBox="1"/>
-          <p:nvPr/>
-        </p:nvSpPr>
-        <p:spPr>
-          <a:xfrm>
-            <a:off x="3054100" y="2029375"/>
-            <a:ext cx="2711100" cy="2883000"/>
-          </a:xfrm>
-          <a:prstGeom prst="rect">
-            <a:avLst/>
-          </a:prstGeom>
-          <a:noFill/>
-          <a:ln>
-            <a:noFill/>
-          </a:ln>
-        </p:spPr>
-        <p:txBody>
-          <a:bodyPr anchorCtr="0" anchor="ctr" bIns="91425" lIns="91425" spcFirstLastPara="1" rIns="91425" wrap="square" tIns="91425">
-            <a:normAutofit/>
-          </a:bodyPr>
-          <a:lstStyle/>
-          <a:p>
-            <a:pPr indent="0" lvl="0" marL="0" marR="0" rtl="0" algn="l">
-              <a:lnSpc>
-                <a:spcPct val="115000"/>
-              </a:lnSpc>
-              <a:spcBef>
-                <a:spcPts val="0"/>
-              </a:spcBef>
-              <a:spcAft>
-                <a:spcPts val="1200"/>
-              </a:spcAft>
-              <a:buClr>
-                <a:srgbClr val="000000"/>
-              </a:buClr>
-              <a:buSzPts val="1500"/>
-              <a:buFont typeface="Arial"/>
-              <a:buNone/>
-            </a:pPr>
-            <a:r>
-              <a:rPr i="0" lang="ru" u="none" cap="none" strike="noStrike">
-                <a:solidFill>
-                  <a:srgbClr val="CEEAE3"/>
-                </a:solidFill>
-                <a:latin typeface="Calibri"/>
-                <a:ea typeface="Calibri"/>
-                <a:cs typeface="Calibri"/>
-                <a:sym typeface="Calibri"/>
-              </a:rPr>
-              <a:t>Анализ второго направления, включая ключевые характеристики. </a:t>
-            </a:r>
-            <a:endParaRPr i="0" u="none" cap="none" strike="noStrike">
-              <a:solidFill>
-                <a:srgbClr val="CEEAE3"/>
-              </a:solidFill>
-              <a:latin typeface="Calibri"/>
-              <a:ea typeface="Calibri"/>
-              <a:cs typeface="Calibri"/>
-              <a:sym typeface="Calibri"/>
-            </a:endParaRPr>
-          </a:p>
-        </p:txBody>
-      </p:sp>
-      <p:sp>
-        <p:nvSpPr>
-          <p:cNvPr id="210" name="Google Shape;210;p7"/>
-          <p:cNvSpPr txBox="1"/>
-          <p:nvPr/>
-        </p:nvSpPr>
-        <p:spPr>
-          <a:xfrm>
-            <a:off x="5982500" y="2029375"/>
-            <a:ext cx="2711100" cy="2883000"/>
-          </a:xfrm>
-          <a:prstGeom prst="rect">
-            <a:avLst/>
-          </a:prstGeom>
-          <a:noFill/>
-          <a:ln>
-            <a:noFill/>
-          </a:ln>
-        </p:spPr>
-        <p:txBody>
-          <a:bodyPr anchorCtr="0" anchor="ctr" bIns="91425" lIns="91425" spcFirstLastPara="1" rIns="91425" wrap="square" tIns="91425">
-            <a:normAutofit/>
-          </a:bodyPr>
-          <a:lstStyle/>
-          <a:p>
-            <a:pPr indent="0" lvl="0" marL="0" marR="0" rtl="0" algn="l">
-              <a:lnSpc>
-                <a:spcPct val="115000"/>
-              </a:lnSpc>
-              <a:spcBef>
-                <a:spcPts val="0"/>
-              </a:spcBef>
-              <a:spcAft>
-                <a:spcPts val="1200"/>
-              </a:spcAft>
-              <a:buClr>
-                <a:srgbClr val="000000"/>
-              </a:buClr>
-              <a:buSzPts val="1500"/>
-              <a:buFont typeface="Arial"/>
-              <a:buNone/>
-            </a:pPr>
-            <a:r>
-              <a:rPr i="0" lang="ru" u="none" cap="none" strike="noStrike">
-                <a:solidFill>
-                  <a:srgbClr val="CEEAE3"/>
-                </a:solidFill>
-                <a:latin typeface="Calibri"/>
-                <a:ea typeface="Calibri"/>
-                <a:cs typeface="Calibri"/>
-                <a:sym typeface="Calibri"/>
-              </a:rPr>
-              <a:t>Обзор третьего направления и его влияние на общую тему. </a:t>
-            </a:r>
-            <a:endParaRPr i="0" u="none" cap="none" strike="noStrike">
-              <a:solidFill>
-                <a:srgbClr val="CEEAE3"/>
-              </a:solidFill>
-              <a:latin typeface="Calibri"/>
-              <a:ea typeface="Calibri"/>
-              <a:cs typeface="Calibri"/>
-              <a:sym typeface="Calibri"/>
-            </a:endParaRPr>
-          </a:p>
-        </p:txBody>
-      </p:sp>
-      <p:cxnSp>
-        <p:nvCxnSpPr>
-          <p:cNvPr id="211" name="Google Shape;211;p7"/>
-          <p:cNvCxnSpPr/>
-          <p:nvPr/>
-        </p:nvCxnSpPr>
-        <p:spPr>
-          <a:xfrm>
-            <a:off x="2150" y="966675"/>
-            <a:ext cx="9196200" cy="0"/>
-          </a:xfrm>
-          <a:prstGeom prst="straightConnector1">
-            <a:avLst/>
-          </a:prstGeom>
-          <a:noFill/>
-          <a:ln cap="flat" cmpd="sng" w="19050">
-            <a:solidFill>
-              <a:srgbClr val="FEBF23"/>
-            </a:solidFill>
-            <a:prstDash val="solid"/>
-            <a:round/>
-            <a:headEnd len="med" w="med" type="none"/>
-            <a:tailEnd len="med" w="med" type="none"/>
-          </a:ln>
-        </p:spPr>
-      </p:cxnSp>
-      <p:sp>
-        <p:nvSpPr>
-          <p:cNvPr id="212" name="Google Shape;212;p7"/>
-          <p:cNvSpPr/>
-          <p:nvPr/>
-        </p:nvSpPr>
-        <p:spPr>
-          <a:xfrm>
-            <a:off x="-1420075" y="-59875"/>
-            <a:ext cx="1315200" cy="690300"/>
-          </a:xfrm>
-          <a:prstGeom prst="rect">
-            <a:avLst/>
-          </a:prstGeom>
-          <a:solidFill>
-            <a:srgbClr val="F8FAFD"/>
-          </a:solidFill>
-          <a:ln>
-            <a:noFill/>
-          </a:ln>
-        </p:spPr>
-        <p:txBody>
-          <a:bodyPr anchorCtr="0" anchor="ctr" bIns="91425" lIns="91425" spcFirstLastPara="1" rIns="91425" wrap="square" tIns="91425">
-            <a:noAutofit/>
-          </a:bodyPr>
-          <a:lstStyle/>
-          <a:p>
-            <a:pPr indent="0" lvl="0" marL="0" rtl="0" algn="ctr">
-              <a:spcBef>
-                <a:spcPts val="0"/>
-              </a:spcBef>
-              <a:spcAft>
-                <a:spcPts val="0"/>
-              </a:spcAft>
-              <a:buNone/>
-            </a:pPr>
-            <a:r>
-              <a:t/>
-            </a:r>
-            <a:endParaRPr>
-              <a:latin typeface="Calibri"/>
-              <a:ea typeface="Calibri"/>
-              <a:cs typeface="Calibri"/>
-              <a:sym typeface="Calibri"/>
-            </a:endParaRPr>
-          </a:p>
-        </p:txBody>
-      </p:sp>
-    </p:spTree>
-  </p:cSld>
-  <p:clrMapOvr>
-    <a:masterClrMapping/>
-  </p:clrMapOvr>
-</p:sld>
-</file>
-
-<file path=ppt/slides/slide5.xml><?xml version="1.0" encoding="utf-8"?>
 <p:sld xmlns:a="http://schemas.openxmlformats.org/drawingml/2006/main" xmlns:r="http://schemas.openxmlformats.org/officeDocument/2006/relationships" xmlns:mc="http://schemas.openxmlformats.org/markup-compatibility/2006" xmlns:mv="urn:schemas-microsoft-com:mac:vml" xmlns:p="http://schemas.openxmlformats.org/presentationml/2006/main" xmlns:c="http://schemas.openxmlformats.org/drawingml/2006/chart" xmlns:dgm="http://schemas.openxmlformats.org/drawingml/2006/diagram" xmlns:o="urn:schemas-microsoft-com:office:office" xmlns:v="urn:schemas-microsoft-com:vml" xmlns:pvml="urn:schemas-microsoft-com:office:powerpoint" xmlns:com="http://schemas.openxmlformats.org/drawingml/2006/compatibility" xmlns:p14="http://schemas.microsoft.com/office/powerpoint/2010/main" xmlns:p15="http://schemas.microsoft.com/office/powerpoint/2012/main" xmlns:ahyp="http://schemas.microsoft.com/office/drawing/2018/hyperlinkcolor">
   <p:cSld>
     <p:spTree>
@@ -24658,7 +23451,7 @@
             </a:pPr>
             <a:r>
               <a:rPr lang="ru"/>
-              <a:t>Итоги и основные выводы по ацац</a:t>
+              <a:t>Основные достижения Петра I в реформах</a:t>
             </a:r>
             <a:endParaRPr/>
           </a:p>
@@ -24705,7 +23498,7 @@
             </a:pPr>
             <a:r>
               <a:rPr lang="ru"/>
-              <a:t>Тема ацац обладает значительным потенциалом для развития.</a:t>
+              <a:t>Петр I создал регулярную армию по европейскому образцу, что значительно укрепило военную мощь России.</a:t>
             </a:r>
             <a:endParaRPr/>
           </a:p>
@@ -24753,7 +23546,7 @@
             </a:pPr>
             <a:r>
               <a:rPr lang="ru"/>
-              <a:t>Ключевые аспекты требуют детального анализа и оценки.</a:t>
+              <a:t>Он основал русский флот, что позволило России стать морской державой и расширить свои границы.</a:t>
             </a:r>
             <a:endParaRPr/>
           </a:p>
@@ -24801,7 +23594,7 @@
             </a:pPr>
             <a:r>
               <a:rPr lang="ru"/>
-              <a:t>Сравнение подходов помогает выявить лучшие практики.</a:t>
+              <a:t>Петр реформировал государственное управление, заменив старую систему приказов на коллегиальную.</a:t>
             </a:r>
             <a:endParaRPr/>
           </a:p>
@@ -24849,7 +23642,7 @@
             </a:pPr>
             <a:r>
               <a:rPr lang="ru"/>
-              <a:t>Три направления определяют будущее ацац.</a:t>
+              <a:t>Он основал Сенат и другие органы власти, что способствовало централизации управления.</a:t>
             </a:r>
             <a:endParaRPr/>
           </a:p>
@@ -24901,7 +23694,7 @@
             </a:pPr>
             <a:r>
               <a:rPr lang="ru"/>
-              <a:t>Важна координация усилий между участниками процесса.</a:t>
+              <a:t>Активное развитие науки и образования привело к интеграции России в европейскую цивилизацию.</a:t>
             </a:r>
             <a:endParaRPr/>
           </a:p>
@@ -24953,7 +23746,7 @@
             </a:pPr>
             <a:r>
               <a:rPr lang="ru"/>
-              <a:t>Выводы подчеркивают необходимость дальнейших исследований.</a:t>
+              <a:t>Петр способствовал экономическим преобразованиям, улучшив промышленность и налоговую систему страны.</a:t>
             </a:r>
             <a:endParaRPr/>
           </a:p>
@@ -25156,6 +23949,2124 @@
       <p:sp>
         <p:nvSpPr>
           <p:cNvPr id="164" name="Google Shape;164;p2"/>
+          <p:cNvSpPr/>
+          <p:nvPr/>
+        </p:nvSpPr>
+        <p:spPr>
+          <a:xfrm>
+            <a:off x="-1420075" y="-59875"/>
+            <a:ext cx="1315200" cy="690300"/>
+          </a:xfrm>
+          <a:prstGeom prst="rect">
+            <a:avLst/>
+          </a:prstGeom>
+          <a:solidFill>
+            <a:srgbClr val="F8FAFD"/>
+          </a:solidFill>
+          <a:ln>
+            <a:noFill/>
+          </a:ln>
+        </p:spPr>
+        <p:txBody>
+          <a:bodyPr anchorCtr="0" anchor="ctr" bIns="91425" lIns="91425" spcFirstLastPara="1" rIns="91425" wrap="square" tIns="91425">
+            <a:noAutofit/>
+          </a:bodyPr>
+          <a:lstStyle/>
+          <a:p>
+            <a:pPr indent="0" lvl="0" marL="0" rtl="0" algn="ctr">
+              <a:spcBef>
+                <a:spcPts val="0"/>
+              </a:spcBef>
+              <a:spcAft>
+                <a:spcPts val="0"/>
+              </a:spcAft>
+              <a:buNone/>
+            </a:pPr>
+            <a:r>
+              <a:t/>
+            </a:r>
+            <a:endParaRPr>
+              <a:latin typeface="Calibri"/>
+              <a:ea typeface="Calibri"/>
+              <a:cs typeface="Calibri"/>
+              <a:sym typeface="Calibri"/>
+            </a:endParaRPr>
+          </a:p>
+        </p:txBody>
+      </p:sp>
+    </p:spTree>
+  </p:cSld>
+  <p:clrMapOvr>
+    <a:masterClrMapping/>
+  </p:clrMapOvr>
+</p:sld>
+</file>
+
+<file path=ppt/slides/slide3.xml><?xml version="1.0" encoding="utf-8"?>
+<p:sld xmlns:a="http://schemas.openxmlformats.org/drawingml/2006/main" xmlns:r="http://schemas.openxmlformats.org/officeDocument/2006/relationships" xmlns:mc="http://schemas.openxmlformats.org/markup-compatibility/2006" xmlns:mv="urn:schemas-microsoft-com:mac:vml" xmlns:p="http://schemas.openxmlformats.org/presentationml/2006/main" xmlns:c="http://schemas.openxmlformats.org/drawingml/2006/chart" xmlns:dgm="http://schemas.openxmlformats.org/drawingml/2006/diagram" xmlns:o="urn:schemas-microsoft-com:office:office" xmlns:v="urn:schemas-microsoft-com:vml" xmlns:pvml="urn:schemas-microsoft-com:office:powerpoint" xmlns:com="http://schemas.openxmlformats.org/drawingml/2006/compatibility" xmlns:p14="http://schemas.microsoft.com/office/powerpoint/2010/main" xmlns:p15="http://schemas.microsoft.com/office/powerpoint/2012/main" xmlns:ahyp="http://schemas.microsoft.com/office/drawing/2018/hyperlinkcolor">
+  <p:cSld>
+    <p:spTree>
+      <p:nvGrpSpPr>
+        <p:cNvPr id="178" name="Shape 178"/>
+        <p:cNvGrpSpPr/>
+        <p:nvPr/>
+      </p:nvGrpSpPr>
+      <p:grpSpPr>
+        <a:xfrm>
+          <a:off x="0" y="0"/>
+          <a:ext cx="0" cy="0"/>
+          <a:chOff x="0" y="0"/>
+          <a:chExt cx="0" cy="0"/>
+        </a:xfrm>
+      </p:grpSpPr>
+      <p:sp>
+        <p:nvSpPr>
+          <p:cNvPr id="179" name="Google Shape;179;p4"/>
+          <p:cNvSpPr txBox="1"/>
+          <p:nvPr>
+            <p:ph type="title"/>
+          </p:nvPr>
+        </p:nvSpPr>
+        <p:spPr>
+          <a:xfrm>
+            <a:off x="258775" y="148650"/>
+            <a:ext cx="8682900" cy="743100"/>
+          </a:xfrm>
+          <a:prstGeom prst="rect">
+            <a:avLst/>
+          </a:prstGeom>
+          <a:noFill/>
+          <a:ln>
+            <a:noFill/>
+          </a:ln>
+        </p:spPr>
+        <p:txBody>
+          <a:bodyPr anchorCtr="0" anchor="ctr" bIns="34275" lIns="68575" spcFirstLastPara="1" rIns="68575" wrap="square" tIns="34275">
+            <a:normAutofit/>
+          </a:bodyPr>
+          <a:lstStyle/>
+          <a:p>
+            <a:pPr indent="0" lvl="0" marL="0" rtl="0" algn="ctr">
+              <a:lnSpc>
+                <a:spcPct val="90000"/>
+              </a:lnSpc>
+              <a:spcBef>
+                <a:spcPts val="0"/>
+              </a:spcBef>
+              <a:spcAft>
+                <a:spcPts val="0"/>
+              </a:spcAft>
+              <a:buSzPts val="3300"/>
+              <a:buNone/>
+            </a:pPr>
+            <a:r>
+              <a:rPr lang="ru"/>
+              <a:t>Сравнение систем управления в России</a:t>
+            </a:r>
+            <a:endParaRPr/>
+          </a:p>
+        </p:txBody>
+      </p:sp>
+      <p:sp>
+        <p:nvSpPr>
+          <p:cNvPr id="180" name="Google Shape;180;p4"/>
+          <p:cNvSpPr txBox="1"/>
+          <p:nvPr>
+            <p:ph idx="1" type="body"/>
+          </p:nvPr>
+        </p:nvSpPr>
+        <p:spPr>
+          <a:xfrm>
+            <a:off x="354775" y="1859600"/>
+            <a:ext cx="4033800" cy="2753100"/>
+          </a:xfrm>
+          <a:prstGeom prst="rect">
+            <a:avLst/>
+          </a:prstGeom>
+          <a:noFill/>
+          <a:ln>
+            <a:noFill/>
+          </a:ln>
+        </p:spPr>
+        <p:txBody>
+          <a:bodyPr anchorCtr="0" anchor="ctr" bIns="34275" lIns="68575" spcFirstLastPara="1" rIns="68575" wrap="square" tIns="34275">
+            <a:normAutofit/>
+          </a:bodyPr>
+          <a:lstStyle/>
+          <a:p>
+            <a:pPr algn="l" marL="342900" indent="-342900">
+              <a:buChar char="•"/>
+            </a:pPr>
+            <a:r>
+              <a:rPr lang="ru" sz="1800"/>
+              <a:t>Старая система управления основывалась на приказах.</a:t>
+            </a:r>
+          </a:p>
+          <a:p>
+            <a:pPr algn="l" marL="342900" indent="-342900">
+              <a:buChar char="•"/>
+            </a:pPr>
+            <a:r>
+              <a:rPr lang="ru" sz="1800"/>
+              <a:t>Эта система была неэффективной и недостаточно гибкой.</a:t>
+            </a:r>
+          </a:p>
+        </p:txBody>
+      </p:sp>
+      <p:sp>
+        <p:nvSpPr>
+          <p:cNvPr id="181" name="Google Shape;181;p4"/>
+          <p:cNvSpPr txBox="1"/>
+          <p:nvPr/>
+        </p:nvSpPr>
+        <p:spPr>
+          <a:xfrm>
+            <a:off x="354775" y="1250575"/>
+            <a:ext cx="4033800" cy="554100"/>
+          </a:xfrm>
+          <a:prstGeom prst="rect">
+            <a:avLst/>
+          </a:prstGeom>
+          <a:noFill/>
+          <a:ln>
+            <a:noFill/>
+          </a:ln>
+        </p:spPr>
+        <p:txBody>
+          <a:bodyPr anchorCtr="0" anchor="t" bIns="91425" lIns="91425" spcFirstLastPara="1" rIns="91425" wrap="square" tIns="91425">
+            <a:spAutoFit/>
+          </a:bodyPr>
+          <a:lstStyle/>
+          <a:p>
+            <a:pPr indent="0" lvl="0" marL="0" marR="0" rtl="0" algn="l">
+              <a:lnSpc>
+                <a:spcPct val="100000"/>
+              </a:lnSpc>
+              <a:spcBef>
+                <a:spcPts val="0"/>
+              </a:spcBef>
+              <a:spcAft>
+                <a:spcPts val="0"/>
+              </a:spcAft>
+              <a:buClr>
+                <a:srgbClr val="000000"/>
+              </a:buClr>
+              <a:buSzPts val="1800"/>
+              <a:buFont typeface="Arial"/>
+              <a:buNone/>
+            </a:pPr>
+            <a:r>
+              <a:rPr i="0" lang="ru" sz="2400" u="none" cap="none" strike="noStrike">
+                <a:solidFill>
+                  <a:srgbClr val="CEEAE3"/>
+                </a:solidFill>
+                <a:latin typeface="Calibri"/>
+                <a:ea typeface="Calibri"/>
+                <a:cs typeface="Calibri"/>
+                <a:sym typeface="Calibri"/>
+              </a:rPr>
+              <a:t>Старая система управления</a:t>
+            </a:r>
+            <a:endParaRPr i="0" sz="2400" u="none" cap="none" strike="noStrike">
+              <a:solidFill>
+                <a:srgbClr val="CEEAE3"/>
+              </a:solidFill>
+              <a:latin typeface="Calibri"/>
+              <a:ea typeface="Calibri"/>
+              <a:cs typeface="Calibri"/>
+              <a:sym typeface="Calibri"/>
+            </a:endParaRPr>
+          </a:p>
+        </p:txBody>
+      </p:sp>
+      <p:sp>
+        <p:nvSpPr>
+          <p:cNvPr id="182" name="Google Shape;182;p4"/>
+          <p:cNvSpPr txBox="1"/>
+          <p:nvPr>
+            <p:ph idx="1" type="body"/>
+          </p:nvPr>
+        </p:nvSpPr>
+        <p:spPr>
+          <a:xfrm>
+            <a:off x="4572000" y="1859600"/>
+            <a:ext cx="4369800" cy="2753100"/>
+          </a:xfrm>
+          <a:prstGeom prst="rect">
+            <a:avLst/>
+          </a:prstGeom>
+          <a:noFill/>
+          <a:ln>
+            <a:noFill/>
+          </a:ln>
+        </p:spPr>
+        <p:txBody>
+          <a:bodyPr anchorCtr="0" anchor="ctr" bIns="34275" lIns="68575" spcFirstLastPara="1" rIns="68575" wrap="square" tIns="34275">
+            <a:normAutofit/>
+          </a:bodyPr>
+          <a:lstStyle/>
+          <a:p>
+            <a:pPr algn="l" marL="342900" indent="-342900">
+              <a:buChar char="•"/>
+            </a:pPr>
+            <a:r>
+              <a:rPr lang="ru" sz="1800">
+                <a:solidFill>
+                  <a:srgbClr val="CEEAE3"/>
+                </a:solidFill>
+              </a:rPr>
+              <a:t>Новая коллегиальная система управления была внедрена.</a:t>
+            </a:r>
+          </a:p>
+          <a:p>
+            <a:pPr algn="l" marL="342900" indent="-342900">
+              <a:buChar char="•"/>
+            </a:pPr>
+            <a:r>
+              <a:rPr lang="ru" sz="1800">
+                <a:solidFill>
+                  <a:srgbClr val="CEEAE3"/>
+                </a:solidFill>
+              </a:rPr>
+              <a:t>Создание Сената и других государственных органов.</a:t>
+            </a:r>
+          </a:p>
+        </p:txBody>
+      </p:sp>
+      <p:sp>
+        <p:nvSpPr>
+          <p:cNvPr id="183" name="Google Shape;183;p4"/>
+          <p:cNvSpPr txBox="1"/>
+          <p:nvPr/>
+        </p:nvSpPr>
+        <p:spPr>
+          <a:xfrm>
+            <a:off x="4572000" y="1250575"/>
+            <a:ext cx="4369800" cy="554100"/>
+          </a:xfrm>
+          <a:prstGeom prst="rect">
+            <a:avLst/>
+          </a:prstGeom>
+          <a:noFill/>
+          <a:ln>
+            <a:noFill/>
+          </a:ln>
+        </p:spPr>
+        <p:txBody>
+          <a:bodyPr anchorCtr="0" anchor="t" bIns="91425" lIns="91425" spcFirstLastPara="1" rIns="91425" wrap="square" tIns="91425">
+            <a:spAutoFit/>
+          </a:bodyPr>
+          <a:lstStyle/>
+          <a:p>
+            <a:pPr indent="0" lvl="0" marL="0" marR="0" rtl="0" algn="l">
+              <a:lnSpc>
+                <a:spcPct val="100000"/>
+              </a:lnSpc>
+              <a:spcBef>
+                <a:spcPts val="0"/>
+              </a:spcBef>
+              <a:spcAft>
+                <a:spcPts val="0"/>
+              </a:spcAft>
+              <a:buClr>
+                <a:srgbClr val="000000"/>
+              </a:buClr>
+              <a:buSzPts val="1800"/>
+              <a:buFont typeface="Arial"/>
+              <a:buNone/>
+            </a:pPr>
+            <a:r>
+              <a:rPr i="0" lang="ru" sz="2400" u="none" cap="none" strike="noStrike">
+                <a:solidFill>
+                  <a:srgbClr val="CEEAE3"/>
+                </a:solidFill>
+                <a:latin typeface="Calibri"/>
+                <a:ea typeface="Calibri"/>
+                <a:cs typeface="Calibri"/>
+                <a:sym typeface="Calibri"/>
+              </a:rPr>
+              <a:t>Новая система управления</a:t>
+            </a:r>
+            <a:endParaRPr i="0" sz="2400" u="none" cap="none" strike="noStrike">
+              <a:solidFill>
+                <a:srgbClr val="CEEAE3"/>
+              </a:solidFill>
+              <a:latin typeface="Calibri"/>
+              <a:ea typeface="Calibri"/>
+              <a:cs typeface="Calibri"/>
+              <a:sym typeface="Calibri"/>
+            </a:endParaRPr>
+          </a:p>
+        </p:txBody>
+      </p:sp>
+      <p:cxnSp>
+        <p:nvCxnSpPr>
+          <p:cNvPr id="184" name="Google Shape;184;p4"/>
+          <p:cNvCxnSpPr/>
+          <p:nvPr/>
+        </p:nvCxnSpPr>
+        <p:spPr>
+          <a:xfrm>
+            <a:off x="2150" y="966675"/>
+            <a:ext cx="9196200" cy="0"/>
+          </a:xfrm>
+          <a:prstGeom prst="straightConnector1">
+            <a:avLst/>
+          </a:prstGeom>
+          <a:noFill/>
+          <a:ln cap="flat" cmpd="sng" w="19050">
+            <a:solidFill>
+              <a:srgbClr val="FEBF23"/>
+            </a:solidFill>
+            <a:prstDash val="solid"/>
+            <a:round/>
+            <a:headEnd len="med" w="med" type="none"/>
+            <a:tailEnd len="med" w="med" type="none"/>
+          </a:ln>
+        </p:spPr>
+      </p:cxnSp>
+      <p:sp>
+        <p:nvSpPr>
+          <p:cNvPr id="185" name="Google Shape;185;p4"/>
+          <p:cNvSpPr/>
+          <p:nvPr/>
+        </p:nvSpPr>
+        <p:spPr>
+          <a:xfrm>
+            <a:off x="-1420075" y="-59875"/>
+            <a:ext cx="1315200" cy="690300"/>
+          </a:xfrm>
+          <a:prstGeom prst="rect">
+            <a:avLst/>
+          </a:prstGeom>
+          <a:solidFill>
+            <a:srgbClr val="F8FAFD"/>
+          </a:solidFill>
+          <a:ln>
+            <a:noFill/>
+          </a:ln>
+        </p:spPr>
+        <p:txBody>
+          <a:bodyPr anchorCtr="0" anchor="ctr" bIns="91425" lIns="91425" spcFirstLastPara="1" rIns="91425" wrap="square" tIns="91425">
+            <a:noAutofit/>
+          </a:bodyPr>
+          <a:lstStyle/>
+          <a:p>
+            <a:pPr indent="0" lvl="0" marL="0" rtl="0" algn="ctr">
+              <a:spcBef>
+                <a:spcPts val="0"/>
+              </a:spcBef>
+              <a:spcAft>
+                <a:spcPts val="0"/>
+              </a:spcAft>
+              <a:buNone/>
+            </a:pPr>
+            <a:r>
+              <a:t/>
+            </a:r>
+            <a:endParaRPr>
+              <a:latin typeface="Calibri"/>
+              <a:ea typeface="Calibri"/>
+              <a:cs typeface="Calibri"/>
+              <a:sym typeface="Calibri"/>
+            </a:endParaRPr>
+          </a:p>
+        </p:txBody>
+      </p:sp>
+    </p:spTree>
+  </p:cSld>
+  <p:clrMapOvr>
+    <a:masterClrMapping/>
+  </p:clrMapOvr>
+</p:sld>
+</file>
+
+<file path=ppt/slides/slide4.xml><?xml version="1.0" encoding="utf-8"?>
+<p:sld xmlns:a="http://schemas.openxmlformats.org/drawingml/2006/main" xmlns:r="http://schemas.openxmlformats.org/officeDocument/2006/relationships" xmlns:mc="http://schemas.openxmlformats.org/markup-compatibility/2006" xmlns:mv="urn:schemas-microsoft-com:mac:vml" xmlns:p="http://schemas.openxmlformats.org/presentationml/2006/main" xmlns:c="http://schemas.openxmlformats.org/drawingml/2006/chart" xmlns:dgm="http://schemas.openxmlformats.org/drawingml/2006/diagram" xmlns:o="urn:schemas-microsoft-com:office:office" xmlns:v="urn:schemas-microsoft-com:vml" xmlns:pvml="urn:schemas-microsoft-com:office:powerpoint" xmlns:com="http://schemas.openxmlformats.org/drawingml/2006/compatibility" xmlns:p14="http://schemas.microsoft.com/office/powerpoint/2010/main" xmlns:p15="http://schemas.microsoft.com/office/powerpoint/2012/main" xmlns:ahyp="http://schemas.microsoft.com/office/drawing/2018/hyperlinkcolor">
+  <p:cSld>
+    <p:spTree>
+      <p:nvGrpSpPr>
+        <p:cNvPr id="203" name="Shape 203"/>
+        <p:cNvGrpSpPr/>
+        <p:nvPr/>
+      </p:nvGrpSpPr>
+      <p:grpSpPr>
+        <a:xfrm>
+          <a:off x="0" y="0"/>
+          <a:ext cx="0" cy="0"/>
+          <a:chOff x="0" y="0"/>
+          <a:chExt cx="0" cy="0"/>
+        </a:xfrm>
+      </p:grpSpPr>
+      <p:sp>
+        <p:nvSpPr>
+          <p:cNvPr id="204" name="Google Shape;204;p7"/>
+          <p:cNvSpPr txBox="1"/>
+          <p:nvPr>
+            <p:ph type="title"/>
+          </p:nvPr>
+        </p:nvSpPr>
+        <p:spPr>
+          <a:xfrm>
+            <a:off x="311700" y="188375"/>
+            <a:ext cx="8520600" cy="667200"/>
+          </a:xfrm>
+          <a:prstGeom prst="rect">
+            <a:avLst/>
+          </a:prstGeom>
+          <a:noFill/>
+          <a:ln>
+            <a:noFill/>
+          </a:ln>
+        </p:spPr>
+        <p:txBody>
+          <a:bodyPr anchorCtr="0" anchor="ctr" bIns="34275" lIns="68575" spcFirstLastPara="1" rIns="68575" wrap="square" tIns="34275">
+            <a:normAutofit/>
+          </a:bodyPr>
+          <a:lstStyle/>
+          <a:p>
+            <a:pPr indent="0" lvl="0" marL="0" rtl="0" algn="ctr">
+              <a:lnSpc>
+                <a:spcPct val="90000"/>
+              </a:lnSpc>
+              <a:spcBef>
+                <a:spcPts val="0"/>
+              </a:spcBef>
+              <a:spcAft>
+                <a:spcPts val="0"/>
+              </a:spcAft>
+              <a:buSzPts val="3300"/>
+              <a:buNone/>
+            </a:pPr>
+            <a:r>
+              <a:rPr lang="ru"/>
+              <a:t>Реформа армии, флота и управления </a:t>
+            </a:r>
+            <a:endParaRPr/>
+          </a:p>
+        </p:txBody>
+      </p:sp>
+      <p:sp>
+        <p:nvSpPr>
+          <p:cNvPr id="205" name="Google Shape;205;p7"/>
+          <p:cNvSpPr txBox="1"/>
+          <p:nvPr>
+            <p:ph idx="1" type="body"/>
+          </p:nvPr>
+        </p:nvSpPr>
+        <p:spPr>
+          <a:xfrm>
+            <a:off x="311800" y="1040475"/>
+            <a:ext cx="2525100" cy="709500"/>
+          </a:xfrm>
+          <a:prstGeom prst="rect">
+            <a:avLst/>
+          </a:prstGeom>
+          <a:noFill/>
+          <a:ln>
+            <a:noFill/>
+          </a:ln>
+        </p:spPr>
+        <p:txBody>
+          <a:bodyPr anchorCtr="0" anchor="ctr" bIns="34275" lIns="68575" spcFirstLastPara="1" rIns="68575" wrap="square" tIns="34275">
+            <a:normAutofit/>
+          </a:bodyPr>
+          <a:lstStyle/>
+          <a:p>
+            <a:pPr indent="0" lvl="0" marL="0" rtl="0" algn="ctr">
+              <a:lnSpc>
+                <a:spcPct val="90000"/>
+              </a:lnSpc>
+              <a:spcBef>
+                <a:spcPts val="800"/>
+              </a:spcBef>
+              <a:spcAft>
+                <a:spcPts val="0"/>
+              </a:spcAft>
+              <a:buClr>
+                <a:schemeClr val="dk1"/>
+              </a:buClr>
+              <a:buSzPts val="1100"/>
+              <a:buFont typeface="Arial"/>
+              <a:buNone/>
+            </a:pPr>
+            <a:r>
+              <a:rPr b="1" lang="ru" sz="1600"/>
+              <a:t>Армейские реформы </a:t>
+            </a:r>
+            <a:endParaRPr b="1" sz="1600"/>
+          </a:p>
+        </p:txBody>
+      </p:sp>
+      <p:sp>
+        <p:nvSpPr>
+          <p:cNvPr id="206" name="Google Shape;206;p7"/>
+          <p:cNvSpPr txBox="1"/>
+          <p:nvPr>
+            <p:ph idx="1" type="body"/>
+          </p:nvPr>
+        </p:nvSpPr>
+        <p:spPr>
+          <a:xfrm>
+            <a:off x="3054100" y="1040475"/>
+            <a:ext cx="2711100" cy="667200"/>
+          </a:xfrm>
+          <a:prstGeom prst="rect">
+            <a:avLst/>
+          </a:prstGeom>
+          <a:noFill/>
+          <a:ln>
+            <a:noFill/>
+          </a:ln>
+        </p:spPr>
+        <p:txBody>
+          <a:bodyPr anchorCtr="0" anchor="ctr" bIns="34275" lIns="68575" spcFirstLastPara="1" rIns="68575" wrap="square" tIns="34275">
+            <a:normAutofit/>
+          </a:bodyPr>
+          <a:lstStyle/>
+          <a:p>
+            <a:pPr indent="0" lvl="0" marL="0" rtl="0" algn="ctr">
+              <a:lnSpc>
+                <a:spcPct val="90000"/>
+              </a:lnSpc>
+              <a:spcBef>
+                <a:spcPts val="800"/>
+              </a:spcBef>
+              <a:spcAft>
+                <a:spcPts val="0"/>
+              </a:spcAft>
+              <a:buClr>
+                <a:schemeClr val="dk1"/>
+              </a:buClr>
+              <a:buSzPts val="1100"/>
+              <a:buFont typeface="Arial"/>
+              <a:buNone/>
+            </a:pPr>
+            <a:r>
+              <a:rPr b="1" lang="ru" sz="1600"/>
+              <a:t>Создание флота</a:t>
+            </a:r>
+            <a:endParaRPr b="1" sz="1600"/>
+          </a:p>
+        </p:txBody>
+      </p:sp>
+      <p:sp>
+        <p:nvSpPr>
+          <p:cNvPr id="207" name="Google Shape;207;p7"/>
+          <p:cNvSpPr txBox="1"/>
+          <p:nvPr>
+            <p:ph idx="1" type="body"/>
+          </p:nvPr>
+        </p:nvSpPr>
+        <p:spPr>
+          <a:xfrm>
+            <a:off x="5982400" y="1040475"/>
+            <a:ext cx="2711100" cy="667200"/>
+          </a:xfrm>
+          <a:prstGeom prst="rect">
+            <a:avLst/>
+          </a:prstGeom>
+          <a:noFill/>
+          <a:ln>
+            <a:noFill/>
+          </a:ln>
+        </p:spPr>
+        <p:txBody>
+          <a:bodyPr anchorCtr="0" anchor="ctr" bIns="34275" lIns="68575" spcFirstLastPara="1" rIns="68575" wrap="square" tIns="34275">
+            <a:normAutofit/>
+          </a:bodyPr>
+          <a:lstStyle/>
+          <a:p>
+            <a:pPr indent="0" lvl="0" marL="0" rtl="0" algn="ctr">
+              <a:lnSpc>
+                <a:spcPct val="90000"/>
+              </a:lnSpc>
+              <a:spcBef>
+                <a:spcPts val="800"/>
+              </a:spcBef>
+              <a:spcAft>
+                <a:spcPts val="0"/>
+              </a:spcAft>
+              <a:buClr>
+                <a:schemeClr val="dk1"/>
+              </a:buClr>
+              <a:buSzPts val="1100"/>
+              <a:buFont typeface="Arial"/>
+              <a:buNone/>
+            </a:pPr>
+            <a:r>
+              <a:rPr b="1" lang="ru" sz="1600"/>
+              <a:t>Государственное управление</a:t>
+            </a:r>
+            <a:endParaRPr b="1" sz="1600"/>
+          </a:p>
+        </p:txBody>
+      </p:sp>
+      <p:sp>
+        <p:nvSpPr>
+          <p:cNvPr id="208" name="Google Shape;208;p7"/>
+          <p:cNvSpPr txBox="1"/>
+          <p:nvPr/>
+        </p:nvSpPr>
+        <p:spPr>
+          <a:xfrm>
+            <a:off x="311700" y="2029375"/>
+            <a:ext cx="2525100" cy="2883000"/>
+          </a:xfrm>
+          <a:prstGeom prst="rect">
+            <a:avLst/>
+          </a:prstGeom>
+          <a:noFill/>
+          <a:ln>
+            <a:noFill/>
+          </a:ln>
+        </p:spPr>
+        <p:txBody>
+          <a:bodyPr anchorCtr="0" anchor="ctr" bIns="91425" lIns="91425" spcFirstLastPara="1" rIns="91425" wrap="square" tIns="91425">
+            <a:normAutofit/>
+          </a:bodyPr>
+          <a:lstStyle/>
+          <a:p>
+            <a:pPr indent="0" lvl="0" marL="0" marR="0" rtl="0" algn="l">
+              <a:lnSpc>
+                <a:spcPct val="115000"/>
+              </a:lnSpc>
+              <a:spcBef>
+                <a:spcPts val="0"/>
+              </a:spcBef>
+              <a:spcAft>
+                <a:spcPts val="1200"/>
+              </a:spcAft>
+              <a:buClr>
+                <a:srgbClr val="000000"/>
+              </a:buClr>
+              <a:buSzPts val="1500"/>
+              <a:buFont typeface="Arial"/>
+              <a:buNone/>
+            </a:pPr>
+            <a:r>
+              <a:rPr i="0" lang="ru" u="none" cap="none" strike="noStrike">
+                <a:solidFill>
+                  <a:srgbClr val="CEEAE3"/>
+                </a:solidFill>
+                <a:latin typeface="Calibri"/>
+                <a:ea typeface="Calibri"/>
+                <a:cs typeface="Calibri"/>
+                <a:sym typeface="Calibri"/>
+              </a:rPr>
+              <a:t>Пётр I основал регулярную армию по европейскому образцу, что значительно повысило боеспособность страны. </a:t>
+            </a:r>
+            <a:endParaRPr i="0" u="none" cap="none" strike="noStrike">
+              <a:solidFill>
+                <a:srgbClr val="CEEAE3"/>
+              </a:solidFill>
+              <a:latin typeface="Calibri"/>
+              <a:ea typeface="Calibri"/>
+              <a:cs typeface="Calibri"/>
+              <a:sym typeface="Calibri"/>
+            </a:endParaRPr>
+          </a:p>
+        </p:txBody>
+      </p:sp>
+      <p:sp>
+        <p:nvSpPr>
+          <p:cNvPr id="209" name="Google Shape;209;p7"/>
+          <p:cNvSpPr txBox="1"/>
+          <p:nvPr/>
+        </p:nvSpPr>
+        <p:spPr>
+          <a:xfrm>
+            <a:off x="3054100" y="2029375"/>
+            <a:ext cx="2711100" cy="2883000"/>
+          </a:xfrm>
+          <a:prstGeom prst="rect">
+            <a:avLst/>
+          </a:prstGeom>
+          <a:noFill/>
+          <a:ln>
+            <a:noFill/>
+          </a:ln>
+        </p:spPr>
+        <p:txBody>
+          <a:bodyPr anchorCtr="0" anchor="ctr" bIns="91425" lIns="91425" spcFirstLastPara="1" rIns="91425" wrap="square" tIns="91425">
+            <a:normAutofit/>
+          </a:bodyPr>
+          <a:lstStyle/>
+          <a:p>
+            <a:pPr indent="0" lvl="0" marL="0" marR="0" rtl="0" algn="l">
+              <a:lnSpc>
+                <a:spcPct val="115000"/>
+              </a:lnSpc>
+              <a:spcBef>
+                <a:spcPts val="0"/>
+              </a:spcBef>
+              <a:spcAft>
+                <a:spcPts val="1200"/>
+              </a:spcAft>
+              <a:buClr>
+                <a:srgbClr val="000000"/>
+              </a:buClr>
+              <a:buSzPts val="1500"/>
+              <a:buFont typeface="Arial"/>
+              <a:buNone/>
+            </a:pPr>
+            <a:r>
+              <a:rPr i="0" lang="ru" u="none" cap="none" strike="noStrike">
+                <a:solidFill>
+                  <a:srgbClr val="CEEAE3"/>
+                </a:solidFill>
+                <a:latin typeface="Calibri"/>
+                <a:ea typeface="Calibri"/>
+                <a:cs typeface="Calibri"/>
+                <a:sym typeface="Calibri"/>
+              </a:rPr>
+              <a:t>Создание флота позволило России стать морской державой и расширить торговлю. </a:t>
+            </a:r>
+            <a:endParaRPr i="0" u="none" cap="none" strike="noStrike">
+              <a:solidFill>
+                <a:srgbClr val="CEEAE3"/>
+              </a:solidFill>
+              <a:latin typeface="Calibri"/>
+              <a:ea typeface="Calibri"/>
+              <a:cs typeface="Calibri"/>
+              <a:sym typeface="Calibri"/>
+            </a:endParaRPr>
+          </a:p>
+        </p:txBody>
+      </p:sp>
+      <p:sp>
+        <p:nvSpPr>
+          <p:cNvPr id="210" name="Google Shape;210;p7"/>
+          <p:cNvSpPr txBox="1"/>
+          <p:nvPr/>
+        </p:nvSpPr>
+        <p:spPr>
+          <a:xfrm>
+            <a:off x="5982500" y="2029375"/>
+            <a:ext cx="2711100" cy="2883000"/>
+          </a:xfrm>
+          <a:prstGeom prst="rect">
+            <a:avLst/>
+          </a:prstGeom>
+          <a:noFill/>
+          <a:ln>
+            <a:noFill/>
+          </a:ln>
+        </p:spPr>
+        <p:txBody>
+          <a:bodyPr anchorCtr="0" anchor="ctr" bIns="91425" lIns="91425" spcFirstLastPara="1" rIns="91425" wrap="square" tIns="91425">
+            <a:normAutofit/>
+          </a:bodyPr>
+          <a:lstStyle/>
+          <a:p>
+            <a:pPr indent="0" lvl="0" marL="0" marR="0" rtl="0" algn="l">
+              <a:lnSpc>
+                <a:spcPct val="115000"/>
+              </a:lnSpc>
+              <a:spcBef>
+                <a:spcPts val="0"/>
+              </a:spcBef>
+              <a:spcAft>
+                <a:spcPts val="1200"/>
+              </a:spcAft>
+              <a:buClr>
+                <a:srgbClr val="000000"/>
+              </a:buClr>
+              <a:buSzPts val="1500"/>
+              <a:buFont typeface="Arial"/>
+              <a:buNone/>
+            </a:pPr>
+            <a:r>
+              <a:rPr i="0" lang="ru" u="none" cap="none" strike="noStrike">
+                <a:solidFill>
+                  <a:srgbClr val="CEEAE3"/>
+                </a:solidFill>
+                <a:latin typeface="Calibri"/>
+                <a:ea typeface="Calibri"/>
+                <a:cs typeface="Calibri"/>
+                <a:sym typeface="Calibri"/>
+              </a:rPr>
+              <a:t>Переход к коллегиальной системе управления укрепил централизованную власть и улучшил административные процессы. </a:t>
+            </a:r>
+            <a:endParaRPr i="0" u="none" cap="none" strike="noStrike">
+              <a:solidFill>
+                <a:srgbClr val="CEEAE3"/>
+              </a:solidFill>
+              <a:latin typeface="Calibri"/>
+              <a:ea typeface="Calibri"/>
+              <a:cs typeface="Calibri"/>
+              <a:sym typeface="Calibri"/>
+            </a:endParaRPr>
+          </a:p>
+        </p:txBody>
+      </p:sp>
+      <p:cxnSp>
+        <p:nvCxnSpPr>
+          <p:cNvPr id="211" name="Google Shape;211;p7"/>
+          <p:cNvCxnSpPr/>
+          <p:nvPr/>
+        </p:nvCxnSpPr>
+        <p:spPr>
+          <a:xfrm>
+            <a:off x="2150" y="966675"/>
+            <a:ext cx="9196200" cy="0"/>
+          </a:xfrm>
+          <a:prstGeom prst="straightConnector1">
+            <a:avLst/>
+          </a:prstGeom>
+          <a:noFill/>
+          <a:ln cap="flat" cmpd="sng" w="19050">
+            <a:solidFill>
+              <a:srgbClr val="FEBF23"/>
+            </a:solidFill>
+            <a:prstDash val="solid"/>
+            <a:round/>
+            <a:headEnd len="med" w="med" type="none"/>
+            <a:tailEnd len="med" w="med" type="none"/>
+          </a:ln>
+        </p:spPr>
+      </p:cxnSp>
+      <p:sp>
+        <p:nvSpPr>
+          <p:cNvPr id="212" name="Google Shape;212;p7"/>
+          <p:cNvSpPr/>
+          <p:nvPr/>
+        </p:nvSpPr>
+        <p:spPr>
+          <a:xfrm>
+            <a:off x="-1420075" y="-59875"/>
+            <a:ext cx="1315200" cy="690300"/>
+          </a:xfrm>
+          <a:prstGeom prst="rect">
+            <a:avLst/>
+          </a:prstGeom>
+          <a:solidFill>
+            <a:srgbClr val="F8FAFD"/>
+          </a:solidFill>
+          <a:ln>
+            <a:noFill/>
+          </a:ln>
+        </p:spPr>
+        <p:txBody>
+          <a:bodyPr anchorCtr="0" anchor="ctr" bIns="91425" lIns="91425" spcFirstLastPara="1" rIns="91425" wrap="square" tIns="91425">
+            <a:noAutofit/>
+          </a:bodyPr>
+          <a:lstStyle/>
+          <a:p>
+            <a:pPr indent="0" lvl="0" marL="0" rtl="0" algn="ctr">
+              <a:spcBef>
+                <a:spcPts val="0"/>
+              </a:spcBef>
+              <a:spcAft>
+                <a:spcPts val="0"/>
+              </a:spcAft>
+              <a:buNone/>
+            </a:pPr>
+            <a:r>
+              <a:t/>
+            </a:r>
+            <a:endParaRPr>
+              <a:latin typeface="Calibri"/>
+              <a:ea typeface="Calibri"/>
+              <a:cs typeface="Calibri"/>
+              <a:sym typeface="Calibri"/>
+            </a:endParaRPr>
+          </a:p>
+        </p:txBody>
+      </p:sp>
+    </p:spTree>
+  </p:cSld>
+  <p:clrMapOvr>
+    <a:masterClrMapping/>
+  </p:clrMapOvr>
+</p:sld>
+</file>
+
+<file path=ppt/slides/slide5.xml><?xml version="1.0" encoding="utf-8"?>
+<p:sld xmlns:a="http://schemas.openxmlformats.org/drawingml/2006/main" xmlns:r="http://schemas.openxmlformats.org/officeDocument/2006/relationships" xmlns:mc="http://schemas.openxmlformats.org/markup-compatibility/2006" xmlns:mv="urn:schemas-microsoft-com:mac:vml" xmlns:p="http://schemas.openxmlformats.org/presentationml/2006/main" xmlns:c="http://schemas.openxmlformats.org/drawingml/2006/chart" xmlns:dgm="http://schemas.openxmlformats.org/drawingml/2006/diagram" xmlns:o="urn:schemas-microsoft-com:office:office" xmlns:v="urn:schemas-microsoft-com:vml" xmlns:pvml="urn:schemas-microsoft-com:office:powerpoint" xmlns:com="http://schemas.openxmlformats.org/drawingml/2006/compatibility" xmlns:p14="http://schemas.microsoft.com/office/powerpoint/2010/main" xmlns:p15="http://schemas.microsoft.com/office/powerpoint/2012/main" xmlns:ahyp="http://schemas.microsoft.com/office/drawing/2018/hyperlinkcolor">
+  <p:cSld>
+    <p:spTree>
+      <p:nvGrpSpPr>
+        <p:cNvPr id="216" name="Shape 216"/>
+        <p:cNvGrpSpPr/>
+        <p:nvPr/>
+      </p:nvGrpSpPr>
+      <p:grpSpPr>
+        <a:xfrm>
+          <a:off x="0" y="0"/>
+          <a:ext cx="0" cy="0"/>
+          <a:chOff x="0" y="0"/>
+          <a:chExt cx="0" cy="0"/>
+        </a:xfrm>
+      </p:grpSpPr>
+      <p:sp>
+        <p:nvSpPr>
+          <p:cNvPr id="217" name="Google Shape;217;p8"/>
+          <p:cNvSpPr txBox="1"/>
+          <p:nvPr>
+            <p:ph type="title"/>
+          </p:nvPr>
+        </p:nvSpPr>
+        <p:spPr>
+          <a:xfrm>
+            <a:off x="246875" y="171275"/>
+            <a:ext cx="8520600" cy="667200"/>
+          </a:xfrm>
+          <a:prstGeom prst="rect">
+            <a:avLst/>
+          </a:prstGeom>
+          <a:noFill/>
+          <a:ln>
+            <a:noFill/>
+          </a:ln>
+        </p:spPr>
+        <p:txBody>
+          <a:bodyPr anchorCtr="0" anchor="ctr" bIns="34275" lIns="68575" spcFirstLastPara="1" rIns="68575" wrap="square" tIns="34275">
+            <a:normAutofit/>
+          </a:bodyPr>
+          <a:lstStyle/>
+          <a:p>
+            <a:pPr indent="0" lvl="0" marL="0" rtl="0" algn="ctr">
+              <a:lnSpc>
+                <a:spcPct val="90000"/>
+              </a:lnSpc>
+              <a:spcBef>
+                <a:spcPts val="0"/>
+              </a:spcBef>
+              <a:spcAft>
+                <a:spcPts val="0"/>
+              </a:spcAft>
+              <a:buSzPts val="3300"/>
+              <a:buNone/>
+            </a:pPr>
+            <a:r>
+              <a:rPr lang="ru"/>
+              <a:t>Хронология правления Петра I </a:t>
+            </a:r>
+            <a:endParaRPr/>
+          </a:p>
+        </p:txBody>
+      </p:sp>
+      <p:cxnSp>
+        <p:nvCxnSpPr>
+          <p:cNvPr id="218" name="Google Shape;218;p8"/>
+          <p:cNvCxnSpPr/>
+          <p:nvPr/>
+        </p:nvCxnSpPr>
+        <p:spPr>
+          <a:xfrm>
+            <a:off x="333350" y="3174275"/>
+            <a:ext cx="8497500" cy="0"/>
+          </a:xfrm>
+          <a:prstGeom prst="straightConnector1">
+            <a:avLst/>
+          </a:prstGeom>
+          <a:noFill/>
+          <a:ln cap="flat" cmpd="sng" w="19050">
+            <a:solidFill>
+              <a:schemeClr val="accent1"/>
+            </a:solidFill>
+            <a:prstDash val="solid"/>
+            <a:round/>
+            <a:headEnd len="sm" w="sm" type="none"/>
+            <a:tailEnd len="sm" w="sm" type="none"/>
+          </a:ln>
+        </p:spPr>
+      </p:cxnSp>
+      <p:cxnSp>
+        <p:nvCxnSpPr>
+          <p:cNvPr id="219" name="Google Shape;219;p8"/>
+          <p:cNvCxnSpPr/>
+          <p:nvPr/>
+        </p:nvCxnSpPr>
+        <p:spPr>
+          <a:xfrm>
+            <a:off x="670400" y="3171350"/>
+            <a:ext cx="0" cy="1433100"/>
+          </a:xfrm>
+          <a:prstGeom prst="straightConnector1">
+            <a:avLst/>
+          </a:prstGeom>
+          <a:noFill/>
+          <a:ln cap="flat" cmpd="sng" w="19050">
+            <a:solidFill>
+              <a:schemeClr val="accent1"/>
+            </a:solidFill>
+            <a:prstDash val="solid"/>
+            <a:round/>
+            <a:headEnd len="sm" w="sm" type="none"/>
+            <a:tailEnd len="sm" w="sm" type="none"/>
+          </a:ln>
+        </p:spPr>
+      </p:cxnSp>
+      <p:cxnSp>
+        <p:nvCxnSpPr>
+          <p:cNvPr id="220" name="Google Shape;220;p8"/>
+          <p:cNvCxnSpPr/>
+          <p:nvPr/>
+        </p:nvCxnSpPr>
+        <p:spPr>
+          <a:xfrm rot="10800000">
+            <a:off x="2240525" y="1698525"/>
+            <a:ext cx="0" cy="1487400"/>
+          </a:xfrm>
+          <a:prstGeom prst="straightConnector1">
+            <a:avLst/>
+          </a:prstGeom>
+          <a:noFill/>
+          <a:ln cap="flat" cmpd="sng" w="19050">
+            <a:solidFill>
+              <a:schemeClr val="accent1"/>
+            </a:solidFill>
+            <a:prstDash val="solid"/>
+            <a:round/>
+            <a:headEnd len="sm" w="sm" type="none"/>
+            <a:tailEnd len="sm" w="sm" type="none"/>
+          </a:ln>
+        </p:spPr>
+      </p:cxnSp>
+      <p:cxnSp>
+        <p:nvCxnSpPr>
+          <p:cNvPr id="221" name="Google Shape;221;p8"/>
+          <p:cNvCxnSpPr/>
+          <p:nvPr/>
+        </p:nvCxnSpPr>
+        <p:spPr>
+          <a:xfrm>
+            <a:off x="3897600" y="3179150"/>
+            <a:ext cx="0" cy="1417500"/>
+          </a:xfrm>
+          <a:prstGeom prst="straightConnector1">
+            <a:avLst/>
+          </a:prstGeom>
+          <a:noFill/>
+          <a:ln cap="flat" cmpd="sng" w="19050">
+            <a:solidFill>
+              <a:schemeClr val="accent1"/>
+            </a:solidFill>
+            <a:prstDash val="solid"/>
+            <a:round/>
+            <a:headEnd len="sm" w="sm" type="none"/>
+            <a:tailEnd len="sm" w="sm" type="none"/>
+          </a:ln>
+        </p:spPr>
+      </p:cxnSp>
+      <p:cxnSp>
+        <p:nvCxnSpPr>
+          <p:cNvPr id="222" name="Google Shape;222;p8"/>
+          <p:cNvCxnSpPr/>
+          <p:nvPr/>
+        </p:nvCxnSpPr>
+        <p:spPr>
+          <a:xfrm rot="10800000">
+            <a:off x="5585200" y="1694675"/>
+            <a:ext cx="0" cy="1479600"/>
+          </a:xfrm>
+          <a:prstGeom prst="straightConnector1">
+            <a:avLst/>
+          </a:prstGeom>
+          <a:noFill/>
+          <a:ln cap="flat" cmpd="sng" w="19050">
+            <a:solidFill>
+              <a:srgbClr val="FFFFFF"/>
+            </a:solidFill>
+            <a:prstDash val="solid"/>
+            <a:round/>
+            <a:headEnd len="sm" w="sm" type="none"/>
+            <a:tailEnd len="sm" w="sm" type="none"/>
+          </a:ln>
+        </p:spPr>
+      </p:cxnSp>
+      <p:cxnSp>
+        <p:nvCxnSpPr>
+          <p:cNvPr id="223" name="Google Shape;223;p8"/>
+          <p:cNvCxnSpPr/>
+          <p:nvPr/>
+        </p:nvCxnSpPr>
+        <p:spPr>
+          <a:xfrm>
+            <a:off x="7096700" y="3171350"/>
+            <a:ext cx="0" cy="1474500"/>
+          </a:xfrm>
+          <a:prstGeom prst="straightConnector1">
+            <a:avLst/>
+          </a:prstGeom>
+          <a:noFill/>
+          <a:ln cap="flat" cmpd="sng" w="19050">
+            <a:solidFill>
+              <a:schemeClr val="accent1"/>
+            </a:solidFill>
+            <a:prstDash val="solid"/>
+            <a:round/>
+            <a:headEnd len="sm" w="sm" type="none"/>
+            <a:tailEnd len="sm" w="sm" type="none"/>
+          </a:ln>
+        </p:spPr>
+      </p:cxnSp>
+      <p:sp>
+        <p:nvSpPr>
+          <p:cNvPr id="224" name="Google Shape;224;p8"/>
+          <p:cNvSpPr txBox="1"/>
+          <p:nvPr/>
+        </p:nvSpPr>
+        <p:spPr>
+          <a:xfrm>
+            <a:off x="750075" y="3325675"/>
+            <a:ext cx="1535100" cy="1271100"/>
+          </a:xfrm>
+          <a:prstGeom prst="rect">
+            <a:avLst/>
+          </a:prstGeom>
+          <a:noFill/>
+          <a:ln>
+            <a:noFill/>
+          </a:ln>
+        </p:spPr>
+        <p:txBody>
+          <a:bodyPr anchorCtr="0" anchor="t" bIns="91425" lIns="91425" spcFirstLastPara="1" rIns="91425" wrap="square" tIns="91425">
+            <a:normAutofit/>
+          </a:bodyPr>
+          <a:lstStyle/>
+          <a:p>
+            <a:pPr indent="0" lvl="0" marL="0" marR="0" rtl="0" algn="l">
+              <a:lnSpc>
+                <a:spcPct val="100000"/>
+              </a:lnSpc>
+              <a:spcBef>
+                <a:spcPts val="0"/>
+              </a:spcBef>
+              <a:spcAft>
+                <a:spcPts val="0"/>
+              </a:spcAft>
+              <a:buClr>
+                <a:srgbClr val="000000"/>
+              </a:buClr>
+              <a:buSzPts val="1800"/>
+              <a:buFont typeface="Arial"/>
+              <a:buNone/>
+            </a:pPr>
+            <a:r>
+              <a:rPr i="0" lang="ru" sz="1000" u="none" cap="none" strike="noStrike">
+                <a:solidFill>
+                  <a:schemeClr val="accent1"/>
+                </a:solidFill>
+                <a:latin typeface="Calibri"/>
+                <a:ea typeface="Calibri"/>
+                <a:cs typeface="Calibri"/>
+                <a:sym typeface="Calibri"/>
+              </a:rPr>
+              <a:t>1682 год: Пётр I становится царём, начав своё правление.</a:t>
+            </a:r>
+            <a:endParaRPr i="0" sz="1000" u="none" cap="none" strike="noStrike">
+              <a:solidFill>
+                <a:schemeClr val="accent1"/>
+              </a:solidFill>
+              <a:latin typeface="Calibri"/>
+              <a:ea typeface="Calibri"/>
+              <a:cs typeface="Calibri"/>
+              <a:sym typeface="Calibri"/>
+            </a:endParaRPr>
+          </a:p>
+        </p:txBody>
+      </p:sp>
+      <p:sp>
+        <p:nvSpPr>
+          <p:cNvPr id="225" name="Google Shape;225;p8"/>
+          <p:cNvSpPr txBox="1"/>
+          <p:nvPr/>
+        </p:nvSpPr>
+        <p:spPr>
+          <a:xfrm>
+            <a:off x="2285175" y="1698525"/>
+            <a:ext cx="1654200" cy="1271100"/>
+          </a:xfrm>
+          <a:prstGeom prst="rect">
+            <a:avLst/>
+          </a:prstGeom>
+          <a:noFill/>
+          <a:ln>
+            <a:noFill/>
+          </a:ln>
+        </p:spPr>
+        <p:txBody>
+          <a:bodyPr anchorCtr="0" anchor="t" bIns="91425" lIns="91425" spcFirstLastPara="1" rIns="91425" wrap="square" tIns="91425">
+            <a:normAutofit/>
+          </a:bodyPr>
+          <a:lstStyle/>
+          <a:p>
+            <a:pPr indent="0" lvl="0" marL="0" marR="0" rtl="0" algn="l">
+              <a:lnSpc>
+                <a:spcPct val="100000"/>
+              </a:lnSpc>
+              <a:spcBef>
+                <a:spcPts val="0"/>
+              </a:spcBef>
+              <a:spcAft>
+                <a:spcPts val="0"/>
+              </a:spcAft>
+              <a:buClr>
+                <a:srgbClr val="000000"/>
+              </a:buClr>
+              <a:buSzPts val="1800"/>
+              <a:buFont typeface="Arial"/>
+              <a:buNone/>
+            </a:pPr>
+            <a:r>
+              <a:rPr i="0" lang="ru" sz="1000" u="none" cap="none" strike="noStrike">
+                <a:solidFill>
+                  <a:schemeClr val="accent1"/>
+                </a:solidFill>
+                <a:latin typeface="Calibri"/>
+                <a:ea typeface="Calibri"/>
+                <a:cs typeface="Calibri"/>
+                <a:sym typeface="Calibri"/>
+              </a:rPr>
+              <a:t>1696 год: Начало создания регулярной армии и флота.</a:t>
+            </a:r>
+            <a:endParaRPr i="0" sz="1000" u="none" cap="none" strike="noStrike">
+              <a:solidFill>
+                <a:schemeClr val="accent1"/>
+              </a:solidFill>
+              <a:latin typeface="Calibri"/>
+              <a:ea typeface="Calibri"/>
+              <a:cs typeface="Calibri"/>
+              <a:sym typeface="Calibri"/>
+            </a:endParaRPr>
+          </a:p>
+        </p:txBody>
+      </p:sp>
+      <p:sp>
+        <p:nvSpPr>
+          <p:cNvPr id="226" name="Google Shape;226;p8"/>
+          <p:cNvSpPr txBox="1"/>
+          <p:nvPr/>
+        </p:nvSpPr>
+        <p:spPr>
+          <a:xfrm>
+            <a:off x="3995000" y="3325675"/>
+            <a:ext cx="1654200" cy="1271100"/>
+          </a:xfrm>
+          <a:prstGeom prst="rect">
+            <a:avLst/>
+          </a:prstGeom>
+          <a:noFill/>
+          <a:ln>
+            <a:noFill/>
+          </a:ln>
+        </p:spPr>
+        <p:txBody>
+          <a:bodyPr anchorCtr="0" anchor="t" bIns="91425" lIns="91425" spcFirstLastPara="1" rIns="91425" wrap="square" tIns="91425">
+            <a:normAutofit/>
+          </a:bodyPr>
+          <a:lstStyle/>
+          <a:p>
+            <a:pPr indent="0" lvl="0" marL="0" marR="0" rtl="0" algn="l">
+              <a:lnSpc>
+                <a:spcPct val="100000"/>
+              </a:lnSpc>
+              <a:spcBef>
+                <a:spcPts val="0"/>
+              </a:spcBef>
+              <a:spcAft>
+                <a:spcPts val="0"/>
+              </a:spcAft>
+              <a:buClr>
+                <a:srgbClr val="000000"/>
+              </a:buClr>
+              <a:buSzPts val="1800"/>
+              <a:buFont typeface="Arial"/>
+              <a:buNone/>
+            </a:pPr>
+            <a:r>
+              <a:rPr i="0" lang="ru" sz="1000" u="none" cap="none" strike="noStrike">
+                <a:solidFill>
+                  <a:schemeClr val="accent1"/>
+                </a:solidFill>
+                <a:latin typeface="Calibri"/>
+                <a:ea typeface="Calibri"/>
+                <a:cs typeface="Calibri"/>
+                <a:sym typeface="Calibri"/>
+              </a:rPr>
+              <a:t>1703 год: Основание Санкт-Петербурга как новой столицы.</a:t>
+            </a:r>
+            <a:endParaRPr i="0" sz="1000" u="none" cap="none" strike="noStrike">
+              <a:solidFill>
+                <a:schemeClr val="accent1"/>
+              </a:solidFill>
+              <a:latin typeface="Calibri"/>
+              <a:ea typeface="Calibri"/>
+              <a:cs typeface="Calibri"/>
+              <a:sym typeface="Calibri"/>
+            </a:endParaRPr>
+          </a:p>
+        </p:txBody>
+      </p:sp>
+      <p:sp>
+        <p:nvSpPr>
+          <p:cNvPr id="227" name="Google Shape;227;p8"/>
+          <p:cNvSpPr txBox="1"/>
+          <p:nvPr/>
+        </p:nvSpPr>
+        <p:spPr>
+          <a:xfrm>
+            <a:off x="5649200" y="1694675"/>
+            <a:ext cx="1654200" cy="1271100"/>
+          </a:xfrm>
+          <a:prstGeom prst="rect">
+            <a:avLst/>
+          </a:prstGeom>
+          <a:noFill/>
+          <a:ln>
+            <a:noFill/>
+          </a:ln>
+        </p:spPr>
+        <p:txBody>
+          <a:bodyPr anchorCtr="0" anchor="t" bIns="91425" lIns="91425" spcFirstLastPara="1" rIns="91425" wrap="square" tIns="91425">
+            <a:normAutofit/>
+          </a:bodyPr>
+          <a:lstStyle/>
+          <a:p>
+            <a:pPr indent="0" lvl="0" marL="0" marR="0" rtl="0" algn="l">
+              <a:lnSpc>
+                <a:spcPct val="100000"/>
+              </a:lnSpc>
+              <a:spcBef>
+                <a:spcPts val="0"/>
+              </a:spcBef>
+              <a:spcAft>
+                <a:spcPts val="0"/>
+              </a:spcAft>
+              <a:buClr>
+                <a:srgbClr val="000000"/>
+              </a:buClr>
+              <a:buSzPts val="1800"/>
+              <a:buFont typeface="Arial"/>
+              <a:buNone/>
+            </a:pPr>
+            <a:r>
+              <a:rPr i="0" lang="ru" sz="1000" u="none" cap="none" strike="noStrike">
+                <a:solidFill>
+                  <a:schemeClr val="accent1"/>
+                </a:solidFill>
+                <a:latin typeface="Calibri"/>
+                <a:ea typeface="Calibri"/>
+                <a:cs typeface="Calibri"/>
+                <a:sym typeface="Calibri"/>
+              </a:rPr>
+              <a:t>1711 год: Учреждение Сената для управления государством.</a:t>
+            </a:r>
+            <a:endParaRPr i="0" sz="1000" u="none" cap="none" strike="noStrike">
+              <a:solidFill>
+                <a:schemeClr val="accent1"/>
+              </a:solidFill>
+              <a:latin typeface="Calibri"/>
+              <a:ea typeface="Calibri"/>
+              <a:cs typeface="Calibri"/>
+              <a:sym typeface="Calibri"/>
+            </a:endParaRPr>
+          </a:p>
+        </p:txBody>
+      </p:sp>
+      <p:sp>
+        <p:nvSpPr>
+          <p:cNvPr id="228" name="Google Shape;228;p8"/>
+          <p:cNvSpPr txBox="1"/>
+          <p:nvPr/>
+        </p:nvSpPr>
+        <p:spPr>
+          <a:xfrm>
+            <a:off x="7124800" y="3325675"/>
+            <a:ext cx="1787100" cy="1271100"/>
+          </a:xfrm>
+          <a:prstGeom prst="rect">
+            <a:avLst/>
+          </a:prstGeom>
+          <a:noFill/>
+          <a:ln>
+            <a:noFill/>
+          </a:ln>
+        </p:spPr>
+        <p:txBody>
+          <a:bodyPr anchorCtr="0" anchor="t" bIns="91425" lIns="91425" spcFirstLastPara="1" rIns="91425" wrap="square" tIns="91425">
+            <a:normAutofit/>
+          </a:bodyPr>
+          <a:lstStyle/>
+          <a:p>
+            <a:pPr indent="0" lvl="0" marL="0" marR="0" rtl="0" algn="l">
+              <a:lnSpc>
+                <a:spcPct val="100000"/>
+              </a:lnSpc>
+              <a:spcBef>
+                <a:spcPts val="0"/>
+              </a:spcBef>
+              <a:spcAft>
+                <a:spcPts val="0"/>
+              </a:spcAft>
+              <a:buClr>
+                <a:srgbClr val="000000"/>
+              </a:buClr>
+              <a:buSzPts val="1800"/>
+              <a:buFont typeface="Arial"/>
+              <a:buNone/>
+            </a:pPr>
+            <a:r>
+              <a:rPr i="0" lang="ru" sz="1000" u="none" cap="none" strike="noStrike">
+                <a:solidFill>
+                  <a:schemeClr val="accent1"/>
+                </a:solidFill>
+                <a:latin typeface="Calibri"/>
+                <a:ea typeface="Calibri"/>
+                <a:cs typeface="Calibri"/>
+                <a:sym typeface="Calibri"/>
+              </a:rPr>
+              <a:t>1725 год: Смерть Петра I, завершение его реформ.</a:t>
+            </a:r>
+            <a:endParaRPr i="0" sz="1000" u="none" cap="none" strike="noStrike">
+              <a:solidFill>
+                <a:schemeClr val="accent1"/>
+              </a:solidFill>
+              <a:latin typeface="Calibri"/>
+              <a:ea typeface="Calibri"/>
+              <a:cs typeface="Calibri"/>
+              <a:sym typeface="Calibri"/>
+            </a:endParaRPr>
+          </a:p>
+        </p:txBody>
+      </p:sp>
+      <p:cxnSp>
+        <p:nvCxnSpPr>
+          <p:cNvPr id="229" name="Google Shape;229;p8"/>
+          <p:cNvCxnSpPr/>
+          <p:nvPr/>
+        </p:nvCxnSpPr>
+        <p:spPr>
+          <a:xfrm>
+            <a:off x="2150" y="966675"/>
+            <a:ext cx="9196200" cy="0"/>
+          </a:xfrm>
+          <a:prstGeom prst="straightConnector1">
+            <a:avLst/>
+          </a:prstGeom>
+          <a:noFill/>
+          <a:ln cap="flat" cmpd="sng" w="19050">
+            <a:solidFill>
+              <a:srgbClr val="FEBF23"/>
+            </a:solidFill>
+            <a:prstDash val="solid"/>
+            <a:round/>
+            <a:headEnd len="med" w="med" type="none"/>
+            <a:tailEnd len="med" w="med" type="none"/>
+          </a:ln>
+        </p:spPr>
+      </p:cxnSp>
+      <p:sp>
+        <p:nvSpPr>
+          <p:cNvPr id="230" name="Google Shape;230;p8"/>
+          <p:cNvSpPr/>
+          <p:nvPr/>
+        </p:nvSpPr>
+        <p:spPr>
+          <a:xfrm>
+            <a:off x="-1420075" y="-59875"/>
+            <a:ext cx="1315200" cy="690300"/>
+          </a:xfrm>
+          <a:prstGeom prst="rect">
+            <a:avLst/>
+          </a:prstGeom>
+          <a:solidFill>
+            <a:srgbClr val="F8FAFD"/>
+          </a:solidFill>
+          <a:ln>
+            <a:noFill/>
+          </a:ln>
+        </p:spPr>
+        <p:txBody>
+          <a:bodyPr anchorCtr="0" anchor="ctr" bIns="91425" lIns="91425" spcFirstLastPara="1" rIns="91425" wrap="square" tIns="91425">
+            <a:noAutofit/>
+          </a:bodyPr>
+          <a:lstStyle/>
+          <a:p>
+            <a:pPr indent="0" lvl="0" marL="0" rtl="0" algn="ctr">
+              <a:spcBef>
+                <a:spcPts val="0"/>
+              </a:spcBef>
+              <a:spcAft>
+                <a:spcPts val="0"/>
+              </a:spcAft>
+              <a:buNone/>
+            </a:pPr>
+            <a:r>
+              <a:t/>
+            </a:r>
+            <a:endParaRPr>
+              <a:latin typeface="Calibri"/>
+              <a:ea typeface="Calibri"/>
+              <a:cs typeface="Calibri"/>
+              <a:sym typeface="Calibri"/>
+            </a:endParaRPr>
+          </a:p>
+        </p:txBody>
+      </p:sp>
+    </p:spTree>
+  </p:cSld>
+  <p:clrMapOvr>
+    <a:masterClrMapping/>
+  </p:clrMapOvr>
+</p:sld>
+</file>
+
+<file path=ppt/slides/slide6.xml><?xml version="1.0" encoding="utf-8"?>
+<p:sld xmlns:a="http://schemas.openxmlformats.org/drawingml/2006/main" xmlns:r="http://schemas.openxmlformats.org/officeDocument/2006/relationships" xmlns:mc="http://schemas.openxmlformats.org/markup-compatibility/2006" xmlns:mv="urn:schemas-microsoft-com:mac:vml" xmlns:p="http://schemas.openxmlformats.org/presentationml/2006/main" xmlns:c="http://schemas.openxmlformats.org/drawingml/2006/chart" xmlns:dgm="http://schemas.openxmlformats.org/drawingml/2006/diagram" xmlns:o="urn:schemas-microsoft-com:office:office" xmlns:v="urn:schemas-microsoft-com:vml" xmlns:pvml="urn:schemas-microsoft-com:office:powerpoint" xmlns:com="http://schemas.openxmlformats.org/drawingml/2006/compatibility" xmlns:p14="http://schemas.microsoft.com/office/powerpoint/2010/main" xmlns:p15="http://schemas.microsoft.com/office/powerpoint/2012/main" xmlns:ahyp="http://schemas.microsoft.com/office/drawing/2018/hyperlinkcolor">
+  <p:cSld>
+    <p:spTree>
+      <p:nvGrpSpPr>
+        <p:cNvPr id="196" name="Shape 196"/>
+        <p:cNvGrpSpPr/>
+        <p:nvPr/>
+      </p:nvGrpSpPr>
+      <p:grpSpPr>
+        <a:xfrm>
+          <a:off x="0" y="0"/>
+          <a:ext cx="0" cy="0"/>
+          <a:chOff x="0" y="0"/>
+          <a:chExt cx="0" cy="0"/>
+        </a:xfrm>
+      </p:grpSpPr>
+      <p:sp>
+        <p:nvSpPr>
+          <p:cNvPr id="197" name="Google Shape;197;p6"/>
+          <p:cNvSpPr txBox="1"/>
+          <p:nvPr>
+            <p:ph type="ctrTitle"/>
+          </p:nvPr>
+        </p:nvSpPr>
+        <p:spPr>
+          <a:xfrm>
+            <a:off x="3167375" y="221450"/>
+            <a:ext cx="5348100" cy="1087500"/>
+          </a:xfrm>
+          <a:prstGeom prst="rect">
+            <a:avLst/>
+          </a:prstGeom>
+          <a:noFill/>
+          <a:ln>
+            <a:noFill/>
+          </a:ln>
+        </p:spPr>
+        <p:txBody>
+          <a:bodyPr anchorCtr="0" anchor="b" bIns="34275" lIns="68575" spcFirstLastPara="1" rIns="68575" wrap="square" tIns="34275">
+            <a:normAutofit/>
+          </a:bodyPr>
+          <a:lstStyle/>
+          <a:p>
+            <a:pPr indent="0" lvl="0" marL="0" rtl="0" algn="r">
+              <a:lnSpc>
+                <a:spcPct val="90000"/>
+              </a:lnSpc>
+              <a:spcBef>
+                <a:spcPts val="0"/>
+              </a:spcBef>
+              <a:spcAft>
+                <a:spcPts val="0"/>
+              </a:spcAft>
+              <a:buSzPts val="4500"/>
+              <a:buNone/>
+            </a:pPr>
+            <a:r>
+              <a:rPr lang="ru"/>
+              <a:t>Культурные и научные реформы Петра I</a:t>
+            </a:r>
+            <a:endParaRPr/>
+          </a:p>
+        </p:txBody>
+      </p:sp>
+      <p:sp>
+        <p:nvSpPr>
+          <p:cNvPr id="198" name="Google Shape;198;p6"/>
+          <p:cNvSpPr txBox="1"/>
+          <p:nvPr>
+            <p:ph idx="1" type="subTitle"/>
+          </p:nvPr>
+        </p:nvSpPr>
+        <p:spPr>
+          <a:xfrm>
+            <a:off x="5102875" y="1533425"/>
+            <a:ext cx="3817500" cy="3379200"/>
+          </a:xfrm>
+          <a:prstGeom prst="rect">
+            <a:avLst/>
+          </a:prstGeom>
+          <a:noFill/>
+          <a:ln>
+            <a:noFill/>
+          </a:ln>
+        </p:spPr>
+        <p:txBody>
+          <a:bodyPr anchorCtr="0" anchor="t" bIns="34275" lIns="68575" spcFirstLastPara="1" rIns="68575" wrap="square" tIns="34275">
+            <a:normAutofit/>
+          </a:bodyPr>
+          <a:lstStyle/>
+          <a:p>
+            <a:pPr algn="l" marL="342900" indent="-342900">
+              <a:buChar char="•"/>
+            </a:pPr>
+            <a:r>
+              <a:rPr lang="ru"/>
+              <a:t>Пётр I активно поощрял западные традиции, приглашая иностранных специалистов для развития науки и образования.</a:t>
+            </a:r>
+          </a:p>
+          <a:p>
+            <a:pPr algn="l" marL="342900" indent="-342900">
+              <a:buChar char="•"/>
+            </a:pPr>
+            <a:r>
+              <a:rPr lang="ru"/>
+              <a:t>Он основал новые учебные заведения, что способствовало распространению знаний и культурных ценностей в России.</a:t>
+            </a:r>
+          </a:p>
+          <a:p>
+            <a:pPr algn="l" marL="342900" indent="-342900">
+              <a:buChar char="•"/>
+            </a:pPr>
+            <a:r>
+              <a:rPr lang="ru"/>
+              <a:t>Пётр внедрил европейские стандарты в искусство и архитектуру, что изменило облик российских городов.</a:t>
+            </a:r>
+          </a:p>
+          <a:p>
+            <a:pPr algn="l" marL="342900" indent="-342900">
+              <a:buChar char="•"/>
+            </a:pPr>
+            <a:r>
+              <a:rPr lang="ru"/>
+              <a:t>Эти реформы способствовали интеграции России в европейскую цивилизацию и изменили культурный ландшафт страны.</a:t>
+            </a:r>
+          </a:p>
+          <a:p>
+            <a:pPr indent="0" lvl="0" marL="0" rtl="0" algn="ctr">
+              <a:lnSpc>
+                <a:spcPct val="90000"/>
+              </a:lnSpc>
+              <a:spcBef>
+                <a:spcPts val="900"/>
+              </a:spcBef>
+              <a:spcAft>
+                <a:spcPts val="900"/>
+              </a:spcAft>
+              <a:buSzPts val="1800"/>
+              <a:buNone/>
+            </a:pPr>
+            <a:r>
+              <a:t/>
+            </a:r>
+            <a:endParaRPr/>
+          </a:p>
+        </p:txBody>
+      </p:sp>
+      <p:sp>
+        <p:nvSpPr>
+          <p:cNvPr id="199" name="Google Shape;199;p6"/>
+          <p:cNvSpPr/>
+          <p:nvPr/>
+        </p:nvSpPr>
+        <p:spPr>
+          <a:xfrm>
+            <a:off x="-1420075" y="-59875"/>
+            <a:ext cx="1315200" cy="690300"/>
+          </a:xfrm>
+          <a:prstGeom prst="rect">
+            <a:avLst/>
+          </a:prstGeom>
+          <a:solidFill>
+            <a:srgbClr val="F8FAFD"/>
+          </a:solidFill>
+          <a:ln>
+            <a:noFill/>
+          </a:ln>
+        </p:spPr>
+        <p:txBody>
+          <a:bodyPr anchorCtr="0" anchor="ctr" bIns="91425" lIns="91425" spcFirstLastPara="1" rIns="91425" wrap="square" tIns="91425">
+            <a:noAutofit/>
+          </a:bodyPr>
+          <a:lstStyle/>
+          <a:p>
+            <a:pPr indent="0" lvl="0" marL="0" rtl="0" algn="ctr">
+              <a:spcBef>
+                <a:spcPts val="0"/>
+              </a:spcBef>
+              <a:spcAft>
+                <a:spcPts val="0"/>
+              </a:spcAft>
+              <a:buNone/>
+            </a:pPr>
+            <a:r>
+              <a:t/>
+            </a:r>
+            <a:endParaRPr>
+              <a:latin typeface="Calibri"/>
+              <a:ea typeface="Calibri"/>
+              <a:cs typeface="Calibri"/>
+              <a:sym typeface="Calibri"/>
+            </a:endParaRPr>
+          </a:p>
+        </p:txBody>
+      </p:sp>
+    </p:spTree>
+  </p:cSld>
+  <p:clrMapOvr>
+    <a:masterClrMapping/>
+  </p:clrMapOvr>
+</p:sld>
+</file>
+
+<file path=ppt/slides/slide7.xml><?xml version="1.0" encoding="utf-8"?>
+<p:sld xmlns:a="http://schemas.openxmlformats.org/drawingml/2006/main" xmlns:r="http://schemas.openxmlformats.org/officeDocument/2006/relationships" xmlns:mc="http://schemas.openxmlformats.org/markup-compatibility/2006" xmlns:mv="urn:schemas-microsoft-com:mac:vml" xmlns:p="http://schemas.openxmlformats.org/presentationml/2006/main" xmlns:c="http://schemas.openxmlformats.org/drawingml/2006/chart" xmlns:dgm="http://schemas.openxmlformats.org/drawingml/2006/diagram" xmlns:o="urn:schemas-microsoft-com:office:office" xmlns:v="urn:schemas-microsoft-com:vml" xmlns:pvml="urn:schemas-microsoft-com:office:powerpoint" xmlns:com="http://schemas.openxmlformats.org/drawingml/2006/compatibility" xmlns:p14="http://schemas.microsoft.com/office/powerpoint/2010/main" xmlns:p15="http://schemas.microsoft.com/office/powerpoint/2012/main" xmlns:ahyp="http://schemas.microsoft.com/office/drawing/2018/hyperlinkcolor">
+  <p:cSld>
+    <p:spTree>
+      <p:nvGrpSpPr>
+        <p:cNvPr id="178" name="Shape 178"/>
+        <p:cNvGrpSpPr/>
+        <p:nvPr/>
+      </p:nvGrpSpPr>
+      <p:grpSpPr>
+        <a:xfrm>
+          <a:off x="0" y="0"/>
+          <a:ext cx="0" cy="0"/>
+          <a:chOff x="0" y="0"/>
+          <a:chExt cx="0" cy="0"/>
+        </a:xfrm>
+      </p:grpSpPr>
+      <p:sp>
+        <p:nvSpPr>
+          <p:cNvPr id="179" name="Google Shape;179;p4"/>
+          <p:cNvSpPr txBox="1"/>
+          <p:nvPr>
+            <p:ph type="title"/>
+          </p:nvPr>
+        </p:nvSpPr>
+        <p:spPr>
+          <a:xfrm>
+            <a:off x="258775" y="148650"/>
+            <a:ext cx="8682900" cy="743100"/>
+          </a:xfrm>
+          <a:prstGeom prst="rect">
+            <a:avLst/>
+          </a:prstGeom>
+          <a:noFill/>
+          <a:ln>
+            <a:noFill/>
+          </a:ln>
+        </p:spPr>
+        <p:txBody>
+          <a:bodyPr anchorCtr="0" anchor="ctr" bIns="34275" lIns="68575" spcFirstLastPara="1" rIns="68575" wrap="square" tIns="34275">
+            <a:normAutofit/>
+          </a:bodyPr>
+          <a:lstStyle/>
+          <a:p>
+            <a:pPr indent="0" lvl="0" marL="0" rtl="0" algn="ctr">
+              <a:lnSpc>
+                <a:spcPct val="90000"/>
+              </a:lnSpc>
+              <a:spcBef>
+                <a:spcPts val="0"/>
+              </a:spcBef>
+              <a:spcAft>
+                <a:spcPts val="0"/>
+              </a:spcAft>
+              <a:buSzPts val="3300"/>
+              <a:buNone/>
+            </a:pPr>
+            <a:r>
+              <a:rPr lang="ru"/>
+              <a:t>Сравнение экономических преобразований</a:t>
+            </a:r>
+            <a:endParaRPr/>
+          </a:p>
+        </p:txBody>
+      </p:sp>
+      <p:sp>
+        <p:nvSpPr>
+          <p:cNvPr id="180" name="Google Shape;180;p4"/>
+          <p:cNvSpPr txBox="1"/>
+          <p:nvPr>
+            <p:ph idx="1" type="body"/>
+          </p:nvPr>
+        </p:nvSpPr>
+        <p:spPr>
+          <a:xfrm>
+            <a:off x="354775" y="1859600"/>
+            <a:ext cx="4033800" cy="2753100"/>
+          </a:xfrm>
+          <a:prstGeom prst="rect">
+            <a:avLst/>
+          </a:prstGeom>
+          <a:noFill/>
+          <a:ln>
+            <a:noFill/>
+          </a:ln>
+        </p:spPr>
+        <p:txBody>
+          <a:bodyPr anchorCtr="0" anchor="ctr" bIns="34275" lIns="68575" spcFirstLastPara="1" rIns="68575" wrap="square" tIns="34275">
+            <a:normAutofit/>
+          </a:bodyPr>
+          <a:lstStyle/>
+          <a:p>
+            <a:pPr algn="l" marL="342900" indent="-342900">
+              <a:buChar char="•"/>
+            </a:pPr>
+            <a:r>
+              <a:rPr lang="ru" sz="1800"/>
+              <a:t>Экономика была преимущественно аграрной.</a:t>
+            </a:r>
+          </a:p>
+          <a:p>
+            <a:pPr algn="l" marL="342900" indent="-342900">
+              <a:buChar char="•"/>
+            </a:pPr>
+            <a:r>
+              <a:rPr lang="ru" sz="1800"/>
+              <a:t>Отсутствие развитой промышленности и торговли.</a:t>
+            </a:r>
+          </a:p>
+          <a:p>
+            <a:pPr algn="l" marL="342900" indent="-342900">
+              <a:buChar char="•"/>
+            </a:pPr>
+            <a:r>
+              <a:rPr lang="ru" sz="1800"/>
+              <a:t>Низкий уровень налоговых поступлений.</a:t>
+            </a:r>
+          </a:p>
+        </p:txBody>
+      </p:sp>
+      <p:sp>
+        <p:nvSpPr>
+          <p:cNvPr id="181" name="Google Shape;181;p4"/>
+          <p:cNvSpPr txBox="1"/>
+          <p:nvPr/>
+        </p:nvSpPr>
+        <p:spPr>
+          <a:xfrm>
+            <a:off x="354775" y="1250575"/>
+            <a:ext cx="4033800" cy="554100"/>
+          </a:xfrm>
+          <a:prstGeom prst="rect">
+            <a:avLst/>
+          </a:prstGeom>
+          <a:noFill/>
+          <a:ln>
+            <a:noFill/>
+          </a:ln>
+        </p:spPr>
+        <p:txBody>
+          <a:bodyPr anchorCtr="0" anchor="t" bIns="91425" lIns="91425" spcFirstLastPara="1" rIns="91425" wrap="square" tIns="91425">
+            <a:spAutoFit/>
+          </a:bodyPr>
+          <a:lstStyle/>
+          <a:p>
+            <a:pPr indent="0" lvl="0" marL="0" marR="0" rtl="0" algn="l">
+              <a:lnSpc>
+                <a:spcPct val="100000"/>
+              </a:lnSpc>
+              <a:spcBef>
+                <a:spcPts val="0"/>
+              </a:spcBef>
+              <a:spcAft>
+                <a:spcPts val="0"/>
+              </a:spcAft>
+              <a:buClr>
+                <a:srgbClr val="000000"/>
+              </a:buClr>
+              <a:buSzPts val="1800"/>
+              <a:buFont typeface="Arial"/>
+              <a:buNone/>
+            </a:pPr>
+            <a:r>
+              <a:rPr i="0" lang="ru" sz="2400" u="none" cap="none" strike="noStrike">
+                <a:solidFill>
+                  <a:srgbClr val="CEEAE3"/>
+                </a:solidFill>
+                <a:latin typeface="Calibri"/>
+                <a:ea typeface="Calibri"/>
+                <a:cs typeface="Calibri"/>
+                <a:sym typeface="Calibri"/>
+              </a:rPr>
+              <a:t>До реформ Петра I</a:t>
+            </a:r>
+            <a:endParaRPr i="0" sz="2400" u="none" cap="none" strike="noStrike">
+              <a:solidFill>
+                <a:srgbClr val="CEEAE3"/>
+              </a:solidFill>
+              <a:latin typeface="Calibri"/>
+              <a:ea typeface="Calibri"/>
+              <a:cs typeface="Calibri"/>
+              <a:sym typeface="Calibri"/>
+            </a:endParaRPr>
+          </a:p>
+        </p:txBody>
+      </p:sp>
+      <p:sp>
+        <p:nvSpPr>
+          <p:cNvPr id="182" name="Google Shape;182;p4"/>
+          <p:cNvSpPr txBox="1"/>
+          <p:nvPr>
+            <p:ph idx="1" type="body"/>
+          </p:nvPr>
+        </p:nvSpPr>
+        <p:spPr>
+          <a:xfrm>
+            <a:off x="4572000" y="1859600"/>
+            <a:ext cx="4369800" cy="2753100"/>
+          </a:xfrm>
+          <a:prstGeom prst="rect">
+            <a:avLst/>
+          </a:prstGeom>
+          <a:noFill/>
+          <a:ln>
+            <a:noFill/>
+          </a:ln>
+        </p:spPr>
+        <p:txBody>
+          <a:bodyPr anchorCtr="0" anchor="ctr" bIns="34275" lIns="68575" spcFirstLastPara="1" rIns="68575" wrap="square" tIns="34275">
+            <a:normAutofit/>
+          </a:bodyPr>
+          <a:lstStyle/>
+          <a:p>
+            <a:pPr algn="l" marL="342900" indent="-342900">
+              <a:buChar char="•"/>
+            </a:pPr>
+            <a:r>
+              <a:rPr lang="ru" sz="1800">
+                <a:solidFill>
+                  <a:srgbClr val="CEEAE3"/>
+                </a:solidFill>
+              </a:rPr>
+              <a:t>Развитие промышленности и торговли.</a:t>
+            </a:r>
+          </a:p>
+          <a:p>
+            <a:pPr algn="l" marL="342900" indent="-342900">
+              <a:buChar char="•"/>
+            </a:pPr>
+            <a:r>
+              <a:rPr lang="ru" sz="1800">
+                <a:solidFill>
+                  <a:srgbClr val="CEEAE3"/>
+                </a:solidFill>
+              </a:rPr>
+              <a:t>Создание эффективной налоговой системы.</a:t>
+            </a:r>
+          </a:p>
+          <a:p>
+            <a:pPr algn="l" marL="342900" indent="-342900">
+              <a:buChar char="•"/>
+            </a:pPr>
+            <a:r>
+              <a:rPr lang="ru" sz="1800">
+                <a:solidFill>
+                  <a:srgbClr val="CEEAE3"/>
+                </a:solidFill>
+              </a:rPr>
+              <a:t>Увеличение финансовых ресурсов государства.</a:t>
+            </a:r>
+          </a:p>
+        </p:txBody>
+      </p:sp>
+      <p:sp>
+        <p:nvSpPr>
+          <p:cNvPr id="183" name="Google Shape;183;p4"/>
+          <p:cNvSpPr txBox="1"/>
+          <p:nvPr/>
+        </p:nvSpPr>
+        <p:spPr>
+          <a:xfrm>
+            <a:off x="4572000" y="1250575"/>
+            <a:ext cx="4369800" cy="554100"/>
+          </a:xfrm>
+          <a:prstGeom prst="rect">
+            <a:avLst/>
+          </a:prstGeom>
+          <a:noFill/>
+          <a:ln>
+            <a:noFill/>
+          </a:ln>
+        </p:spPr>
+        <p:txBody>
+          <a:bodyPr anchorCtr="0" anchor="t" bIns="91425" lIns="91425" spcFirstLastPara="1" rIns="91425" wrap="square" tIns="91425">
+            <a:spAutoFit/>
+          </a:bodyPr>
+          <a:lstStyle/>
+          <a:p>
+            <a:pPr indent="0" lvl="0" marL="0" marR="0" rtl="0" algn="l">
+              <a:lnSpc>
+                <a:spcPct val="100000"/>
+              </a:lnSpc>
+              <a:spcBef>
+                <a:spcPts val="0"/>
+              </a:spcBef>
+              <a:spcAft>
+                <a:spcPts val="0"/>
+              </a:spcAft>
+              <a:buClr>
+                <a:srgbClr val="000000"/>
+              </a:buClr>
+              <a:buSzPts val="1800"/>
+              <a:buFont typeface="Arial"/>
+              <a:buNone/>
+            </a:pPr>
+            <a:r>
+              <a:rPr i="0" lang="ru" sz="2400" u="none" cap="none" strike="noStrike">
+                <a:solidFill>
+                  <a:srgbClr val="CEEAE3"/>
+                </a:solidFill>
+                <a:latin typeface="Calibri"/>
+                <a:ea typeface="Calibri"/>
+                <a:cs typeface="Calibri"/>
+                <a:sym typeface="Calibri"/>
+              </a:rPr>
+              <a:t>После реформ Петра I</a:t>
+            </a:r>
+            <a:endParaRPr i="0" sz="2400" u="none" cap="none" strike="noStrike">
+              <a:solidFill>
+                <a:srgbClr val="CEEAE3"/>
+              </a:solidFill>
+              <a:latin typeface="Calibri"/>
+              <a:ea typeface="Calibri"/>
+              <a:cs typeface="Calibri"/>
+              <a:sym typeface="Calibri"/>
+            </a:endParaRPr>
+          </a:p>
+        </p:txBody>
+      </p:sp>
+      <p:cxnSp>
+        <p:nvCxnSpPr>
+          <p:cNvPr id="184" name="Google Shape;184;p4"/>
+          <p:cNvCxnSpPr/>
+          <p:nvPr/>
+        </p:nvCxnSpPr>
+        <p:spPr>
+          <a:xfrm>
+            <a:off x="2150" y="966675"/>
+            <a:ext cx="9196200" cy="0"/>
+          </a:xfrm>
+          <a:prstGeom prst="straightConnector1">
+            <a:avLst/>
+          </a:prstGeom>
+          <a:noFill/>
+          <a:ln cap="flat" cmpd="sng" w="19050">
+            <a:solidFill>
+              <a:srgbClr val="FEBF23"/>
+            </a:solidFill>
+            <a:prstDash val="solid"/>
+            <a:round/>
+            <a:headEnd len="med" w="med" type="none"/>
+            <a:tailEnd len="med" w="med" type="none"/>
+          </a:ln>
+        </p:spPr>
+      </p:cxnSp>
+      <p:sp>
+        <p:nvSpPr>
+          <p:cNvPr id="185" name="Google Shape;185;p4"/>
           <p:cNvSpPr/>
           <p:nvPr/>
         </p:nvSpPr>
